--- a/Sun_check_algorithm/sun_based_loacalization.pptx
+++ b/Sun_check_algorithm/sun_based_loacalization.pptx
@@ -48,6 +48,10 @@
     <p:sldId id="287" r:id="rId41"/>
     <p:sldId id="288" r:id="rId42"/>
     <p:sldId id="289" r:id="rId43"/>
+    <p:sldId id="290" r:id="rId44"/>
+    <p:sldId id="291" r:id="rId45"/>
+    <p:sldId id="292" r:id="rId46"/>
+    <p:sldId id="293" r:id="rId47"/>
   </p:sldIdLst>
   <p:sldSz cx="9144000" cy="6858000"/>
   <p:notesSz cx="6858000" cy="9144000"/>
@@ -331,7 +335,7 @@
             <a:pPr algn="r">
               <a:buNone/>
             </a:pPr>
-            <a:fld id="{C1017790-D45D-4CF7-8008-607AAE5B7053}" type="slidenum">
+            <a:fld id="{641A9707-A6C0-4C5D-991F-B5EE31033351}" type="slidenum">
               <a:rPr b="0" lang="en-US" sz="1400" spc="-1" strike="noStrike">
                 <a:latin typeface="Times New Roman"/>
               </a:rPr>
@@ -368,7 +372,7 @@
       </p:grpSpPr>
       <p:sp>
         <p:nvSpPr>
-          <p:cNvPr id="427" name="PlaceHolder 1"/>
+          <p:cNvPr id="435" name="PlaceHolder 1"/>
           <p:cNvSpPr>
             <a:spLocks noGrp="1"/>
           </p:cNvSpPr>
@@ -391,7 +395,7 @@
       </p:sp>
       <p:sp>
         <p:nvSpPr>
-          <p:cNvPr id="428" name="PlaceHolder 2"/>
+          <p:cNvPr id="436" name="PlaceHolder 2"/>
           <p:cNvSpPr>
             <a:spLocks noGrp="1"/>
           </p:cNvSpPr>
@@ -425,7 +429,7 @@
       </p:sp>
       <p:sp>
         <p:nvSpPr>
-          <p:cNvPr id="429" name="PlaceHolder 3"/>
+          <p:cNvPr id="437" name="PlaceHolder 3"/>
           <p:cNvSpPr>
             <a:spLocks noGrp="1"/>
           </p:cNvSpPr>
@@ -468,7 +472,7 @@
               </a:lnSpc>
               <a:buNone/>
             </a:pPr>
-            <a:fld id="{A0BAC0F1-6ABA-4137-BEA7-44AEBDE291C3}" type="slidenum">
+            <a:fld id="{D3AC9F5E-1700-4D9F-8C4B-0EC393495617}" type="slidenum">
               <a:rPr b="0" lang="en-US" sz="1200" spc="-1" strike="noStrike">
                 <a:latin typeface="Times New Roman"/>
               </a:rPr>
@@ -504,7 +508,7 @@
       </p:grpSpPr>
       <p:sp>
         <p:nvSpPr>
-          <p:cNvPr id="454" name="PlaceHolder 1"/>
+          <p:cNvPr id="462" name="PlaceHolder 1"/>
           <p:cNvSpPr>
             <a:spLocks noGrp="1"/>
           </p:cNvSpPr>
@@ -527,7 +531,7 @@
       </p:sp>
       <p:sp>
         <p:nvSpPr>
-          <p:cNvPr id="455" name="PlaceHolder 2"/>
+          <p:cNvPr id="463" name="PlaceHolder 2"/>
           <p:cNvSpPr>
             <a:spLocks noGrp="1"/>
           </p:cNvSpPr>
@@ -561,7 +565,7 @@
       </p:sp>
       <p:sp>
         <p:nvSpPr>
-          <p:cNvPr id="456" name="PlaceHolder 3"/>
+          <p:cNvPr id="464" name="PlaceHolder 3"/>
           <p:cNvSpPr>
             <a:spLocks noGrp="1"/>
           </p:cNvSpPr>
@@ -604,7 +608,7 @@
               </a:lnSpc>
               <a:buNone/>
             </a:pPr>
-            <a:fld id="{B7EA4C6D-9086-4139-9E09-7F20F371929F}" type="slidenum">
+            <a:fld id="{C25F6245-208B-404B-A457-175CC214C3B4}" type="slidenum">
               <a:rPr b="0" lang="en-US" sz="1200" spc="-1" strike="noStrike">
                 <a:latin typeface="Times New Roman"/>
               </a:rPr>
@@ -640,7 +644,7 @@
       </p:grpSpPr>
       <p:sp>
         <p:nvSpPr>
-          <p:cNvPr id="457" name="PlaceHolder 1"/>
+          <p:cNvPr id="465" name="PlaceHolder 1"/>
           <p:cNvSpPr>
             <a:spLocks noGrp="1"/>
           </p:cNvSpPr>
@@ -663,7 +667,7 @@
       </p:sp>
       <p:sp>
         <p:nvSpPr>
-          <p:cNvPr id="458" name="PlaceHolder 2"/>
+          <p:cNvPr id="466" name="PlaceHolder 2"/>
           <p:cNvSpPr>
             <a:spLocks noGrp="1"/>
           </p:cNvSpPr>
@@ -697,7 +701,7 @@
       </p:sp>
       <p:sp>
         <p:nvSpPr>
-          <p:cNvPr id="459" name="PlaceHolder 3"/>
+          <p:cNvPr id="467" name="PlaceHolder 3"/>
           <p:cNvSpPr>
             <a:spLocks noGrp="1"/>
           </p:cNvSpPr>
@@ -740,7 +744,7 @@
               </a:lnSpc>
               <a:buNone/>
             </a:pPr>
-            <a:fld id="{1A0EE6D6-235E-4F57-AC45-0D744ADECC1A}" type="slidenum">
+            <a:fld id="{D8CDF935-1539-4FB6-9FB6-48787EAA7600}" type="slidenum">
               <a:rPr b="0" lang="en-US" sz="1200" spc="-1" strike="noStrike">
                 <a:latin typeface="Times New Roman"/>
               </a:rPr>
@@ -776,7 +780,7 @@
       </p:grpSpPr>
       <p:sp>
         <p:nvSpPr>
-          <p:cNvPr id="460" name="PlaceHolder 1"/>
+          <p:cNvPr id="468" name="PlaceHolder 1"/>
           <p:cNvSpPr>
             <a:spLocks noGrp="1"/>
           </p:cNvSpPr>
@@ -799,7 +803,7 @@
       </p:sp>
       <p:sp>
         <p:nvSpPr>
-          <p:cNvPr id="461" name="PlaceHolder 2"/>
+          <p:cNvPr id="469" name="PlaceHolder 2"/>
           <p:cNvSpPr>
             <a:spLocks noGrp="1"/>
           </p:cNvSpPr>
@@ -825,15 +829,40 @@
             <a:noAutofit/>
           </a:bodyPr>
           <a:p>
-            <a:endParaRPr b="0" lang="en-US" sz="2000" spc="-1" strike="noStrike">
-              <a:latin typeface="Arial"/>
-            </a:endParaRPr>
-          </a:p>
-        </p:txBody>
-      </p:sp>
-      <p:sp>
-        <p:nvSpPr>
-          <p:cNvPr id="462" name="PlaceHolder 3"/>
+            <a:pPr marL="216000" indent="-216000">
+              <a:lnSpc>
+                <a:spcPts val="3379"/>
+              </a:lnSpc>
+              <a:spcBef>
+                <a:spcPts val="751"/>
+              </a:spcBef>
+              <a:spcAft>
+                <a:spcPts val="601"/>
+              </a:spcAft>
+              <a:buNone/>
+              <a:tabLst>
+                <a:tab algn="l" pos="0"/>
+              </a:tabLst>
+            </a:pPr>
+            <a:r>
+              <a:rPr b="0" lang="en-US" sz="2400" spc="-1" strike="noStrike">
+                <a:solidFill>
+                  <a:srgbClr val="000000"/>
+                </a:solidFill>
+                <a:latin typeface="Arial"/>
+                <a:ea typeface="Noto Sans CJK SC"/>
+              </a:rPr>
+              <a:t>NOAA = National Oceanic and Atmospheric Administration</a:t>
+            </a:r>
+            <a:endParaRPr b="0" lang="en-US" sz="2400" spc="-1" strike="noStrike">
+              <a:latin typeface="Arial"/>
+            </a:endParaRPr>
+          </a:p>
+        </p:txBody>
+      </p:sp>
+      <p:sp>
+        <p:nvSpPr>
+          <p:cNvPr id="470" name="PlaceHolder 3"/>
           <p:cNvSpPr>
             <a:spLocks noGrp="1"/>
           </p:cNvSpPr>
@@ -876,7 +905,7 @@
               </a:lnSpc>
               <a:buNone/>
             </a:pPr>
-            <a:fld id="{6D57B3E9-F72B-4D9F-86D6-7F6AF416C886}" type="slidenum">
+            <a:fld id="{D3E9489B-69EB-4901-B265-5DB259132D9C}" type="slidenum">
               <a:rPr b="0" lang="en-US" sz="1200" spc="-1" strike="noStrike">
                 <a:latin typeface="Times New Roman"/>
               </a:rPr>
@@ -912,7 +941,7 @@
       </p:grpSpPr>
       <p:sp>
         <p:nvSpPr>
-          <p:cNvPr id="463" name="PlaceHolder 1"/>
+          <p:cNvPr id="471" name="PlaceHolder 1"/>
           <p:cNvSpPr>
             <a:spLocks noGrp="1"/>
           </p:cNvSpPr>
@@ -935,7 +964,7 @@
       </p:sp>
       <p:sp>
         <p:nvSpPr>
-          <p:cNvPr id="464" name="PlaceHolder 2"/>
+          <p:cNvPr id="472" name="PlaceHolder 2"/>
           <p:cNvSpPr>
             <a:spLocks noGrp="1"/>
           </p:cNvSpPr>
@@ -969,7 +998,7 @@
       </p:sp>
       <p:sp>
         <p:nvSpPr>
-          <p:cNvPr id="465" name="PlaceHolder 3"/>
+          <p:cNvPr id="473" name="PlaceHolder 3"/>
           <p:cNvSpPr>
             <a:spLocks noGrp="1"/>
           </p:cNvSpPr>
@@ -1012,7 +1041,7 @@
               </a:lnSpc>
               <a:buNone/>
             </a:pPr>
-            <a:fld id="{8857B5B4-0712-4830-B469-044D15C2F4C4}" type="slidenum">
+            <a:fld id="{F7B12EED-813B-4103-AAAB-43A960015569}" type="slidenum">
               <a:rPr b="0" lang="en-US" sz="1200" spc="-1" strike="noStrike">
                 <a:latin typeface="Times New Roman"/>
               </a:rPr>
@@ -1048,7 +1077,7 @@
       </p:grpSpPr>
       <p:sp>
         <p:nvSpPr>
-          <p:cNvPr id="466" name="PlaceHolder 1"/>
+          <p:cNvPr id="474" name="PlaceHolder 1"/>
           <p:cNvSpPr>
             <a:spLocks noGrp="1"/>
           </p:cNvSpPr>
@@ -1071,7 +1100,7 @@
       </p:sp>
       <p:sp>
         <p:nvSpPr>
-          <p:cNvPr id="467" name="PlaceHolder 2"/>
+          <p:cNvPr id="475" name="PlaceHolder 2"/>
           <p:cNvSpPr>
             <a:spLocks noGrp="1"/>
           </p:cNvSpPr>
@@ -1105,7 +1134,7 @@
       </p:sp>
       <p:sp>
         <p:nvSpPr>
-          <p:cNvPr id="468" name="PlaceHolder 3"/>
+          <p:cNvPr id="476" name="PlaceHolder 3"/>
           <p:cNvSpPr>
             <a:spLocks noGrp="1"/>
           </p:cNvSpPr>
@@ -1148,7 +1177,7 @@
               </a:lnSpc>
               <a:buNone/>
             </a:pPr>
-            <a:fld id="{2828C21F-532E-444D-8F30-37573AD04B3A}" type="slidenum">
+            <a:fld id="{F3957106-70A4-44B2-903D-69BDD0EFA390}" type="slidenum">
               <a:rPr b="0" lang="en-US" sz="1200" spc="-1" strike="noStrike">
                 <a:latin typeface="Times New Roman"/>
               </a:rPr>
@@ -1184,7 +1213,7 @@
       </p:grpSpPr>
       <p:sp>
         <p:nvSpPr>
-          <p:cNvPr id="469" name="PlaceHolder 1"/>
+          <p:cNvPr id="477" name="PlaceHolder 1"/>
           <p:cNvSpPr>
             <a:spLocks noGrp="1"/>
           </p:cNvSpPr>
@@ -1207,7 +1236,7 @@
       </p:sp>
       <p:sp>
         <p:nvSpPr>
-          <p:cNvPr id="470" name="PlaceHolder 2"/>
+          <p:cNvPr id="478" name="PlaceHolder 2"/>
           <p:cNvSpPr>
             <a:spLocks noGrp="1"/>
           </p:cNvSpPr>
@@ -1237,586 +1266,40 @@
               <a:rPr b="0" lang="en-US" sz="2000" spc="-1" strike="noStrike">
                 <a:latin typeface="Arial"/>
               </a:rPr>
-              <a:t>Mea</a:t>
+              <a:t>Means percentile below 300: 96.69988213864781%</a:t>
             </a:r>
+            <a:endParaRPr b="0" lang="en-US" sz="2000" spc="-1" strike="noStrike">
+              <a:latin typeface="Arial"/>
+            </a:endParaRPr>
+          </a:p>
+          <a:p>
             <a:r>
               <a:rPr b="0" lang="en-US" sz="2000" spc="-1" strike="noStrike">
                 <a:latin typeface="Arial"/>
               </a:rPr>
-              <a:t>ns </a:t>
+              <a:t>Medians percentile below 300: 97.78206364513018%</a:t>
             </a:r>
+            <a:endParaRPr b="0" lang="en-US" sz="2000" spc="-1" strike="noStrike">
+              <a:latin typeface="Arial"/>
+            </a:endParaRPr>
+          </a:p>
+          <a:p>
             <a:r>
               <a:rPr b="0" lang="en-US" sz="2000" spc="-1" strike="noStrike">
                 <a:latin typeface="Arial"/>
               </a:rPr>
-              <a:t>pe</a:t>
+              <a:t>Minimums percentile below 300: 98.74638379942141%</a:t>
             </a:r>
+            <a:endParaRPr b="0" lang="en-US" sz="2000" spc="-1" strike="noStrike">
+              <a:latin typeface="Arial"/>
+            </a:endParaRPr>
+          </a:p>
+          <a:p>
             <a:r>
               <a:rPr b="0" lang="en-US" sz="2000" spc="-1" strike="noStrike">
                 <a:latin typeface="Arial"/>
               </a:rPr>
-              <a:t>rc</a:t>
-            </a:r>
-            <a:r>
-              <a:rPr b="0" lang="en-US" sz="2000" spc="-1" strike="noStrike">
-                <a:latin typeface="Arial"/>
-              </a:rPr>
-              <a:t>en</a:t>
-            </a:r>
-            <a:r>
-              <a:rPr b="0" lang="en-US" sz="2000" spc="-1" strike="noStrike">
-                <a:latin typeface="Arial"/>
-              </a:rPr>
-              <a:t>til</a:t>
-            </a:r>
-            <a:r>
-              <a:rPr b="0" lang="en-US" sz="2000" spc="-1" strike="noStrike">
-                <a:latin typeface="Arial"/>
-              </a:rPr>
-              <a:t>e </a:t>
-            </a:r>
-            <a:r>
-              <a:rPr b="0" lang="en-US" sz="2000" spc="-1" strike="noStrike">
-                <a:latin typeface="Arial"/>
-              </a:rPr>
-              <a:t>be</a:t>
-            </a:r>
-            <a:r>
-              <a:rPr b="0" lang="en-US" sz="2000" spc="-1" strike="noStrike">
-                <a:latin typeface="Arial"/>
-              </a:rPr>
-              <a:t>lo</a:t>
-            </a:r>
-            <a:r>
-              <a:rPr b="0" lang="en-US" sz="2000" spc="-1" strike="noStrike">
-                <a:latin typeface="Arial"/>
-              </a:rPr>
-              <a:t>w </a:t>
-            </a:r>
-            <a:r>
-              <a:rPr b="0" lang="en-US" sz="2000" spc="-1" strike="noStrike">
-                <a:latin typeface="Arial"/>
-              </a:rPr>
-              <a:t>30</a:t>
-            </a:r>
-            <a:r>
-              <a:rPr b="0" lang="en-US" sz="2000" spc="-1" strike="noStrike">
-                <a:latin typeface="Arial"/>
-              </a:rPr>
-              <a:t>0: </a:t>
-            </a:r>
-            <a:r>
-              <a:rPr b="0" lang="en-US" sz="2000" spc="-1" strike="noStrike">
-                <a:latin typeface="Arial"/>
-              </a:rPr>
-              <a:t>96</a:t>
-            </a:r>
-            <a:r>
-              <a:rPr b="0" lang="en-US" sz="2000" spc="-1" strike="noStrike">
-                <a:latin typeface="Arial"/>
-              </a:rPr>
-              <a:t>.6</a:t>
-            </a:r>
-            <a:r>
-              <a:rPr b="0" lang="en-US" sz="2000" spc="-1" strike="noStrike">
-                <a:latin typeface="Arial"/>
-              </a:rPr>
-              <a:t>99</a:t>
-            </a:r>
-            <a:r>
-              <a:rPr b="0" lang="en-US" sz="2000" spc="-1" strike="noStrike">
-                <a:latin typeface="Arial"/>
-              </a:rPr>
-              <a:t>88</a:t>
-            </a:r>
-            <a:r>
-              <a:rPr b="0" lang="en-US" sz="2000" spc="-1" strike="noStrike">
-                <a:latin typeface="Arial"/>
-              </a:rPr>
-              <a:t>21</a:t>
-            </a:r>
-            <a:r>
-              <a:rPr b="0" lang="en-US" sz="2000" spc="-1" strike="noStrike">
-                <a:latin typeface="Arial"/>
-              </a:rPr>
-              <a:t>38</a:t>
-            </a:r>
-            <a:r>
-              <a:rPr b="0" lang="en-US" sz="2000" spc="-1" strike="noStrike">
-                <a:latin typeface="Arial"/>
-              </a:rPr>
-              <a:t>64</a:t>
-            </a:r>
-            <a:r>
-              <a:rPr b="0" lang="en-US" sz="2000" spc="-1" strike="noStrike">
-                <a:latin typeface="Arial"/>
-              </a:rPr>
-              <a:t>78</a:t>
-            </a:r>
-            <a:r>
-              <a:rPr b="0" lang="en-US" sz="2000" spc="-1" strike="noStrike">
-                <a:latin typeface="Arial"/>
-              </a:rPr>
-              <a:t>1</a:t>
-            </a:r>
-            <a:r>
-              <a:rPr b="0" lang="en-US" sz="2000" spc="-1" strike="noStrike">
-                <a:latin typeface="Arial"/>
-              </a:rPr>
-              <a:t>%</a:t>
-            </a:r>
-            <a:endParaRPr b="0" lang="en-US" sz="2000" spc="-1" strike="noStrike">
-              <a:latin typeface="Arial"/>
-            </a:endParaRPr>
-          </a:p>
-          <a:p>
-            <a:r>
-              <a:rPr b="0" lang="en-US" sz="2000" spc="-1" strike="noStrike">
-                <a:latin typeface="Arial"/>
-              </a:rPr>
-              <a:t>Med</a:t>
-            </a:r>
-            <a:r>
-              <a:rPr b="0" lang="en-US" sz="2000" spc="-1" strike="noStrike">
-                <a:latin typeface="Arial"/>
-              </a:rPr>
-              <a:t>ia</a:t>
-            </a:r>
-            <a:r>
-              <a:rPr b="0" lang="en-US" sz="2000" spc="-1" strike="noStrike">
-                <a:latin typeface="Arial"/>
-              </a:rPr>
-              <a:t>ns </a:t>
-            </a:r>
-            <a:r>
-              <a:rPr b="0" lang="en-US" sz="2000" spc="-1" strike="noStrike">
-                <a:latin typeface="Arial"/>
-              </a:rPr>
-              <a:t>pe</a:t>
-            </a:r>
-            <a:r>
-              <a:rPr b="0" lang="en-US" sz="2000" spc="-1" strike="noStrike">
-                <a:latin typeface="Arial"/>
-              </a:rPr>
-              <a:t>rc</a:t>
-            </a:r>
-            <a:r>
-              <a:rPr b="0" lang="en-US" sz="2000" spc="-1" strike="noStrike">
-                <a:latin typeface="Arial"/>
-              </a:rPr>
-              <a:t>en</a:t>
-            </a:r>
-            <a:r>
-              <a:rPr b="0" lang="en-US" sz="2000" spc="-1" strike="noStrike">
-                <a:latin typeface="Arial"/>
-              </a:rPr>
-              <a:t>til</a:t>
-            </a:r>
-            <a:r>
-              <a:rPr b="0" lang="en-US" sz="2000" spc="-1" strike="noStrike">
-                <a:latin typeface="Arial"/>
-              </a:rPr>
-              <a:t>e </a:t>
-            </a:r>
-            <a:r>
-              <a:rPr b="0" lang="en-US" sz="2000" spc="-1" strike="noStrike">
-                <a:latin typeface="Arial"/>
-              </a:rPr>
-              <a:t>be</a:t>
-            </a:r>
-            <a:r>
-              <a:rPr b="0" lang="en-US" sz="2000" spc="-1" strike="noStrike">
-                <a:latin typeface="Arial"/>
-              </a:rPr>
-              <a:t>lo</a:t>
-            </a:r>
-            <a:r>
-              <a:rPr b="0" lang="en-US" sz="2000" spc="-1" strike="noStrike">
-                <a:latin typeface="Arial"/>
-              </a:rPr>
-              <a:t>w </a:t>
-            </a:r>
-            <a:r>
-              <a:rPr b="0" lang="en-US" sz="2000" spc="-1" strike="noStrike">
-                <a:latin typeface="Arial"/>
-              </a:rPr>
-              <a:t>30</a:t>
-            </a:r>
-            <a:r>
-              <a:rPr b="0" lang="en-US" sz="2000" spc="-1" strike="noStrike">
-                <a:latin typeface="Arial"/>
-              </a:rPr>
-              <a:t>0: </a:t>
-            </a:r>
-            <a:r>
-              <a:rPr b="0" lang="en-US" sz="2000" spc="-1" strike="noStrike">
-                <a:latin typeface="Arial"/>
-              </a:rPr>
-              <a:t>97</a:t>
-            </a:r>
-            <a:r>
-              <a:rPr b="0" lang="en-US" sz="2000" spc="-1" strike="noStrike">
-                <a:latin typeface="Arial"/>
-              </a:rPr>
-              <a:t>.7</a:t>
-            </a:r>
-            <a:r>
-              <a:rPr b="0" lang="en-US" sz="2000" spc="-1" strike="noStrike">
-                <a:latin typeface="Arial"/>
-              </a:rPr>
-              <a:t>82</a:t>
-            </a:r>
-            <a:r>
-              <a:rPr b="0" lang="en-US" sz="2000" spc="-1" strike="noStrike">
-                <a:latin typeface="Arial"/>
-              </a:rPr>
-              <a:t>06</a:t>
-            </a:r>
-            <a:r>
-              <a:rPr b="0" lang="en-US" sz="2000" spc="-1" strike="noStrike">
-                <a:latin typeface="Arial"/>
-              </a:rPr>
-              <a:t>36</a:t>
-            </a:r>
-            <a:r>
-              <a:rPr b="0" lang="en-US" sz="2000" spc="-1" strike="noStrike">
-                <a:latin typeface="Arial"/>
-              </a:rPr>
-              <a:t>45</a:t>
-            </a:r>
-            <a:r>
-              <a:rPr b="0" lang="en-US" sz="2000" spc="-1" strike="noStrike">
-                <a:latin typeface="Arial"/>
-              </a:rPr>
-              <a:t>13</a:t>
-            </a:r>
-            <a:r>
-              <a:rPr b="0" lang="en-US" sz="2000" spc="-1" strike="noStrike">
-                <a:latin typeface="Arial"/>
-              </a:rPr>
-              <a:t>01</a:t>
-            </a:r>
-            <a:r>
-              <a:rPr b="0" lang="en-US" sz="2000" spc="-1" strike="noStrike">
-                <a:latin typeface="Arial"/>
-              </a:rPr>
-              <a:t>8</a:t>
-            </a:r>
-            <a:r>
-              <a:rPr b="0" lang="en-US" sz="2000" spc="-1" strike="noStrike">
-                <a:latin typeface="Arial"/>
-              </a:rPr>
-              <a:t>%</a:t>
-            </a:r>
-            <a:endParaRPr b="0" lang="en-US" sz="2000" spc="-1" strike="noStrike">
-              <a:latin typeface="Arial"/>
-            </a:endParaRPr>
-          </a:p>
-          <a:p>
-            <a:r>
-              <a:rPr b="0" lang="en-US" sz="2000" spc="-1" strike="noStrike">
-                <a:latin typeface="Arial"/>
-              </a:rPr>
-              <a:t>Mini</a:t>
-            </a:r>
-            <a:r>
-              <a:rPr b="0" lang="en-US" sz="2000" spc="-1" strike="noStrike">
-                <a:latin typeface="Arial"/>
-              </a:rPr>
-              <a:t>m</a:t>
-            </a:r>
-            <a:r>
-              <a:rPr b="0" lang="en-US" sz="2000" spc="-1" strike="noStrike">
-                <a:latin typeface="Arial"/>
-              </a:rPr>
-              <a:t>u</a:t>
-            </a:r>
-            <a:r>
-              <a:rPr b="0" lang="en-US" sz="2000" spc="-1" strike="noStrike">
-                <a:latin typeface="Arial"/>
-              </a:rPr>
-              <a:t>m</a:t>
-            </a:r>
-            <a:r>
-              <a:rPr b="0" lang="en-US" sz="2000" spc="-1" strike="noStrike">
-                <a:latin typeface="Arial"/>
-              </a:rPr>
-              <a:t>s </a:t>
-            </a:r>
-            <a:r>
-              <a:rPr b="0" lang="en-US" sz="2000" spc="-1" strike="noStrike">
-                <a:latin typeface="Arial"/>
-              </a:rPr>
-              <a:t>pe</a:t>
-            </a:r>
-            <a:r>
-              <a:rPr b="0" lang="en-US" sz="2000" spc="-1" strike="noStrike">
-                <a:latin typeface="Arial"/>
-              </a:rPr>
-              <a:t>rc</a:t>
-            </a:r>
-            <a:r>
-              <a:rPr b="0" lang="en-US" sz="2000" spc="-1" strike="noStrike">
-                <a:latin typeface="Arial"/>
-              </a:rPr>
-              <a:t>en</a:t>
-            </a:r>
-            <a:r>
-              <a:rPr b="0" lang="en-US" sz="2000" spc="-1" strike="noStrike">
-                <a:latin typeface="Arial"/>
-              </a:rPr>
-              <a:t>til</a:t>
-            </a:r>
-            <a:r>
-              <a:rPr b="0" lang="en-US" sz="2000" spc="-1" strike="noStrike">
-                <a:latin typeface="Arial"/>
-              </a:rPr>
-              <a:t>e </a:t>
-            </a:r>
-            <a:r>
-              <a:rPr b="0" lang="en-US" sz="2000" spc="-1" strike="noStrike">
-                <a:latin typeface="Arial"/>
-              </a:rPr>
-              <a:t>be</a:t>
-            </a:r>
-            <a:r>
-              <a:rPr b="0" lang="en-US" sz="2000" spc="-1" strike="noStrike">
-                <a:latin typeface="Arial"/>
-              </a:rPr>
-              <a:t>lo</a:t>
-            </a:r>
-            <a:r>
-              <a:rPr b="0" lang="en-US" sz="2000" spc="-1" strike="noStrike">
-                <a:latin typeface="Arial"/>
-              </a:rPr>
-              <a:t>w </a:t>
-            </a:r>
-            <a:r>
-              <a:rPr b="0" lang="en-US" sz="2000" spc="-1" strike="noStrike">
-                <a:latin typeface="Arial"/>
-              </a:rPr>
-              <a:t>30</a:t>
-            </a:r>
-            <a:r>
-              <a:rPr b="0" lang="en-US" sz="2000" spc="-1" strike="noStrike">
-                <a:latin typeface="Arial"/>
-              </a:rPr>
-              <a:t>0: </a:t>
-            </a:r>
-            <a:r>
-              <a:rPr b="0" lang="en-US" sz="2000" spc="-1" strike="noStrike">
-                <a:latin typeface="Arial"/>
-              </a:rPr>
-              <a:t>98</a:t>
-            </a:r>
-            <a:r>
-              <a:rPr b="0" lang="en-US" sz="2000" spc="-1" strike="noStrike">
-                <a:latin typeface="Arial"/>
-              </a:rPr>
-              <a:t>.7</a:t>
-            </a:r>
-            <a:r>
-              <a:rPr b="0" lang="en-US" sz="2000" spc="-1" strike="noStrike">
-                <a:latin typeface="Arial"/>
-              </a:rPr>
-              <a:t>46</a:t>
-            </a:r>
-            <a:r>
-              <a:rPr b="0" lang="en-US" sz="2000" spc="-1" strike="noStrike">
-                <a:latin typeface="Arial"/>
-              </a:rPr>
-              <a:t>38</a:t>
-            </a:r>
-            <a:r>
-              <a:rPr b="0" lang="en-US" sz="2000" spc="-1" strike="noStrike">
-                <a:latin typeface="Arial"/>
-              </a:rPr>
-              <a:t>37</a:t>
-            </a:r>
-            <a:r>
-              <a:rPr b="0" lang="en-US" sz="2000" spc="-1" strike="noStrike">
-                <a:latin typeface="Arial"/>
-              </a:rPr>
-              <a:t>99</a:t>
-            </a:r>
-            <a:r>
-              <a:rPr b="0" lang="en-US" sz="2000" spc="-1" strike="noStrike">
-                <a:latin typeface="Arial"/>
-              </a:rPr>
-              <a:t>42</a:t>
-            </a:r>
-            <a:r>
-              <a:rPr b="0" lang="en-US" sz="2000" spc="-1" strike="noStrike">
-                <a:latin typeface="Arial"/>
-              </a:rPr>
-              <a:t>14</a:t>
-            </a:r>
-            <a:r>
-              <a:rPr b="0" lang="en-US" sz="2000" spc="-1" strike="noStrike">
-                <a:latin typeface="Arial"/>
-              </a:rPr>
-              <a:t>1</a:t>
-            </a:r>
-            <a:r>
-              <a:rPr b="0" lang="en-US" sz="2000" spc="-1" strike="noStrike">
-                <a:latin typeface="Arial"/>
-              </a:rPr>
-              <a:t>%</a:t>
-            </a:r>
-            <a:endParaRPr b="0" lang="en-US" sz="2000" spc="-1" strike="noStrike">
-              <a:latin typeface="Arial"/>
-            </a:endParaRPr>
-          </a:p>
-          <a:p>
-            <a:r>
-              <a:rPr b="0" lang="en-US" sz="2000" spc="-1" strike="noStrike">
-                <a:latin typeface="Arial"/>
-              </a:rPr>
-              <a:t>Max</a:t>
-            </a:r>
-            <a:r>
-              <a:rPr b="0" lang="en-US" sz="2000" spc="-1" strike="noStrike">
-                <a:latin typeface="Arial"/>
-              </a:rPr>
-              <a:t>im</a:t>
-            </a:r>
-            <a:r>
-              <a:rPr b="0" lang="en-US" sz="2000" spc="-1" strike="noStrike">
-                <a:latin typeface="Arial"/>
-              </a:rPr>
-              <a:t>u</a:t>
-            </a:r>
-            <a:r>
-              <a:rPr b="0" lang="en-US" sz="2000" spc="-1" strike="noStrike">
-                <a:latin typeface="Arial"/>
-              </a:rPr>
-              <a:t>m</a:t>
-            </a:r>
-            <a:r>
-              <a:rPr b="0" lang="en-US" sz="2000" spc="-1" strike="noStrike">
-                <a:latin typeface="Arial"/>
-              </a:rPr>
-              <a:t>s </a:t>
-            </a:r>
-            <a:r>
-              <a:rPr b="0" lang="en-US" sz="2000" spc="-1" strike="noStrike">
-                <a:latin typeface="Arial"/>
-              </a:rPr>
-              <a:t>pe</a:t>
-            </a:r>
-            <a:r>
-              <a:rPr b="0" lang="en-US" sz="2000" spc="-1" strike="noStrike">
-                <a:latin typeface="Arial"/>
-              </a:rPr>
-              <a:t>rc</a:t>
-            </a:r>
-            <a:r>
-              <a:rPr b="0" lang="en-US" sz="2000" spc="-1" strike="noStrike">
-                <a:latin typeface="Arial"/>
-              </a:rPr>
-              <a:t>en</a:t>
-            </a:r>
-            <a:r>
-              <a:rPr b="0" lang="en-US" sz="2000" spc="-1" strike="noStrike">
-                <a:latin typeface="Arial"/>
-              </a:rPr>
-              <a:t>til</a:t>
-            </a:r>
-            <a:r>
-              <a:rPr b="0" lang="en-US" sz="2000" spc="-1" strike="noStrike">
-                <a:latin typeface="Arial"/>
-              </a:rPr>
-              <a:t>e </a:t>
-            </a:r>
-            <a:r>
-              <a:rPr b="0" lang="en-US" sz="2000" spc="-1" strike="noStrike">
-                <a:latin typeface="Arial"/>
-              </a:rPr>
-              <a:t>be</a:t>
-            </a:r>
-            <a:r>
-              <a:rPr b="0" lang="en-US" sz="2000" spc="-1" strike="noStrike">
-                <a:latin typeface="Arial"/>
-              </a:rPr>
-              <a:t>lo</a:t>
-            </a:r>
-            <a:r>
-              <a:rPr b="0" lang="en-US" sz="2000" spc="-1" strike="noStrike">
-                <a:latin typeface="Arial"/>
-              </a:rPr>
-              <a:t>w </a:t>
-            </a:r>
-            <a:r>
-              <a:rPr b="0" lang="en-US" sz="2000" spc="-1" strike="noStrike">
-                <a:latin typeface="Arial"/>
-              </a:rPr>
-              <a:t>30</a:t>
-            </a:r>
-            <a:r>
-              <a:rPr b="0" lang="en-US" sz="2000" spc="-1" strike="noStrike">
-                <a:latin typeface="Arial"/>
-              </a:rPr>
-              <a:t>0: </a:t>
-            </a:r>
-            <a:r>
-              <a:rPr b="0" lang="en-US" sz="2000" spc="-1" strike="noStrike">
-                <a:latin typeface="Arial"/>
-              </a:rPr>
-              <a:t>81</a:t>
-            </a:r>
-            <a:r>
-              <a:rPr b="0" lang="en-US" sz="2000" spc="-1" strike="noStrike">
-                <a:latin typeface="Arial"/>
-              </a:rPr>
-              <a:t>.5</a:t>
-            </a:r>
-            <a:r>
-              <a:rPr b="0" lang="en-US" sz="2000" spc="-1" strike="noStrike">
-                <a:latin typeface="Arial"/>
-              </a:rPr>
-              <a:t>81</a:t>
-            </a:r>
-            <a:r>
-              <a:rPr b="0" lang="en-US" sz="2000" spc="-1" strike="noStrike">
-                <a:latin typeface="Arial"/>
-              </a:rPr>
-              <a:t>48</a:t>
-            </a:r>
-            <a:r>
-              <a:rPr b="0" lang="en-US" sz="2000" spc="-1" strike="noStrike">
-                <a:latin typeface="Arial"/>
-              </a:rPr>
-              <a:t>50</a:t>
-            </a:r>
-            <a:r>
-              <a:rPr b="0" lang="en-US" sz="2000" spc="-1" strike="noStrike">
-                <a:latin typeface="Arial"/>
-              </a:rPr>
-              <a:t>53</a:t>
-            </a:r>
-            <a:r>
-              <a:rPr b="0" lang="en-US" sz="2000" spc="-1" strike="noStrike">
-                <a:latin typeface="Arial"/>
-              </a:rPr>
-              <a:t>03</a:t>
-            </a:r>
-            <a:r>
-              <a:rPr b="0" lang="en-US" sz="2000" spc="-1" strike="noStrike">
-                <a:latin typeface="Arial"/>
-              </a:rPr>
-              <a:t>76</a:t>
-            </a:r>
-            <a:r>
-              <a:rPr b="0" lang="en-US" sz="2000" spc="-1" strike="noStrike">
-                <a:latin typeface="Arial"/>
-              </a:rPr>
-              <a:t>1</a:t>
-            </a:r>
-            <a:r>
-              <a:rPr b="0" lang="en-US" sz="2000" spc="-1" strike="noStrike">
-                <a:latin typeface="Arial"/>
-              </a:rPr>
-              <a:t>%</a:t>
+              <a:t>Maximums percentile below 300: 81.58148505303761%</a:t>
             </a:r>
             <a:endParaRPr b="0" lang="en-US" sz="2000" spc="-1" strike="noStrike">
               <a:latin typeface="Arial"/>
@@ -1848,7 +1331,7 @@
       </p:grpSpPr>
       <p:sp>
         <p:nvSpPr>
-          <p:cNvPr id="471" name="PlaceHolder 1"/>
+          <p:cNvPr id="479" name="PlaceHolder 1"/>
           <p:cNvSpPr>
             <a:spLocks noGrp="1"/>
           </p:cNvSpPr>
@@ -1858,20 +1341,20 @@
         </p:nvSpPr>
         <p:spPr>
           <a:xfrm>
-            <a:off x="1371600" y="1143000"/>
-            <a:ext cx="4113720" cy="3085200"/>
-          </a:xfrm>
-          <a:prstGeom prst="rect">
-            <a:avLst/>
-          </a:prstGeom>
-          <a:ln w="0">
-            <a:noFill/>
-          </a:ln>
-        </p:spPr>
-      </p:sp>
-      <p:sp>
-        <p:nvSpPr>
-          <p:cNvPr id="472" name="PlaceHolder 2"/>
+            <a:off x="1143000" y="694800"/>
+            <a:ext cx="4571640" cy="3428640"/>
+          </a:xfrm>
+          <a:prstGeom prst="rect">
+            <a:avLst/>
+          </a:prstGeom>
+          <a:ln w="0">
+            <a:noFill/>
+          </a:ln>
+        </p:spPr>
+      </p:sp>
+      <p:sp>
+        <p:nvSpPr>
+          <p:cNvPr id="480" name="PlaceHolder 2"/>
           <p:cNvSpPr>
             <a:spLocks noGrp="1"/>
           </p:cNvSpPr>
@@ -1881,8 +1364,8 @@
         </p:nvSpPr>
         <p:spPr>
           <a:xfrm>
-            <a:off x="685800" y="4400640"/>
-            <a:ext cx="5485320" cy="3599280"/>
+            <a:off x="685800" y="4343400"/>
+            <a:ext cx="5486040" cy="4114440"/>
           </a:xfrm>
           <a:prstGeom prst="rect">
             <a:avLst/>
@@ -1897,65 +1380,47 @@
             <a:noAutofit/>
           </a:bodyPr>
           <a:p>
+            <a:r>
+              <a:rPr b="0" lang="en-US" sz="2000" spc="-1" strike="noStrike">
+                <a:latin typeface="Arial"/>
+              </a:rPr>
+              <a:t>Means percentile below 300: 96.69988213864781%</a:t>
+            </a:r>
             <a:endParaRPr b="0" lang="en-US" sz="2000" spc="-1" strike="noStrike">
               <a:latin typeface="Arial"/>
             </a:endParaRPr>
           </a:p>
-        </p:txBody>
-      </p:sp>
-      <p:sp>
-        <p:nvSpPr>
-          <p:cNvPr id="473" name="PlaceHolder 3"/>
-          <p:cNvSpPr>
-            <a:spLocks noGrp="1"/>
-          </p:cNvSpPr>
-          <p:nvPr>
-            <p:ph type="sldNum" idx="45"/>
-          </p:nvPr>
-        </p:nvSpPr>
-        <p:spPr>
-          <a:xfrm>
-            <a:off x="3884760" y="8685360"/>
-            <a:ext cx="2970720" cy="457560"/>
-          </a:xfrm>
-          <a:prstGeom prst="rect">
-            <a:avLst/>
-          </a:prstGeom>
-          <a:noFill/>
-          <a:ln w="0">
-            <a:noFill/>
-          </a:ln>
-        </p:spPr>
-        <p:txBody>
-          <a:bodyPr lIns="0" rIns="0" tIns="0" bIns="0" anchor="b">
-            <a:noAutofit/>
-          </a:bodyPr>
-          <a:lstStyle>
-            <a:lvl1pPr algn="r">
-              <a:lnSpc>
-                <a:spcPct val="100000"/>
-              </a:lnSpc>
-              <a:buNone/>
-              <a:defRPr b="0" lang="en-US" sz="1200" spc="-1" strike="noStrike">
-                <a:latin typeface="Times New Roman"/>
-              </a:defRPr>
-            </a:lvl1pPr>
-          </a:lstStyle>
-          <a:p>
-            <a:pPr algn="r">
-              <a:lnSpc>
-                <a:spcPct val="100000"/>
-              </a:lnSpc>
-              <a:buNone/>
-            </a:pPr>
-            <a:fld id="{B0FD669B-824A-457C-BFCC-4519A6F59E2D}" type="slidenum">
-              <a:rPr b="0" lang="en-US" sz="1200" spc="-1" strike="noStrike">
-                <a:latin typeface="Times New Roman"/>
-              </a:rPr>
-              <a:t>1</a:t>
-            </a:fld>
-            <a:endParaRPr b="0" lang="en-US" sz="1200" spc="-1" strike="noStrike">
-              <a:latin typeface="Times New Roman"/>
+          <a:p>
+            <a:r>
+              <a:rPr b="0" lang="en-US" sz="2000" spc="-1" strike="noStrike">
+                <a:latin typeface="Arial"/>
+              </a:rPr>
+              <a:t>Medians percentile below 300: 97.78206364513018%</a:t>
+            </a:r>
+            <a:endParaRPr b="0" lang="en-US" sz="2000" spc="-1" strike="noStrike">
+              <a:latin typeface="Arial"/>
+            </a:endParaRPr>
+          </a:p>
+          <a:p>
+            <a:r>
+              <a:rPr b="0" lang="en-US" sz="2000" spc="-1" strike="noStrike">
+                <a:latin typeface="Arial"/>
+              </a:rPr>
+              <a:t>Minimums percentile below 300: 98.74638379942141%</a:t>
+            </a:r>
+            <a:endParaRPr b="0" lang="en-US" sz="2000" spc="-1" strike="noStrike">
+              <a:latin typeface="Arial"/>
+            </a:endParaRPr>
+          </a:p>
+          <a:p>
+            <a:r>
+              <a:rPr b="0" lang="en-US" sz="2000" spc="-1" strike="noStrike">
+                <a:latin typeface="Arial"/>
+              </a:rPr>
+              <a:t>Maximums percentile below 300: 81.58148505303761%</a:t>
+            </a:r>
+            <a:endParaRPr b="0" lang="en-US" sz="2000" spc="-1" strike="noStrike">
+              <a:latin typeface="Arial"/>
             </a:endParaRPr>
           </a:p>
         </p:txBody>
@@ -1984,7 +1449,7 @@
       </p:grpSpPr>
       <p:sp>
         <p:nvSpPr>
-          <p:cNvPr id="474" name="PlaceHolder 1"/>
+          <p:cNvPr id="481" name="PlaceHolder 1"/>
           <p:cNvSpPr>
             <a:spLocks noGrp="1"/>
           </p:cNvSpPr>
@@ -1994,20 +1459,20 @@
         </p:nvSpPr>
         <p:spPr>
           <a:xfrm>
-            <a:off x="1371600" y="1143000"/>
-            <a:ext cx="4113720" cy="3085200"/>
-          </a:xfrm>
-          <a:prstGeom prst="rect">
-            <a:avLst/>
-          </a:prstGeom>
-          <a:ln w="0">
-            <a:noFill/>
-          </a:ln>
-        </p:spPr>
-      </p:sp>
-      <p:sp>
-        <p:nvSpPr>
-          <p:cNvPr id="475" name="PlaceHolder 2"/>
+            <a:off x="1143000" y="694800"/>
+            <a:ext cx="4571640" cy="3428640"/>
+          </a:xfrm>
+          <a:prstGeom prst="rect">
+            <a:avLst/>
+          </a:prstGeom>
+          <a:ln w="0">
+            <a:noFill/>
+          </a:ln>
+        </p:spPr>
+      </p:sp>
+      <p:sp>
+        <p:nvSpPr>
+          <p:cNvPr id="482" name="PlaceHolder 2"/>
           <p:cNvSpPr>
             <a:spLocks noGrp="1"/>
           </p:cNvSpPr>
@@ -2017,8 +1482,8 @@
         </p:nvSpPr>
         <p:spPr>
           <a:xfrm>
-            <a:off x="685800" y="4400640"/>
-            <a:ext cx="5485320" cy="3599280"/>
+            <a:off x="685800" y="4343400"/>
+            <a:ext cx="5486040" cy="4114440"/>
           </a:xfrm>
           <a:prstGeom prst="rect">
             <a:avLst/>
@@ -2033,65 +1498,47 @@
             <a:noAutofit/>
           </a:bodyPr>
           <a:p>
+            <a:r>
+              <a:rPr b="0" lang="en-US" sz="2000" spc="-1" strike="noStrike">
+                <a:latin typeface="Arial"/>
+              </a:rPr>
+              <a:t>Means percentile below 300: 96.69988213864781%</a:t>
+            </a:r>
             <a:endParaRPr b="0" lang="en-US" sz="2000" spc="-1" strike="noStrike">
               <a:latin typeface="Arial"/>
             </a:endParaRPr>
           </a:p>
-        </p:txBody>
-      </p:sp>
-      <p:sp>
-        <p:nvSpPr>
-          <p:cNvPr id="476" name="PlaceHolder 3"/>
-          <p:cNvSpPr>
-            <a:spLocks noGrp="1"/>
-          </p:cNvSpPr>
-          <p:nvPr>
-            <p:ph type="sldNum" idx="46"/>
-          </p:nvPr>
-        </p:nvSpPr>
-        <p:spPr>
-          <a:xfrm>
-            <a:off x="3884760" y="8685360"/>
-            <a:ext cx="2970720" cy="457560"/>
-          </a:xfrm>
-          <a:prstGeom prst="rect">
-            <a:avLst/>
-          </a:prstGeom>
-          <a:noFill/>
-          <a:ln w="0">
-            <a:noFill/>
-          </a:ln>
-        </p:spPr>
-        <p:txBody>
-          <a:bodyPr lIns="0" rIns="0" tIns="0" bIns="0" anchor="b">
-            <a:noAutofit/>
-          </a:bodyPr>
-          <a:lstStyle>
-            <a:lvl1pPr algn="r">
-              <a:lnSpc>
-                <a:spcPct val="100000"/>
-              </a:lnSpc>
-              <a:buNone/>
-              <a:defRPr b="0" lang="en-US" sz="1200" spc="-1" strike="noStrike">
-                <a:latin typeface="Times New Roman"/>
-              </a:defRPr>
-            </a:lvl1pPr>
-          </a:lstStyle>
-          <a:p>
-            <a:pPr algn="r">
-              <a:lnSpc>
-                <a:spcPct val="100000"/>
-              </a:lnSpc>
-              <a:buNone/>
-            </a:pPr>
-            <a:fld id="{0C536E9A-5CC4-4403-B63C-956E1BCF987C}" type="slidenum">
-              <a:rPr b="0" lang="en-US" sz="1200" spc="-1" strike="noStrike">
-                <a:latin typeface="Times New Roman"/>
-              </a:rPr>
-              <a:t>1</a:t>
-            </a:fld>
-            <a:endParaRPr b="0" lang="en-US" sz="1200" spc="-1" strike="noStrike">
-              <a:latin typeface="Times New Roman"/>
+          <a:p>
+            <a:r>
+              <a:rPr b="0" lang="en-US" sz="2000" spc="-1" strike="noStrike">
+                <a:latin typeface="Arial"/>
+              </a:rPr>
+              <a:t>Medians percentile below 300: 97.78206364513018%</a:t>
+            </a:r>
+            <a:endParaRPr b="0" lang="en-US" sz="2000" spc="-1" strike="noStrike">
+              <a:latin typeface="Arial"/>
+            </a:endParaRPr>
+          </a:p>
+          <a:p>
+            <a:r>
+              <a:rPr b="0" lang="en-US" sz="2000" spc="-1" strike="noStrike">
+                <a:latin typeface="Arial"/>
+              </a:rPr>
+              <a:t>Minimums percentile below 300: 98.74638379942141%</a:t>
+            </a:r>
+            <a:endParaRPr b="0" lang="en-US" sz="2000" spc="-1" strike="noStrike">
+              <a:latin typeface="Arial"/>
+            </a:endParaRPr>
+          </a:p>
+          <a:p>
+            <a:r>
+              <a:rPr b="0" lang="en-US" sz="2000" spc="-1" strike="noStrike">
+                <a:latin typeface="Arial"/>
+              </a:rPr>
+              <a:t>Maximums percentile below 300: 81.58148505303761%</a:t>
+            </a:r>
+            <a:endParaRPr b="0" lang="en-US" sz="2000" spc="-1" strike="noStrike">
+              <a:latin typeface="Arial"/>
             </a:endParaRPr>
           </a:p>
         </p:txBody>
@@ -2120,7 +1567,7 @@
       </p:grpSpPr>
       <p:sp>
         <p:nvSpPr>
-          <p:cNvPr id="477" name="PlaceHolder 1"/>
+          <p:cNvPr id="483" name="PlaceHolder 1"/>
           <p:cNvSpPr>
             <a:spLocks noGrp="1"/>
           </p:cNvSpPr>
@@ -2130,20 +1577,20 @@
         </p:nvSpPr>
         <p:spPr>
           <a:xfrm>
-            <a:off x="1371600" y="1143000"/>
-            <a:ext cx="4113720" cy="3085200"/>
-          </a:xfrm>
-          <a:prstGeom prst="rect">
-            <a:avLst/>
-          </a:prstGeom>
-          <a:ln w="0">
-            <a:noFill/>
-          </a:ln>
-        </p:spPr>
-      </p:sp>
-      <p:sp>
-        <p:nvSpPr>
-          <p:cNvPr id="478" name="PlaceHolder 2"/>
+            <a:off x="1143000" y="694800"/>
+            <a:ext cx="4571640" cy="3428640"/>
+          </a:xfrm>
+          <a:prstGeom prst="rect">
+            <a:avLst/>
+          </a:prstGeom>
+          <a:ln w="0">
+            <a:noFill/>
+          </a:ln>
+        </p:spPr>
+      </p:sp>
+      <p:sp>
+        <p:nvSpPr>
+          <p:cNvPr id="484" name="PlaceHolder 2"/>
           <p:cNvSpPr>
             <a:spLocks noGrp="1"/>
           </p:cNvSpPr>
@@ -2153,8 +1600,8 @@
         </p:nvSpPr>
         <p:spPr>
           <a:xfrm>
-            <a:off x="685800" y="4400640"/>
-            <a:ext cx="5485320" cy="3599280"/>
+            <a:off x="685800" y="4343400"/>
+            <a:ext cx="5486040" cy="4114440"/>
           </a:xfrm>
           <a:prstGeom prst="rect">
             <a:avLst/>
@@ -2169,65 +1616,47 @@
             <a:noAutofit/>
           </a:bodyPr>
           <a:p>
+            <a:r>
+              <a:rPr b="0" lang="en-US" sz="2000" spc="-1" strike="noStrike">
+                <a:latin typeface="Arial"/>
+              </a:rPr>
+              <a:t>Means percentile below 300: 96.69988213864781%</a:t>
+            </a:r>
             <a:endParaRPr b="0" lang="en-US" sz="2000" spc="-1" strike="noStrike">
               <a:latin typeface="Arial"/>
             </a:endParaRPr>
           </a:p>
-        </p:txBody>
-      </p:sp>
-      <p:sp>
-        <p:nvSpPr>
-          <p:cNvPr id="479" name="PlaceHolder 3"/>
-          <p:cNvSpPr>
-            <a:spLocks noGrp="1"/>
-          </p:cNvSpPr>
-          <p:nvPr>
-            <p:ph type="sldNum" idx="47"/>
-          </p:nvPr>
-        </p:nvSpPr>
-        <p:spPr>
-          <a:xfrm>
-            <a:off x="3884760" y="8685360"/>
-            <a:ext cx="2970720" cy="457560"/>
-          </a:xfrm>
-          <a:prstGeom prst="rect">
-            <a:avLst/>
-          </a:prstGeom>
-          <a:noFill/>
-          <a:ln w="0">
-            <a:noFill/>
-          </a:ln>
-        </p:spPr>
-        <p:txBody>
-          <a:bodyPr lIns="0" rIns="0" tIns="0" bIns="0" anchor="b">
-            <a:noAutofit/>
-          </a:bodyPr>
-          <a:lstStyle>
-            <a:lvl1pPr algn="r">
-              <a:lnSpc>
-                <a:spcPct val="100000"/>
-              </a:lnSpc>
-              <a:buNone/>
-              <a:defRPr b="0" lang="en-US" sz="1200" spc="-1" strike="noStrike">
-                <a:latin typeface="Times New Roman"/>
-              </a:defRPr>
-            </a:lvl1pPr>
-          </a:lstStyle>
-          <a:p>
-            <a:pPr algn="r">
-              <a:lnSpc>
-                <a:spcPct val="100000"/>
-              </a:lnSpc>
-              <a:buNone/>
-            </a:pPr>
-            <a:fld id="{298AC39F-61FB-4CD1-B9B0-FA4089918587}" type="slidenum">
-              <a:rPr b="0" lang="en-US" sz="1200" spc="-1" strike="noStrike">
-                <a:latin typeface="Times New Roman"/>
-              </a:rPr>
-              <a:t>1</a:t>
-            </a:fld>
-            <a:endParaRPr b="0" lang="en-US" sz="1200" spc="-1" strike="noStrike">
-              <a:latin typeface="Times New Roman"/>
+          <a:p>
+            <a:r>
+              <a:rPr b="0" lang="en-US" sz="2000" spc="-1" strike="noStrike">
+                <a:latin typeface="Arial"/>
+              </a:rPr>
+              <a:t>Medians percentile below 300: 97.78206364513018%</a:t>
+            </a:r>
+            <a:endParaRPr b="0" lang="en-US" sz="2000" spc="-1" strike="noStrike">
+              <a:latin typeface="Arial"/>
+            </a:endParaRPr>
+          </a:p>
+          <a:p>
+            <a:r>
+              <a:rPr b="0" lang="en-US" sz="2000" spc="-1" strike="noStrike">
+                <a:latin typeface="Arial"/>
+              </a:rPr>
+              <a:t>Minimums percentile below 300: 98.74638379942141%</a:t>
+            </a:r>
+            <a:endParaRPr b="0" lang="en-US" sz="2000" spc="-1" strike="noStrike">
+              <a:latin typeface="Arial"/>
+            </a:endParaRPr>
+          </a:p>
+          <a:p>
+            <a:r>
+              <a:rPr b="0" lang="en-US" sz="2000" spc="-1" strike="noStrike">
+                <a:latin typeface="Arial"/>
+              </a:rPr>
+              <a:t>Maximums percentile below 300: 81.58148505303761%</a:t>
+            </a:r>
+            <a:endParaRPr b="0" lang="en-US" sz="2000" spc="-1" strike="noStrike">
+              <a:latin typeface="Arial"/>
             </a:endParaRPr>
           </a:p>
         </p:txBody>
@@ -2256,7 +1685,7 @@
       </p:grpSpPr>
       <p:sp>
         <p:nvSpPr>
-          <p:cNvPr id="430" name="PlaceHolder 1"/>
+          <p:cNvPr id="438" name="PlaceHolder 1"/>
           <p:cNvSpPr>
             <a:spLocks noGrp="1"/>
           </p:cNvSpPr>
@@ -2279,7 +1708,7 @@
       </p:sp>
       <p:sp>
         <p:nvSpPr>
-          <p:cNvPr id="431" name="PlaceHolder 2"/>
+          <p:cNvPr id="439" name="PlaceHolder 2"/>
           <p:cNvSpPr>
             <a:spLocks noGrp="1"/>
           </p:cNvSpPr>
@@ -2313,7 +1742,7 @@
       </p:sp>
       <p:sp>
         <p:nvSpPr>
-          <p:cNvPr id="432" name="PlaceHolder 3"/>
+          <p:cNvPr id="440" name="PlaceHolder 3"/>
           <p:cNvSpPr>
             <a:spLocks noGrp="1"/>
           </p:cNvSpPr>
@@ -2356,7 +1785,7 @@
               </a:lnSpc>
               <a:buNone/>
             </a:pPr>
-            <a:fld id="{D1643622-532C-4A10-9DEA-925342B3788D}" type="slidenum">
+            <a:fld id="{C7547054-CE88-4C59-8D8C-D3BF077E9430}" type="slidenum">
               <a:rPr b="0" lang="en-US" sz="1200" spc="-1" strike="noStrike">
                 <a:latin typeface="Times New Roman"/>
               </a:rPr>
@@ -2392,7 +1821,7 @@
       </p:grpSpPr>
       <p:sp>
         <p:nvSpPr>
-          <p:cNvPr id="480" name="PlaceHolder 1"/>
+          <p:cNvPr id="485" name="PlaceHolder 1"/>
           <p:cNvSpPr>
             <a:spLocks noGrp="1"/>
           </p:cNvSpPr>
@@ -2415,7 +1844,7 @@
       </p:sp>
       <p:sp>
         <p:nvSpPr>
-          <p:cNvPr id="481" name="PlaceHolder 2"/>
+          <p:cNvPr id="486" name="PlaceHolder 2"/>
           <p:cNvSpPr>
             <a:spLocks noGrp="1"/>
           </p:cNvSpPr>
@@ -2449,12 +1878,12 @@
       </p:sp>
       <p:sp>
         <p:nvSpPr>
-          <p:cNvPr id="482" name="PlaceHolder 3"/>
-          <p:cNvSpPr>
-            <a:spLocks noGrp="1"/>
-          </p:cNvSpPr>
-          <p:nvPr>
-            <p:ph type="sldNum" idx="48"/>
+          <p:cNvPr id="487" name="PlaceHolder 3"/>
+          <p:cNvSpPr>
+            <a:spLocks noGrp="1"/>
+          </p:cNvSpPr>
+          <p:nvPr>
+            <p:ph type="sldNum" idx="45"/>
           </p:nvPr>
         </p:nvSpPr>
         <p:spPr>
@@ -2492,7 +1921,7 @@
               </a:lnSpc>
               <a:buNone/>
             </a:pPr>
-            <a:fld id="{B6A1BD47-2290-4489-8CB3-610D46BBE172}" type="slidenum">
+            <a:fld id="{8A6F9486-DD27-4883-966D-E4145EB9B36A}" type="slidenum">
               <a:rPr b="0" lang="en-US" sz="1200" spc="-1" strike="noStrike">
                 <a:latin typeface="Times New Roman"/>
               </a:rPr>
@@ -2528,7 +1957,7 @@
       </p:grpSpPr>
       <p:sp>
         <p:nvSpPr>
-          <p:cNvPr id="483" name="PlaceHolder 1"/>
+          <p:cNvPr id="488" name="PlaceHolder 1"/>
           <p:cNvSpPr>
             <a:spLocks noGrp="1"/>
           </p:cNvSpPr>
@@ -2551,7 +1980,7 @@
       </p:sp>
       <p:sp>
         <p:nvSpPr>
-          <p:cNvPr id="484" name="PlaceHolder 2"/>
+          <p:cNvPr id="489" name="PlaceHolder 2"/>
           <p:cNvSpPr>
             <a:spLocks noGrp="1"/>
           </p:cNvSpPr>
@@ -2585,12 +2014,12 @@
       </p:sp>
       <p:sp>
         <p:nvSpPr>
-          <p:cNvPr id="485" name="PlaceHolder 3"/>
-          <p:cNvSpPr>
-            <a:spLocks noGrp="1"/>
-          </p:cNvSpPr>
-          <p:nvPr>
-            <p:ph type="sldNum" idx="49"/>
+          <p:cNvPr id="490" name="PlaceHolder 3"/>
+          <p:cNvSpPr>
+            <a:spLocks noGrp="1"/>
+          </p:cNvSpPr>
+          <p:nvPr>
+            <p:ph type="sldNum" idx="46"/>
           </p:nvPr>
         </p:nvSpPr>
         <p:spPr>
@@ -2628,7 +2057,7 @@
               </a:lnSpc>
               <a:buNone/>
             </a:pPr>
-            <a:fld id="{A44F7AFA-D08C-40DC-8B69-C6FDCAC73816}" type="slidenum">
+            <a:fld id="{2B8F2684-061D-43D6-9332-AA338540BCBE}" type="slidenum">
               <a:rPr b="0" lang="en-US" sz="1200" spc="-1" strike="noStrike">
                 <a:latin typeface="Times New Roman"/>
               </a:rPr>
@@ -2664,7 +2093,7 @@
       </p:grpSpPr>
       <p:sp>
         <p:nvSpPr>
-          <p:cNvPr id="486" name="PlaceHolder 1"/>
+          <p:cNvPr id="491" name="PlaceHolder 1"/>
           <p:cNvSpPr>
             <a:spLocks noGrp="1"/>
           </p:cNvSpPr>
@@ -2687,7 +2116,7 @@
       </p:sp>
       <p:sp>
         <p:nvSpPr>
-          <p:cNvPr id="487" name="PlaceHolder 2"/>
+          <p:cNvPr id="492" name="PlaceHolder 2"/>
           <p:cNvSpPr>
             <a:spLocks noGrp="1"/>
           </p:cNvSpPr>
@@ -2721,12 +2150,12 @@
       </p:sp>
       <p:sp>
         <p:nvSpPr>
-          <p:cNvPr id="488" name="PlaceHolder 3"/>
-          <p:cNvSpPr>
-            <a:spLocks noGrp="1"/>
-          </p:cNvSpPr>
-          <p:nvPr>
-            <p:ph type="sldNum" idx="50"/>
+          <p:cNvPr id="493" name="PlaceHolder 3"/>
+          <p:cNvSpPr>
+            <a:spLocks noGrp="1"/>
+          </p:cNvSpPr>
+          <p:nvPr>
+            <p:ph type="sldNum" idx="47"/>
           </p:nvPr>
         </p:nvSpPr>
         <p:spPr>
@@ -2764,7 +2193,7 @@
               </a:lnSpc>
               <a:buNone/>
             </a:pPr>
-            <a:fld id="{2856057D-5F81-4D98-90F8-29E27DF33BE9}" type="slidenum">
+            <a:fld id="{2D907FB3-1EA6-4F2E-B5B0-29DBB0A57663}" type="slidenum">
               <a:rPr b="0" lang="en-US" sz="1200" spc="-1" strike="noStrike">
                 <a:latin typeface="Times New Roman"/>
               </a:rPr>
@@ -2800,7 +2229,7 @@
       </p:grpSpPr>
       <p:sp>
         <p:nvSpPr>
-          <p:cNvPr id="489" name="PlaceHolder 1"/>
+          <p:cNvPr id="494" name="PlaceHolder 1"/>
           <p:cNvSpPr>
             <a:spLocks noGrp="1"/>
           </p:cNvSpPr>
@@ -2823,7 +2252,7 @@
       </p:sp>
       <p:sp>
         <p:nvSpPr>
-          <p:cNvPr id="490" name="PlaceHolder 2"/>
+          <p:cNvPr id="495" name="PlaceHolder 2"/>
           <p:cNvSpPr>
             <a:spLocks noGrp="1"/>
           </p:cNvSpPr>
@@ -2857,12 +2286,12 @@
       </p:sp>
       <p:sp>
         <p:nvSpPr>
-          <p:cNvPr id="491" name="PlaceHolder 3"/>
-          <p:cNvSpPr>
-            <a:spLocks noGrp="1"/>
-          </p:cNvSpPr>
-          <p:nvPr>
-            <p:ph type="sldNum" idx="51"/>
+          <p:cNvPr id="496" name="PlaceHolder 3"/>
+          <p:cNvSpPr>
+            <a:spLocks noGrp="1"/>
+          </p:cNvSpPr>
+          <p:nvPr>
+            <p:ph type="sldNum" idx="48"/>
           </p:nvPr>
         </p:nvSpPr>
         <p:spPr>
@@ -2900,7 +2329,7 @@
               </a:lnSpc>
               <a:buNone/>
             </a:pPr>
-            <a:fld id="{DA95D37E-A1D5-47B9-B948-1AF965BBC204}" type="slidenum">
+            <a:fld id="{C68513F2-94F5-4374-979A-BF4BC194FDAB}" type="slidenum">
               <a:rPr b="0" lang="en-US" sz="1200" spc="-1" strike="noStrike">
                 <a:latin typeface="Times New Roman"/>
               </a:rPr>
@@ -2936,7 +2365,7 @@
       </p:grpSpPr>
       <p:sp>
         <p:nvSpPr>
-          <p:cNvPr id="492" name="PlaceHolder 1"/>
+          <p:cNvPr id="497" name="PlaceHolder 1"/>
           <p:cNvSpPr>
             <a:spLocks noGrp="1"/>
           </p:cNvSpPr>
@@ -2959,7 +2388,7 @@
       </p:sp>
       <p:sp>
         <p:nvSpPr>
-          <p:cNvPr id="493" name="PlaceHolder 2"/>
+          <p:cNvPr id="498" name="PlaceHolder 2"/>
           <p:cNvSpPr>
             <a:spLocks noGrp="1"/>
           </p:cNvSpPr>
@@ -2993,12 +2422,12 @@
       </p:sp>
       <p:sp>
         <p:nvSpPr>
-          <p:cNvPr id="494" name="PlaceHolder 3"/>
-          <p:cNvSpPr>
-            <a:spLocks noGrp="1"/>
-          </p:cNvSpPr>
-          <p:nvPr>
-            <p:ph type="sldNum" idx="52"/>
+          <p:cNvPr id="499" name="PlaceHolder 3"/>
+          <p:cNvSpPr>
+            <a:spLocks noGrp="1"/>
+          </p:cNvSpPr>
+          <p:nvPr>
+            <p:ph type="sldNum" idx="49"/>
           </p:nvPr>
         </p:nvSpPr>
         <p:spPr>
@@ -3036,7 +2465,7 @@
               </a:lnSpc>
               <a:buNone/>
             </a:pPr>
-            <a:fld id="{7EFCD2E9-5C71-41A7-A921-24EB5A77EA57}" type="slidenum">
+            <a:fld id="{590B7259-B81C-4E8A-AE02-A304B8308BC9}" type="slidenum">
               <a:rPr b="0" lang="en-US" sz="1200" spc="-1" strike="noStrike">
                 <a:latin typeface="Times New Roman"/>
               </a:rPr>
@@ -3072,7 +2501,7 @@
       </p:grpSpPr>
       <p:sp>
         <p:nvSpPr>
-          <p:cNvPr id="495" name="PlaceHolder 1"/>
+          <p:cNvPr id="500" name="PlaceHolder 1"/>
           <p:cNvSpPr>
             <a:spLocks noGrp="1"/>
           </p:cNvSpPr>
@@ -3095,7 +2524,7 @@
       </p:sp>
       <p:sp>
         <p:nvSpPr>
-          <p:cNvPr id="496" name="PlaceHolder 2"/>
+          <p:cNvPr id="501" name="PlaceHolder 2"/>
           <p:cNvSpPr>
             <a:spLocks noGrp="1"/>
           </p:cNvSpPr>
@@ -3129,12 +2558,12 @@
       </p:sp>
       <p:sp>
         <p:nvSpPr>
-          <p:cNvPr id="497" name="PlaceHolder 3"/>
-          <p:cNvSpPr>
-            <a:spLocks noGrp="1"/>
-          </p:cNvSpPr>
-          <p:nvPr>
-            <p:ph type="sldNum" idx="53"/>
+          <p:cNvPr id="502" name="PlaceHolder 3"/>
+          <p:cNvSpPr>
+            <a:spLocks noGrp="1"/>
+          </p:cNvSpPr>
+          <p:nvPr>
+            <p:ph type="sldNum" idx="50"/>
           </p:nvPr>
         </p:nvSpPr>
         <p:spPr>
@@ -3172,7 +2601,7 @@
               </a:lnSpc>
               <a:buNone/>
             </a:pPr>
-            <a:fld id="{2C654554-E32F-4355-A682-8E0A144C9FFB}" type="slidenum">
+            <a:fld id="{9DCFEFB5-C436-4B86-A400-9460694BBF69}" type="slidenum">
               <a:rPr b="0" lang="en-US" sz="1200" spc="-1" strike="noStrike">
                 <a:latin typeface="Times New Roman"/>
               </a:rPr>
@@ -3208,7 +2637,7 @@
       </p:grpSpPr>
       <p:sp>
         <p:nvSpPr>
-          <p:cNvPr id="498" name="PlaceHolder 1"/>
+          <p:cNvPr id="503" name="PlaceHolder 1"/>
           <p:cNvSpPr>
             <a:spLocks noGrp="1"/>
           </p:cNvSpPr>
@@ -3231,7 +2660,7 @@
       </p:sp>
       <p:sp>
         <p:nvSpPr>
-          <p:cNvPr id="499" name="PlaceHolder 2"/>
+          <p:cNvPr id="504" name="PlaceHolder 2"/>
           <p:cNvSpPr>
             <a:spLocks noGrp="1"/>
           </p:cNvSpPr>
@@ -3265,12 +2694,12 @@
       </p:sp>
       <p:sp>
         <p:nvSpPr>
-          <p:cNvPr id="500" name="PlaceHolder 3"/>
-          <p:cNvSpPr>
-            <a:spLocks noGrp="1"/>
-          </p:cNvSpPr>
-          <p:nvPr>
-            <p:ph type="sldNum" idx="54"/>
+          <p:cNvPr id="505" name="PlaceHolder 3"/>
+          <p:cNvSpPr>
+            <a:spLocks noGrp="1"/>
+          </p:cNvSpPr>
+          <p:nvPr>
+            <p:ph type="sldNum" idx="51"/>
           </p:nvPr>
         </p:nvSpPr>
         <p:spPr>
@@ -3308,7 +2737,7 @@
               </a:lnSpc>
               <a:buNone/>
             </a:pPr>
-            <a:fld id="{E140B602-6E9B-4070-A4BF-53C4E78F34BB}" type="slidenum">
+            <a:fld id="{22122547-8ADC-44EF-A87A-9036673391E7}" type="slidenum">
               <a:rPr b="0" lang="en-US" sz="1200" spc="-1" strike="noStrike">
                 <a:latin typeface="Times New Roman"/>
               </a:rPr>
@@ -3344,7 +2773,7 @@
       </p:grpSpPr>
       <p:sp>
         <p:nvSpPr>
-          <p:cNvPr id="501" name="PlaceHolder 1"/>
+          <p:cNvPr id="506" name="PlaceHolder 1"/>
           <p:cNvSpPr>
             <a:spLocks noGrp="1"/>
           </p:cNvSpPr>
@@ -3367,7 +2796,7 @@
       </p:sp>
       <p:sp>
         <p:nvSpPr>
-          <p:cNvPr id="502" name="PlaceHolder 2"/>
+          <p:cNvPr id="507" name="PlaceHolder 2"/>
           <p:cNvSpPr>
             <a:spLocks noGrp="1"/>
           </p:cNvSpPr>
@@ -3401,12 +2830,12 @@
       </p:sp>
       <p:sp>
         <p:nvSpPr>
-          <p:cNvPr id="503" name="PlaceHolder 3"/>
-          <p:cNvSpPr>
-            <a:spLocks noGrp="1"/>
-          </p:cNvSpPr>
-          <p:nvPr>
-            <p:ph type="sldNum" idx="55"/>
+          <p:cNvPr id="508" name="PlaceHolder 3"/>
+          <p:cNvSpPr>
+            <a:spLocks noGrp="1"/>
+          </p:cNvSpPr>
+          <p:nvPr>
+            <p:ph type="sldNum" idx="52"/>
           </p:nvPr>
         </p:nvSpPr>
         <p:spPr>
@@ -3444,11 +2873,11 @@
               </a:lnSpc>
               <a:buNone/>
             </a:pPr>
-            <a:fld id="{FB198C76-4445-464E-8EF9-673123B5DC94}" type="slidenum">
+            <a:fld id="{417362C7-88CB-494E-899D-384C71DE55B4}" type="slidenum">
               <a:rPr b="0" lang="en-US" sz="1200" spc="-1" strike="noStrike">
                 <a:latin typeface="Times New Roman"/>
               </a:rPr>
-              <a:t>&lt;number&gt;</a:t>
+              <a:t>1</a:t>
             </a:fld>
             <a:endParaRPr b="0" lang="en-US" sz="1200" spc="-1" strike="noStrike">
               <a:latin typeface="Times New Roman"/>
@@ -3480,7 +2909,7 @@
       </p:grpSpPr>
       <p:sp>
         <p:nvSpPr>
-          <p:cNvPr id="504" name="PlaceHolder 1"/>
+          <p:cNvPr id="509" name="PlaceHolder 1"/>
           <p:cNvSpPr>
             <a:spLocks noGrp="1"/>
           </p:cNvSpPr>
@@ -3503,7 +2932,7 @@
       </p:sp>
       <p:sp>
         <p:nvSpPr>
-          <p:cNvPr id="505" name="PlaceHolder 2"/>
+          <p:cNvPr id="510" name="PlaceHolder 2"/>
           <p:cNvSpPr>
             <a:spLocks noGrp="1"/>
           </p:cNvSpPr>
@@ -3537,12 +2966,12 @@
       </p:sp>
       <p:sp>
         <p:nvSpPr>
-          <p:cNvPr id="506" name="PlaceHolder 3"/>
-          <p:cNvSpPr>
-            <a:spLocks noGrp="1"/>
-          </p:cNvSpPr>
-          <p:nvPr>
-            <p:ph type="sldNum" idx="56"/>
+          <p:cNvPr id="511" name="PlaceHolder 3"/>
+          <p:cNvSpPr>
+            <a:spLocks noGrp="1"/>
+          </p:cNvSpPr>
+          <p:nvPr>
+            <p:ph type="sldNum" idx="53"/>
           </p:nvPr>
         </p:nvSpPr>
         <p:spPr>
@@ -3580,11 +3009,11 @@
               </a:lnSpc>
               <a:buNone/>
             </a:pPr>
-            <a:fld id="{B309B12D-6EB8-463C-925B-5A0409DDE881}" type="slidenum">
+            <a:fld id="{F6E51A73-4494-4BCB-8B08-0229BF839DF9}" type="slidenum">
               <a:rPr b="0" lang="en-US" sz="1200" spc="-1" strike="noStrike">
                 <a:latin typeface="Times New Roman"/>
               </a:rPr>
-              <a:t>&lt;number&gt;</a:t>
+              <a:t>1</a:t>
             </a:fld>
             <a:endParaRPr b="0" lang="en-US" sz="1200" spc="-1" strike="noStrike">
               <a:latin typeface="Times New Roman"/>
@@ -3616,7 +3045,7 @@
       </p:grpSpPr>
       <p:sp>
         <p:nvSpPr>
-          <p:cNvPr id="507" name="PlaceHolder 1"/>
+          <p:cNvPr id="512" name="PlaceHolder 1"/>
           <p:cNvSpPr>
             <a:spLocks noGrp="1"/>
           </p:cNvSpPr>
@@ -3639,7 +3068,7 @@
       </p:sp>
       <p:sp>
         <p:nvSpPr>
-          <p:cNvPr id="508" name="PlaceHolder 2"/>
+          <p:cNvPr id="513" name="PlaceHolder 2"/>
           <p:cNvSpPr>
             <a:spLocks noGrp="1"/>
           </p:cNvSpPr>
@@ -3673,12 +3102,12 @@
       </p:sp>
       <p:sp>
         <p:nvSpPr>
-          <p:cNvPr id="509" name="PlaceHolder 3"/>
-          <p:cNvSpPr>
-            <a:spLocks noGrp="1"/>
-          </p:cNvSpPr>
-          <p:nvPr>
-            <p:ph type="sldNum" idx="57"/>
+          <p:cNvPr id="514" name="PlaceHolder 3"/>
+          <p:cNvSpPr>
+            <a:spLocks noGrp="1"/>
+          </p:cNvSpPr>
+          <p:nvPr>
+            <p:ph type="sldNum" idx="54"/>
           </p:nvPr>
         </p:nvSpPr>
         <p:spPr>
@@ -3716,11 +3145,11 @@
               </a:lnSpc>
               <a:buNone/>
             </a:pPr>
-            <a:fld id="{AC8CF60A-F82E-4F71-96C0-27D2A92F064A}" type="slidenum">
+            <a:fld id="{ED683E94-800E-4A5E-9906-F9A669717831}" type="slidenum">
               <a:rPr b="0" lang="en-US" sz="1200" spc="-1" strike="noStrike">
                 <a:latin typeface="Times New Roman"/>
               </a:rPr>
-              <a:t>&lt;number&gt;</a:t>
+              <a:t>1</a:t>
             </a:fld>
             <a:endParaRPr b="0" lang="en-US" sz="1200" spc="-1" strike="noStrike">
               <a:latin typeface="Times New Roman"/>
@@ -3752,7 +3181,7 @@
       </p:grpSpPr>
       <p:sp>
         <p:nvSpPr>
-          <p:cNvPr id="433" name="PlaceHolder 1"/>
+          <p:cNvPr id="441" name="PlaceHolder 1"/>
           <p:cNvSpPr>
             <a:spLocks noGrp="1"/>
           </p:cNvSpPr>
@@ -3775,7 +3204,7 @@
       </p:sp>
       <p:sp>
         <p:nvSpPr>
-          <p:cNvPr id="434" name="PlaceHolder 2"/>
+          <p:cNvPr id="442" name="PlaceHolder 2"/>
           <p:cNvSpPr>
             <a:spLocks noGrp="1"/>
           </p:cNvSpPr>
@@ -3809,7 +3238,7 @@
       </p:sp>
       <p:sp>
         <p:nvSpPr>
-          <p:cNvPr id="435" name="PlaceHolder 3"/>
+          <p:cNvPr id="443" name="PlaceHolder 3"/>
           <p:cNvSpPr>
             <a:spLocks noGrp="1"/>
           </p:cNvSpPr>
@@ -3852,7 +3281,7 @@
               </a:lnSpc>
               <a:buNone/>
             </a:pPr>
-            <a:fld id="{34CA3381-6DF3-4943-B02B-E83E8D6CFB98}" type="slidenum">
+            <a:fld id="{0169925D-D355-4662-8EC3-0EAEA2AEF680}" type="slidenum">
               <a:rPr b="0" lang="en-US" sz="1200" spc="-1" strike="noStrike">
                 <a:latin typeface="Times New Roman"/>
               </a:rPr>
@@ -3888,7 +3317,7 @@
       </p:grpSpPr>
       <p:sp>
         <p:nvSpPr>
-          <p:cNvPr id="510" name="PlaceHolder 1"/>
+          <p:cNvPr id="515" name="PlaceHolder 1"/>
           <p:cNvSpPr>
             <a:spLocks noGrp="1"/>
           </p:cNvSpPr>
@@ -3911,7 +3340,7 @@
       </p:sp>
       <p:sp>
         <p:nvSpPr>
-          <p:cNvPr id="511" name="PlaceHolder 2"/>
+          <p:cNvPr id="516" name="PlaceHolder 2"/>
           <p:cNvSpPr>
             <a:spLocks noGrp="1"/>
           </p:cNvSpPr>
@@ -3945,12 +3374,12 @@
       </p:sp>
       <p:sp>
         <p:nvSpPr>
-          <p:cNvPr id="512" name="PlaceHolder 3"/>
-          <p:cNvSpPr>
-            <a:spLocks noGrp="1"/>
-          </p:cNvSpPr>
-          <p:nvPr>
-            <p:ph type="sldNum" idx="58"/>
+          <p:cNvPr id="517" name="PlaceHolder 3"/>
+          <p:cNvSpPr>
+            <a:spLocks noGrp="1"/>
+          </p:cNvSpPr>
+          <p:nvPr>
+            <p:ph type="sldNum" idx="55"/>
           </p:nvPr>
         </p:nvSpPr>
         <p:spPr>
@@ -3988,7 +3417,415 @@
               </a:lnSpc>
               <a:buNone/>
             </a:pPr>
-            <a:fld id="{BBBF91FE-D550-4629-9A98-456B80BE7751}" type="slidenum">
+            <a:fld id="{B3684CA9-CF4A-4026-9DAA-E112FF5C47BE}" type="slidenum">
+              <a:rPr b="0" lang="en-US" sz="1200" spc="-1" strike="noStrike">
+                <a:latin typeface="Times New Roman"/>
+              </a:rPr>
+              <a:t>&lt;number&gt;</a:t>
+            </a:fld>
+            <a:endParaRPr b="0" lang="en-US" sz="1200" spc="-1" strike="noStrike">
+              <a:latin typeface="Times New Roman"/>
+            </a:endParaRPr>
+          </a:p>
+        </p:txBody>
+      </p:sp>
+    </p:spTree>
+  </p:cSld>
+</p:notes>
+</file>
+
+<file path=ppt/notesSlides/notesSlide31.xml><?xml version="1.0" encoding="utf-8"?>
+<p:notes xmlns:a="http://schemas.openxmlformats.org/drawingml/2006/main" xmlns:p="http://schemas.openxmlformats.org/presentationml/2006/main" xmlns:r="http://schemas.openxmlformats.org/officeDocument/2006/relationships" xmlns:p14="http://schemas.microsoft.com/office/powerpoint/2010/main" xmlns:p15="http://schemas.microsoft.com/office/powerpoint/2012/main" xmlns:mc="http://schemas.openxmlformats.org/markup-compatibility/2006">
+  <p:cSld>
+    <p:spTree>
+      <p:nvGrpSpPr>
+        <p:cNvPr id="1" name=""/>
+        <p:cNvGrpSpPr/>
+        <p:nvPr/>
+      </p:nvGrpSpPr>
+      <p:grpSpPr>
+        <a:xfrm>
+          <a:off x="0" y="0"/>
+          <a:ext cx="0" cy="0"/>
+          <a:chOff x="0" y="0"/>
+          <a:chExt cx="0" cy="0"/>
+        </a:xfrm>
+      </p:grpSpPr>
+      <p:sp>
+        <p:nvSpPr>
+          <p:cNvPr id="518" name="PlaceHolder 1"/>
+          <p:cNvSpPr>
+            <a:spLocks noGrp="1"/>
+          </p:cNvSpPr>
+          <p:nvPr>
+            <p:ph type="sldImg"/>
+          </p:nvPr>
+        </p:nvSpPr>
+        <p:spPr>
+          <a:xfrm>
+            <a:off x="1371600" y="1143000"/>
+            <a:ext cx="4113720" cy="3085200"/>
+          </a:xfrm>
+          <a:prstGeom prst="rect">
+            <a:avLst/>
+          </a:prstGeom>
+          <a:ln w="0">
+            <a:noFill/>
+          </a:ln>
+        </p:spPr>
+      </p:sp>
+      <p:sp>
+        <p:nvSpPr>
+          <p:cNvPr id="519" name="PlaceHolder 2"/>
+          <p:cNvSpPr>
+            <a:spLocks noGrp="1"/>
+          </p:cNvSpPr>
+          <p:nvPr>
+            <p:ph type="body"/>
+          </p:nvPr>
+        </p:nvSpPr>
+        <p:spPr>
+          <a:xfrm>
+            <a:off x="685800" y="4400640"/>
+            <a:ext cx="5485320" cy="3599280"/>
+          </a:xfrm>
+          <a:prstGeom prst="rect">
+            <a:avLst/>
+          </a:prstGeom>
+          <a:noFill/>
+          <a:ln w="0">
+            <a:noFill/>
+          </a:ln>
+        </p:spPr>
+        <p:txBody>
+          <a:bodyPr lIns="0" rIns="0" tIns="0" bIns="0" anchor="t">
+            <a:noAutofit/>
+          </a:bodyPr>
+          <a:p>
+            <a:endParaRPr b="0" lang="en-US" sz="2000" spc="-1" strike="noStrike">
+              <a:latin typeface="Arial"/>
+            </a:endParaRPr>
+          </a:p>
+        </p:txBody>
+      </p:sp>
+      <p:sp>
+        <p:nvSpPr>
+          <p:cNvPr id="520" name="PlaceHolder 3"/>
+          <p:cNvSpPr>
+            <a:spLocks noGrp="1"/>
+          </p:cNvSpPr>
+          <p:nvPr>
+            <p:ph type="sldNum" idx="56"/>
+          </p:nvPr>
+        </p:nvSpPr>
+        <p:spPr>
+          <a:xfrm>
+            <a:off x="3884760" y="8685360"/>
+            <a:ext cx="2970720" cy="457560"/>
+          </a:xfrm>
+          <a:prstGeom prst="rect">
+            <a:avLst/>
+          </a:prstGeom>
+          <a:noFill/>
+          <a:ln w="0">
+            <a:noFill/>
+          </a:ln>
+        </p:spPr>
+        <p:txBody>
+          <a:bodyPr lIns="0" rIns="0" tIns="0" bIns="0" anchor="b">
+            <a:noAutofit/>
+          </a:bodyPr>
+          <a:lstStyle>
+            <a:lvl1pPr algn="r">
+              <a:lnSpc>
+                <a:spcPct val="100000"/>
+              </a:lnSpc>
+              <a:buNone/>
+              <a:defRPr b="0" lang="en-US" sz="1200" spc="-1" strike="noStrike">
+                <a:latin typeface="Times New Roman"/>
+              </a:defRPr>
+            </a:lvl1pPr>
+          </a:lstStyle>
+          <a:p>
+            <a:pPr algn="r">
+              <a:lnSpc>
+                <a:spcPct val="100000"/>
+              </a:lnSpc>
+              <a:buNone/>
+            </a:pPr>
+            <a:fld id="{60459721-81E3-4FBE-AFEC-E4F9287254FC}" type="slidenum">
+              <a:rPr b="0" lang="en-US" sz="1200" spc="-1" strike="noStrike">
+                <a:latin typeface="Times New Roman"/>
+              </a:rPr>
+              <a:t>&lt;number&gt;</a:t>
+            </a:fld>
+            <a:endParaRPr b="0" lang="en-US" sz="1200" spc="-1" strike="noStrike">
+              <a:latin typeface="Times New Roman"/>
+            </a:endParaRPr>
+          </a:p>
+        </p:txBody>
+      </p:sp>
+    </p:spTree>
+  </p:cSld>
+</p:notes>
+</file>
+
+<file path=ppt/notesSlides/notesSlide32.xml><?xml version="1.0" encoding="utf-8"?>
+<p:notes xmlns:a="http://schemas.openxmlformats.org/drawingml/2006/main" xmlns:p="http://schemas.openxmlformats.org/presentationml/2006/main" xmlns:r="http://schemas.openxmlformats.org/officeDocument/2006/relationships" xmlns:p14="http://schemas.microsoft.com/office/powerpoint/2010/main" xmlns:p15="http://schemas.microsoft.com/office/powerpoint/2012/main" xmlns:mc="http://schemas.openxmlformats.org/markup-compatibility/2006">
+  <p:cSld>
+    <p:spTree>
+      <p:nvGrpSpPr>
+        <p:cNvPr id="1" name=""/>
+        <p:cNvGrpSpPr/>
+        <p:nvPr/>
+      </p:nvGrpSpPr>
+      <p:grpSpPr>
+        <a:xfrm>
+          <a:off x="0" y="0"/>
+          <a:ext cx="0" cy="0"/>
+          <a:chOff x="0" y="0"/>
+          <a:chExt cx="0" cy="0"/>
+        </a:xfrm>
+      </p:grpSpPr>
+      <p:sp>
+        <p:nvSpPr>
+          <p:cNvPr id="521" name="PlaceHolder 1"/>
+          <p:cNvSpPr>
+            <a:spLocks noGrp="1"/>
+          </p:cNvSpPr>
+          <p:nvPr>
+            <p:ph type="sldImg"/>
+          </p:nvPr>
+        </p:nvSpPr>
+        <p:spPr>
+          <a:xfrm>
+            <a:off x="1371600" y="1143000"/>
+            <a:ext cx="4113720" cy="3085200"/>
+          </a:xfrm>
+          <a:prstGeom prst="rect">
+            <a:avLst/>
+          </a:prstGeom>
+          <a:ln w="0">
+            <a:noFill/>
+          </a:ln>
+        </p:spPr>
+      </p:sp>
+      <p:sp>
+        <p:nvSpPr>
+          <p:cNvPr id="522" name="PlaceHolder 2"/>
+          <p:cNvSpPr>
+            <a:spLocks noGrp="1"/>
+          </p:cNvSpPr>
+          <p:nvPr>
+            <p:ph type="body"/>
+          </p:nvPr>
+        </p:nvSpPr>
+        <p:spPr>
+          <a:xfrm>
+            <a:off x="685800" y="4400640"/>
+            <a:ext cx="5485320" cy="3599280"/>
+          </a:xfrm>
+          <a:prstGeom prst="rect">
+            <a:avLst/>
+          </a:prstGeom>
+          <a:noFill/>
+          <a:ln w="0">
+            <a:noFill/>
+          </a:ln>
+        </p:spPr>
+        <p:txBody>
+          <a:bodyPr lIns="0" rIns="0" tIns="0" bIns="0" anchor="t">
+            <a:noAutofit/>
+          </a:bodyPr>
+          <a:p>
+            <a:endParaRPr b="0" lang="en-US" sz="2000" spc="-1" strike="noStrike">
+              <a:latin typeface="Arial"/>
+            </a:endParaRPr>
+          </a:p>
+        </p:txBody>
+      </p:sp>
+      <p:sp>
+        <p:nvSpPr>
+          <p:cNvPr id="523" name="PlaceHolder 3"/>
+          <p:cNvSpPr>
+            <a:spLocks noGrp="1"/>
+          </p:cNvSpPr>
+          <p:nvPr>
+            <p:ph type="sldNum" idx="57"/>
+          </p:nvPr>
+        </p:nvSpPr>
+        <p:spPr>
+          <a:xfrm>
+            <a:off x="3884760" y="8685360"/>
+            <a:ext cx="2970720" cy="457560"/>
+          </a:xfrm>
+          <a:prstGeom prst="rect">
+            <a:avLst/>
+          </a:prstGeom>
+          <a:noFill/>
+          <a:ln w="0">
+            <a:noFill/>
+          </a:ln>
+        </p:spPr>
+        <p:txBody>
+          <a:bodyPr lIns="0" rIns="0" tIns="0" bIns="0" anchor="b">
+            <a:noAutofit/>
+          </a:bodyPr>
+          <a:lstStyle>
+            <a:lvl1pPr algn="r">
+              <a:lnSpc>
+                <a:spcPct val="100000"/>
+              </a:lnSpc>
+              <a:buNone/>
+              <a:defRPr b="0" lang="en-US" sz="1200" spc="-1" strike="noStrike">
+                <a:latin typeface="Times New Roman"/>
+              </a:defRPr>
+            </a:lvl1pPr>
+          </a:lstStyle>
+          <a:p>
+            <a:pPr algn="r">
+              <a:lnSpc>
+                <a:spcPct val="100000"/>
+              </a:lnSpc>
+              <a:buNone/>
+            </a:pPr>
+            <a:fld id="{5CCA1197-91D6-4111-9DEA-AD95FCFA8DE4}" type="slidenum">
+              <a:rPr b="0" lang="en-US" sz="1200" spc="-1" strike="noStrike">
+                <a:latin typeface="Times New Roman"/>
+              </a:rPr>
+              <a:t>&lt;number&gt;</a:t>
+            </a:fld>
+            <a:endParaRPr b="0" lang="en-US" sz="1200" spc="-1" strike="noStrike">
+              <a:latin typeface="Times New Roman"/>
+            </a:endParaRPr>
+          </a:p>
+        </p:txBody>
+      </p:sp>
+    </p:spTree>
+  </p:cSld>
+</p:notes>
+</file>
+
+<file path=ppt/notesSlides/notesSlide33.xml><?xml version="1.0" encoding="utf-8"?>
+<p:notes xmlns:a="http://schemas.openxmlformats.org/drawingml/2006/main" xmlns:p="http://schemas.openxmlformats.org/presentationml/2006/main" xmlns:r="http://schemas.openxmlformats.org/officeDocument/2006/relationships" xmlns:p14="http://schemas.microsoft.com/office/powerpoint/2010/main" xmlns:p15="http://schemas.microsoft.com/office/powerpoint/2012/main" xmlns:mc="http://schemas.openxmlformats.org/markup-compatibility/2006">
+  <p:cSld>
+    <p:spTree>
+      <p:nvGrpSpPr>
+        <p:cNvPr id="1" name=""/>
+        <p:cNvGrpSpPr/>
+        <p:nvPr/>
+      </p:nvGrpSpPr>
+      <p:grpSpPr>
+        <a:xfrm>
+          <a:off x="0" y="0"/>
+          <a:ext cx="0" cy="0"/>
+          <a:chOff x="0" y="0"/>
+          <a:chExt cx="0" cy="0"/>
+        </a:xfrm>
+      </p:grpSpPr>
+      <p:sp>
+        <p:nvSpPr>
+          <p:cNvPr id="524" name="PlaceHolder 1"/>
+          <p:cNvSpPr>
+            <a:spLocks noGrp="1"/>
+          </p:cNvSpPr>
+          <p:nvPr>
+            <p:ph type="sldImg"/>
+          </p:nvPr>
+        </p:nvSpPr>
+        <p:spPr>
+          <a:xfrm>
+            <a:off x="1371600" y="1143000"/>
+            <a:ext cx="4113720" cy="3085200"/>
+          </a:xfrm>
+          <a:prstGeom prst="rect">
+            <a:avLst/>
+          </a:prstGeom>
+          <a:ln w="0">
+            <a:noFill/>
+          </a:ln>
+        </p:spPr>
+      </p:sp>
+      <p:sp>
+        <p:nvSpPr>
+          <p:cNvPr id="525" name="PlaceHolder 2"/>
+          <p:cNvSpPr>
+            <a:spLocks noGrp="1"/>
+          </p:cNvSpPr>
+          <p:nvPr>
+            <p:ph type="body"/>
+          </p:nvPr>
+        </p:nvSpPr>
+        <p:spPr>
+          <a:xfrm>
+            <a:off x="685800" y="4400640"/>
+            <a:ext cx="5485320" cy="3599280"/>
+          </a:xfrm>
+          <a:prstGeom prst="rect">
+            <a:avLst/>
+          </a:prstGeom>
+          <a:noFill/>
+          <a:ln w="0">
+            <a:noFill/>
+          </a:ln>
+        </p:spPr>
+        <p:txBody>
+          <a:bodyPr lIns="0" rIns="0" tIns="0" bIns="0" anchor="t">
+            <a:noAutofit/>
+          </a:bodyPr>
+          <a:p>
+            <a:endParaRPr b="0" lang="en-US" sz="2000" spc="-1" strike="noStrike">
+              <a:latin typeface="Arial"/>
+            </a:endParaRPr>
+          </a:p>
+        </p:txBody>
+      </p:sp>
+      <p:sp>
+        <p:nvSpPr>
+          <p:cNvPr id="526" name="PlaceHolder 3"/>
+          <p:cNvSpPr>
+            <a:spLocks noGrp="1"/>
+          </p:cNvSpPr>
+          <p:nvPr>
+            <p:ph type="sldNum" idx="58"/>
+          </p:nvPr>
+        </p:nvSpPr>
+        <p:spPr>
+          <a:xfrm>
+            <a:off x="3884760" y="8685360"/>
+            <a:ext cx="2970720" cy="457560"/>
+          </a:xfrm>
+          <a:prstGeom prst="rect">
+            <a:avLst/>
+          </a:prstGeom>
+          <a:noFill/>
+          <a:ln w="0">
+            <a:noFill/>
+          </a:ln>
+        </p:spPr>
+        <p:txBody>
+          <a:bodyPr lIns="0" rIns="0" tIns="0" bIns="0" anchor="b">
+            <a:noAutofit/>
+          </a:bodyPr>
+          <a:lstStyle>
+            <a:lvl1pPr algn="r">
+              <a:lnSpc>
+                <a:spcPct val="100000"/>
+              </a:lnSpc>
+              <a:buNone/>
+              <a:defRPr b="0" lang="en-US" sz="1200" spc="-1" strike="noStrike">
+                <a:latin typeface="Times New Roman"/>
+              </a:defRPr>
+            </a:lvl1pPr>
+          </a:lstStyle>
+          <a:p>
+            <a:pPr algn="r">
+              <a:lnSpc>
+                <a:spcPct val="100000"/>
+              </a:lnSpc>
+              <a:buNone/>
+            </a:pPr>
+            <a:fld id="{2B148E13-3F21-4F22-8274-3ADA7B8ED13E}" type="slidenum">
               <a:rPr b="0" lang="en-US" sz="1200" spc="-1" strike="noStrike">
                 <a:latin typeface="Times New Roman"/>
               </a:rPr>
@@ -4024,7 +3861,7 @@
       </p:grpSpPr>
       <p:sp>
         <p:nvSpPr>
-          <p:cNvPr id="436" name="PlaceHolder 1"/>
+          <p:cNvPr id="444" name="PlaceHolder 1"/>
           <p:cNvSpPr>
             <a:spLocks noGrp="1"/>
           </p:cNvSpPr>
@@ -4047,7 +3884,7 @@
       </p:sp>
       <p:sp>
         <p:nvSpPr>
-          <p:cNvPr id="437" name="PlaceHolder 2"/>
+          <p:cNvPr id="445" name="PlaceHolder 2"/>
           <p:cNvSpPr>
             <a:spLocks noGrp="1"/>
           </p:cNvSpPr>
@@ -4081,7 +3918,7 @@
       </p:sp>
       <p:sp>
         <p:nvSpPr>
-          <p:cNvPr id="438" name="PlaceHolder 3"/>
+          <p:cNvPr id="446" name="PlaceHolder 3"/>
           <p:cNvSpPr>
             <a:spLocks noGrp="1"/>
           </p:cNvSpPr>
@@ -4124,7 +3961,7 @@
               </a:lnSpc>
               <a:buNone/>
             </a:pPr>
-            <a:fld id="{7707DDB1-37C5-4514-97DA-8E6DC8F07DAE}" type="slidenum">
+            <a:fld id="{05242E37-CFB4-4F58-9028-08BB9E3F55FB}" type="slidenum">
               <a:rPr b="0" lang="en-US" sz="1200" spc="-1" strike="noStrike">
                 <a:latin typeface="Times New Roman"/>
               </a:rPr>
@@ -4160,7 +3997,7 @@
       </p:grpSpPr>
       <p:sp>
         <p:nvSpPr>
-          <p:cNvPr id="439" name="PlaceHolder 1"/>
+          <p:cNvPr id="447" name="PlaceHolder 1"/>
           <p:cNvSpPr>
             <a:spLocks noGrp="1"/>
           </p:cNvSpPr>
@@ -4183,7 +4020,7 @@
       </p:sp>
       <p:sp>
         <p:nvSpPr>
-          <p:cNvPr id="440" name="PlaceHolder 2"/>
+          <p:cNvPr id="448" name="PlaceHolder 2"/>
           <p:cNvSpPr>
             <a:spLocks noGrp="1"/>
           </p:cNvSpPr>
@@ -4217,7 +4054,7 @@
       </p:sp>
       <p:sp>
         <p:nvSpPr>
-          <p:cNvPr id="441" name="PlaceHolder 3"/>
+          <p:cNvPr id="449" name="PlaceHolder 3"/>
           <p:cNvSpPr>
             <a:spLocks noGrp="1"/>
           </p:cNvSpPr>
@@ -4260,7 +4097,7 @@
               </a:lnSpc>
               <a:buNone/>
             </a:pPr>
-            <a:fld id="{DFCDA6DD-7275-44BF-BE33-A6DAB5C895BE}" type="slidenum">
+            <a:fld id="{0A188FF1-CEF4-49B3-A8B8-AF084D56C77D}" type="slidenum">
               <a:rPr b="0" lang="en-US" sz="1200" spc="-1" strike="noStrike">
                 <a:latin typeface="Times New Roman"/>
               </a:rPr>
@@ -4296,7 +4133,7 @@
       </p:grpSpPr>
       <p:sp>
         <p:nvSpPr>
-          <p:cNvPr id="442" name="PlaceHolder 1"/>
+          <p:cNvPr id="450" name="PlaceHolder 1"/>
           <p:cNvSpPr>
             <a:spLocks noGrp="1"/>
           </p:cNvSpPr>
@@ -4319,7 +4156,7 @@
       </p:sp>
       <p:sp>
         <p:nvSpPr>
-          <p:cNvPr id="443" name="PlaceHolder 2"/>
+          <p:cNvPr id="451" name="PlaceHolder 2"/>
           <p:cNvSpPr>
             <a:spLocks noGrp="1"/>
           </p:cNvSpPr>
@@ -4353,7 +4190,7 @@
       </p:sp>
       <p:sp>
         <p:nvSpPr>
-          <p:cNvPr id="444" name="PlaceHolder 3"/>
+          <p:cNvPr id="452" name="PlaceHolder 3"/>
           <p:cNvSpPr>
             <a:spLocks noGrp="1"/>
           </p:cNvSpPr>
@@ -4396,7 +4233,7 @@
               </a:lnSpc>
               <a:buNone/>
             </a:pPr>
-            <a:fld id="{D64B1B38-D117-4110-9E9B-1B1D82A9BF30}" type="slidenum">
+            <a:fld id="{298B8127-3A72-4DA2-8E73-F287A6349404}" type="slidenum">
               <a:rPr b="0" lang="en-US" sz="1200" spc="-1" strike="noStrike">
                 <a:latin typeface="Times New Roman"/>
               </a:rPr>
@@ -4432,7 +4269,7 @@
       </p:grpSpPr>
       <p:sp>
         <p:nvSpPr>
-          <p:cNvPr id="445" name="PlaceHolder 1"/>
+          <p:cNvPr id="453" name="PlaceHolder 1"/>
           <p:cNvSpPr>
             <a:spLocks noGrp="1"/>
           </p:cNvSpPr>
@@ -4455,7 +4292,7 @@
       </p:sp>
       <p:sp>
         <p:nvSpPr>
-          <p:cNvPr id="446" name="PlaceHolder 2"/>
+          <p:cNvPr id="454" name="PlaceHolder 2"/>
           <p:cNvSpPr>
             <a:spLocks noGrp="1"/>
           </p:cNvSpPr>
@@ -4489,7 +4326,7 @@
       </p:sp>
       <p:sp>
         <p:nvSpPr>
-          <p:cNvPr id="447" name="PlaceHolder 3"/>
+          <p:cNvPr id="455" name="PlaceHolder 3"/>
           <p:cNvSpPr>
             <a:spLocks noGrp="1"/>
           </p:cNvSpPr>
@@ -4532,7 +4369,7 @@
               </a:lnSpc>
               <a:buNone/>
             </a:pPr>
-            <a:fld id="{27882166-BE81-4441-8CB7-F2DA754BFB61}" type="slidenum">
+            <a:fld id="{559C1054-977A-432A-81B2-C885C4BD1206}" type="slidenum">
               <a:rPr b="0" lang="en-US" sz="1200" spc="-1" strike="noStrike">
                 <a:latin typeface="Times New Roman"/>
               </a:rPr>
@@ -4568,7 +4405,7 @@
       </p:grpSpPr>
       <p:sp>
         <p:nvSpPr>
-          <p:cNvPr id="448" name="PlaceHolder 1"/>
+          <p:cNvPr id="456" name="PlaceHolder 1"/>
           <p:cNvSpPr>
             <a:spLocks noGrp="1"/>
           </p:cNvSpPr>
@@ -4591,7 +4428,7 @@
       </p:sp>
       <p:sp>
         <p:nvSpPr>
-          <p:cNvPr id="449" name="PlaceHolder 2"/>
+          <p:cNvPr id="457" name="PlaceHolder 2"/>
           <p:cNvSpPr>
             <a:spLocks noGrp="1"/>
           </p:cNvSpPr>
@@ -4625,7 +4462,7 @@
       </p:sp>
       <p:sp>
         <p:nvSpPr>
-          <p:cNvPr id="450" name="PlaceHolder 3"/>
+          <p:cNvPr id="458" name="PlaceHolder 3"/>
           <p:cNvSpPr>
             <a:spLocks noGrp="1"/>
           </p:cNvSpPr>
@@ -4668,7 +4505,7 @@
               </a:lnSpc>
               <a:buNone/>
             </a:pPr>
-            <a:fld id="{5A5C57E5-A7F3-4678-918A-16A82A1D57AD}" type="slidenum">
+            <a:fld id="{496A505D-6A01-4F97-A3AD-98D4619C8B71}" type="slidenum">
               <a:rPr b="0" lang="en-US" sz="1200" spc="-1" strike="noStrike">
                 <a:latin typeface="Times New Roman"/>
               </a:rPr>
@@ -4704,7 +4541,7 @@
       </p:grpSpPr>
       <p:sp>
         <p:nvSpPr>
-          <p:cNvPr id="451" name="PlaceHolder 1"/>
+          <p:cNvPr id="459" name="PlaceHolder 1"/>
           <p:cNvSpPr>
             <a:spLocks noGrp="1"/>
           </p:cNvSpPr>
@@ -4727,7 +4564,7 @@
       </p:sp>
       <p:sp>
         <p:nvSpPr>
-          <p:cNvPr id="452" name="PlaceHolder 2"/>
+          <p:cNvPr id="460" name="PlaceHolder 2"/>
           <p:cNvSpPr>
             <a:spLocks noGrp="1"/>
           </p:cNvSpPr>
@@ -4761,7 +4598,7 @@
       </p:sp>
       <p:sp>
         <p:nvSpPr>
-          <p:cNvPr id="453" name="PlaceHolder 3"/>
+          <p:cNvPr id="461" name="PlaceHolder 3"/>
           <p:cNvSpPr>
             <a:spLocks noGrp="1"/>
           </p:cNvSpPr>
@@ -4804,7 +4641,7 @@
               </a:lnSpc>
               <a:buNone/>
             </a:pPr>
-            <a:fld id="{C3A3E0C3-5CEB-4B69-926D-E5AC29B12D6D}" type="slidenum">
+            <a:fld id="{AA203E4A-DA0A-44AF-9EB0-59DD914BC30F}" type="slidenum">
               <a:rPr b="0" lang="en-US" sz="1200" spc="-1" strike="noStrike">
                 <a:latin typeface="Times New Roman"/>
               </a:rPr>
@@ -15650,109 +15487,7 @@
               <a:rPr b="0" lang="en-US" sz="4400" spc="-1" strike="noStrike">
                 <a:latin typeface="Arial"/>
               </a:rPr>
-              <a:t>C</a:t>
-            </a:r>
-            <a:r>
-              <a:rPr b="0" lang="en-US" sz="4400" spc="-1" strike="noStrike">
-                <a:latin typeface="Arial"/>
-              </a:rPr>
-              <a:t>li</a:t>
-            </a:r>
-            <a:r>
-              <a:rPr b="0" lang="en-US" sz="4400" spc="-1" strike="noStrike">
-                <a:latin typeface="Arial"/>
-              </a:rPr>
-              <a:t>c</a:t>
-            </a:r>
-            <a:r>
-              <a:rPr b="0" lang="en-US" sz="4400" spc="-1" strike="noStrike">
-                <a:latin typeface="Arial"/>
-              </a:rPr>
-              <a:t>k </a:t>
-            </a:r>
-            <a:r>
-              <a:rPr b="0" lang="en-US" sz="4400" spc="-1" strike="noStrike">
-                <a:latin typeface="Arial"/>
-              </a:rPr>
-              <a:t>to </a:t>
-            </a:r>
-            <a:r>
-              <a:rPr b="0" lang="en-US" sz="4400" spc="-1" strike="noStrike">
-                <a:latin typeface="Arial"/>
-              </a:rPr>
-              <a:t>e</a:t>
-            </a:r>
-            <a:r>
-              <a:rPr b="0" lang="en-US" sz="4400" spc="-1" strike="noStrike">
-                <a:latin typeface="Arial"/>
-              </a:rPr>
-              <a:t>di</a:t>
-            </a:r>
-            <a:r>
-              <a:rPr b="0" lang="en-US" sz="4400" spc="-1" strike="noStrike">
-                <a:latin typeface="Arial"/>
-              </a:rPr>
-              <a:t>t </a:t>
-            </a:r>
-            <a:r>
-              <a:rPr b="0" lang="en-US" sz="4400" spc="-1" strike="noStrike">
-                <a:latin typeface="Arial"/>
-              </a:rPr>
-              <a:t>th</a:t>
-            </a:r>
-            <a:r>
-              <a:rPr b="0" lang="en-US" sz="4400" spc="-1" strike="noStrike">
-                <a:latin typeface="Arial"/>
-              </a:rPr>
-              <a:t>e </a:t>
-            </a:r>
-            <a:r>
-              <a:rPr b="0" lang="en-US" sz="4400" spc="-1" strike="noStrike">
-                <a:latin typeface="Arial"/>
-              </a:rPr>
-              <a:t>tit</a:t>
-            </a:r>
-            <a:r>
-              <a:rPr b="0" lang="en-US" sz="4400" spc="-1" strike="noStrike">
-                <a:latin typeface="Arial"/>
-              </a:rPr>
-              <a:t>le </a:t>
-            </a:r>
-            <a:r>
-              <a:rPr b="0" lang="en-US" sz="4400" spc="-1" strike="noStrike">
-                <a:latin typeface="Arial"/>
-              </a:rPr>
-              <a:t>te</a:t>
-            </a:r>
-            <a:r>
-              <a:rPr b="0" lang="en-US" sz="4400" spc="-1" strike="noStrike">
-                <a:latin typeface="Arial"/>
-              </a:rPr>
-              <a:t>xt </a:t>
-            </a:r>
-            <a:r>
-              <a:rPr b="0" lang="en-US" sz="4400" spc="-1" strike="noStrike">
-                <a:latin typeface="Arial"/>
-              </a:rPr>
-              <a:t>fo</a:t>
-            </a:r>
-            <a:r>
-              <a:rPr b="0" lang="en-US" sz="4400" spc="-1" strike="noStrike">
-                <a:latin typeface="Arial"/>
-              </a:rPr>
-              <a:t>r</a:t>
-            </a:r>
-            <a:r>
-              <a:rPr b="0" lang="en-US" sz="4400" spc="-1" strike="noStrike">
-                <a:latin typeface="Arial"/>
-              </a:rPr>
-              <a:t>m</a:t>
-            </a:r>
-            <a:r>
-              <a:rPr b="0" lang="en-US" sz="4400" spc="-1" strike="noStrike">
-                <a:latin typeface="Arial"/>
-              </a:rPr>
-              <a:t>at</a:t>
+              <a:t>Click to edit the title text format</a:t>
             </a:r>
             <a:endParaRPr b="0" lang="en-US" sz="4400" spc="-1" strike="noStrike">
               <a:latin typeface="Arial"/>
@@ -16127,7 +15862,109 @@
               <a:rPr b="0" lang="en-US" sz="4400" spc="-1" strike="noStrike">
                 <a:latin typeface="Arial"/>
               </a:rPr>
-              <a:t>Click to edit the title text format</a:t>
+              <a:t>C</a:t>
+            </a:r>
+            <a:r>
+              <a:rPr b="0" lang="en-US" sz="4400" spc="-1" strike="noStrike">
+                <a:latin typeface="Arial"/>
+              </a:rPr>
+              <a:t>li</a:t>
+            </a:r>
+            <a:r>
+              <a:rPr b="0" lang="en-US" sz="4400" spc="-1" strike="noStrike">
+                <a:latin typeface="Arial"/>
+              </a:rPr>
+              <a:t>c</a:t>
+            </a:r>
+            <a:r>
+              <a:rPr b="0" lang="en-US" sz="4400" spc="-1" strike="noStrike">
+                <a:latin typeface="Arial"/>
+              </a:rPr>
+              <a:t>k </a:t>
+            </a:r>
+            <a:r>
+              <a:rPr b="0" lang="en-US" sz="4400" spc="-1" strike="noStrike">
+                <a:latin typeface="Arial"/>
+              </a:rPr>
+              <a:t>to </a:t>
+            </a:r>
+            <a:r>
+              <a:rPr b="0" lang="en-US" sz="4400" spc="-1" strike="noStrike">
+                <a:latin typeface="Arial"/>
+              </a:rPr>
+              <a:t>e</a:t>
+            </a:r>
+            <a:r>
+              <a:rPr b="0" lang="en-US" sz="4400" spc="-1" strike="noStrike">
+                <a:latin typeface="Arial"/>
+              </a:rPr>
+              <a:t>di</a:t>
+            </a:r>
+            <a:r>
+              <a:rPr b="0" lang="en-US" sz="4400" spc="-1" strike="noStrike">
+                <a:latin typeface="Arial"/>
+              </a:rPr>
+              <a:t>t </a:t>
+            </a:r>
+            <a:r>
+              <a:rPr b="0" lang="en-US" sz="4400" spc="-1" strike="noStrike">
+                <a:latin typeface="Arial"/>
+              </a:rPr>
+              <a:t>th</a:t>
+            </a:r>
+            <a:r>
+              <a:rPr b="0" lang="en-US" sz="4400" spc="-1" strike="noStrike">
+                <a:latin typeface="Arial"/>
+              </a:rPr>
+              <a:t>e </a:t>
+            </a:r>
+            <a:r>
+              <a:rPr b="0" lang="en-US" sz="4400" spc="-1" strike="noStrike">
+                <a:latin typeface="Arial"/>
+              </a:rPr>
+              <a:t>tit</a:t>
+            </a:r>
+            <a:r>
+              <a:rPr b="0" lang="en-US" sz="4400" spc="-1" strike="noStrike">
+                <a:latin typeface="Arial"/>
+              </a:rPr>
+              <a:t>le </a:t>
+            </a:r>
+            <a:r>
+              <a:rPr b="0" lang="en-US" sz="4400" spc="-1" strike="noStrike">
+                <a:latin typeface="Arial"/>
+              </a:rPr>
+              <a:t>te</a:t>
+            </a:r>
+            <a:r>
+              <a:rPr b="0" lang="en-US" sz="4400" spc="-1" strike="noStrike">
+                <a:latin typeface="Arial"/>
+              </a:rPr>
+              <a:t>xt </a:t>
+            </a:r>
+            <a:r>
+              <a:rPr b="0" lang="en-US" sz="4400" spc="-1" strike="noStrike">
+                <a:latin typeface="Arial"/>
+              </a:rPr>
+              <a:t>fo</a:t>
+            </a:r>
+            <a:r>
+              <a:rPr b="0" lang="en-US" sz="4400" spc="-1" strike="noStrike">
+                <a:latin typeface="Arial"/>
+              </a:rPr>
+              <a:t>r</a:t>
+            </a:r>
+            <a:r>
+              <a:rPr b="0" lang="en-US" sz="4400" spc="-1" strike="noStrike">
+                <a:latin typeface="Arial"/>
+              </a:rPr>
+              <a:t>m</a:t>
+            </a:r>
+            <a:r>
+              <a:rPr b="0" lang="en-US" sz="4400" spc="-1" strike="noStrike">
+                <a:latin typeface="Arial"/>
+              </a:rPr>
+              <a:t>at</a:t>
             </a:r>
             <a:endParaRPr b="0" lang="en-US" sz="4400" spc="-1" strike="noStrike">
               <a:latin typeface="Arial"/>
@@ -16178,7 +16015,13 @@
               <a:rPr b="0" lang="en-US" sz="3200" spc="-1" strike="noStrike">
                 <a:latin typeface="Arial"/>
               </a:rPr>
-              <a:t>Click to edit the outline text format</a:t>
+              <a:t>Click to edit the </a:t>
+            </a:r>
+            <a:r>
+              <a:rPr b="0" lang="en-US" sz="3200" spc="-1" strike="noStrike">
+                <a:latin typeface="Arial"/>
+              </a:rPr>
+              <a:t>outline text format</a:t>
             </a:r>
             <a:endParaRPr b="0" lang="en-US" sz="3200" spc="-1" strike="noStrike">
               <a:latin typeface="Arial"/>
@@ -16200,7 +16043,13 @@
               <a:rPr b="0" lang="en-US" sz="2800" spc="-1" strike="noStrike">
                 <a:latin typeface="Arial"/>
               </a:rPr>
-              <a:t>Second Outline Level</a:t>
+              <a:t>Second Outline </a:t>
+            </a:r>
+            <a:r>
+              <a:rPr b="0" lang="en-US" sz="2800" spc="-1" strike="noStrike">
+                <a:latin typeface="Arial"/>
+              </a:rPr>
+              <a:t>Level</a:t>
             </a:r>
             <a:endParaRPr b="0" lang="en-US" sz="2800" spc="-1" strike="noStrike">
               <a:latin typeface="Arial"/>
@@ -16266,7 +16115,13 @@
               <a:rPr b="0" lang="en-US" sz="2000" spc="-1" strike="noStrike">
                 <a:latin typeface="Arial"/>
               </a:rPr>
-              <a:t>Fifth Outline Level</a:t>
+              <a:t>Fifth Outline </a:t>
+            </a:r>
+            <a:r>
+              <a:rPr b="0" lang="en-US" sz="2000" spc="-1" strike="noStrike">
+                <a:latin typeface="Arial"/>
+              </a:rPr>
+              <a:t>Level</a:t>
             </a:r>
             <a:endParaRPr b="0" lang="en-US" sz="2000" spc="-1" strike="noStrike">
               <a:latin typeface="Arial"/>
@@ -16288,7 +16143,13 @@
               <a:rPr b="0" lang="en-US" sz="2000" spc="-1" strike="noStrike">
                 <a:latin typeface="Arial"/>
               </a:rPr>
-              <a:t>Sixth Outline Level</a:t>
+              <a:t>Sixth Outline </a:t>
+            </a:r>
+            <a:r>
+              <a:rPr b="0" lang="en-US" sz="2000" spc="-1" strike="noStrike">
+                <a:latin typeface="Arial"/>
+              </a:rPr>
+              <a:t>Level</a:t>
             </a:r>
             <a:endParaRPr b="0" lang="en-US" sz="2000" spc="-1" strike="noStrike">
               <a:latin typeface="Arial"/>
@@ -16310,7 +16171,19 @@
               <a:rPr b="0" lang="en-US" sz="2000" spc="-1" strike="noStrike">
                 <a:latin typeface="Arial"/>
               </a:rPr>
-              <a:t>Seventh Outline Level</a:t>
+              <a:t>Seventh </a:t>
+            </a:r>
+            <a:r>
+              <a:rPr b="0" lang="en-US" sz="2000" spc="-1" strike="noStrike">
+                <a:latin typeface="Arial"/>
+              </a:rPr>
+              <a:t>Outline </a:t>
+            </a:r>
+            <a:r>
+              <a:rPr b="0" lang="en-US" sz="2000" spc="-1" strike="noStrike">
+                <a:latin typeface="Arial"/>
+              </a:rPr>
+              <a:t>Level</a:t>
             </a:r>
             <a:endParaRPr b="0" lang="en-US" sz="2000" spc="-1" strike="noStrike">
               <a:latin typeface="Arial"/>
@@ -16553,13 +16426,7 @@
               <a:rPr b="0" lang="en-US" sz="3200" spc="-1" strike="noStrike">
                 <a:latin typeface="Arial"/>
               </a:rPr>
-              <a:t>Click to edit the </a:t>
-            </a:r>
-            <a:r>
-              <a:rPr b="0" lang="en-US" sz="3200" spc="-1" strike="noStrike">
-                <a:latin typeface="Arial"/>
-              </a:rPr>
-              <a:t>outline text format</a:t>
+              <a:t>Click to edit the outline text format</a:t>
             </a:r>
             <a:endParaRPr b="0" lang="en-US" sz="3200" spc="-1" strike="noStrike">
               <a:latin typeface="Arial"/>
@@ -16581,13 +16448,7 @@
               <a:rPr b="0" lang="en-US" sz="2800" spc="-1" strike="noStrike">
                 <a:latin typeface="Arial"/>
               </a:rPr>
-              <a:t>Second Outline </a:t>
-            </a:r>
-            <a:r>
-              <a:rPr b="0" lang="en-US" sz="2800" spc="-1" strike="noStrike">
-                <a:latin typeface="Arial"/>
-              </a:rPr>
-              <a:t>Level</a:t>
+              <a:t>Second Outline Level</a:t>
             </a:r>
             <a:endParaRPr b="0" lang="en-US" sz="2800" spc="-1" strike="noStrike">
               <a:latin typeface="Arial"/>
@@ -16653,13 +16514,7 @@
               <a:rPr b="0" lang="en-US" sz="2000" spc="-1" strike="noStrike">
                 <a:latin typeface="Arial"/>
               </a:rPr>
-              <a:t>Fifth Outline </a:t>
-            </a:r>
-            <a:r>
-              <a:rPr b="0" lang="en-US" sz="2000" spc="-1" strike="noStrike">
-                <a:latin typeface="Arial"/>
-              </a:rPr>
-              <a:t>Level</a:t>
+              <a:t>Fifth Outline Level</a:t>
             </a:r>
             <a:endParaRPr b="0" lang="en-US" sz="2000" spc="-1" strike="noStrike">
               <a:latin typeface="Arial"/>
@@ -16681,13 +16536,7 @@
               <a:rPr b="0" lang="en-US" sz="2000" spc="-1" strike="noStrike">
                 <a:latin typeface="Arial"/>
               </a:rPr>
-              <a:t>Sixth Outline </a:t>
-            </a:r>
-            <a:r>
-              <a:rPr b="0" lang="en-US" sz="2000" spc="-1" strike="noStrike">
-                <a:latin typeface="Arial"/>
-              </a:rPr>
-              <a:t>Level</a:t>
+              <a:t>Sixth Outline Level</a:t>
             </a:r>
             <a:endParaRPr b="0" lang="en-US" sz="2000" spc="-1" strike="noStrike">
               <a:latin typeface="Arial"/>
@@ -16709,19 +16558,7 @@
               <a:rPr b="0" lang="en-US" sz="2000" spc="-1" strike="noStrike">
                 <a:latin typeface="Arial"/>
               </a:rPr>
-              <a:t>Seventh </a:t>
-            </a:r>
-            <a:r>
-              <a:rPr b="0" lang="en-US" sz="2000" spc="-1" strike="noStrike">
-                <a:latin typeface="Arial"/>
-              </a:rPr>
-              <a:t>Outline </a:t>
-            </a:r>
-            <a:r>
-              <a:rPr b="0" lang="en-US" sz="2000" spc="-1" strike="noStrike">
-                <a:latin typeface="Arial"/>
-              </a:rPr>
-              <a:t>Level</a:t>
+              <a:t>Seventh Outline Level</a:t>
             </a:r>
             <a:endParaRPr b="0" lang="en-US" sz="2000" spc="-1" strike="noStrike">
               <a:latin typeface="Arial"/>
@@ -16913,7 +16750,109 @@
               <a:rPr b="0" lang="en-US" sz="4400" spc="-1" strike="noStrike">
                 <a:latin typeface="Arial"/>
               </a:rPr>
-              <a:t>Click to edit the title text format</a:t>
+              <a:t>C</a:t>
+            </a:r>
+            <a:r>
+              <a:rPr b="0" lang="en-US" sz="4400" spc="-1" strike="noStrike">
+                <a:latin typeface="Arial"/>
+              </a:rPr>
+              <a:t>li</a:t>
+            </a:r>
+            <a:r>
+              <a:rPr b="0" lang="en-US" sz="4400" spc="-1" strike="noStrike">
+                <a:latin typeface="Arial"/>
+              </a:rPr>
+              <a:t>c</a:t>
+            </a:r>
+            <a:r>
+              <a:rPr b="0" lang="en-US" sz="4400" spc="-1" strike="noStrike">
+                <a:latin typeface="Arial"/>
+              </a:rPr>
+              <a:t>k </a:t>
+            </a:r>
+            <a:r>
+              <a:rPr b="0" lang="en-US" sz="4400" spc="-1" strike="noStrike">
+                <a:latin typeface="Arial"/>
+              </a:rPr>
+              <a:t>to </a:t>
+            </a:r>
+            <a:r>
+              <a:rPr b="0" lang="en-US" sz="4400" spc="-1" strike="noStrike">
+                <a:latin typeface="Arial"/>
+              </a:rPr>
+              <a:t>e</a:t>
+            </a:r>
+            <a:r>
+              <a:rPr b="0" lang="en-US" sz="4400" spc="-1" strike="noStrike">
+                <a:latin typeface="Arial"/>
+              </a:rPr>
+              <a:t>di</a:t>
+            </a:r>
+            <a:r>
+              <a:rPr b="0" lang="en-US" sz="4400" spc="-1" strike="noStrike">
+                <a:latin typeface="Arial"/>
+              </a:rPr>
+              <a:t>t </a:t>
+            </a:r>
+            <a:r>
+              <a:rPr b="0" lang="en-US" sz="4400" spc="-1" strike="noStrike">
+                <a:latin typeface="Arial"/>
+              </a:rPr>
+              <a:t>th</a:t>
+            </a:r>
+            <a:r>
+              <a:rPr b="0" lang="en-US" sz="4400" spc="-1" strike="noStrike">
+                <a:latin typeface="Arial"/>
+              </a:rPr>
+              <a:t>e </a:t>
+            </a:r>
+            <a:r>
+              <a:rPr b="0" lang="en-US" sz="4400" spc="-1" strike="noStrike">
+                <a:latin typeface="Arial"/>
+              </a:rPr>
+              <a:t>tit</a:t>
+            </a:r>
+            <a:r>
+              <a:rPr b="0" lang="en-US" sz="4400" spc="-1" strike="noStrike">
+                <a:latin typeface="Arial"/>
+              </a:rPr>
+              <a:t>le </a:t>
+            </a:r>
+            <a:r>
+              <a:rPr b="0" lang="en-US" sz="4400" spc="-1" strike="noStrike">
+                <a:latin typeface="Arial"/>
+              </a:rPr>
+              <a:t>te</a:t>
+            </a:r>
+            <a:r>
+              <a:rPr b="0" lang="en-US" sz="4400" spc="-1" strike="noStrike">
+                <a:latin typeface="Arial"/>
+              </a:rPr>
+              <a:t>xt </a:t>
+            </a:r>
+            <a:r>
+              <a:rPr b="0" lang="en-US" sz="4400" spc="-1" strike="noStrike">
+                <a:latin typeface="Arial"/>
+              </a:rPr>
+              <a:t>fo</a:t>
+            </a:r>
+            <a:r>
+              <a:rPr b="0" lang="en-US" sz="4400" spc="-1" strike="noStrike">
+                <a:latin typeface="Arial"/>
+              </a:rPr>
+              <a:t>r</a:t>
+            </a:r>
+            <a:r>
+              <a:rPr b="0" lang="en-US" sz="4400" spc="-1" strike="noStrike">
+                <a:latin typeface="Arial"/>
+              </a:rPr>
+              <a:t>m</a:t>
+            </a:r>
+            <a:r>
+              <a:rPr b="0" lang="en-US" sz="4400" spc="-1" strike="noStrike">
+                <a:latin typeface="Arial"/>
+              </a:rPr>
+              <a:t>at</a:t>
             </a:r>
             <a:endParaRPr b="0" lang="en-US" sz="4400" spc="-1" strike="noStrike">
               <a:latin typeface="Arial"/>
@@ -17629,7 +17568,13 @@
               <a:rPr b="0" lang="en-US" sz="1800" spc="-1" strike="noStrike">
                 <a:latin typeface="Arial"/>
               </a:rPr>
-              <a:t>Sixth Outline Level</a:t>
+              <a:t>Sixth Outline </a:t>
+            </a:r>
+            <a:r>
+              <a:rPr b="0" lang="en-US" sz="1800" spc="-1" strike="noStrike">
+                <a:latin typeface="Arial"/>
+              </a:rPr>
+              <a:t>Level</a:t>
             </a:r>
             <a:endParaRPr b="0" lang="en-US" sz="1800" spc="-1" strike="noStrike">
               <a:latin typeface="Arial"/>
@@ -17651,7 +17596,13 @@
               <a:rPr b="0" lang="en-US" sz="1800" spc="-1" strike="noStrike">
                 <a:latin typeface="Arial"/>
               </a:rPr>
-              <a:t>Seventh Outline Level</a:t>
+              <a:t>Seventh </a:t>
+            </a:r>
+            <a:r>
+              <a:rPr b="0" lang="en-US" sz="1800" spc="-1" strike="noStrike">
+                <a:latin typeface="Arial"/>
+              </a:rPr>
+              <a:t>Outline Level</a:t>
             </a:r>
             <a:endParaRPr b="0" lang="en-US" sz="1800" spc="-1" strike="noStrike">
               <a:latin typeface="Arial"/>
@@ -18266,13 +18217,7 @@
               <a:rPr b="0" lang="en-US" sz="1800" spc="-1" strike="noStrike">
                 <a:latin typeface="Arial"/>
               </a:rPr>
-              <a:t>Click to edit the outline text </a:t>
-            </a:r>
-            <a:r>
-              <a:rPr b="0" lang="en-US" sz="1800" spc="-1" strike="noStrike">
-                <a:latin typeface="Arial"/>
-              </a:rPr>
-              <a:t>format</a:t>
+              <a:t>Click to edit the outline text format</a:t>
             </a:r>
             <a:endParaRPr b="0" lang="en-US" sz="1800" spc="-1" strike="noStrike">
               <a:latin typeface="Arial"/>
@@ -18338,13 +18283,7 @@
               <a:rPr b="0" lang="en-US" sz="1800" spc="-1" strike="noStrike">
                 <a:latin typeface="Arial"/>
               </a:rPr>
-              <a:t>Fourth Outline </a:t>
-            </a:r>
-            <a:r>
-              <a:rPr b="0" lang="en-US" sz="1800" spc="-1" strike="noStrike">
-                <a:latin typeface="Arial"/>
-              </a:rPr>
-              <a:t>Level</a:t>
+              <a:t>Fourth Outline Level</a:t>
             </a:r>
             <a:endParaRPr b="0" lang="en-US" sz="1800" spc="-1" strike="noStrike">
               <a:latin typeface="Arial"/>
@@ -18366,13 +18305,7 @@
               <a:rPr b="0" lang="en-US" sz="1800" spc="-1" strike="noStrike">
                 <a:latin typeface="Arial"/>
               </a:rPr>
-              <a:t>Fifth Outline </a:t>
-            </a:r>
-            <a:r>
-              <a:rPr b="0" lang="en-US" sz="1800" spc="-1" strike="noStrike">
-                <a:latin typeface="Arial"/>
-              </a:rPr>
-              <a:t>Level</a:t>
+              <a:t>Fifth Outline Level</a:t>
             </a:r>
             <a:endParaRPr b="0" lang="en-US" sz="1800" spc="-1" strike="noStrike">
               <a:latin typeface="Arial"/>
@@ -18394,19 +18327,7 @@
               <a:rPr b="0" lang="en-US" sz="1800" spc="-1" strike="noStrike">
                 <a:latin typeface="Arial"/>
               </a:rPr>
-              <a:t>Sixth </a:t>
-            </a:r>
-            <a:r>
-              <a:rPr b="0" lang="en-US" sz="1800" spc="-1" strike="noStrike">
-                <a:latin typeface="Arial"/>
-              </a:rPr>
-              <a:t>Outline </a:t>
-            </a:r>
-            <a:r>
-              <a:rPr b="0" lang="en-US" sz="1800" spc="-1" strike="noStrike">
-                <a:latin typeface="Arial"/>
-              </a:rPr>
-              <a:t>Level</a:t>
+              <a:t>Sixth Outline Level</a:t>
             </a:r>
             <a:endParaRPr b="0" lang="en-US" sz="1800" spc="-1" strike="noStrike">
               <a:latin typeface="Arial"/>
@@ -18428,31 +18349,7 @@
               <a:rPr b="0" lang="en-US" sz="1800" spc="-1" strike="noStrike">
                 <a:latin typeface="Arial"/>
               </a:rPr>
-              <a:t>Seve</a:t>
-            </a:r>
-            <a:r>
-              <a:rPr b="0" lang="en-US" sz="1800" spc="-1" strike="noStrike">
-                <a:latin typeface="Arial"/>
-              </a:rPr>
-              <a:t>nth </a:t>
-            </a:r>
-            <a:r>
-              <a:rPr b="0" lang="en-US" sz="1800" spc="-1" strike="noStrike">
-                <a:latin typeface="Arial"/>
-              </a:rPr>
-              <a:t>Outlin</a:t>
-            </a:r>
-            <a:r>
-              <a:rPr b="0" lang="en-US" sz="1800" spc="-1" strike="noStrike">
-                <a:latin typeface="Arial"/>
-              </a:rPr>
-              <a:t>e </a:t>
-            </a:r>
-            <a:r>
-              <a:rPr b="0" lang="en-US" sz="1800" spc="-1" strike="noStrike">
-                <a:latin typeface="Arial"/>
-              </a:rPr>
-              <a:t>Level</a:t>
+              <a:t>Seventh Outline Level</a:t>
             </a:r>
             <a:endParaRPr b="0" lang="en-US" sz="1800" spc="-1" strike="noStrike">
               <a:latin typeface="Arial"/>
@@ -19111,7 +19008,7 @@
               </a:lnSpc>
               <a:buNone/>
             </a:pPr>
-            <a:fld id="{C7DEF0A4-2E88-4226-A408-953CA6DB5D81}" type="slidenum">
+            <a:fld id="{2E12FA32-EC65-4106-8CC4-2F2E8241A823}" type="slidenum">
               <a:rPr b="1" lang="en-US" sz="2400" spc="-1" strike="noStrike">
                 <a:solidFill>
                   <a:srgbClr val="039a44"/>
@@ -19253,7 +19150,7 @@
               </a:lnSpc>
               <a:buNone/>
             </a:pPr>
-            <a:fld id="{83922D1B-23DC-4BCF-A8EC-012D1CA5F3CC}" type="slidenum">
+            <a:fld id="{5B4B434A-AED3-420E-8075-0F828BD737E3}" type="slidenum">
               <a:rPr b="1" lang="en-US" sz="2400" spc="-1" strike="noStrike">
                 <a:solidFill>
                   <a:srgbClr val="039a44"/>
@@ -19608,7 +19505,7 @@
               </a:lnSpc>
               <a:buNone/>
             </a:pPr>
-            <a:fld id="{D0C61FE7-38DB-4E99-B9DB-750F672E4797}" type="slidenum">
+            <a:fld id="{78E0EC67-F2AD-49CF-92CE-1E79E2E7D317}" type="slidenum">
               <a:rPr b="1" lang="en-US" sz="2400" spc="-1" strike="noStrike">
                 <a:solidFill>
                   <a:srgbClr val="039a44"/>
@@ -19679,7 +19576,16 @@
                 </a:solidFill>
                 <a:latin typeface="Arial"/>
               </a:rPr>
-              <a:t>NOAA data was used for small scale tests</a:t>
+              <a:t>NOAA data was used for </a:t>
+            </a:r>
+            <a:r>
+              <a:rPr b="0" lang="en-US" sz="2400" spc="-1" strike="noStrike">
+                <a:solidFill>
+                  <a:srgbClr val="000000"/>
+                </a:solidFill>
+                <a:latin typeface="Arial"/>
+              </a:rPr>
+              <a:t>small scale tests</a:t>
             </a:r>
             <a:endParaRPr b="0" lang="en-US" sz="2400" spc="-1" strike="noStrike">
               <a:latin typeface="Arial"/>
@@ -19708,7 +19614,34 @@
                 </a:solidFill>
                 <a:latin typeface="Arial"/>
               </a:rPr>
-              <a:t>The website provided azimuths and altitudes for specific locations and times</a:t>
+              <a:t>The website provided </a:t>
+            </a:r>
+            <a:r>
+              <a:rPr b="0" lang="en-US" sz="2400" spc="-1" strike="noStrike">
+                <a:solidFill>
+                  <a:srgbClr val="000000"/>
+                </a:solidFill>
+                <a:latin typeface="Arial"/>
+              </a:rPr>
+              <a:t>azimuths and altitudes for </a:t>
+            </a:r>
+            <a:r>
+              <a:rPr b="0" lang="en-US" sz="2400" spc="-1" strike="noStrike">
+                <a:solidFill>
+                  <a:srgbClr val="000000"/>
+                </a:solidFill>
+                <a:latin typeface="Arial"/>
+              </a:rPr>
+              <a:t>specific locations and </a:t>
+            </a:r>
+            <a:r>
+              <a:rPr b="0" lang="en-US" sz="2400" spc="-1" strike="noStrike">
+                <a:solidFill>
+                  <a:srgbClr val="000000"/>
+                </a:solidFill>
+                <a:latin typeface="Arial"/>
+              </a:rPr>
+              <a:t>times</a:t>
             </a:r>
             <a:endParaRPr b="0" lang="en-US" sz="2400" spc="-1" strike="noStrike">
               <a:latin typeface="Arial"/>
@@ -19737,7 +19670,25 @@
                 </a:solidFill>
                 <a:latin typeface="Arial"/>
               </a:rPr>
-              <a:t>Allowed for testing on several cities around the the world</a:t>
+              <a:t>Allowed for testing on </a:t>
+            </a:r>
+            <a:r>
+              <a:rPr b="0" lang="en-US" sz="2400" spc="-1" strike="noStrike">
+                <a:solidFill>
+                  <a:srgbClr val="000000"/>
+                </a:solidFill>
+                <a:latin typeface="Arial"/>
+              </a:rPr>
+              <a:t>several cities around the </a:t>
+            </a:r>
+            <a:r>
+              <a:rPr b="0" lang="en-US" sz="2400" spc="-1" strike="noStrike">
+                <a:solidFill>
+                  <a:srgbClr val="000000"/>
+                </a:solidFill>
+                <a:latin typeface="Arial"/>
+              </a:rPr>
+              <a:t>the world</a:t>
             </a:r>
             <a:endParaRPr b="0" lang="en-US" sz="2400" spc="-1" strike="noStrike">
               <a:latin typeface="Arial"/>
@@ -19872,7 +19823,7 @@
               </a:lnSpc>
               <a:buNone/>
             </a:pPr>
-            <a:fld id="{BD931905-712C-4503-9088-50799E68CB15}" type="slidenum">
+            <a:fld id="{8F4BC350-13A2-4AEE-8EE8-721D7B54662C}" type="slidenum">
               <a:rPr b="1" lang="en-US" sz="2400" spc="-1" strike="noStrike">
                 <a:solidFill>
                   <a:srgbClr val="039a44"/>
@@ -20118,7 +20069,7 @@
               </a:lnSpc>
               <a:buNone/>
             </a:pPr>
-            <a:fld id="{EBD107DE-7718-489C-9043-45ACB1586B5C}" type="slidenum">
+            <a:fld id="{4C70BD84-A858-4256-AF69-0FC1808C5AF3}" type="slidenum">
               <a:rPr b="1" lang="en-US" sz="2400" spc="-1" strike="noStrike">
                 <a:solidFill>
                   <a:srgbClr val="039a44"/>
@@ -20497,27 +20448,29 @@
       </p:grpSpPr>
       <p:sp>
         <p:nvSpPr>
-          <p:cNvPr id="354" name="PlaceHolder 1"/>
-          <p:cNvSpPr>
-            <a:spLocks noGrp="1"/>
-          </p:cNvSpPr>
-          <p:nvPr>
-            <p:ph type="title"/>
-          </p:nvPr>
-        </p:nvSpPr>
-        <p:spPr>
-          <a:xfrm>
-            <a:off x="462960" y="1377720"/>
-            <a:ext cx="8228520" cy="537840"/>
-          </a:xfrm>
-          <a:prstGeom prst="rect">
-            <a:avLst/>
-          </a:prstGeom>
-          <a:noFill/>
-          <a:ln w="0">
-            <a:noFill/>
-          </a:ln>
-        </p:spPr>
+          <p:cNvPr id="354" name="PlaceHolder 30"/>
+          <p:cNvSpPr/>
+          <p:nvPr/>
+        </p:nvSpPr>
+        <p:spPr>
+          <a:xfrm>
+            <a:off x="457200" y="1143360"/>
+            <a:ext cx="8234280" cy="537840"/>
+          </a:xfrm>
+          <a:prstGeom prst="rect">
+            <a:avLst/>
+          </a:prstGeom>
+          <a:noFill/>
+          <a:ln w="0">
+            <a:noFill/>
+          </a:ln>
+        </p:spPr>
+        <p:style>
+          <a:lnRef idx="0"/>
+          <a:fillRef idx="0"/>
+          <a:effectRef idx="0"/>
+          <a:fontRef idx="minor"/>
+        </p:style>
         <p:txBody>
           <a:bodyPr lIns="0" rIns="0" tIns="45000" bIns="45000" anchor="t">
             <a:noAutofit/>
@@ -20536,7 +20489,16 @@
                 </a:solidFill>
                 <a:latin typeface="Arial"/>
               </a:rPr>
-              <a:t>Appendix</a:t>
+              <a:t> </a:t>
+            </a:r>
+            <a:r>
+              <a:rPr b="1" lang="en-US" sz="3600" spc="-1" strike="noStrike">
+                <a:solidFill>
+                  <a:srgbClr val="009a44"/>
+                </a:solidFill>
+                <a:latin typeface="Arial"/>
+              </a:rPr>
+              <a:t>Personal Testing</a:t>
             </a:r>
             <a:endParaRPr b="0" lang="en-US" sz="3600" spc="-1" strike="noStrike">
               <a:latin typeface="Arial"/>
@@ -20546,183 +20508,145 @@
       </p:sp>
       <p:sp>
         <p:nvSpPr>
-          <p:cNvPr id="355" name="PlaceHolder 2"/>
-          <p:cNvSpPr>
-            <a:spLocks noGrp="1"/>
-          </p:cNvSpPr>
-          <p:nvPr>
-            <p:ph/>
-          </p:nvPr>
-        </p:nvSpPr>
-        <p:spPr>
-          <a:xfrm>
-            <a:off x="914400" y="2514600"/>
-            <a:ext cx="7314480" cy="3885120"/>
-          </a:xfrm>
-          <a:prstGeom prst="rect">
-            <a:avLst/>
-          </a:prstGeom>
-          <a:noFill/>
-          <a:ln w="0">
-            <a:noFill/>
-          </a:ln>
-        </p:spPr>
-        <p:txBody>
-          <a:bodyPr numCol="1" spcCol="457200" lIns="0" rIns="0" tIns="0" bIns="0" anchor="t">
+          <p:cNvPr id="355" name=""/>
+          <p:cNvSpPr txBox="1"/>
+          <p:nvPr/>
+        </p:nvSpPr>
+        <p:spPr>
+          <a:xfrm>
+            <a:off x="685800" y="2057400"/>
+            <a:ext cx="4343400" cy="3161880"/>
+          </a:xfrm>
+          <a:prstGeom prst="rect">
+            <a:avLst/>
+          </a:prstGeom>
+          <a:noFill/>
+          <a:ln w="0">
+            <a:noFill/>
+          </a:ln>
+        </p:spPr>
+        <p:txBody>
+          <a:bodyPr lIns="90000" rIns="90000" tIns="45000" bIns="45000" anchor="t">
             <a:noAutofit/>
           </a:bodyPr>
           <a:p>
-            <a:pPr>
-              <a:lnSpc>
-                <a:spcPts val="3379"/>
-              </a:lnSpc>
-              <a:spcBef>
-                <a:spcPts val="751"/>
-              </a:spcBef>
-              <a:spcAft>
-                <a:spcPts val="601"/>
-              </a:spcAft>
-              <a:buNone/>
-              <a:tabLst>
-                <a:tab algn="l" pos="0"/>
-              </a:tabLst>
-            </a:pPr>
             <a:r>
-              <a:rPr b="0" lang="en-US" sz="2400" spc="-1" strike="noStrike">
-                <a:solidFill>
-                  <a:srgbClr val="000000"/>
-                </a:solidFill>
-                <a:latin typeface="Arial"/>
-              </a:rPr>
-              <a:t>- Supporting Math</a:t>
+              <a:rPr b="0" lang="en-US" sz="1800" spc="-1" strike="noStrike">
+                <a:latin typeface="Arial"/>
+              </a:rPr>
+              <a:t>For personal testing we measured the shadows of various object</a:t>
             </a:r>
-            <a:endParaRPr b="0" lang="en-US" sz="2400" spc="-1" strike="noStrike">
-              <a:latin typeface="Arial"/>
-            </a:endParaRPr>
-          </a:p>
-          <a:p>
-            <a:pPr>
-              <a:lnSpc>
-                <a:spcPts val="3379"/>
-              </a:lnSpc>
-              <a:spcBef>
-                <a:spcPts val="751"/>
-              </a:spcBef>
-              <a:spcAft>
-                <a:spcPts val="601"/>
-              </a:spcAft>
-              <a:buNone/>
-              <a:tabLst>
-                <a:tab algn="l" pos="0"/>
-              </a:tabLst>
-            </a:pPr>
+            <a:endParaRPr b="0" lang="en-US" sz="1800" spc="-1" strike="noStrike">
+              <a:latin typeface="Arial"/>
+            </a:endParaRPr>
+          </a:p>
+          <a:p>
+            <a:endParaRPr b="0" lang="en-US" sz="1800" spc="-1" strike="noStrike">
+              <a:latin typeface="Arial"/>
+            </a:endParaRPr>
+          </a:p>
+          <a:p>
             <a:r>
-              <a:rPr b="0" lang="en-US" sz="2400" spc="-1" strike="noStrike">
-                <a:solidFill>
-                  <a:srgbClr val="000000"/>
-                </a:solidFill>
-                <a:latin typeface="Arial"/>
-              </a:rPr>
-              <a:t>- Single Test Images</a:t>
+              <a:rPr b="0" lang="en-US" sz="1800" spc="-1" strike="noStrike">
+                <a:latin typeface="Arial"/>
+              </a:rPr>
+              <a:t>	</a:t>
             </a:r>
-            <a:endParaRPr b="0" lang="en-US" sz="2400" spc="-1" strike="noStrike">
-              <a:latin typeface="Arial"/>
-            </a:endParaRPr>
-          </a:p>
-          <a:p>
-            <a:pPr>
-              <a:lnSpc>
-                <a:spcPts val="3379"/>
-              </a:lnSpc>
-              <a:spcBef>
-                <a:spcPts val="751"/>
-              </a:spcBef>
-              <a:spcAft>
-                <a:spcPts val="601"/>
-              </a:spcAft>
-              <a:buNone/>
-              <a:tabLst>
-                <a:tab algn="l" pos="0"/>
-              </a:tabLst>
-            </a:pPr>
             <a:r>
-              <a:rPr b="0" lang="en-US" sz="2400" spc="-1" strike="noStrike">
-                <a:solidFill>
-                  <a:srgbClr val="000000"/>
-                </a:solidFill>
-                <a:latin typeface="Arial"/>
-              </a:rPr>
-              <a:t>- Large Test Result graphs</a:t>
+              <a:rPr b="0" lang="en-US" sz="1800" spc="-1" strike="noStrike">
+                <a:latin typeface="Arial"/>
+              </a:rPr>
+              <a:t>- Roads Signs</a:t>
             </a:r>
-            <a:endParaRPr b="0" lang="en-US" sz="2400" spc="-1" strike="noStrike">
-              <a:latin typeface="Arial"/>
-            </a:endParaRPr>
-          </a:p>
-        </p:txBody>
-      </p:sp>
-      <p:sp>
-        <p:nvSpPr>
-          <p:cNvPr id="356" name="PlaceHolder 3"/>
-          <p:cNvSpPr>
-            <a:spLocks noGrp="1"/>
-          </p:cNvSpPr>
-          <p:nvPr>
-            <p:ph type="sldNum" idx="17"/>
-          </p:nvPr>
-        </p:nvSpPr>
-        <p:spPr>
-          <a:xfrm>
-            <a:off x="8458200" y="6183360"/>
-            <a:ext cx="684720" cy="681480"/>
-          </a:xfrm>
-          <a:prstGeom prst="rect">
-            <a:avLst/>
-          </a:prstGeom>
-          <a:noFill/>
-          <a:ln w="0">
-            <a:noFill/>
-          </a:ln>
-        </p:spPr>
-        <p:txBody>
-          <a:bodyPr lIns="90000" rIns="90000" tIns="45000" bIns="45000" anchor="ctr">
-            <a:noAutofit/>
-          </a:bodyPr>
-          <a:lstStyle>
-            <a:lvl1pPr algn="ctr">
-              <a:lnSpc>
-                <a:spcPct val="100000"/>
-              </a:lnSpc>
-              <a:buNone/>
-              <a:defRPr b="1" lang="en-US" sz="2400" spc="-1" strike="noStrike">
-                <a:solidFill>
-                  <a:srgbClr val="039a44"/>
-                </a:solidFill>
-                <a:latin typeface="Arial"/>
-              </a:defRPr>
-            </a:lvl1pPr>
-          </a:lstStyle>
-          <a:p>
-            <a:pPr algn="ctr">
-              <a:lnSpc>
-                <a:spcPct val="100000"/>
-              </a:lnSpc>
-              <a:buNone/>
-            </a:pPr>
-            <a:fld id="{5BEEDBEF-FF4C-488D-8FD9-53ADB834FB80}" type="slidenum">
-              <a:rPr b="1" lang="en-US" sz="2400" spc="-1" strike="noStrike">
-                <a:solidFill>
-                  <a:srgbClr val="039a44"/>
-                </a:solidFill>
-                <a:latin typeface="Arial"/>
-              </a:rPr>
-              <a:t>1</a:t>
-            </a:fld>
-            <a:endParaRPr b="0" lang="en-US" sz="2400" spc="-1" strike="noStrike">
-              <a:latin typeface="Times New Roman"/>
-            </a:endParaRPr>
-          </a:p>
-        </p:txBody>
-      </p:sp>
+            <a:endParaRPr b="0" lang="en-US" sz="1800" spc="-1" strike="noStrike">
+              <a:latin typeface="Arial"/>
+            </a:endParaRPr>
+          </a:p>
+          <a:p>
+            <a:endParaRPr b="0" lang="en-US" sz="1800" spc="-1" strike="noStrike">
+              <a:latin typeface="Arial"/>
+            </a:endParaRPr>
+          </a:p>
+          <a:p>
+            <a:r>
+              <a:rPr b="0" lang="en-US" sz="1800" spc="-1" strike="noStrike">
+                <a:latin typeface="Arial"/>
+              </a:rPr>
+              <a:t>	</a:t>
+            </a:r>
+            <a:r>
+              <a:rPr b="0" lang="en-US" sz="1800" spc="-1" strike="noStrike">
+                <a:latin typeface="Arial"/>
+              </a:rPr>
+              <a:t>- Cardboard Boxes</a:t>
+            </a:r>
+            <a:endParaRPr b="0" lang="en-US" sz="1800" spc="-1" strike="noStrike">
+              <a:latin typeface="Arial"/>
+            </a:endParaRPr>
+          </a:p>
+          <a:p>
+            <a:endParaRPr b="0" lang="en-US" sz="1800" spc="-1" strike="noStrike">
+              <a:latin typeface="Arial"/>
+            </a:endParaRPr>
+          </a:p>
+          <a:p>
+            <a:r>
+              <a:rPr b="0" lang="en-US" sz="1800" spc="-1" strike="noStrike">
+                <a:latin typeface="Arial"/>
+              </a:rPr>
+              <a:t>	</a:t>
+            </a:r>
+            <a:r>
+              <a:rPr b="0" lang="en-US" sz="1800" spc="-1" strike="noStrike">
+                <a:latin typeface="Arial"/>
+              </a:rPr>
+              <a:t>- Shoes</a:t>
+            </a:r>
+            <a:endParaRPr b="0" lang="en-US" sz="1800" spc="-1" strike="noStrike">
+              <a:latin typeface="Arial"/>
+            </a:endParaRPr>
+          </a:p>
+          <a:p>
+            <a:endParaRPr b="0" lang="en-US" sz="1800" spc="-1" strike="noStrike">
+              <a:latin typeface="Arial"/>
+            </a:endParaRPr>
+          </a:p>
+          <a:p>
+            <a:r>
+              <a:rPr b="0" lang="en-US" sz="1800" spc="-1" strike="noStrike">
+                <a:latin typeface="Arial"/>
+              </a:rPr>
+              <a:t>Phones were used as a compass to find north and the corresponding azimuth angles</a:t>
+            </a:r>
+            <a:endParaRPr b="0" lang="en-US" sz="1800" spc="-1" strike="noStrike">
+              <a:latin typeface="Arial"/>
+            </a:endParaRPr>
+          </a:p>
+        </p:txBody>
+      </p:sp>
+      <p:pic>
+        <p:nvPicPr>
+          <p:cNvPr id="356" name="" descr=""/>
+          <p:cNvPicPr/>
+          <p:nvPr/>
+        </p:nvPicPr>
+        <p:blipFill>
+          <a:blip r:embed="rId1"/>
+          <a:stretch/>
+        </p:blipFill>
+        <p:spPr>
+          <a:xfrm>
+            <a:off x="5229720" y="2105280"/>
+            <a:ext cx="2999880" cy="2695320"/>
+          </a:xfrm>
+          <a:prstGeom prst="rect">
+            <a:avLst/>
+          </a:prstGeom>
+          <a:ln w="0">
+            <a:noFill/>
+          </a:ln>
+        </p:spPr>
+      </p:pic>
     </p:spTree>
   </p:cSld>
   <mc:AlternateContent>
@@ -20755,126 +20679,14 @@
       </p:grpSpPr>
       <p:sp>
         <p:nvSpPr>
-          <p:cNvPr id="357" name="PlaceHolder 1"/>
-          <p:cNvSpPr>
-            <a:spLocks noGrp="1"/>
-          </p:cNvSpPr>
-          <p:nvPr>
-            <p:ph type="title"/>
-          </p:nvPr>
-        </p:nvSpPr>
-        <p:spPr>
-          <a:xfrm>
-            <a:off x="462960" y="1143000"/>
-            <a:ext cx="8228520" cy="537840"/>
-          </a:xfrm>
-          <a:prstGeom prst="rect">
-            <a:avLst/>
-          </a:prstGeom>
-          <a:noFill/>
-          <a:ln w="0">
-            <a:noFill/>
-          </a:ln>
-        </p:spPr>
-        <p:txBody>
-          <a:bodyPr lIns="0" rIns="0" tIns="45000" bIns="45000" anchor="t">
-            <a:noAutofit/>
-          </a:bodyPr>
-          <a:p>
-            <a:pPr>
-              <a:lnSpc>
-                <a:spcPct val="90000"/>
-              </a:lnSpc>
-              <a:buNone/>
-            </a:pPr>
-            <a:r>
-              <a:rPr b="1" lang="en-US" sz="3600" spc="-1" strike="noStrike">
-                <a:solidFill>
-                  <a:srgbClr val="009a44"/>
-                </a:solidFill>
-                <a:latin typeface="Arial"/>
-              </a:rPr>
-              <a:t>Calculating Solar Declination Angle</a:t>
-            </a:r>
-            <a:endParaRPr b="0" lang="en-US" sz="3600" spc="-1" strike="noStrike">
-              <a:latin typeface="Arial"/>
-            </a:endParaRPr>
-          </a:p>
-        </p:txBody>
-      </p:sp>
-      <p:sp>
-        <p:nvSpPr>
-          <p:cNvPr id="358" name="PlaceHolder 2"/>
-          <p:cNvSpPr>
-            <a:spLocks noGrp="1"/>
-          </p:cNvSpPr>
-          <p:nvPr>
-            <p:ph type="sldNum" idx="18"/>
-          </p:nvPr>
-        </p:nvSpPr>
-        <p:spPr>
-          <a:xfrm>
-            <a:off x="8458200" y="6183360"/>
-            <a:ext cx="684720" cy="681480"/>
-          </a:xfrm>
-          <a:prstGeom prst="rect">
-            <a:avLst/>
-          </a:prstGeom>
-          <a:noFill/>
-          <a:ln w="0">
-            <a:noFill/>
-          </a:ln>
-        </p:spPr>
-        <p:txBody>
-          <a:bodyPr lIns="90000" rIns="90000" tIns="45000" bIns="45000" anchor="ctr">
-            <a:noAutofit/>
-          </a:bodyPr>
-          <a:lstStyle>
-            <a:lvl1pPr algn="ctr">
-              <a:lnSpc>
-                <a:spcPct val="100000"/>
-              </a:lnSpc>
-              <a:buNone/>
-              <a:defRPr b="1" lang="en-US" sz="2400" spc="-1" strike="noStrike">
-                <a:solidFill>
-                  <a:srgbClr val="039a44"/>
-                </a:solidFill>
-                <a:latin typeface="Arial"/>
-              </a:defRPr>
-            </a:lvl1pPr>
-          </a:lstStyle>
-          <a:p>
-            <a:pPr algn="ctr">
-              <a:lnSpc>
-                <a:spcPct val="100000"/>
-              </a:lnSpc>
-              <a:buNone/>
-            </a:pPr>
-            <a:fld id="{BFA6BF6D-A160-4F7C-91B3-898ACBF94031}" type="slidenum">
-              <a:rPr b="1" lang="en-US" sz="2400" spc="-1" strike="noStrike">
-                <a:solidFill>
-                  <a:srgbClr val="039a44"/>
-                </a:solidFill>
-                <a:latin typeface="Arial"/>
-              </a:rPr>
-              <a:t>1</a:t>
-            </a:fld>
-            <a:endParaRPr b="0" lang="en-US" sz="2400" spc="-1" strike="noStrike">
-              <a:latin typeface="Times New Roman"/>
-            </a:endParaRPr>
-          </a:p>
-        </p:txBody>
-      </p:sp>
-      <p:sp>
-        <p:nvSpPr>
-          <p:cNvPr id="359" name="Slide Subhead 4"/>
+          <p:cNvPr id="357" name="PlaceHolder 29"/>
           <p:cNvSpPr/>
           <p:nvPr/>
         </p:nvSpPr>
         <p:spPr>
           <a:xfrm>
-            <a:off x="691560" y="2020680"/>
-            <a:ext cx="7760520" cy="364680"/>
+            <a:off x="228600" y="1143360"/>
+            <a:ext cx="8462880" cy="537840"/>
           </a:xfrm>
           <a:prstGeom prst="rect">
             <a:avLst/>
@@ -20891,339 +20703,63 @@
           <a:fontRef idx="minor"/>
         </p:style>
         <p:txBody>
-          <a:bodyPr lIns="0" rIns="0" tIns="0" bIns="0" anchor="b">
+          <a:bodyPr lIns="0" rIns="0" tIns="45000" bIns="45000" anchor="t">
             <a:noAutofit/>
           </a:bodyPr>
           <a:p>
-            <a:pPr>
+            <a:pPr algn="ctr">
               <a:lnSpc>
-                <a:spcPct val="150000"/>
+                <a:spcPct val="90000"/>
               </a:lnSpc>
-              <a:spcBef>
-                <a:spcPts val="751"/>
-              </a:spcBef>
-              <a:buNone/>
-              <a:tabLst>
-                <a:tab algn="l" pos="0"/>
-              </a:tabLst>
+              <a:buNone/>
             </a:pPr>
             <a:r>
-              <a:rPr b="1" lang="en-US" sz="1600" spc="-1" strike="noStrike">
+              <a:rPr b="1" lang="en-US" sz="3600" spc="-1" strike="noStrike">
                 <a:solidFill>
-                  <a:srgbClr val="000000"/>
+                  <a:srgbClr val="009a44"/>
                 </a:solidFill>
-                <a:latin typeface="Georgia"/>
-                <a:ea typeface="DejaVu Sans"/>
-              </a:rPr>
-              <a:t>The angular distance from the zenith of the observer at the equator and the sun at solar noon</a:t>
+                <a:latin typeface="Arial"/>
+              </a:rPr>
+              <a:t> </a:t>
             </a:r>
-            <a:endParaRPr b="0" lang="en-US" sz="1600" spc="-1" strike="noStrike">
-              <a:latin typeface="Arial"/>
-            </a:endParaRPr>
-          </a:p>
-        </p:txBody>
-      </p:sp>
-      <p:sp>
-        <p:nvSpPr>
-          <p:cNvPr id="360" name=""/>
-          <p:cNvSpPr/>
+            <a:r>
+              <a:rPr b="1" lang="en-US" sz="3600" spc="-1" strike="noStrike">
+                <a:solidFill>
+                  <a:srgbClr val="009a44"/>
+                </a:solidFill>
+                <a:latin typeface="Arial"/>
+              </a:rPr>
+              <a:t>Personal Testing Results</a:t>
+            </a:r>
+            <a:endParaRPr b="0" lang="en-US" sz="3600" spc="-1" strike="noStrike">
+              <a:latin typeface="Arial"/>
+            </a:endParaRPr>
+          </a:p>
+        </p:txBody>
+      </p:sp>
+      <p:pic>
+        <p:nvPicPr>
+          <p:cNvPr id="358" name="" descr=""/>
+          <p:cNvPicPr/>
           <p:nvPr/>
-        </p:nvSpPr>
-        <p:spPr>
-          <a:xfrm>
-            <a:off x="685800" y="2554920"/>
-            <a:ext cx="7967880" cy="4144680"/>
-          </a:xfrm>
-          <a:prstGeom prst="rect">
-            <a:avLst/>
-          </a:prstGeom>
-          <a:noFill/>
-          <a:ln w="0">
-            <a:noFill/>
-          </a:ln>
-        </p:spPr>
-        <p:style>
-          <a:lnRef idx="0"/>
-          <a:fillRef idx="0"/>
-          <a:effectRef idx="0"/>
-          <a:fontRef idx="minor"/>
-        </p:style>
-        <p:txBody>
-          <a:bodyPr lIns="90000" rIns="90000" tIns="45000" bIns="45000" anchor="t">
-            <a:noAutofit/>
-          </a:bodyPr>
-          <a:p>
-            <a:pPr>
-              <a:lnSpc>
-                <a:spcPct val="100000"/>
-              </a:lnSpc>
-              <a:spcBef>
-                <a:spcPts val="624"/>
-              </a:spcBef>
-              <a:spcAft>
-                <a:spcPts val="425"/>
-              </a:spcAft>
-              <a:buNone/>
-            </a:pPr>
-            <a:r>
-              <a:rPr b="0" lang="en-US" sz="1500" spc="-1" strike="noStrike">
-                <a:solidFill>
-                  <a:srgbClr val="000000"/>
-                </a:solidFill>
-                <a:latin typeface="Arial"/>
-                <a:ea typeface="DejaVu Sans"/>
-              </a:rPr>
-              <a:t>dOmega = 2.1429 - 0.0010394594 * dElapsedJulianDays </a:t>
-            </a:r>
-            <a:endParaRPr b="0" lang="en-US" sz="1500" spc="-1" strike="noStrike">
-              <a:latin typeface="Arial"/>
-            </a:endParaRPr>
-          </a:p>
-          <a:p>
-            <a:pPr>
-              <a:lnSpc>
-                <a:spcPct val="100000"/>
-              </a:lnSpc>
-              <a:spcBef>
-                <a:spcPts val="624"/>
-              </a:spcBef>
-              <a:spcAft>
-                <a:spcPts val="425"/>
-              </a:spcAft>
-              <a:buNone/>
-            </a:pPr>
-            <a:r>
-              <a:rPr b="0" lang="en-US" sz="1500" spc="-1" strike="noStrike">
-                <a:solidFill>
-                  <a:srgbClr val="000000"/>
-                </a:solidFill>
-                <a:latin typeface="Arial"/>
-                <a:ea typeface="DejaVu Sans"/>
-              </a:rPr>
-              <a:t>dMeanLongitude = 4.8950630 + 0.017202791698 * dElapsedJulianDays # Radians </a:t>
-            </a:r>
-            <a:endParaRPr b="0" lang="en-US" sz="1500" spc="-1" strike="noStrike">
-              <a:latin typeface="Arial"/>
-            </a:endParaRPr>
-          </a:p>
-          <a:p>
-            <a:pPr>
-              <a:lnSpc>
-                <a:spcPct val="100000"/>
-              </a:lnSpc>
-              <a:spcBef>
-                <a:spcPts val="624"/>
-              </a:spcBef>
-              <a:spcAft>
-                <a:spcPts val="425"/>
-              </a:spcAft>
-              <a:buNone/>
-            </a:pPr>
-            <a:r>
-              <a:rPr b="0" lang="en-US" sz="1500" spc="-1" strike="noStrike">
-                <a:solidFill>
-                  <a:srgbClr val="000000"/>
-                </a:solidFill>
-                <a:latin typeface="Arial"/>
-                <a:ea typeface="DejaVu Sans"/>
-              </a:rPr>
-              <a:t>dMeanAnomaly = (6.2400600 + 0.0172019699 * dElapsedJulianDays) </a:t>
-            </a:r>
-            <a:endParaRPr b="0" lang="en-US" sz="1500" spc="-1" strike="noStrike">
-              <a:latin typeface="Arial"/>
-            </a:endParaRPr>
-          </a:p>
-          <a:p>
-            <a:pPr>
-              <a:lnSpc>
-                <a:spcPct val="100000"/>
-              </a:lnSpc>
-              <a:spcBef>
-                <a:spcPts val="624"/>
-              </a:spcBef>
-              <a:spcAft>
-                <a:spcPts val="425"/>
-              </a:spcAft>
-              <a:buNone/>
-            </a:pPr>
-            <a:r>
-              <a:rPr b="0" lang="en-US" sz="1500" spc="-1" strike="noStrike">
-                <a:solidFill>
-                  <a:srgbClr val="000000"/>
-                </a:solidFill>
-                <a:latin typeface="Arial"/>
-                <a:ea typeface="DejaVu Sans"/>
-              </a:rPr>
-              <a:t>dEclipticLongitude = dMeanLongitude + 0.03341607 * math.sin(dMeanAnomaly) + 0.00034894 * math.sin(2 * dMeanAnomaly) - 0.0001134 - 0.0000203 * math.sin(dOmega) </a:t>
-            </a:r>
-            <a:endParaRPr b="0" lang="en-US" sz="1500" spc="-1" strike="noStrike">
-              <a:latin typeface="Arial"/>
-            </a:endParaRPr>
-          </a:p>
-          <a:p>
-            <a:pPr>
-              <a:lnSpc>
-                <a:spcPct val="100000"/>
-              </a:lnSpc>
-              <a:spcBef>
-                <a:spcPts val="624"/>
-              </a:spcBef>
-              <a:spcAft>
-                <a:spcPts val="425"/>
-              </a:spcAft>
-              <a:buNone/>
-            </a:pPr>
-            <a:r>
-              <a:rPr b="0" lang="en-US" sz="1500" spc="-1" strike="noStrike">
-                <a:solidFill>
-                  <a:srgbClr val="000000"/>
-                </a:solidFill>
-                <a:latin typeface="Arial"/>
-                <a:ea typeface="DejaVu Sans"/>
-              </a:rPr>
-              <a:t>dEclipticObliquity = 0.4090928 - 6.2140e-9 * dElapsedJulianDays + 0.0000396 * math.cos(dOmega)</a:t>
-            </a:r>
-            <a:endParaRPr b="0" lang="en-US" sz="1500" spc="-1" strike="noStrike">
-              <a:latin typeface="Arial"/>
-            </a:endParaRPr>
-          </a:p>
-          <a:p>
-            <a:pPr>
-              <a:lnSpc>
-                <a:spcPct val="100000"/>
-              </a:lnSpc>
-              <a:spcBef>
-                <a:spcPts val="624"/>
-              </a:spcBef>
-              <a:spcAft>
-                <a:spcPts val="425"/>
-              </a:spcAft>
-              <a:buNone/>
-            </a:pPr>
-            <a:r>
-              <a:rPr b="0" lang="en-US" sz="1500" spc="-1" strike="noStrike">
-                <a:solidFill>
-                  <a:srgbClr val="000000"/>
-                </a:solidFill>
-                <a:latin typeface="Arial"/>
-                <a:ea typeface="DejaVu Sans"/>
-              </a:rPr>
-              <a:t>dSin_EclipticLongitude = math.sin(dEclipticLongitude) </a:t>
-            </a:r>
-            <a:endParaRPr b="0" lang="en-US" sz="1500" spc="-1" strike="noStrike">
-              <a:latin typeface="Arial"/>
-            </a:endParaRPr>
-          </a:p>
-          <a:p>
-            <a:pPr>
-              <a:lnSpc>
-                <a:spcPct val="100000"/>
-              </a:lnSpc>
-              <a:spcBef>
-                <a:spcPts val="624"/>
-              </a:spcBef>
-              <a:spcAft>
-                <a:spcPts val="425"/>
-              </a:spcAft>
-              <a:buNone/>
-            </a:pPr>
-            <a:r>
-              <a:rPr b="0" lang="en-US" sz="1500" spc="-1" strike="noStrike">
-                <a:solidFill>
-                  <a:srgbClr val="000000"/>
-                </a:solidFill>
-                <a:latin typeface="Arial"/>
-                <a:ea typeface="DejaVu Sans"/>
-              </a:rPr>
-              <a:t>dY = math.cos(dEclipticObliquity) * dSin_EclipticLongitude </a:t>
-            </a:r>
-            <a:endParaRPr b="0" lang="en-US" sz="1500" spc="-1" strike="noStrike">
-              <a:latin typeface="Arial"/>
-            </a:endParaRPr>
-          </a:p>
-          <a:p>
-            <a:pPr>
-              <a:lnSpc>
-                <a:spcPct val="100000"/>
-              </a:lnSpc>
-              <a:spcBef>
-                <a:spcPts val="624"/>
-              </a:spcBef>
-              <a:spcAft>
-                <a:spcPts val="425"/>
-              </a:spcAft>
-              <a:buNone/>
-            </a:pPr>
-            <a:r>
-              <a:rPr b="0" lang="en-US" sz="1500" spc="-1" strike="noStrike">
-                <a:solidFill>
-                  <a:srgbClr val="000000"/>
-                </a:solidFill>
-                <a:latin typeface="Arial"/>
-                <a:ea typeface="DejaVu Sans"/>
-              </a:rPr>
-              <a:t>dX = math.cos(dEclipticLongitude) </a:t>
-            </a:r>
-            <a:endParaRPr b="0" lang="en-US" sz="1500" spc="-1" strike="noStrike">
-              <a:latin typeface="Arial"/>
-            </a:endParaRPr>
-          </a:p>
-          <a:p>
-            <a:pPr>
-              <a:lnSpc>
-                <a:spcPct val="100000"/>
-              </a:lnSpc>
-              <a:spcBef>
-                <a:spcPts val="624"/>
-              </a:spcBef>
-              <a:spcAft>
-                <a:spcPts val="425"/>
-              </a:spcAft>
-              <a:buNone/>
-            </a:pPr>
-            <a:r>
-              <a:rPr b="0" lang="en-US" sz="1500" spc="-1" strike="noStrike">
-                <a:solidFill>
-                  <a:srgbClr val="000000"/>
-                </a:solidFill>
-                <a:latin typeface="Arial"/>
-                <a:ea typeface="DejaVu Sans"/>
-              </a:rPr>
-              <a:t>dRightAscension = math.atan2(dY, dX) if dRightAscension &lt; 0.0: dRightAscension += (2 * math.pi) </a:t>
-            </a:r>
-            <a:endParaRPr b="0" lang="en-US" sz="1500" spc="-1" strike="noStrike">
-              <a:latin typeface="Arial"/>
-            </a:endParaRPr>
-          </a:p>
-          <a:p>
-            <a:pPr>
-              <a:lnSpc>
-                <a:spcPct val="100000"/>
-              </a:lnSpc>
-              <a:spcBef>
-                <a:spcPts val="624"/>
-              </a:spcBef>
-              <a:spcAft>
-                <a:spcPts val="425"/>
-              </a:spcAft>
-              <a:buNone/>
-            </a:pPr>
-            <a:r>
-              <a:rPr b="0" lang="en-US" sz="1500" spc="-1" strike="noStrike">
-                <a:solidFill>
-                  <a:srgbClr val="000000"/>
-                </a:solidFill>
-                <a:latin typeface="Arial"/>
-                <a:ea typeface="DejaVu Sans"/>
-              </a:rPr>
-              <a:t>dDeclination = math.asin(math.sin(dEclipticObliquity) * dSin_EclipticLongitude)</a:t>
-            </a:r>
-            <a:endParaRPr b="0" lang="en-US" sz="1500" spc="-1" strike="noStrike">
-              <a:latin typeface="Arial"/>
-            </a:endParaRPr>
-          </a:p>
-        </p:txBody>
-      </p:sp>
+        </p:nvPicPr>
+        <p:blipFill>
+          <a:blip r:embed="rId1"/>
+          <a:stretch/>
+        </p:blipFill>
+        <p:spPr>
+          <a:xfrm>
+            <a:off x="1184760" y="1895400"/>
+            <a:ext cx="6359040" cy="4276800"/>
+          </a:xfrm>
+          <a:prstGeom prst="rect">
+            <a:avLst/>
+          </a:prstGeom>
+          <a:ln w="0">
+            <a:noFill/>
+          </a:ln>
+        </p:spPr>
+      </p:pic>
     </p:spTree>
   </p:cSld>
   <mc:AlternateContent>
@@ -21256,126 +20792,14 @@
       </p:grpSpPr>
       <p:sp>
         <p:nvSpPr>
-          <p:cNvPr id="361" name="PlaceHolder 1"/>
-          <p:cNvSpPr>
-            <a:spLocks noGrp="1"/>
-          </p:cNvSpPr>
-          <p:nvPr>
-            <p:ph type="title"/>
-          </p:nvPr>
-        </p:nvSpPr>
-        <p:spPr>
-          <a:xfrm>
-            <a:off x="462960" y="1143000"/>
-            <a:ext cx="8228520" cy="537840"/>
-          </a:xfrm>
-          <a:prstGeom prst="rect">
-            <a:avLst/>
-          </a:prstGeom>
-          <a:noFill/>
-          <a:ln w="0">
-            <a:noFill/>
-          </a:ln>
-        </p:spPr>
-        <p:txBody>
-          <a:bodyPr lIns="0" rIns="0" tIns="45000" bIns="45000" anchor="t">
-            <a:noAutofit/>
-          </a:bodyPr>
-          <a:p>
-            <a:pPr>
-              <a:lnSpc>
-                <a:spcPct val="90000"/>
-              </a:lnSpc>
-              <a:buNone/>
-            </a:pPr>
-            <a:r>
-              <a:rPr b="1" lang="en-US" sz="3600" spc="-1" strike="noStrike">
-                <a:solidFill>
-                  <a:srgbClr val="009a44"/>
-                </a:solidFill>
-                <a:latin typeface="Arial"/>
-              </a:rPr>
-              <a:t>Calculating Solar Hour Angle</a:t>
-            </a:r>
-            <a:endParaRPr b="0" lang="en-US" sz="3600" spc="-1" strike="noStrike">
-              <a:latin typeface="Arial"/>
-            </a:endParaRPr>
-          </a:p>
-        </p:txBody>
-      </p:sp>
-      <p:sp>
-        <p:nvSpPr>
-          <p:cNvPr id="362" name="PlaceHolder 2"/>
-          <p:cNvSpPr>
-            <a:spLocks noGrp="1"/>
-          </p:cNvSpPr>
-          <p:nvPr>
-            <p:ph type="sldNum" idx="19"/>
-          </p:nvPr>
-        </p:nvSpPr>
-        <p:spPr>
-          <a:xfrm>
-            <a:off x="8458200" y="6183360"/>
-            <a:ext cx="684720" cy="681480"/>
-          </a:xfrm>
-          <a:prstGeom prst="rect">
-            <a:avLst/>
-          </a:prstGeom>
-          <a:noFill/>
-          <a:ln w="0">
-            <a:noFill/>
-          </a:ln>
-        </p:spPr>
-        <p:txBody>
-          <a:bodyPr lIns="90000" rIns="90000" tIns="45000" bIns="45000" anchor="ctr">
-            <a:noAutofit/>
-          </a:bodyPr>
-          <a:lstStyle>
-            <a:lvl1pPr algn="ctr">
-              <a:lnSpc>
-                <a:spcPct val="100000"/>
-              </a:lnSpc>
-              <a:buNone/>
-              <a:defRPr b="1" lang="en-US" sz="2400" spc="-1" strike="noStrike">
-                <a:solidFill>
-                  <a:srgbClr val="039a44"/>
-                </a:solidFill>
-                <a:latin typeface="Arial"/>
-              </a:defRPr>
-            </a:lvl1pPr>
-          </a:lstStyle>
-          <a:p>
-            <a:pPr algn="ctr">
-              <a:lnSpc>
-                <a:spcPct val="100000"/>
-              </a:lnSpc>
-              <a:buNone/>
-            </a:pPr>
-            <a:fld id="{9EEAD24C-0819-4643-A5D4-5B59616F5AD0}" type="slidenum">
-              <a:rPr b="1" lang="en-US" sz="2400" spc="-1" strike="noStrike">
-                <a:solidFill>
-                  <a:srgbClr val="039a44"/>
-                </a:solidFill>
-                <a:latin typeface="Arial"/>
-              </a:rPr>
-              <a:t>1</a:t>
-            </a:fld>
-            <a:endParaRPr b="0" lang="en-US" sz="2400" spc="-1" strike="noStrike">
-              <a:latin typeface="Times New Roman"/>
-            </a:endParaRPr>
-          </a:p>
-        </p:txBody>
-      </p:sp>
-      <p:sp>
-        <p:nvSpPr>
-          <p:cNvPr id="363" name="Slide Subhead 5"/>
+          <p:cNvPr id="359" name="PlaceHolder 31"/>
           <p:cNvSpPr/>
           <p:nvPr/>
         </p:nvSpPr>
         <p:spPr>
           <a:xfrm>
-            <a:off x="691560" y="2020680"/>
-            <a:ext cx="7760520" cy="721800"/>
+            <a:off x="457200" y="1143360"/>
+            <a:ext cx="8234280" cy="537840"/>
           </a:xfrm>
           <a:prstGeom prst="rect">
             <a:avLst/>
@@ -21392,395 +20816,127 @@
           <a:fontRef idx="minor"/>
         </p:style>
         <p:txBody>
-          <a:bodyPr lIns="0" rIns="0" tIns="0" bIns="0" anchor="b">
+          <a:bodyPr lIns="0" rIns="0" tIns="45000" bIns="45000" anchor="t">
             <a:noAutofit/>
           </a:bodyPr>
           <a:p>
             <a:pPr>
               <a:lnSpc>
-                <a:spcPct val="150000"/>
+                <a:spcPct val="90000"/>
               </a:lnSpc>
-              <a:spcBef>
-                <a:spcPts val="751"/>
-              </a:spcBef>
-              <a:buNone/>
-              <a:tabLst>
-                <a:tab algn="l" pos="0"/>
-              </a:tabLst>
+              <a:buNone/>
             </a:pPr>
             <a:r>
-              <a:rPr b="1" lang="en-US" sz="1600" spc="-1" strike="noStrike">
+              <a:rPr b="1" lang="en-US" sz="3600" spc="-1" strike="noStrike">
                 <a:solidFill>
-                  <a:srgbClr val="000000"/>
+                  <a:srgbClr val="009a44"/>
                 </a:solidFill>
-                <a:latin typeface="Georgia"/>
-                <a:ea typeface="DejaVu Sans"/>
-              </a:rPr>
-              <a:t>The angular displacement of the sun east or west of the local meridian due to rotation of the earth on its axis at 15° per hour with morning being negative and afternoon being positive</a:t>
+                <a:latin typeface="Arial"/>
+              </a:rPr>
+              <a:t>Work To Be Done and Applications</a:t>
             </a:r>
-            <a:endParaRPr b="0" lang="en-US" sz="1600" spc="-1" strike="noStrike">
-              <a:latin typeface="Arial"/>
-            </a:endParaRPr>
-          </a:p>
-        </p:txBody>
-      </p:sp>
-      <p:sp>
-        <p:nvSpPr>
-          <p:cNvPr id="364" name=""/>
-          <p:cNvSpPr/>
+            <a:endParaRPr b="0" lang="en-US" sz="3600" spc="-1" strike="noStrike">
+              <a:latin typeface="Arial"/>
+            </a:endParaRPr>
+          </a:p>
+        </p:txBody>
+      </p:sp>
+      <p:sp>
+        <p:nvSpPr>
+          <p:cNvPr id="360" name=""/>
+          <p:cNvSpPr txBox="1"/>
           <p:nvPr/>
         </p:nvSpPr>
         <p:spPr>
           <a:xfrm>
-            <a:off x="685800" y="2971800"/>
-            <a:ext cx="7967880" cy="4439880"/>
-          </a:xfrm>
-          <a:prstGeom prst="rect">
-            <a:avLst/>
-          </a:prstGeom>
-          <a:noFill/>
-          <a:ln w="0">
-            <a:noFill/>
-          </a:ln>
-        </p:spPr>
-        <p:style>
-          <a:lnRef idx="0"/>
-          <a:fillRef idx="0"/>
-          <a:effectRef idx="0"/>
-          <a:fontRef idx="minor"/>
-        </p:style>
+            <a:off x="457200" y="2286000"/>
+            <a:ext cx="8001000" cy="2138040"/>
+          </a:xfrm>
+          <a:prstGeom prst="rect">
+            <a:avLst/>
+          </a:prstGeom>
+          <a:noFill/>
+          <a:ln w="0">
+            <a:noFill/>
+          </a:ln>
+        </p:spPr>
         <p:txBody>
           <a:bodyPr lIns="90000" rIns="90000" tIns="45000" bIns="45000" anchor="t">
             <a:noAutofit/>
           </a:bodyPr>
           <a:p>
-            <a:pPr>
-              <a:lnSpc>
-                <a:spcPct val="100000"/>
-              </a:lnSpc>
-              <a:spcBef>
-                <a:spcPts val="624"/>
-              </a:spcBef>
-              <a:spcAft>
-                <a:spcPts val="425"/>
-              </a:spcAft>
-              <a:buNone/>
-            </a:pPr>
             <a:r>
-              <a:rPr b="0" lang="en-US" sz="1500" spc="-1" strike="noStrike">
-                <a:solidFill>
-                  <a:srgbClr val="000000"/>
-                </a:solidFill>
-                <a:latin typeface="Arial"/>
-                <a:ea typeface="Noto Sans CJK SC"/>
-              </a:rPr>
-              <a:t># Local Standad Time Meridian</a:t>
+              <a:rPr b="0" lang="en-US" sz="1800" spc="-1" strike="noStrike">
+                <a:latin typeface="Arial"/>
+              </a:rPr>
+              <a:t>More extensive personal testing</a:t>
             </a:r>
-            <a:endParaRPr b="0" lang="en-US" sz="1500" spc="-1" strike="noStrike">
-              <a:latin typeface="Arial"/>
-            </a:endParaRPr>
-          </a:p>
-          <a:p>
-            <a:pPr>
-              <a:lnSpc>
-                <a:spcPct val="100000"/>
-              </a:lnSpc>
-              <a:spcBef>
-                <a:spcPts val="624"/>
-              </a:spcBef>
-              <a:spcAft>
-                <a:spcPts val="425"/>
-              </a:spcAft>
-              <a:buNone/>
-            </a:pPr>
+            <a:endParaRPr b="0" lang="en-US" sz="1800" spc="-1" strike="noStrike">
+              <a:latin typeface="Arial"/>
+            </a:endParaRPr>
+          </a:p>
+          <a:p>
+            <a:endParaRPr b="0" lang="en-US" sz="1800" spc="-1" strike="noStrike">
+              <a:latin typeface="Arial"/>
+            </a:endParaRPr>
+          </a:p>
+          <a:p>
             <a:r>
-              <a:rPr b="0" lang="en-US" sz="1500" spc="-1" strike="noStrike">
-                <a:solidFill>
-                  <a:srgbClr val="000000"/>
-                </a:solidFill>
-                <a:latin typeface="Arial"/>
-                <a:ea typeface="Noto Sans CJK SC"/>
-              </a:rPr>
-              <a:t>LSTM = 15 * abs(0) # LSTM = 15 * UTC Difference which is zero if given UTC Time</a:t>
+              <a:rPr b="0" lang="en-US" sz="1800" spc="-1" strike="noStrike">
+                <a:latin typeface="Arial"/>
+              </a:rPr>
+              <a:t>	</a:t>
             </a:r>
-            <a:endParaRPr b="0" lang="en-US" sz="1500" spc="-1" strike="noStrike">
-              <a:latin typeface="Arial"/>
-            </a:endParaRPr>
-          </a:p>
-          <a:p>
-            <a:pPr>
-              <a:lnSpc>
-                <a:spcPct val="100000"/>
-              </a:lnSpc>
-              <a:spcBef>
-                <a:spcPts val="624"/>
-              </a:spcBef>
-              <a:spcAft>
-                <a:spcPts val="425"/>
-              </a:spcAft>
-              <a:buNone/>
-            </a:pPr>
             <a:r>
-              <a:rPr b="0" lang="en-US" sz="1500" spc="-1" strike="noStrike">
-                <a:solidFill>
-                  <a:srgbClr val="000000"/>
-                </a:solidFill>
-                <a:latin typeface="Arial"/>
-                <a:ea typeface="Noto Sans CJK SC"/>
-              </a:rPr>
-              <a:t># Equation of time</a:t>
+              <a:rPr b="0" lang="en-US" sz="1800" spc="-1" strike="noStrike">
+                <a:latin typeface="Arial"/>
+              </a:rPr>
+              <a:t>- More shadow measurements with different and more precise tools</a:t>
             </a:r>
-            <a:endParaRPr b="0" lang="en-US" sz="1500" spc="-1" strike="noStrike">
-              <a:latin typeface="Arial"/>
-            </a:endParaRPr>
-          </a:p>
-          <a:p>
-            <a:pPr>
-              <a:lnSpc>
-                <a:spcPct val="100000"/>
-              </a:lnSpc>
-              <a:spcBef>
-                <a:spcPts val="624"/>
-              </a:spcBef>
-              <a:spcAft>
-                <a:spcPts val="425"/>
-              </a:spcAft>
-              <a:buNone/>
-            </a:pPr>
+            <a:endParaRPr b="0" lang="en-US" sz="1800" spc="-1" strike="noStrike">
+              <a:latin typeface="Arial"/>
+            </a:endParaRPr>
+          </a:p>
+          <a:p>
+            <a:endParaRPr b="0" lang="en-US" sz="1800" spc="-1" strike="noStrike">
+              <a:latin typeface="Arial"/>
+            </a:endParaRPr>
+          </a:p>
+          <a:p>
             <a:r>
-              <a:rPr b="0" lang="en-US" sz="1500" spc="-1" strike="noStrike">
-                <a:solidFill>
-                  <a:srgbClr val="000000"/>
-                </a:solidFill>
-                <a:latin typeface="Arial"/>
-                <a:ea typeface="Noto Sans CJK SC"/>
-              </a:rPr>
-              <a:t>B = math.radians((360/365) * (day_of_year - 81))</a:t>
+              <a:rPr b="0" lang="en-US" sz="1800" spc="-1" strike="noStrike">
+                <a:latin typeface="Arial"/>
+              </a:rPr>
+              <a:t>	</a:t>
             </a:r>
-            <a:endParaRPr b="0" lang="en-US" sz="1500" spc="-1" strike="noStrike">
-              <a:latin typeface="Arial"/>
-            </a:endParaRPr>
-          </a:p>
-          <a:p>
-            <a:pPr>
-              <a:lnSpc>
-                <a:spcPct val="100000"/>
-              </a:lnSpc>
-              <a:spcBef>
-                <a:spcPts val="624"/>
-              </a:spcBef>
-              <a:spcAft>
-                <a:spcPts val="425"/>
-              </a:spcAft>
-              <a:buNone/>
-            </a:pPr>
             <a:r>
-              <a:rPr b="0" lang="en-US" sz="1500" spc="-1" strike="noStrike">
-                <a:solidFill>
-                  <a:srgbClr val="000000"/>
-                </a:solidFill>
-                <a:latin typeface="Arial"/>
-                <a:ea typeface="Noto Sans CJK SC"/>
-              </a:rPr>
-              <a:t>EoT = 9.87*math.sin(2*B) - 7.53*math.cos(B) - 1.5*math.sin(B)</a:t>
+              <a:rPr b="0" lang="en-US" sz="1800" spc="-1" strike="noStrike">
+                <a:latin typeface="Arial"/>
+              </a:rPr>
+              <a:t>- Measurements using gimble</a:t>
             </a:r>
-            <a:endParaRPr b="0" lang="en-US" sz="1500" spc="-1" strike="noStrike">
-              <a:latin typeface="Arial"/>
-            </a:endParaRPr>
-          </a:p>
-          <a:p>
-            <a:pPr>
-              <a:lnSpc>
-                <a:spcPct val="100000"/>
-              </a:lnSpc>
-              <a:spcBef>
-                <a:spcPts val="624"/>
-              </a:spcBef>
-              <a:spcAft>
-                <a:spcPts val="425"/>
-              </a:spcAft>
-              <a:buNone/>
-            </a:pPr>
+            <a:endParaRPr b="0" lang="en-US" sz="1800" spc="-1" strike="noStrike">
+              <a:latin typeface="Arial"/>
+            </a:endParaRPr>
+          </a:p>
+          <a:p>
+            <a:endParaRPr b="0" lang="en-US" sz="1800" spc="-1" strike="noStrike">
+              <a:latin typeface="Arial"/>
+            </a:endParaRPr>
+          </a:p>
+          <a:p>
+            <a:endParaRPr b="0" lang="en-US" sz="1800" spc="-1" strike="noStrike">
+              <a:latin typeface="Arial"/>
+            </a:endParaRPr>
+          </a:p>
+          <a:p>
             <a:r>
-              <a:rPr b="0" lang="en-US" sz="1500" spc="-1" strike="noStrike">
-                <a:solidFill>
-                  <a:srgbClr val="000000"/>
-                </a:solidFill>
-                <a:latin typeface="Arial"/>
-                <a:ea typeface="Noto Sans CJK SC"/>
-              </a:rPr>
-              <a:t># Time Correction Factor</a:t>
+              <a:rPr b="0" lang="en-US" sz="1800" spc="-1" strike="noStrike">
+                <a:latin typeface="Arial"/>
+              </a:rPr>
+              <a:t>Automated localization using gimble and sun detection</a:t>
             </a:r>
-            <a:endParaRPr b="0" lang="en-US" sz="1500" spc="-1" strike="noStrike">
-              <a:latin typeface="Arial"/>
-            </a:endParaRPr>
-          </a:p>
-          <a:p>
-            <a:pPr>
-              <a:lnSpc>
-                <a:spcPct val="100000"/>
-              </a:lnSpc>
-              <a:spcBef>
-                <a:spcPts val="624"/>
-              </a:spcBef>
-              <a:spcAft>
-                <a:spcPts val="425"/>
-              </a:spcAft>
-              <a:buNone/>
-            </a:pPr>
-            <a:r>
-              <a:rPr b="0" lang="en-US" sz="1500" spc="-1" strike="noStrike">
-                <a:solidFill>
-                  <a:srgbClr val="000000"/>
-                </a:solidFill>
-                <a:latin typeface="Arial"/>
-                <a:ea typeface="Noto Sans CJK SC"/>
-              </a:rPr>
-              <a:t>TC = 4 * (longitude - LSTM) + EoT</a:t>
-            </a:r>
-            <a:endParaRPr b="0" lang="en-US" sz="1500" spc="-1" strike="noStrike">
-              <a:latin typeface="Arial"/>
-            </a:endParaRPr>
-          </a:p>
-          <a:p>
-            <a:pPr>
-              <a:lnSpc>
-                <a:spcPct val="100000"/>
-              </a:lnSpc>
-              <a:spcBef>
-                <a:spcPts val="624"/>
-              </a:spcBef>
-              <a:spcAft>
-                <a:spcPts val="425"/>
-              </a:spcAft>
-              <a:buNone/>
-            </a:pPr>
-            <a:r>
-              <a:rPr b="0" lang="en-US" sz="1500" spc="-1" strike="noStrike">
-                <a:solidFill>
-                  <a:srgbClr val="000000"/>
-                </a:solidFill>
-                <a:latin typeface="Arial"/>
-                <a:ea typeface="Noto Sans CJK SC"/>
-              </a:rPr>
-              <a:t># Local Solar Time</a:t>
-            </a:r>
-            <a:endParaRPr b="0" lang="en-US" sz="1500" spc="-1" strike="noStrike">
-              <a:latin typeface="Arial"/>
-            </a:endParaRPr>
-          </a:p>
-          <a:p>
-            <a:pPr>
-              <a:lnSpc>
-                <a:spcPct val="100000"/>
-              </a:lnSpc>
-              <a:spcBef>
-                <a:spcPts val="624"/>
-              </a:spcBef>
-              <a:spcAft>
-                <a:spcPts val="425"/>
-              </a:spcAft>
-              <a:buNone/>
-            </a:pPr>
-            <a:r>
-              <a:rPr b="0" lang="en-US" sz="1500" spc="-1" strike="noStrike">
-                <a:solidFill>
-                  <a:srgbClr val="000000"/>
-                </a:solidFill>
-                <a:latin typeface="Arial"/>
-                <a:ea typeface="Noto Sans CJK SC"/>
-              </a:rPr>
-              <a:t>LST = ((60 * datetime.hour) + datetime.minute + TC) / 60</a:t>
-            </a:r>
-            <a:endParaRPr b="0" lang="en-US" sz="1500" spc="-1" strike="noStrike">
-              <a:latin typeface="Arial"/>
-            </a:endParaRPr>
-          </a:p>
-          <a:p>
-            <a:pPr>
-              <a:lnSpc>
-                <a:spcPct val="100000"/>
-              </a:lnSpc>
-              <a:spcBef>
-                <a:spcPts val="624"/>
-              </a:spcBef>
-              <a:spcAft>
-                <a:spcPts val="425"/>
-              </a:spcAft>
-              <a:buNone/>
-            </a:pPr>
-            <a:r>
-              <a:rPr b="0" lang="en-US" sz="1500" spc="-1" strike="noStrike">
-                <a:solidFill>
-                  <a:srgbClr val="000000"/>
-                </a:solidFill>
-                <a:latin typeface="Arial"/>
-                <a:ea typeface="Noto Sans CJK SC"/>
-              </a:rPr>
-              <a:t># Hour Angle</a:t>
-            </a:r>
-            <a:endParaRPr b="0" lang="en-US" sz="1500" spc="-1" strike="noStrike">
-              <a:latin typeface="Arial"/>
-            </a:endParaRPr>
-          </a:p>
-          <a:p>
-            <a:pPr>
-              <a:lnSpc>
-                <a:spcPct val="100000"/>
-              </a:lnSpc>
-              <a:spcBef>
-                <a:spcPts val="624"/>
-              </a:spcBef>
-              <a:spcAft>
-                <a:spcPts val="425"/>
-              </a:spcAft>
-              <a:buNone/>
-            </a:pPr>
-            <a:r>
-              <a:rPr b="0" lang="en-US" sz="1500" spc="-1" strike="noStrike">
-                <a:solidFill>
-                  <a:srgbClr val="000000"/>
-                </a:solidFill>
-                <a:latin typeface="Arial"/>
-                <a:ea typeface="Noto Sans CJK SC"/>
-              </a:rPr>
-              <a:t>hour_angle = math.radians(15 * (LST - 12))</a:t>
-            </a:r>
-            <a:endParaRPr b="0" lang="en-US" sz="1500" spc="-1" strike="noStrike">
-              <a:latin typeface="Arial"/>
-            </a:endParaRPr>
-          </a:p>
-          <a:p>
-            <a:pPr>
-              <a:lnSpc>
-                <a:spcPct val="100000"/>
-              </a:lnSpc>
-              <a:spcBef>
-                <a:spcPts val="624"/>
-              </a:spcBef>
-              <a:spcAft>
-                <a:spcPts val="425"/>
-              </a:spcAft>
-              <a:buNone/>
-            </a:pPr>
-            <a:endParaRPr b="0" lang="en-US" sz="1500" spc="-1" strike="noStrike">
-              <a:latin typeface="Arial"/>
-            </a:endParaRPr>
-          </a:p>
-          <a:p>
-            <a:pPr>
-              <a:lnSpc>
-                <a:spcPct val="100000"/>
-              </a:lnSpc>
-              <a:spcBef>
-                <a:spcPts val="624"/>
-              </a:spcBef>
-              <a:spcAft>
-                <a:spcPts val="425"/>
-              </a:spcAft>
-              <a:buNone/>
-            </a:pPr>
-            <a:endParaRPr b="0" lang="en-US" sz="1500" spc="-1" strike="noStrike">
+            <a:endParaRPr b="0" lang="en-US" sz="1800" spc="-1" strike="noStrike">
               <a:latin typeface="Arial"/>
             </a:endParaRPr>
           </a:p>
@@ -22000,7 +21156,7 @@
               </a:lnSpc>
               <a:buNone/>
             </a:pPr>
-            <a:fld id="{576E6D03-8261-4E51-A192-8DDBEAFA0D01}" type="slidenum">
+            <a:fld id="{6ECAC5F4-E8CC-494F-A826-F68FB35C74E5}" type="slidenum">
               <a:rPr b="1" lang="en-US" sz="2400" spc="-1" strike="noStrike">
                 <a:solidFill>
                   <a:srgbClr val="039a44"/>
@@ -22047,7 +21203,7 @@
       </p:grpSpPr>
       <p:sp>
         <p:nvSpPr>
-          <p:cNvPr id="365" name="PlaceHolder 1"/>
+          <p:cNvPr id="361" name="PlaceHolder 1"/>
           <p:cNvSpPr>
             <a:spLocks noGrp="1"/>
           </p:cNvSpPr>
@@ -22057,7 +21213,7 @@
         </p:nvSpPr>
         <p:spPr>
           <a:xfrm>
-            <a:off x="462960" y="1143000"/>
+            <a:off x="462960" y="1377720"/>
             <a:ext cx="8228520" cy="537840"/>
           </a:xfrm>
           <a:prstGeom prst="rect">
@@ -22086,7 +21242,7 @@
                 </a:solidFill>
                 <a:latin typeface="Arial"/>
               </a:rPr>
-              <a:t>Calculating Solar Alt, and Azm Angles</a:t>
+              <a:t>Appendix</a:t>
             </a:r>
             <a:endParaRPr b="0" lang="en-US" sz="3600" spc="-1" strike="noStrike">
               <a:latin typeface="Arial"/>
@@ -22096,12 +21252,193 @@
       </p:sp>
       <p:sp>
         <p:nvSpPr>
-          <p:cNvPr id="366" name="PlaceHolder 2"/>
-          <p:cNvSpPr>
-            <a:spLocks noGrp="1"/>
-          </p:cNvSpPr>
-          <p:nvPr>
-            <p:ph type="sldNum" idx="20"/>
+          <p:cNvPr id="362" name="PlaceHolder 2"/>
+          <p:cNvSpPr>
+            <a:spLocks noGrp="1"/>
+          </p:cNvSpPr>
+          <p:nvPr>
+            <p:ph/>
+          </p:nvPr>
+        </p:nvSpPr>
+        <p:spPr>
+          <a:xfrm>
+            <a:off x="914400" y="2514600"/>
+            <a:ext cx="7314480" cy="3885120"/>
+          </a:xfrm>
+          <a:prstGeom prst="rect">
+            <a:avLst/>
+          </a:prstGeom>
+          <a:noFill/>
+          <a:ln w="0">
+            <a:noFill/>
+          </a:ln>
+        </p:spPr>
+        <p:txBody>
+          <a:bodyPr numCol="1" spcCol="457200" lIns="0" rIns="0" tIns="0" bIns="0" anchor="t">
+            <a:noAutofit/>
+          </a:bodyPr>
+          <a:p>
+            <a:pPr>
+              <a:lnSpc>
+                <a:spcPts val="3379"/>
+              </a:lnSpc>
+              <a:spcBef>
+                <a:spcPts val="751"/>
+              </a:spcBef>
+              <a:spcAft>
+                <a:spcPts val="601"/>
+              </a:spcAft>
+              <a:buNone/>
+              <a:tabLst>
+                <a:tab algn="l" pos="0"/>
+              </a:tabLst>
+            </a:pPr>
+            <a:r>
+              <a:rPr b="0" lang="en-US" sz="2400" spc="-1" strike="noStrike">
+                <a:solidFill>
+                  <a:srgbClr val="000000"/>
+                </a:solidFill>
+                <a:latin typeface="Arial"/>
+              </a:rPr>
+              <a:t>- Supporting Math (21 - </a:t>
+            </a:r>
+            <a:r>
+              <a:rPr b="0" lang="en-US" sz="2400" spc="-1" strike="noStrike">
+                <a:solidFill>
+                  <a:srgbClr val="000000"/>
+                </a:solidFill>
+                <a:latin typeface="Arial"/>
+              </a:rPr>
+              <a:t>23)</a:t>
+            </a:r>
+            <a:endParaRPr b="0" lang="en-US" sz="2400" spc="-1" strike="noStrike">
+              <a:latin typeface="Arial"/>
+            </a:endParaRPr>
+          </a:p>
+          <a:p>
+            <a:pPr>
+              <a:lnSpc>
+                <a:spcPts val="3379"/>
+              </a:lnSpc>
+              <a:spcBef>
+                <a:spcPts val="751"/>
+              </a:spcBef>
+              <a:spcAft>
+                <a:spcPts val="601"/>
+              </a:spcAft>
+              <a:buNone/>
+              <a:tabLst>
+                <a:tab algn="l" pos="0"/>
+              </a:tabLst>
+            </a:pPr>
+            <a:r>
+              <a:rPr b="0" lang="en-US" sz="2400" spc="-1" strike="noStrike">
+                <a:solidFill>
+                  <a:srgbClr val="000000"/>
+                </a:solidFill>
+                <a:latin typeface="Arial"/>
+              </a:rPr>
+              <a:t>- Single Test Images (24 - </a:t>
+            </a:r>
+            <a:r>
+              <a:rPr b="0" lang="en-US" sz="2400" spc="-1" strike="noStrike">
+                <a:solidFill>
+                  <a:srgbClr val="000000"/>
+                </a:solidFill>
+                <a:latin typeface="Arial"/>
+              </a:rPr>
+              <a:t>33)</a:t>
+            </a:r>
+            <a:endParaRPr b="0" lang="en-US" sz="2400" spc="-1" strike="noStrike">
+              <a:latin typeface="Arial"/>
+            </a:endParaRPr>
+          </a:p>
+          <a:p>
+            <a:pPr>
+              <a:lnSpc>
+                <a:spcPts val="3379"/>
+              </a:lnSpc>
+              <a:spcBef>
+                <a:spcPts val="751"/>
+              </a:spcBef>
+              <a:spcAft>
+                <a:spcPts val="601"/>
+              </a:spcAft>
+              <a:buNone/>
+              <a:tabLst>
+                <a:tab algn="l" pos="0"/>
+              </a:tabLst>
+            </a:pPr>
+            <a:r>
+              <a:rPr b="0" lang="en-US" sz="2400" spc="-1" strike="noStrike">
+                <a:solidFill>
+                  <a:srgbClr val="000000"/>
+                </a:solidFill>
+                <a:latin typeface="Arial"/>
+              </a:rPr>
+              <a:t>- Large Test Result graphs </a:t>
+            </a:r>
+            <a:r>
+              <a:rPr b="0" lang="en-US" sz="2400" spc="-1" strike="noStrike">
+                <a:solidFill>
+                  <a:srgbClr val="000000"/>
+                </a:solidFill>
+                <a:latin typeface="Arial"/>
+              </a:rPr>
+              <a:t>(34 – 37)</a:t>
+            </a:r>
+            <a:endParaRPr b="0" lang="en-US" sz="2400" spc="-1" strike="noStrike">
+              <a:latin typeface="Arial"/>
+            </a:endParaRPr>
+          </a:p>
+          <a:p>
+            <a:pPr>
+              <a:lnSpc>
+                <a:spcPts val="3379"/>
+              </a:lnSpc>
+              <a:spcBef>
+                <a:spcPts val="751"/>
+              </a:spcBef>
+              <a:spcAft>
+                <a:spcPts val="601"/>
+              </a:spcAft>
+              <a:buNone/>
+              <a:tabLst>
+                <a:tab algn="l" pos="0"/>
+              </a:tabLst>
+            </a:pPr>
+            <a:r>
+              <a:rPr b="0" lang="en-US" sz="2400" spc="-1" strike="noStrike">
+                <a:solidFill>
+                  <a:srgbClr val="000000"/>
+                </a:solidFill>
+                <a:latin typeface="Arial"/>
+              </a:rPr>
+              <a:t>- Personal Testing Results </a:t>
+            </a:r>
+            <a:r>
+              <a:rPr b="0" lang="en-US" sz="2400" spc="-1" strike="noStrike">
+                <a:solidFill>
+                  <a:srgbClr val="000000"/>
+                </a:solidFill>
+                <a:latin typeface="Arial"/>
+              </a:rPr>
+              <a:t>(38</a:t>
+            </a:r>
+            <a:endParaRPr b="0" lang="en-US" sz="2400" spc="-1" strike="noStrike">
+              <a:latin typeface="Arial"/>
+            </a:endParaRPr>
+          </a:p>
+        </p:txBody>
+      </p:sp>
+      <p:sp>
+        <p:nvSpPr>
+          <p:cNvPr id="363" name="PlaceHolder 3"/>
+          <p:cNvSpPr>
+            <a:spLocks noGrp="1"/>
+          </p:cNvSpPr>
+          <p:nvPr>
+            <p:ph type="sldNum" idx="17"/>
           </p:nvPr>
         </p:nvSpPr>
         <p:spPr>
@@ -22142,7 +21479,7 @@
               </a:lnSpc>
               <a:buNone/>
             </a:pPr>
-            <a:fld id="{54FB67B2-BA57-4A57-BB36-4FBD4E9BDFEF}" type="slidenum">
+            <a:fld id="{9008D172-A4B1-40B5-859E-DFB5C92526CE}" type="slidenum">
               <a:rPr b="1" lang="en-US" sz="2400" spc="-1" strike="noStrike">
                 <a:solidFill>
                   <a:srgbClr val="039a44"/>
@@ -22153,408 +21490,6 @@
             </a:fld>
             <a:endParaRPr b="0" lang="en-US" sz="2400" spc="-1" strike="noStrike">
               <a:latin typeface="Times New Roman"/>
-            </a:endParaRPr>
-          </a:p>
-        </p:txBody>
-      </p:sp>
-      <p:sp>
-        <p:nvSpPr>
-          <p:cNvPr id="367" name=""/>
-          <p:cNvSpPr/>
-          <p:nvPr/>
-        </p:nvSpPr>
-        <p:spPr>
-          <a:xfrm>
-            <a:off x="489600" y="1960200"/>
-            <a:ext cx="7967880" cy="4439880"/>
-          </a:xfrm>
-          <a:prstGeom prst="rect">
-            <a:avLst/>
-          </a:prstGeom>
-          <a:noFill/>
-          <a:ln w="0">
-            <a:noFill/>
-          </a:ln>
-        </p:spPr>
-        <p:style>
-          <a:lnRef idx="0"/>
-          <a:fillRef idx="0"/>
-          <a:effectRef idx="0"/>
-          <a:fontRef idx="minor"/>
-        </p:style>
-        <p:txBody>
-          <a:bodyPr lIns="90000" rIns="90000" tIns="45000" bIns="45000" anchor="t">
-            <a:noAutofit/>
-          </a:bodyPr>
-          <a:p>
-            <a:pPr>
-              <a:lnSpc>
-                <a:spcPct val="100000"/>
-              </a:lnSpc>
-              <a:spcBef>
-                <a:spcPts val="624"/>
-              </a:spcBef>
-              <a:spcAft>
-                <a:spcPts val="425"/>
-              </a:spcAft>
-              <a:buNone/>
-            </a:pPr>
-            <a:r>
-              <a:rPr b="0" lang="en-US" sz="1500" spc="-1" strike="noStrike">
-                <a:solidFill>
-                  <a:srgbClr val="000000"/>
-                </a:solidFill>
-                <a:latin typeface="Arial"/>
-                <a:ea typeface="Noto Sans CJK SC"/>
-              </a:rPr>
-              <a:t>altitude_angle = math.asin(math.sin(latitude) * math.sin(declination_angle) + </a:t>
-            </a:r>
-            <a:endParaRPr b="0" lang="en-US" sz="1500" spc="-1" strike="noStrike">
-              <a:latin typeface="Arial"/>
-            </a:endParaRPr>
-          </a:p>
-          <a:p>
-            <a:pPr>
-              <a:lnSpc>
-                <a:spcPct val="100000"/>
-              </a:lnSpc>
-              <a:spcBef>
-                <a:spcPts val="624"/>
-              </a:spcBef>
-              <a:spcAft>
-                <a:spcPts val="425"/>
-              </a:spcAft>
-              <a:buNone/>
-            </a:pPr>
-            <a:r>
-              <a:rPr b="0" lang="en-US" sz="1500" spc="-1" strike="noStrike">
-                <a:solidFill>
-                  <a:srgbClr val="000000"/>
-                </a:solidFill>
-                <a:latin typeface="Arial"/>
-                <a:ea typeface="Noto Sans CJK SC"/>
-              </a:rPr>
-              <a:t>                          </a:t>
-            </a:r>
-            <a:r>
-              <a:rPr b="0" lang="en-US" sz="1500" spc="-1" strike="noStrike">
-                <a:solidFill>
-                  <a:srgbClr val="000000"/>
-                </a:solidFill>
-                <a:latin typeface="Arial"/>
-                <a:ea typeface="Noto Sans CJK SC"/>
-              </a:rPr>
-              <a:t>math.cos(latitude) * math.cos(declination_angle) * </a:t>
-            </a:r>
-            <a:endParaRPr b="0" lang="en-US" sz="1500" spc="-1" strike="noStrike">
-              <a:latin typeface="Arial"/>
-            </a:endParaRPr>
-          </a:p>
-          <a:p>
-            <a:pPr>
-              <a:lnSpc>
-                <a:spcPct val="100000"/>
-              </a:lnSpc>
-              <a:spcBef>
-                <a:spcPts val="624"/>
-              </a:spcBef>
-              <a:spcAft>
-                <a:spcPts val="425"/>
-              </a:spcAft>
-              <a:buNone/>
-            </a:pPr>
-            <a:r>
-              <a:rPr b="0" lang="en-US" sz="1500" spc="-1" strike="noStrike">
-                <a:solidFill>
-                  <a:srgbClr val="000000"/>
-                </a:solidFill>
-                <a:latin typeface="Arial"/>
-                <a:ea typeface="Noto Sans CJK SC"/>
-              </a:rPr>
-              <a:t>                          </a:t>
-            </a:r>
-            <a:r>
-              <a:rPr b="0" lang="en-US" sz="1500" spc="-1" strike="noStrike">
-                <a:solidFill>
-                  <a:srgbClr val="000000"/>
-                </a:solidFill>
-                <a:latin typeface="Arial"/>
-                <a:ea typeface="Noto Sans CJK SC"/>
-              </a:rPr>
-              <a:t>math.cos(hour_angle))</a:t>
-            </a:r>
-            <a:endParaRPr b="0" lang="en-US" sz="1500" spc="-1" strike="noStrike">
-              <a:latin typeface="Arial"/>
-            </a:endParaRPr>
-          </a:p>
-          <a:p>
-            <a:pPr>
-              <a:lnSpc>
-                <a:spcPct val="100000"/>
-              </a:lnSpc>
-              <a:spcBef>
-                <a:spcPts val="624"/>
-              </a:spcBef>
-              <a:spcAft>
-                <a:spcPts val="425"/>
-              </a:spcAft>
-              <a:buNone/>
-            </a:pPr>
-            <a:endParaRPr b="0" lang="en-US" sz="1500" spc="-1" strike="noStrike">
-              <a:latin typeface="Arial"/>
-            </a:endParaRPr>
-          </a:p>
-          <a:p>
-            <a:pPr>
-              <a:lnSpc>
-                <a:spcPct val="100000"/>
-              </a:lnSpc>
-              <a:spcBef>
-                <a:spcPts val="624"/>
-              </a:spcBef>
-              <a:spcAft>
-                <a:spcPts val="425"/>
-              </a:spcAft>
-              <a:buNone/>
-            </a:pPr>
-            <a:r>
-              <a:rPr b="0" lang="en-US" sz="1500" spc="-1" strike="noStrike">
-                <a:solidFill>
-                  <a:srgbClr val="000000"/>
-                </a:solidFill>
-                <a:latin typeface="Arial"/>
-                <a:ea typeface="Noto Sans CJK SC"/>
-              </a:rPr>
-              <a:t> </a:t>
-            </a:r>
-            <a:r>
-              <a:rPr b="0" lang="en-US" sz="1500" spc="-1" strike="noStrike">
-                <a:solidFill>
-                  <a:srgbClr val="000000"/>
-                </a:solidFill>
-                <a:latin typeface="Arial"/>
-                <a:ea typeface="Noto Sans CJK SC"/>
-              </a:rPr>
-              <a:t>azimuth_angle = math.atan2(-math.cos(declination_angle) * math.sin(hour_angle),</a:t>
-            </a:r>
-            <a:endParaRPr b="0" lang="en-US" sz="1500" spc="-1" strike="noStrike">
-              <a:latin typeface="Arial"/>
-            </a:endParaRPr>
-          </a:p>
-          <a:p>
-            <a:pPr>
-              <a:lnSpc>
-                <a:spcPct val="100000"/>
-              </a:lnSpc>
-              <a:spcBef>
-                <a:spcPts val="624"/>
-              </a:spcBef>
-              <a:spcAft>
-                <a:spcPts val="425"/>
-              </a:spcAft>
-              <a:buNone/>
-            </a:pPr>
-            <a:r>
-              <a:rPr b="0" lang="en-US" sz="1500" spc="-1" strike="noStrike">
-                <a:solidFill>
-                  <a:srgbClr val="000000"/>
-                </a:solidFill>
-                <a:latin typeface="Arial"/>
-                <a:ea typeface="Noto Sans CJK SC"/>
-              </a:rPr>
-              <a:t>                            </a:t>
-            </a:r>
-            <a:r>
-              <a:rPr b="0" lang="en-US" sz="1500" spc="-1" strike="noStrike">
-                <a:solidFill>
-                  <a:srgbClr val="000000"/>
-                </a:solidFill>
-                <a:latin typeface="Arial"/>
-                <a:ea typeface="Noto Sans CJK SC"/>
-              </a:rPr>
-              <a:t>math.cos(latitude) * math.sin(declination_angle) -</a:t>
-            </a:r>
-            <a:endParaRPr b="0" lang="en-US" sz="1500" spc="-1" strike="noStrike">
-              <a:latin typeface="Arial"/>
-            </a:endParaRPr>
-          </a:p>
-          <a:p>
-            <a:pPr>
-              <a:lnSpc>
-                <a:spcPct val="100000"/>
-              </a:lnSpc>
-              <a:spcBef>
-                <a:spcPts val="624"/>
-              </a:spcBef>
-              <a:spcAft>
-                <a:spcPts val="425"/>
-              </a:spcAft>
-              <a:buNone/>
-            </a:pPr>
-            <a:r>
-              <a:rPr b="0" lang="en-US" sz="1500" spc="-1" strike="noStrike">
-                <a:solidFill>
-                  <a:srgbClr val="000000"/>
-                </a:solidFill>
-                <a:latin typeface="Arial"/>
-                <a:ea typeface="Noto Sans CJK SC"/>
-              </a:rPr>
-              <a:t>                            </a:t>
-            </a:r>
-            <a:r>
-              <a:rPr b="0" lang="en-US" sz="1500" spc="-1" strike="noStrike">
-                <a:solidFill>
-                  <a:srgbClr val="000000"/>
-                </a:solidFill>
-                <a:latin typeface="Arial"/>
-                <a:ea typeface="Noto Sans CJK SC"/>
-              </a:rPr>
-              <a:t>math.sin(latitude) * math.cos(declination_angle) *</a:t>
-            </a:r>
-            <a:endParaRPr b="0" lang="en-US" sz="1500" spc="-1" strike="noStrike">
-              <a:latin typeface="Arial"/>
-            </a:endParaRPr>
-          </a:p>
-          <a:p>
-            <a:pPr>
-              <a:lnSpc>
-                <a:spcPct val="100000"/>
-              </a:lnSpc>
-              <a:spcBef>
-                <a:spcPts val="624"/>
-              </a:spcBef>
-              <a:spcAft>
-                <a:spcPts val="425"/>
-              </a:spcAft>
-              <a:buNone/>
-            </a:pPr>
-            <a:r>
-              <a:rPr b="0" lang="en-US" sz="1500" spc="-1" strike="noStrike">
-                <a:solidFill>
-                  <a:srgbClr val="000000"/>
-                </a:solidFill>
-                <a:latin typeface="Arial"/>
-                <a:ea typeface="Noto Sans CJK SC"/>
-              </a:rPr>
-              <a:t>                            </a:t>
-            </a:r>
-            <a:r>
-              <a:rPr b="0" lang="en-US" sz="1500" spc="-1" strike="noStrike">
-                <a:solidFill>
-                  <a:srgbClr val="000000"/>
-                </a:solidFill>
-                <a:latin typeface="Arial"/>
-                <a:ea typeface="Noto Sans CJK SC"/>
-              </a:rPr>
-              <a:t>math.cos(hour_angle))</a:t>
-            </a:r>
-            <a:endParaRPr b="0" lang="en-US" sz="1500" spc="-1" strike="noStrike">
-              <a:latin typeface="Arial"/>
-            </a:endParaRPr>
-          </a:p>
-          <a:p>
-            <a:pPr>
-              <a:lnSpc>
-                <a:spcPct val="100000"/>
-              </a:lnSpc>
-              <a:spcBef>
-                <a:spcPts val="624"/>
-              </a:spcBef>
-              <a:spcAft>
-                <a:spcPts val="425"/>
-              </a:spcAft>
-              <a:buNone/>
-            </a:pPr>
-            <a:endParaRPr b="0" lang="en-US" sz="1500" spc="-1" strike="noStrike">
-              <a:latin typeface="Arial"/>
-            </a:endParaRPr>
-          </a:p>
-          <a:p>
-            <a:pPr>
-              <a:lnSpc>
-                <a:spcPct val="100000"/>
-              </a:lnSpc>
-              <a:spcBef>
-                <a:spcPts val="624"/>
-              </a:spcBef>
-              <a:spcAft>
-                <a:spcPts val="425"/>
-              </a:spcAft>
-              <a:buNone/>
-            </a:pPr>
-            <a:r>
-              <a:rPr b="0" lang="en-US" sz="1500" spc="-1" strike="noStrike">
-                <a:solidFill>
-                  <a:srgbClr val="000000"/>
-                </a:solidFill>
-                <a:latin typeface="Arial"/>
-                <a:ea typeface="Noto Sans CJK SC"/>
-              </a:rPr>
-              <a:t>altitude_deg = math.degrees(altitude_angle)</a:t>
-            </a:r>
-            <a:endParaRPr b="0" lang="en-US" sz="1500" spc="-1" strike="noStrike">
-              <a:latin typeface="Arial"/>
-            </a:endParaRPr>
-          </a:p>
-          <a:p>
-            <a:pPr>
-              <a:lnSpc>
-                <a:spcPct val="100000"/>
-              </a:lnSpc>
-              <a:spcBef>
-                <a:spcPts val="624"/>
-              </a:spcBef>
-              <a:spcAft>
-                <a:spcPts val="425"/>
-              </a:spcAft>
-              <a:buNone/>
-            </a:pPr>
-            <a:r>
-              <a:rPr b="0" lang="en-US" sz="1500" spc="-1" strike="noStrike">
-                <a:solidFill>
-                  <a:srgbClr val="000000"/>
-                </a:solidFill>
-                <a:latin typeface="Arial"/>
-                <a:ea typeface="Noto Sans CJK SC"/>
-              </a:rPr>
-              <a:t>azimuth_deg = math.degrees(azimuth_angle)</a:t>
-            </a:r>
-            <a:endParaRPr b="0" lang="en-US" sz="1500" spc="-1" strike="noStrike">
-              <a:latin typeface="Arial"/>
-            </a:endParaRPr>
-          </a:p>
-          <a:p>
-            <a:pPr>
-              <a:lnSpc>
-                <a:spcPct val="100000"/>
-              </a:lnSpc>
-              <a:spcBef>
-                <a:spcPts val="624"/>
-              </a:spcBef>
-              <a:spcAft>
-                <a:spcPts val="425"/>
-              </a:spcAft>
-              <a:buNone/>
-            </a:pPr>
-            <a:endParaRPr b="0" lang="en-US" sz="1500" spc="-1" strike="noStrike">
-              <a:latin typeface="Arial"/>
-            </a:endParaRPr>
-          </a:p>
-          <a:p>
-            <a:pPr>
-              <a:lnSpc>
-                <a:spcPct val="100000"/>
-              </a:lnSpc>
-              <a:spcBef>
-                <a:spcPts val="624"/>
-              </a:spcBef>
-              <a:spcAft>
-                <a:spcPts val="425"/>
-              </a:spcAft>
-              <a:buNone/>
-            </a:pPr>
-            <a:endParaRPr b="0" lang="en-US" sz="1500" spc="-1" strike="noStrike">
-              <a:latin typeface="Arial"/>
             </a:endParaRPr>
           </a:p>
         </p:txBody>
@@ -22591,7 +21526,7 @@
       </p:grpSpPr>
       <p:sp>
         <p:nvSpPr>
-          <p:cNvPr id="368" name="PlaceHolder 1"/>
+          <p:cNvPr id="364" name="PlaceHolder 1"/>
           <p:cNvSpPr>
             <a:spLocks noGrp="1"/>
           </p:cNvSpPr>
@@ -22601,7 +21536,7 @@
         </p:nvSpPr>
         <p:spPr>
           <a:xfrm>
-            <a:off x="462960" y="1377720"/>
+            <a:off x="462960" y="1143000"/>
             <a:ext cx="8228520" cy="537840"/>
           </a:xfrm>
           <a:prstGeom prst="rect">
@@ -22630,7 +21565,7 @@
                 </a:solidFill>
                 <a:latin typeface="Arial"/>
               </a:rPr>
-              <a:t>Results 1</a:t>
+              <a:t>Calculating Solar Declination Angle</a:t>
             </a:r>
             <a:endParaRPr b="0" lang="en-US" sz="3600" spc="-1" strike="noStrike">
               <a:latin typeface="Arial"/>
@@ -22640,12 +21575,12 @@
       </p:sp>
       <p:sp>
         <p:nvSpPr>
-          <p:cNvPr id="369" name="PlaceHolder 2"/>
-          <p:cNvSpPr>
-            <a:spLocks noGrp="1"/>
-          </p:cNvSpPr>
-          <p:nvPr>
-            <p:ph type="sldNum" idx="21"/>
+          <p:cNvPr id="365" name="PlaceHolder 2"/>
+          <p:cNvSpPr>
+            <a:spLocks noGrp="1"/>
+          </p:cNvSpPr>
+          <p:nvPr>
+            <p:ph type="sldNum" idx="18"/>
           </p:nvPr>
         </p:nvSpPr>
         <p:spPr>
@@ -22686,7 +21621,7 @@
               </a:lnSpc>
               <a:buNone/>
             </a:pPr>
-            <a:fld id="{14936BD9-8222-4535-B9ED-F4C498A6BC53}" type="slidenum">
+            <a:fld id="{6847BB76-500E-45E7-900A-FC7B82FA38C2}" type="slidenum">
               <a:rPr b="1" lang="en-US" sz="2400" spc="-1" strike="noStrike">
                 <a:solidFill>
                   <a:srgbClr val="039a44"/>
@@ -22703,7 +21638,7 @@
       </p:sp>
       <p:sp>
         <p:nvSpPr>
-          <p:cNvPr id="370" name="Slide Subhead 6"/>
+          <p:cNvPr id="366" name="Slide Subhead 4"/>
           <p:cNvSpPr/>
           <p:nvPr/>
         </p:nvSpPr>
@@ -22744,67 +21679,322 @@
               </a:tabLst>
             </a:pPr>
             <a:r>
-              <a:rPr b="1" lang="en-US" sz="2600" spc="-1" strike="noStrike">
+              <a:rPr b="1" lang="en-US" sz="1600" spc="-1" strike="noStrike">
                 <a:solidFill>
                   <a:srgbClr val="000000"/>
                 </a:solidFill>
                 <a:latin typeface="Georgia"/>
                 <a:ea typeface="DejaVu Sans"/>
               </a:rPr>
-              <a:t>Targeting Bismark, ND </a:t>
+              <a:t>The angular distance from the zenith of the observer at the equator and the sun at solar noon</a:t>
             </a:r>
-            <a:endParaRPr b="0" lang="en-US" sz="2600" spc="-1" strike="noStrike">
-              <a:latin typeface="Arial"/>
-            </a:endParaRPr>
-          </a:p>
-        </p:txBody>
-      </p:sp>
-      <p:pic>
-        <p:nvPicPr>
-          <p:cNvPr id="371" name="" descr=""/>
-          <p:cNvPicPr/>
+            <a:endParaRPr b="0" lang="en-US" sz="1600" spc="-1" strike="noStrike">
+              <a:latin typeface="Arial"/>
+            </a:endParaRPr>
+          </a:p>
+        </p:txBody>
+      </p:sp>
+      <p:sp>
+        <p:nvSpPr>
+          <p:cNvPr id="367" name=""/>
+          <p:cNvSpPr/>
           <p:nvPr/>
-        </p:nvPicPr>
-        <p:blipFill>
-          <a:blip r:embed="rId1"/>
-          <a:stretch/>
-        </p:blipFill>
-        <p:spPr>
-          <a:xfrm>
-            <a:off x="325080" y="2971800"/>
-            <a:ext cx="3002040" cy="2971800"/>
-          </a:xfrm>
-          <a:prstGeom prst="rect">
-            <a:avLst/>
-          </a:prstGeom>
-          <a:ln w="0">
-            <a:noFill/>
-          </a:ln>
-        </p:spPr>
-      </p:pic>
-      <p:pic>
-        <p:nvPicPr>
-          <p:cNvPr id="372" name="" descr=""/>
-          <p:cNvPicPr/>
-          <p:nvPr/>
-        </p:nvPicPr>
-        <p:blipFill>
-          <a:blip r:embed="rId2"/>
-          <a:stretch/>
-        </p:blipFill>
-        <p:spPr>
-          <a:xfrm>
-            <a:off x="3494520" y="2743200"/>
-            <a:ext cx="5669640" cy="3401640"/>
-          </a:xfrm>
-          <a:prstGeom prst="rect">
-            <a:avLst/>
-          </a:prstGeom>
-          <a:ln w="0">
-            <a:noFill/>
-          </a:ln>
-        </p:spPr>
-      </p:pic>
+        </p:nvSpPr>
+        <p:spPr>
+          <a:xfrm>
+            <a:off x="685800" y="2554920"/>
+            <a:ext cx="7967880" cy="4144680"/>
+          </a:xfrm>
+          <a:prstGeom prst="rect">
+            <a:avLst/>
+          </a:prstGeom>
+          <a:noFill/>
+          <a:ln w="0">
+            <a:noFill/>
+          </a:ln>
+        </p:spPr>
+        <p:style>
+          <a:lnRef idx="0"/>
+          <a:fillRef idx="0"/>
+          <a:effectRef idx="0"/>
+          <a:fontRef idx="minor"/>
+        </p:style>
+        <p:txBody>
+          <a:bodyPr lIns="90000" rIns="90000" tIns="45000" bIns="45000" anchor="t">
+            <a:noAutofit/>
+          </a:bodyPr>
+          <a:p>
+            <a:pPr>
+              <a:lnSpc>
+                <a:spcPct val="100000"/>
+              </a:lnSpc>
+              <a:spcBef>
+                <a:spcPts val="624"/>
+              </a:spcBef>
+              <a:spcAft>
+                <a:spcPts val="425"/>
+              </a:spcAft>
+              <a:buNone/>
+            </a:pPr>
+            <a:r>
+              <a:rPr b="0" lang="en-US" sz="1500" spc="-1" strike="noStrike">
+                <a:solidFill>
+                  <a:srgbClr val="000000"/>
+                </a:solidFill>
+                <a:latin typeface="Arial"/>
+                <a:ea typeface="DejaVu Sans"/>
+              </a:rPr>
+              <a:t>dOmega = 2.1429 - 0.0010394594 * dElapsedJulianDays </a:t>
+            </a:r>
+            <a:endParaRPr b="0" lang="en-US" sz="1500" spc="-1" strike="noStrike">
+              <a:latin typeface="Arial"/>
+            </a:endParaRPr>
+          </a:p>
+          <a:p>
+            <a:pPr>
+              <a:lnSpc>
+                <a:spcPct val="100000"/>
+              </a:lnSpc>
+              <a:spcBef>
+                <a:spcPts val="624"/>
+              </a:spcBef>
+              <a:spcAft>
+                <a:spcPts val="425"/>
+              </a:spcAft>
+              <a:buNone/>
+            </a:pPr>
+            <a:r>
+              <a:rPr b="0" lang="en-US" sz="1500" spc="-1" strike="noStrike">
+                <a:solidFill>
+                  <a:srgbClr val="000000"/>
+                </a:solidFill>
+                <a:latin typeface="Arial"/>
+                <a:ea typeface="DejaVu Sans"/>
+              </a:rPr>
+              <a:t>dMeanLongitude = 4.8950630 + 0.017202791698 * dElapsedJulianDays # Radians </a:t>
+            </a:r>
+            <a:endParaRPr b="0" lang="en-US" sz="1500" spc="-1" strike="noStrike">
+              <a:latin typeface="Arial"/>
+            </a:endParaRPr>
+          </a:p>
+          <a:p>
+            <a:pPr>
+              <a:lnSpc>
+                <a:spcPct val="100000"/>
+              </a:lnSpc>
+              <a:spcBef>
+                <a:spcPts val="624"/>
+              </a:spcBef>
+              <a:spcAft>
+                <a:spcPts val="425"/>
+              </a:spcAft>
+              <a:buNone/>
+            </a:pPr>
+            <a:r>
+              <a:rPr b="0" lang="en-US" sz="1500" spc="-1" strike="noStrike">
+                <a:solidFill>
+                  <a:srgbClr val="000000"/>
+                </a:solidFill>
+                <a:latin typeface="Arial"/>
+                <a:ea typeface="DejaVu Sans"/>
+              </a:rPr>
+              <a:t>dMeanAnomaly = (6.2400600 + 0.0172019699 * dElapsedJulianDays) </a:t>
+            </a:r>
+            <a:endParaRPr b="0" lang="en-US" sz="1500" spc="-1" strike="noStrike">
+              <a:latin typeface="Arial"/>
+            </a:endParaRPr>
+          </a:p>
+          <a:p>
+            <a:pPr>
+              <a:lnSpc>
+                <a:spcPct val="100000"/>
+              </a:lnSpc>
+              <a:spcBef>
+                <a:spcPts val="624"/>
+              </a:spcBef>
+              <a:spcAft>
+                <a:spcPts val="425"/>
+              </a:spcAft>
+              <a:buNone/>
+            </a:pPr>
+            <a:r>
+              <a:rPr b="0" lang="en-US" sz="1500" spc="-1" strike="noStrike">
+                <a:solidFill>
+                  <a:srgbClr val="000000"/>
+                </a:solidFill>
+                <a:latin typeface="Arial"/>
+                <a:ea typeface="DejaVu Sans"/>
+              </a:rPr>
+              <a:t>dEclipticLongitude = dMeanLongitude + 0.03341607 * math.sin(dMeanAnomaly) + 0.00034894 * math.sin(2 * dMeanAnomaly) - 0.0001134 - 0.0000203 * math.sin(dOmega) </a:t>
+            </a:r>
+            <a:endParaRPr b="0" lang="en-US" sz="1500" spc="-1" strike="noStrike">
+              <a:latin typeface="Arial"/>
+            </a:endParaRPr>
+          </a:p>
+          <a:p>
+            <a:pPr>
+              <a:lnSpc>
+                <a:spcPct val="100000"/>
+              </a:lnSpc>
+              <a:spcBef>
+                <a:spcPts val="624"/>
+              </a:spcBef>
+              <a:spcAft>
+                <a:spcPts val="425"/>
+              </a:spcAft>
+              <a:buNone/>
+            </a:pPr>
+            <a:r>
+              <a:rPr b="0" lang="en-US" sz="1500" spc="-1" strike="noStrike">
+                <a:solidFill>
+                  <a:srgbClr val="000000"/>
+                </a:solidFill>
+                <a:latin typeface="Arial"/>
+                <a:ea typeface="DejaVu Sans"/>
+              </a:rPr>
+              <a:t>dEclipticObliquity = 0.4090928 - 6.2140e-9 * dElapsedJulianDays + 0.0000396 * math.cos(dOmega)</a:t>
+            </a:r>
+            <a:endParaRPr b="0" lang="en-US" sz="1500" spc="-1" strike="noStrike">
+              <a:latin typeface="Arial"/>
+            </a:endParaRPr>
+          </a:p>
+          <a:p>
+            <a:pPr>
+              <a:lnSpc>
+                <a:spcPct val="100000"/>
+              </a:lnSpc>
+              <a:spcBef>
+                <a:spcPts val="624"/>
+              </a:spcBef>
+              <a:spcAft>
+                <a:spcPts val="425"/>
+              </a:spcAft>
+              <a:buNone/>
+            </a:pPr>
+            <a:r>
+              <a:rPr b="0" lang="en-US" sz="1500" spc="-1" strike="noStrike">
+                <a:solidFill>
+                  <a:srgbClr val="000000"/>
+                </a:solidFill>
+                <a:latin typeface="Arial"/>
+                <a:ea typeface="DejaVu Sans"/>
+              </a:rPr>
+              <a:t>dSin_EclipticLongitude = math.sin(dEclipticLongitude) </a:t>
+            </a:r>
+            <a:endParaRPr b="0" lang="en-US" sz="1500" spc="-1" strike="noStrike">
+              <a:latin typeface="Arial"/>
+            </a:endParaRPr>
+          </a:p>
+          <a:p>
+            <a:pPr>
+              <a:lnSpc>
+                <a:spcPct val="100000"/>
+              </a:lnSpc>
+              <a:spcBef>
+                <a:spcPts val="624"/>
+              </a:spcBef>
+              <a:spcAft>
+                <a:spcPts val="425"/>
+              </a:spcAft>
+              <a:buNone/>
+            </a:pPr>
+            <a:r>
+              <a:rPr b="0" lang="en-US" sz="1500" spc="-1" strike="noStrike">
+                <a:solidFill>
+                  <a:srgbClr val="000000"/>
+                </a:solidFill>
+                <a:latin typeface="Arial"/>
+                <a:ea typeface="DejaVu Sans"/>
+              </a:rPr>
+              <a:t>dY = math.cos(dEclipticObliquity) * dSin_EclipticLongitude </a:t>
+            </a:r>
+            <a:endParaRPr b="0" lang="en-US" sz="1500" spc="-1" strike="noStrike">
+              <a:latin typeface="Arial"/>
+            </a:endParaRPr>
+          </a:p>
+          <a:p>
+            <a:pPr>
+              <a:lnSpc>
+                <a:spcPct val="100000"/>
+              </a:lnSpc>
+              <a:spcBef>
+                <a:spcPts val="624"/>
+              </a:spcBef>
+              <a:spcAft>
+                <a:spcPts val="425"/>
+              </a:spcAft>
+              <a:buNone/>
+            </a:pPr>
+            <a:r>
+              <a:rPr b="0" lang="en-US" sz="1500" spc="-1" strike="noStrike">
+                <a:solidFill>
+                  <a:srgbClr val="000000"/>
+                </a:solidFill>
+                <a:latin typeface="Arial"/>
+                <a:ea typeface="DejaVu Sans"/>
+              </a:rPr>
+              <a:t>dX = math.cos(dEclipticLongitude) </a:t>
+            </a:r>
+            <a:endParaRPr b="0" lang="en-US" sz="1500" spc="-1" strike="noStrike">
+              <a:latin typeface="Arial"/>
+            </a:endParaRPr>
+          </a:p>
+          <a:p>
+            <a:pPr>
+              <a:lnSpc>
+                <a:spcPct val="100000"/>
+              </a:lnSpc>
+              <a:spcBef>
+                <a:spcPts val="624"/>
+              </a:spcBef>
+              <a:spcAft>
+                <a:spcPts val="425"/>
+              </a:spcAft>
+              <a:buNone/>
+            </a:pPr>
+            <a:r>
+              <a:rPr b="0" lang="en-US" sz="1500" spc="-1" strike="noStrike">
+                <a:solidFill>
+                  <a:srgbClr val="000000"/>
+                </a:solidFill>
+                <a:latin typeface="Arial"/>
+                <a:ea typeface="DejaVu Sans"/>
+              </a:rPr>
+              <a:t>dRightAscension = math.atan2(dY, dX) if dRightAscension &lt; 0.0: dRightAscension += (2 * math.pi) </a:t>
+            </a:r>
+            <a:endParaRPr b="0" lang="en-US" sz="1500" spc="-1" strike="noStrike">
+              <a:latin typeface="Arial"/>
+            </a:endParaRPr>
+          </a:p>
+          <a:p>
+            <a:pPr>
+              <a:lnSpc>
+                <a:spcPct val="100000"/>
+              </a:lnSpc>
+              <a:spcBef>
+                <a:spcPts val="624"/>
+              </a:spcBef>
+              <a:spcAft>
+                <a:spcPts val="425"/>
+              </a:spcAft>
+              <a:buNone/>
+            </a:pPr>
+            <a:r>
+              <a:rPr b="0" lang="en-US" sz="1500" spc="-1" strike="noStrike">
+                <a:solidFill>
+                  <a:srgbClr val="000000"/>
+                </a:solidFill>
+                <a:latin typeface="Arial"/>
+                <a:ea typeface="DejaVu Sans"/>
+              </a:rPr>
+              <a:t>dDeclination = math.asin(math.sin(dEclipticObliquity) * dSin_EclipticLongitude)</a:t>
+            </a:r>
+            <a:endParaRPr b="0" lang="en-US" sz="1500" spc="-1" strike="noStrike">
+              <a:latin typeface="Arial"/>
+            </a:endParaRPr>
+          </a:p>
+        </p:txBody>
+      </p:sp>
     </p:spTree>
   </p:cSld>
   <mc:AlternateContent>
@@ -22837,7 +22027,7 @@
       </p:grpSpPr>
       <p:sp>
         <p:nvSpPr>
-          <p:cNvPr id="373" name="PlaceHolder 1"/>
+          <p:cNvPr id="368" name="PlaceHolder 1"/>
           <p:cNvSpPr>
             <a:spLocks noGrp="1"/>
           </p:cNvSpPr>
@@ -22847,7 +22037,7 @@
         </p:nvSpPr>
         <p:spPr>
           <a:xfrm>
-            <a:off x="462960" y="1377720"/>
+            <a:off x="462960" y="1143000"/>
             <a:ext cx="8228520" cy="537840"/>
           </a:xfrm>
           <a:prstGeom prst="rect">
@@ -22876,7 +22066,7 @@
                 </a:solidFill>
                 <a:latin typeface="Arial"/>
               </a:rPr>
-              <a:t>Results 1 Stats</a:t>
+              <a:t>Calculating Solar Hour Angle</a:t>
             </a:r>
             <a:endParaRPr b="0" lang="en-US" sz="3600" spc="-1" strike="noStrike">
               <a:latin typeface="Arial"/>
@@ -22886,12 +22076,12 @@
       </p:sp>
       <p:sp>
         <p:nvSpPr>
-          <p:cNvPr id="374" name="PlaceHolder 2"/>
-          <p:cNvSpPr>
-            <a:spLocks noGrp="1"/>
-          </p:cNvSpPr>
-          <p:nvPr>
-            <p:ph type="sldNum" idx="22"/>
+          <p:cNvPr id="369" name="PlaceHolder 2"/>
+          <p:cNvSpPr>
+            <a:spLocks noGrp="1"/>
+          </p:cNvSpPr>
+          <p:nvPr>
+            <p:ph type="sldNum" idx="19"/>
           </p:nvPr>
         </p:nvSpPr>
         <p:spPr>
@@ -22932,7 +22122,7 @@
               </a:lnSpc>
               <a:buNone/>
             </a:pPr>
-            <a:fld id="{6670FC78-1495-4E6C-9066-D92D04CF95F0}" type="slidenum">
+            <a:fld id="{57EE290F-66DF-42AC-903F-0153C95BC4AA}" type="slidenum">
               <a:rPr b="1" lang="en-US" sz="2400" spc="-1" strike="noStrike">
                 <a:solidFill>
                   <a:srgbClr val="039a44"/>
@@ -22949,14 +22139,14 @@
       </p:sp>
       <p:sp>
         <p:nvSpPr>
-          <p:cNvPr id="375" name="Slide Subhead 13"/>
+          <p:cNvPr id="370" name="Slide Subhead 5"/>
           <p:cNvSpPr/>
           <p:nvPr/>
         </p:nvSpPr>
         <p:spPr>
           <a:xfrm>
             <a:off x="691560" y="2020680"/>
-            <a:ext cx="7760520" cy="364680"/>
+            <a:ext cx="7760520" cy="721800"/>
           </a:xfrm>
           <a:prstGeom prst="rect">
             <a:avLst/>
@@ -22990,6 +22180,1112 @@
               </a:tabLst>
             </a:pPr>
             <a:r>
+              <a:rPr b="1" lang="en-US" sz="1600" spc="-1" strike="noStrike">
+                <a:solidFill>
+                  <a:srgbClr val="000000"/>
+                </a:solidFill>
+                <a:latin typeface="Georgia"/>
+                <a:ea typeface="DejaVu Sans"/>
+              </a:rPr>
+              <a:t>The angular displacement of the sun east or west of the local meridian due to rotation of the earth on its axis at 15° per hour with morning being negative and afternoon being positive</a:t>
+            </a:r>
+            <a:endParaRPr b="0" lang="en-US" sz="1600" spc="-1" strike="noStrike">
+              <a:latin typeface="Arial"/>
+            </a:endParaRPr>
+          </a:p>
+        </p:txBody>
+      </p:sp>
+      <p:sp>
+        <p:nvSpPr>
+          <p:cNvPr id="371" name=""/>
+          <p:cNvSpPr/>
+          <p:nvPr/>
+        </p:nvSpPr>
+        <p:spPr>
+          <a:xfrm>
+            <a:off x="685800" y="2971800"/>
+            <a:ext cx="7967880" cy="4439880"/>
+          </a:xfrm>
+          <a:prstGeom prst="rect">
+            <a:avLst/>
+          </a:prstGeom>
+          <a:noFill/>
+          <a:ln w="0">
+            <a:noFill/>
+          </a:ln>
+        </p:spPr>
+        <p:style>
+          <a:lnRef idx="0"/>
+          <a:fillRef idx="0"/>
+          <a:effectRef idx="0"/>
+          <a:fontRef idx="minor"/>
+        </p:style>
+        <p:txBody>
+          <a:bodyPr lIns="90000" rIns="90000" tIns="45000" bIns="45000" anchor="t">
+            <a:noAutofit/>
+          </a:bodyPr>
+          <a:p>
+            <a:pPr>
+              <a:lnSpc>
+                <a:spcPct val="100000"/>
+              </a:lnSpc>
+              <a:spcBef>
+                <a:spcPts val="624"/>
+              </a:spcBef>
+              <a:spcAft>
+                <a:spcPts val="425"/>
+              </a:spcAft>
+              <a:buNone/>
+            </a:pPr>
+            <a:r>
+              <a:rPr b="0" lang="en-US" sz="1500" spc="-1" strike="noStrike">
+                <a:solidFill>
+                  <a:srgbClr val="000000"/>
+                </a:solidFill>
+                <a:latin typeface="Arial"/>
+                <a:ea typeface="Noto Sans CJK SC"/>
+              </a:rPr>
+              <a:t># Local Standad Time Meridian</a:t>
+            </a:r>
+            <a:endParaRPr b="0" lang="en-US" sz="1500" spc="-1" strike="noStrike">
+              <a:latin typeface="Arial"/>
+            </a:endParaRPr>
+          </a:p>
+          <a:p>
+            <a:pPr>
+              <a:lnSpc>
+                <a:spcPct val="100000"/>
+              </a:lnSpc>
+              <a:spcBef>
+                <a:spcPts val="624"/>
+              </a:spcBef>
+              <a:spcAft>
+                <a:spcPts val="425"/>
+              </a:spcAft>
+              <a:buNone/>
+            </a:pPr>
+            <a:r>
+              <a:rPr b="0" lang="en-US" sz="1500" spc="-1" strike="noStrike">
+                <a:solidFill>
+                  <a:srgbClr val="000000"/>
+                </a:solidFill>
+                <a:latin typeface="Arial"/>
+                <a:ea typeface="Noto Sans CJK SC"/>
+              </a:rPr>
+              <a:t>LSTM = 15 * abs(0) # LSTM = 15 * UTC Difference which is zero if given UTC Time</a:t>
+            </a:r>
+            <a:endParaRPr b="0" lang="en-US" sz="1500" spc="-1" strike="noStrike">
+              <a:latin typeface="Arial"/>
+            </a:endParaRPr>
+          </a:p>
+          <a:p>
+            <a:pPr>
+              <a:lnSpc>
+                <a:spcPct val="100000"/>
+              </a:lnSpc>
+              <a:spcBef>
+                <a:spcPts val="624"/>
+              </a:spcBef>
+              <a:spcAft>
+                <a:spcPts val="425"/>
+              </a:spcAft>
+              <a:buNone/>
+            </a:pPr>
+            <a:r>
+              <a:rPr b="0" lang="en-US" sz="1500" spc="-1" strike="noStrike">
+                <a:solidFill>
+                  <a:srgbClr val="000000"/>
+                </a:solidFill>
+                <a:latin typeface="Arial"/>
+                <a:ea typeface="Noto Sans CJK SC"/>
+              </a:rPr>
+              <a:t># Equation of time</a:t>
+            </a:r>
+            <a:endParaRPr b="0" lang="en-US" sz="1500" spc="-1" strike="noStrike">
+              <a:latin typeface="Arial"/>
+            </a:endParaRPr>
+          </a:p>
+          <a:p>
+            <a:pPr>
+              <a:lnSpc>
+                <a:spcPct val="100000"/>
+              </a:lnSpc>
+              <a:spcBef>
+                <a:spcPts val="624"/>
+              </a:spcBef>
+              <a:spcAft>
+                <a:spcPts val="425"/>
+              </a:spcAft>
+              <a:buNone/>
+            </a:pPr>
+            <a:r>
+              <a:rPr b="0" lang="en-US" sz="1500" spc="-1" strike="noStrike">
+                <a:solidFill>
+                  <a:srgbClr val="000000"/>
+                </a:solidFill>
+                <a:latin typeface="Arial"/>
+                <a:ea typeface="Noto Sans CJK SC"/>
+              </a:rPr>
+              <a:t>B = math.radians((360/365) * (day_of_year - 81))</a:t>
+            </a:r>
+            <a:endParaRPr b="0" lang="en-US" sz="1500" spc="-1" strike="noStrike">
+              <a:latin typeface="Arial"/>
+            </a:endParaRPr>
+          </a:p>
+          <a:p>
+            <a:pPr>
+              <a:lnSpc>
+                <a:spcPct val="100000"/>
+              </a:lnSpc>
+              <a:spcBef>
+                <a:spcPts val="624"/>
+              </a:spcBef>
+              <a:spcAft>
+                <a:spcPts val="425"/>
+              </a:spcAft>
+              <a:buNone/>
+            </a:pPr>
+            <a:r>
+              <a:rPr b="0" lang="en-US" sz="1500" spc="-1" strike="noStrike">
+                <a:solidFill>
+                  <a:srgbClr val="000000"/>
+                </a:solidFill>
+                <a:latin typeface="Arial"/>
+                <a:ea typeface="Noto Sans CJK SC"/>
+              </a:rPr>
+              <a:t>EoT = 9.87*math.sin(2*B) - 7.53*math.cos(B) - 1.5*math.sin(B)</a:t>
+            </a:r>
+            <a:endParaRPr b="0" lang="en-US" sz="1500" spc="-1" strike="noStrike">
+              <a:latin typeface="Arial"/>
+            </a:endParaRPr>
+          </a:p>
+          <a:p>
+            <a:pPr>
+              <a:lnSpc>
+                <a:spcPct val="100000"/>
+              </a:lnSpc>
+              <a:spcBef>
+                <a:spcPts val="624"/>
+              </a:spcBef>
+              <a:spcAft>
+                <a:spcPts val="425"/>
+              </a:spcAft>
+              <a:buNone/>
+            </a:pPr>
+            <a:r>
+              <a:rPr b="0" lang="en-US" sz="1500" spc="-1" strike="noStrike">
+                <a:solidFill>
+                  <a:srgbClr val="000000"/>
+                </a:solidFill>
+                <a:latin typeface="Arial"/>
+                <a:ea typeface="Noto Sans CJK SC"/>
+              </a:rPr>
+              <a:t># Time Correction Factor</a:t>
+            </a:r>
+            <a:endParaRPr b="0" lang="en-US" sz="1500" spc="-1" strike="noStrike">
+              <a:latin typeface="Arial"/>
+            </a:endParaRPr>
+          </a:p>
+          <a:p>
+            <a:pPr>
+              <a:lnSpc>
+                <a:spcPct val="100000"/>
+              </a:lnSpc>
+              <a:spcBef>
+                <a:spcPts val="624"/>
+              </a:spcBef>
+              <a:spcAft>
+                <a:spcPts val="425"/>
+              </a:spcAft>
+              <a:buNone/>
+            </a:pPr>
+            <a:r>
+              <a:rPr b="0" lang="en-US" sz="1500" spc="-1" strike="noStrike">
+                <a:solidFill>
+                  <a:srgbClr val="000000"/>
+                </a:solidFill>
+                <a:latin typeface="Arial"/>
+                <a:ea typeface="Noto Sans CJK SC"/>
+              </a:rPr>
+              <a:t>TC = 4 * (longitude - LSTM) + EoT</a:t>
+            </a:r>
+            <a:endParaRPr b="0" lang="en-US" sz="1500" spc="-1" strike="noStrike">
+              <a:latin typeface="Arial"/>
+            </a:endParaRPr>
+          </a:p>
+          <a:p>
+            <a:pPr>
+              <a:lnSpc>
+                <a:spcPct val="100000"/>
+              </a:lnSpc>
+              <a:spcBef>
+                <a:spcPts val="624"/>
+              </a:spcBef>
+              <a:spcAft>
+                <a:spcPts val="425"/>
+              </a:spcAft>
+              <a:buNone/>
+            </a:pPr>
+            <a:r>
+              <a:rPr b="0" lang="en-US" sz="1500" spc="-1" strike="noStrike">
+                <a:solidFill>
+                  <a:srgbClr val="000000"/>
+                </a:solidFill>
+                <a:latin typeface="Arial"/>
+                <a:ea typeface="Noto Sans CJK SC"/>
+              </a:rPr>
+              <a:t># Local Solar Time</a:t>
+            </a:r>
+            <a:endParaRPr b="0" lang="en-US" sz="1500" spc="-1" strike="noStrike">
+              <a:latin typeface="Arial"/>
+            </a:endParaRPr>
+          </a:p>
+          <a:p>
+            <a:pPr>
+              <a:lnSpc>
+                <a:spcPct val="100000"/>
+              </a:lnSpc>
+              <a:spcBef>
+                <a:spcPts val="624"/>
+              </a:spcBef>
+              <a:spcAft>
+                <a:spcPts val="425"/>
+              </a:spcAft>
+              <a:buNone/>
+            </a:pPr>
+            <a:r>
+              <a:rPr b="0" lang="en-US" sz="1500" spc="-1" strike="noStrike">
+                <a:solidFill>
+                  <a:srgbClr val="000000"/>
+                </a:solidFill>
+                <a:latin typeface="Arial"/>
+                <a:ea typeface="Noto Sans CJK SC"/>
+              </a:rPr>
+              <a:t>LST = ((60 * datetime.hour) + datetime.minute + TC) / 60</a:t>
+            </a:r>
+            <a:endParaRPr b="0" lang="en-US" sz="1500" spc="-1" strike="noStrike">
+              <a:latin typeface="Arial"/>
+            </a:endParaRPr>
+          </a:p>
+          <a:p>
+            <a:pPr>
+              <a:lnSpc>
+                <a:spcPct val="100000"/>
+              </a:lnSpc>
+              <a:spcBef>
+                <a:spcPts val="624"/>
+              </a:spcBef>
+              <a:spcAft>
+                <a:spcPts val="425"/>
+              </a:spcAft>
+              <a:buNone/>
+            </a:pPr>
+            <a:r>
+              <a:rPr b="0" lang="en-US" sz="1500" spc="-1" strike="noStrike">
+                <a:solidFill>
+                  <a:srgbClr val="000000"/>
+                </a:solidFill>
+                <a:latin typeface="Arial"/>
+                <a:ea typeface="Noto Sans CJK SC"/>
+              </a:rPr>
+              <a:t># Hour Angle</a:t>
+            </a:r>
+            <a:endParaRPr b="0" lang="en-US" sz="1500" spc="-1" strike="noStrike">
+              <a:latin typeface="Arial"/>
+            </a:endParaRPr>
+          </a:p>
+          <a:p>
+            <a:pPr>
+              <a:lnSpc>
+                <a:spcPct val="100000"/>
+              </a:lnSpc>
+              <a:spcBef>
+                <a:spcPts val="624"/>
+              </a:spcBef>
+              <a:spcAft>
+                <a:spcPts val="425"/>
+              </a:spcAft>
+              <a:buNone/>
+            </a:pPr>
+            <a:r>
+              <a:rPr b="0" lang="en-US" sz="1500" spc="-1" strike="noStrike">
+                <a:solidFill>
+                  <a:srgbClr val="000000"/>
+                </a:solidFill>
+                <a:latin typeface="Arial"/>
+                <a:ea typeface="Noto Sans CJK SC"/>
+              </a:rPr>
+              <a:t>hour_angle = math.radians(15 * (LST - 12))</a:t>
+            </a:r>
+            <a:endParaRPr b="0" lang="en-US" sz="1500" spc="-1" strike="noStrike">
+              <a:latin typeface="Arial"/>
+            </a:endParaRPr>
+          </a:p>
+          <a:p>
+            <a:pPr>
+              <a:lnSpc>
+                <a:spcPct val="100000"/>
+              </a:lnSpc>
+              <a:spcBef>
+                <a:spcPts val="624"/>
+              </a:spcBef>
+              <a:spcAft>
+                <a:spcPts val="425"/>
+              </a:spcAft>
+              <a:buNone/>
+            </a:pPr>
+            <a:endParaRPr b="0" lang="en-US" sz="1500" spc="-1" strike="noStrike">
+              <a:latin typeface="Arial"/>
+            </a:endParaRPr>
+          </a:p>
+          <a:p>
+            <a:pPr>
+              <a:lnSpc>
+                <a:spcPct val="100000"/>
+              </a:lnSpc>
+              <a:spcBef>
+                <a:spcPts val="624"/>
+              </a:spcBef>
+              <a:spcAft>
+                <a:spcPts val="425"/>
+              </a:spcAft>
+              <a:buNone/>
+            </a:pPr>
+            <a:endParaRPr b="0" lang="en-US" sz="1500" spc="-1" strike="noStrike">
+              <a:latin typeface="Arial"/>
+            </a:endParaRPr>
+          </a:p>
+        </p:txBody>
+      </p:sp>
+    </p:spTree>
+  </p:cSld>
+  <mc:AlternateContent>
+    <mc:Choice Requires="p14">
+      <p:transition spd="slow" p14:dur="2000"/>
+    </mc:Choice>
+    <mc:Fallback>
+      <p:transition spd="slow"/>
+    </mc:Fallback>
+  </mc:AlternateContent>
+</p:sld>
+</file>
+
+<file path=ppt/slides/slide23.xml><?xml version="1.0" encoding="utf-8"?>
+<p:sld xmlns:a="http://schemas.openxmlformats.org/drawingml/2006/main" xmlns:p="http://schemas.openxmlformats.org/presentationml/2006/main" xmlns:r="http://schemas.openxmlformats.org/officeDocument/2006/relationships" xmlns:p14="http://schemas.microsoft.com/office/powerpoint/2010/main" xmlns:p15="http://schemas.microsoft.com/office/powerpoint/2012/main" xmlns:mc="http://schemas.openxmlformats.org/markup-compatibility/2006">
+  <p:cSld>
+    <p:spTree>
+      <p:nvGrpSpPr>
+        <p:cNvPr id="1" name=""/>
+        <p:cNvGrpSpPr/>
+        <p:nvPr/>
+      </p:nvGrpSpPr>
+      <p:grpSpPr>
+        <a:xfrm>
+          <a:off x="0" y="0"/>
+          <a:ext cx="0" cy="0"/>
+          <a:chOff x="0" y="0"/>
+          <a:chExt cx="0" cy="0"/>
+        </a:xfrm>
+      </p:grpSpPr>
+      <p:sp>
+        <p:nvSpPr>
+          <p:cNvPr id="372" name="PlaceHolder 1"/>
+          <p:cNvSpPr>
+            <a:spLocks noGrp="1"/>
+          </p:cNvSpPr>
+          <p:nvPr>
+            <p:ph type="title"/>
+          </p:nvPr>
+        </p:nvSpPr>
+        <p:spPr>
+          <a:xfrm>
+            <a:off x="462960" y="1143000"/>
+            <a:ext cx="8228520" cy="537840"/>
+          </a:xfrm>
+          <a:prstGeom prst="rect">
+            <a:avLst/>
+          </a:prstGeom>
+          <a:noFill/>
+          <a:ln w="0">
+            <a:noFill/>
+          </a:ln>
+        </p:spPr>
+        <p:txBody>
+          <a:bodyPr lIns="0" rIns="0" tIns="45000" bIns="45000" anchor="t">
+            <a:noAutofit/>
+          </a:bodyPr>
+          <a:p>
+            <a:pPr>
+              <a:lnSpc>
+                <a:spcPct val="90000"/>
+              </a:lnSpc>
+              <a:buNone/>
+            </a:pPr>
+            <a:r>
+              <a:rPr b="1" lang="en-US" sz="3600" spc="-1" strike="noStrike">
+                <a:solidFill>
+                  <a:srgbClr val="009a44"/>
+                </a:solidFill>
+                <a:latin typeface="Arial"/>
+              </a:rPr>
+              <a:t>Calculating Solar Alt, and Azm Angles</a:t>
+            </a:r>
+            <a:endParaRPr b="0" lang="en-US" sz="3600" spc="-1" strike="noStrike">
+              <a:latin typeface="Arial"/>
+            </a:endParaRPr>
+          </a:p>
+        </p:txBody>
+      </p:sp>
+      <p:sp>
+        <p:nvSpPr>
+          <p:cNvPr id="373" name="PlaceHolder 2"/>
+          <p:cNvSpPr>
+            <a:spLocks noGrp="1"/>
+          </p:cNvSpPr>
+          <p:nvPr>
+            <p:ph type="sldNum" idx="20"/>
+          </p:nvPr>
+        </p:nvSpPr>
+        <p:spPr>
+          <a:xfrm>
+            <a:off x="8458200" y="6183360"/>
+            <a:ext cx="684720" cy="681480"/>
+          </a:xfrm>
+          <a:prstGeom prst="rect">
+            <a:avLst/>
+          </a:prstGeom>
+          <a:noFill/>
+          <a:ln w="0">
+            <a:noFill/>
+          </a:ln>
+        </p:spPr>
+        <p:txBody>
+          <a:bodyPr lIns="90000" rIns="90000" tIns="45000" bIns="45000" anchor="ctr">
+            <a:noAutofit/>
+          </a:bodyPr>
+          <a:lstStyle>
+            <a:lvl1pPr algn="ctr">
+              <a:lnSpc>
+                <a:spcPct val="100000"/>
+              </a:lnSpc>
+              <a:buNone/>
+              <a:defRPr b="1" lang="en-US" sz="2400" spc="-1" strike="noStrike">
+                <a:solidFill>
+                  <a:srgbClr val="039a44"/>
+                </a:solidFill>
+                <a:latin typeface="Arial"/>
+              </a:defRPr>
+            </a:lvl1pPr>
+          </a:lstStyle>
+          <a:p>
+            <a:pPr algn="ctr">
+              <a:lnSpc>
+                <a:spcPct val="100000"/>
+              </a:lnSpc>
+              <a:buNone/>
+            </a:pPr>
+            <a:fld id="{18C55055-DB1C-4C3A-B3FA-DF4A71EE2C9B}" type="slidenum">
+              <a:rPr b="1" lang="en-US" sz="2400" spc="-1" strike="noStrike">
+                <a:solidFill>
+                  <a:srgbClr val="039a44"/>
+                </a:solidFill>
+                <a:latin typeface="Arial"/>
+              </a:rPr>
+              <a:t>1</a:t>
+            </a:fld>
+            <a:endParaRPr b="0" lang="en-US" sz="2400" spc="-1" strike="noStrike">
+              <a:latin typeface="Times New Roman"/>
+            </a:endParaRPr>
+          </a:p>
+        </p:txBody>
+      </p:sp>
+      <p:sp>
+        <p:nvSpPr>
+          <p:cNvPr id="374" name=""/>
+          <p:cNvSpPr/>
+          <p:nvPr/>
+        </p:nvSpPr>
+        <p:spPr>
+          <a:xfrm>
+            <a:off x="489600" y="1960200"/>
+            <a:ext cx="7967880" cy="4439880"/>
+          </a:xfrm>
+          <a:prstGeom prst="rect">
+            <a:avLst/>
+          </a:prstGeom>
+          <a:noFill/>
+          <a:ln w="0">
+            <a:noFill/>
+          </a:ln>
+        </p:spPr>
+        <p:style>
+          <a:lnRef idx="0"/>
+          <a:fillRef idx="0"/>
+          <a:effectRef idx="0"/>
+          <a:fontRef idx="minor"/>
+        </p:style>
+        <p:txBody>
+          <a:bodyPr lIns="90000" rIns="90000" tIns="45000" bIns="45000" anchor="t">
+            <a:noAutofit/>
+          </a:bodyPr>
+          <a:p>
+            <a:pPr>
+              <a:lnSpc>
+                <a:spcPct val="100000"/>
+              </a:lnSpc>
+              <a:spcBef>
+                <a:spcPts val="624"/>
+              </a:spcBef>
+              <a:spcAft>
+                <a:spcPts val="425"/>
+              </a:spcAft>
+              <a:buNone/>
+            </a:pPr>
+            <a:r>
+              <a:rPr b="0" lang="en-US" sz="1500" spc="-1" strike="noStrike">
+                <a:solidFill>
+                  <a:srgbClr val="000000"/>
+                </a:solidFill>
+                <a:latin typeface="Arial"/>
+                <a:ea typeface="Noto Sans CJK SC"/>
+              </a:rPr>
+              <a:t>altitude_angle = math.asin(math.sin(latitude) * math.sin(declination_angle) + </a:t>
+            </a:r>
+            <a:endParaRPr b="0" lang="en-US" sz="1500" spc="-1" strike="noStrike">
+              <a:latin typeface="Arial"/>
+            </a:endParaRPr>
+          </a:p>
+          <a:p>
+            <a:pPr>
+              <a:lnSpc>
+                <a:spcPct val="100000"/>
+              </a:lnSpc>
+              <a:spcBef>
+                <a:spcPts val="624"/>
+              </a:spcBef>
+              <a:spcAft>
+                <a:spcPts val="425"/>
+              </a:spcAft>
+              <a:buNone/>
+            </a:pPr>
+            <a:r>
+              <a:rPr b="0" lang="en-US" sz="1500" spc="-1" strike="noStrike">
+                <a:solidFill>
+                  <a:srgbClr val="000000"/>
+                </a:solidFill>
+                <a:latin typeface="Arial"/>
+                <a:ea typeface="Noto Sans CJK SC"/>
+              </a:rPr>
+              <a:t>                          </a:t>
+            </a:r>
+            <a:r>
+              <a:rPr b="0" lang="en-US" sz="1500" spc="-1" strike="noStrike">
+                <a:solidFill>
+                  <a:srgbClr val="000000"/>
+                </a:solidFill>
+                <a:latin typeface="Arial"/>
+                <a:ea typeface="Noto Sans CJK SC"/>
+              </a:rPr>
+              <a:t>math.cos(latitude) * math.cos(declination_angle) * </a:t>
+            </a:r>
+            <a:endParaRPr b="0" lang="en-US" sz="1500" spc="-1" strike="noStrike">
+              <a:latin typeface="Arial"/>
+            </a:endParaRPr>
+          </a:p>
+          <a:p>
+            <a:pPr>
+              <a:lnSpc>
+                <a:spcPct val="100000"/>
+              </a:lnSpc>
+              <a:spcBef>
+                <a:spcPts val="624"/>
+              </a:spcBef>
+              <a:spcAft>
+                <a:spcPts val="425"/>
+              </a:spcAft>
+              <a:buNone/>
+            </a:pPr>
+            <a:r>
+              <a:rPr b="0" lang="en-US" sz="1500" spc="-1" strike="noStrike">
+                <a:solidFill>
+                  <a:srgbClr val="000000"/>
+                </a:solidFill>
+                <a:latin typeface="Arial"/>
+                <a:ea typeface="Noto Sans CJK SC"/>
+              </a:rPr>
+              <a:t>                          </a:t>
+            </a:r>
+            <a:r>
+              <a:rPr b="0" lang="en-US" sz="1500" spc="-1" strike="noStrike">
+                <a:solidFill>
+                  <a:srgbClr val="000000"/>
+                </a:solidFill>
+                <a:latin typeface="Arial"/>
+                <a:ea typeface="Noto Sans CJK SC"/>
+              </a:rPr>
+              <a:t>math.cos(hour_angle))</a:t>
+            </a:r>
+            <a:endParaRPr b="0" lang="en-US" sz="1500" spc="-1" strike="noStrike">
+              <a:latin typeface="Arial"/>
+            </a:endParaRPr>
+          </a:p>
+          <a:p>
+            <a:pPr>
+              <a:lnSpc>
+                <a:spcPct val="100000"/>
+              </a:lnSpc>
+              <a:spcBef>
+                <a:spcPts val="624"/>
+              </a:spcBef>
+              <a:spcAft>
+                <a:spcPts val="425"/>
+              </a:spcAft>
+              <a:buNone/>
+            </a:pPr>
+            <a:endParaRPr b="0" lang="en-US" sz="1500" spc="-1" strike="noStrike">
+              <a:latin typeface="Arial"/>
+            </a:endParaRPr>
+          </a:p>
+          <a:p>
+            <a:pPr>
+              <a:lnSpc>
+                <a:spcPct val="100000"/>
+              </a:lnSpc>
+              <a:spcBef>
+                <a:spcPts val="624"/>
+              </a:spcBef>
+              <a:spcAft>
+                <a:spcPts val="425"/>
+              </a:spcAft>
+              <a:buNone/>
+            </a:pPr>
+            <a:r>
+              <a:rPr b="0" lang="en-US" sz="1500" spc="-1" strike="noStrike">
+                <a:solidFill>
+                  <a:srgbClr val="000000"/>
+                </a:solidFill>
+                <a:latin typeface="Arial"/>
+                <a:ea typeface="Noto Sans CJK SC"/>
+              </a:rPr>
+              <a:t> </a:t>
+            </a:r>
+            <a:r>
+              <a:rPr b="0" lang="en-US" sz="1500" spc="-1" strike="noStrike">
+                <a:solidFill>
+                  <a:srgbClr val="000000"/>
+                </a:solidFill>
+                <a:latin typeface="Arial"/>
+                <a:ea typeface="Noto Sans CJK SC"/>
+              </a:rPr>
+              <a:t>azimuth_angle = math.atan2(-math.cos(declination_angle) * math.sin(hour_angle),</a:t>
+            </a:r>
+            <a:endParaRPr b="0" lang="en-US" sz="1500" spc="-1" strike="noStrike">
+              <a:latin typeface="Arial"/>
+            </a:endParaRPr>
+          </a:p>
+          <a:p>
+            <a:pPr>
+              <a:lnSpc>
+                <a:spcPct val="100000"/>
+              </a:lnSpc>
+              <a:spcBef>
+                <a:spcPts val="624"/>
+              </a:spcBef>
+              <a:spcAft>
+                <a:spcPts val="425"/>
+              </a:spcAft>
+              <a:buNone/>
+            </a:pPr>
+            <a:r>
+              <a:rPr b="0" lang="en-US" sz="1500" spc="-1" strike="noStrike">
+                <a:solidFill>
+                  <a:srgbClr val="000000"/>
+                </a:solidFill>
+                <a:latin typeface="Arial"/>
+                <a:ea typeface="Noto Sans CJK SC"/>
+              </a:rPr>
+              <a:t>                            </a:t>
+            </a:r>
+            <a:r>
+              <a:rPr b="0" lang="en-US" sz="1500" spc="-1" strike="noStrike">
+                <a:solidFill>
+                  <a:srgbClr val="000000"/>
+                </a:solidFill>
+                <a:latin typeface="Arial"/>
+                <a:ea typeface="Noto Sans CJK SC"/>
+              </a:rPr>
+              <a:t>math.cos(latitude) * math.sin(declination_angle) -</a:t>
+            </a:r>
+            <a:endParaRPr b="0" lang="en-US" sz="1500" spc="-1" strike="noStrike">
+              <a:latin typeface="Arial"/>
+            </a:endParaRPr>
+          </a:p>
+          <a:p>
+            <a:pPr>
+              <a:lnSpc>
+                <a:spcPct val="100000"/>
+              </a:lnSpc>
+              <a:spcBef>
+                <a:spcPts val="624"/>
+              </a:spcBef>
+              <a:spcAft>
+                <a:spcPts val="425"/>
+              </a:spcAft>
+              <a:buNone/>
+            </a:pPr>
+            <a:r>
+              <a:rPr b="0" lang="en-US" sz="1500" spc="-1" strike="noStrike">
+                <a:solidFill>
+                  <a:srgbClr val="000000"/>
+                </a:solidFill>
+                <a:latin typeface="Arial"/>
+                <a:ea typeface="Noto Sans CJK SC"/>
+              </a:rPr>
+              <a:t>                            </a:t>
+            </a:r>
+            <a:r>
+              <a:rPr b="0" lang="en-US" sz="1500" spc="-1" strike="noStrike">
+                <a:solidFill>
+                  <a:srgbClr val="000000"/>
+                </a:solidFill>
+                <a:latin typeface="Arial"/>
+                <a:ea typeface="Noto Sans CJK SC"/>
+              </a:rPr>
+              <a:t>math.sin(latitude) * math.cos(declination_angle) *</a:t>
+            </a:r>
+            <a:endParaRPr b="0" lang="en-US" sz="1500" spc="-1" strike="noStrike">
+              <a:latin typeface="Arial"/>
+            </a:endParaRPr>
+          </a:p>
+          <a:p>
+            <a:pPr>
+              <a:lnSpc>
+                <a:spcPct val="100000"/>
+              </a:lnSpc>
+              <a:spcBef>
+                <a:spcPts val="624"/>
+              </a:spcBef>
+              <a:spcAft>
+                <a:spcPts val="425"/>
+              </a:spcAft>
+              <a:buNone/>
+            </a:pPr>
+            <a:r>
+              <a:rPr b="0" lang="en-US" sz="1500" spc="-1" strike="noStrike">
+                <a:solidFill>
+                  <a:srgbClr val="000000"/>
+                </a:solidFill>
+                <a:latin typeface="Arial"/>
+                <a:ea typeface="Noto Sans CJK SC"/>
+              </a:rPr>
+              <a:t>                            </a:t>
+            </a:r>
+            <a:r>
+              <a:rPr b="0" lang="en-US" sz="1500" spc="-1" strike="noStrike">
+                <a:solidFill>
+                  <a:srgbClr val="000000"/>
+                </a:solidFill>
+                <a:latin typeface="Arial"/>
+                <a:ea typeface="Noto Sans CJK SC"/>
+              </a:rPr>
+              <a:t>math.cos(hour_angle))</a:t>
+            </a:r>
+            <a:endParaRPr b="0" lang="en-US" sz="1500" spc="-1" strike="noStrike">
+              <a:latin typeface="Arial"/>
+            </a:endParaRPr>
+          </a:p>
+          <a:p>
+            <a:pPr>
+              <a:lnSpc>
+                <a:spcPct val="100000"/>
+              </a:lnSpc>
+              <a:spcBef>
+                <a:spcPts val="624"/>
+              </a:spcBef>
+              <a:spcAft>
+                <a:spcPts val="425"/>
+              </a:spcAft>
+              <a:buNone/>
+            </a:pPr>
+            <a:endParaRPr b="0" lang="en-US" sz="1500" spc="-1" strike="noStrike">
+              <a:latin typeface="Arial"/>
+            </a:endParaRPr>
+          </a:p>
+          <a:p>
+            <a:pPr>
+              <a:lnSpc>
+                <a:spcPct val="100000"/>
+              </a:lnSpc>
+              <a:spcBef>
+                <a:spcPts val="624"/>
+              </a:spcBef>
+              <a:spcAft>
+                <a:spcPts val="425"/>
+              </a:spcAft>
+              <a:buNone/>
+            </a:pPr>
+            <a:r>
+              <a:rPr b="0" lang="en-US" sz="1500" spc="-1" strike="noStrike">
+                <a:solidFill>
+                  <a:srgbClr val="000000"/>
+                </a:solidFill>
+                <a:latin typeface="Arial"/>
+                <a:ea typeface="Noto Sans CJK SC"/>
+              </a:rPr>
+              <a:t>altitude_deg = math.degrees(altitude_angle)</a:t>
+            </a:r>
+            <a:endParaRPr b="0" lang="en-US" sz="1500" spc="-1" strike="noStrike">
+              <a:latin typeface="Arial"/>
+            </a:endParaRPr>
+          </a:p>
+          <a:p>
+            <a:pPr>
+              <a:lnSpc>
+                <a:spcPct val="100000"/>
+              </a:lnSpc>
+              <a:spcBef>
+                <a:spcPts val="624"/>
+              </a:spcBef>
+              <a:spcAft>
+                <a:spcPts val="425"/>
+              </a:spcAft>
+              <a:buNone/>
+            </a:pPr>
+            <a:r>
+              <a:rPr b="0" lang="en-US" sz="1500" spc="-1" strike="noStrike">
+                <a:solidFill>
+                  <a:srgbClr val="000000"/>
+                </a:solidFill>
+                <a:latin typeface="Arial"/>
+                <a:ea typeface="Noto Sans CJK SC"/>
+              </a:rPr>
+              <a:t>azimuth_deg = math.degrees(azimuth_angle)</a:t>
+            </a:r>
+            <a:endParaRPr b="0" lang="en-US" sz="1500" spc="-1" strike="noStrike">
+              <a:latin typeface="Arial"/>
+            </a:endParaRPr>
+          </a:p>
+          <a:p>
+            <a:pPr>
+              <a:lnSpc>
+                <a:spcPct val="100000"/>
+              </a:lnSpc>
+              <a:spcBef>
+                <a:spcPts val="624"/>
+              </a:spcBef>
+              <a:spcAft>
+                <a:spcPts val="425"/>
+              </a:spcAft>
+              <a:buNone/>
+            </a:pPr>
+            <a:endParaRPr b="0" lang="en-US" sz="1500" spc="-1" strike="noStrike">
+              <a:latin typeface="Arial"/>
+            </a:endParaRPr>
+          </a:p>
+          <a:p>
+            <a:pPr>
+              <a:lnSpc>
+                <a:spcPct val="100000"/>
+              </a:lnSpc>
+              <a:spcBef>
+                <a:spcPts val="624"/>
+              </a:spcBef>
+              <a:spcAft>
+                <a:spcPts val="425"/>
+              </a:spcAft>
+              <a:buNone/>
+            </a:pPr>
+            <a:endParaRPr b="0" lang="en-US" sz="1500" spc="-1" strike="noStrike">
+              <a:latin typeface="Arial"/>
+            </a:endParaRPr>
+          </a:p>
+        </p:txBody>
+      </p:sp>
+    </p:spTree>
+  </p:cSld>
+  <mc:AlternateContent>
+    <mc:Choice Requires="p14">
+      <p:transition spd="slow" p14:dur="2000"/>
+    </mc:Choice>
+    <mc:Fallback>
+      <p:transition spd="slow"/>
+    </mc:Fallback>
+  </mc:AlternateContent>
+</p:sld>
+</file>
+
+<file path=ppt/slides/slide24.xml><?xml version="1.0" encoding="utf-8"?>
+<p:sld xmlns:a="http://schemas.openxmlformats.org/drawingml/2006/main" xmlns:p="http://schemas.openxmlformats.org/presentationml/2006/main" xmlns:r="http://schemas.openxmlformats.org/officeDocument/2006/relationships" xmlns:p14="http://schemas.microsoft.com/office/powerpoint/2010/main" xmlns:p15="http://schemas.microsoft.com/office/powerpoint/2012/main" xmlns:mc="http://schemas.openxmlformats.org/markup-compatibility/2006">
+  <p:cSld>
+    <p:spTree>
+      <p:nvGrpSpPr>
+        <p:cNvPr id="1" name=""/>
+        <p:cNvGrpSpPr/>
+        <p:nvPr/>
+      </p:nvGrpSpPr>
+      <p:grpSpPr>
+        <a:xfrm>
+          <a:off x="0" y="0"/>
+          <a:ext cx="0" cy="0"/>
+          <a:chOff x="0" y="0"/>
+          <a:chExt cx="0" cy="0"/>
+        </a:xfrm>
+      </p:grpSpPr>
+      <p:sp>
+        <p:nvSpPr>
+          <p:cNvPr id="375" name="PlaceHolder 1"/>
+          <p:cNvSpPr>
+            <a:spLocks noGrp="1"/>
+          </p:cNvSpPr>
+          <p:nvPr>
+            <p:ph type="title"/>
+          </p:nvPr>
+        </p:nvSpPr>
+        <p:spPr>
+          <a:xfrm>
+            <a:off x="462960" y="1377720"/>
+            <a:ext cx="8228520" cy="537840"/>
+          </a:xfrm>
+          <a:prstGeom prst="rect">
+            <a:avLst/>
+          </a:prstGeom>
+          <a:noFill/>
+          <a:ln w="0">
+            <a:noFill/>
+          </a:ln>
+        </p:spPr>
+        <p:txBody>
+          <a:bodyPr lIns="0" rIns="0" tIns="45000" bIns="45000" anchor="t">
+            <a:noAutofit/>
+          </a:bodyPr>
+          <a:p>
+            <a:pPr>
+              <a:lnSpc>
+                <a:spcPct val="90000"/>
+              </a:lnSpc>
+              <a:buNone/>
+            </a:pPr>
+            <a:r>
+              <a:rPr b="1" lang="en-US" sz="3600" spc="-1" strike="noStrike">
+                <a:solidFill>
+                  <a:srgbClr val="009a44"/>
+                </a:solidFill>
+                <a:latin typeface="Arial"/>
+              </a:rPr>
+              <a:t>Results 1</a:t>
+            </a:r>
+            <a:endParaRPr b="0" lang="en-US" sz="3600" spc="-1" strike="noStrike">
+              <a:latin typeface="Arial"/>
+            </a:endParaRPr>
+          </a:p>
+        </p:txBody>
+      </p:sp>
+      <p:sp>
+        <p:nvSpPr>
+          <p:cNvPr id="376" name="PlaceHolder 2"/>
+          <p:cNvSpPr>
+            <a:spLocks noGrp="1"/>
+          </p:cNvSpPr>
+          <p:nvPr>
+            <p:ph type="sldNum" idx="21"/>
+          </p:nvPr>
+        </p:nvSpPr>
+        <p:spPr>
+          <a:xfrm>
+            <a:off x="8458200" y="6183360"/>
+            <a:ext cx="684720" cy="681480"/>
+          </a:xfrm>
+          <a:prstGeom prst="rect">
+            <a:avLst/>
+          </a:prstGeom>
+          <a:noFill/>
+          <a:ln w="0">
+            <a:noFill/>
+          </a:ln>
+        </p:spPr>
+        <p:txBody>
+          <a:bodyPr lIns="90000" rIns="90000" tIns="45000" bIns="45000" anchor="ctr">
+            <a:noAutofit/>
+          </a:bodyPr>
+          <a:lstStyle>
+            <a:lvl1pPr algn="ctr">
+              <a:lnSpc>
+                <a:spcPct val="100000"/>
+              </a:lnSpc>
+              <a:buNone/>
+              <a:defRPr b="1" lang="en-US" sz="2400" spc="-1" strike="noStrike">
+                <a:solidFill>
+                  <a:srgbClr val="039a44"/>
+                </a:solidFill>
+                <a:latin typeface="Arial"/>
+              </a:defRPr>
+            </a:lvl1pPr>
+          </a:lstStyle>
+          <a:p>
+            <a:pPr algn="ctr">
+              <a:lnSpc>
+                <a:spcPct val="100000"/>
+              </a:lnSpc>
+              <a:buNone/>
+            </a:pPr>
+            <a:fld id="{275087B7-2773-4A25-BBAA-053D1BCD3729}" type="slidenum">
+              <a:rPr b="1" lang="en-US" sz="2400" spc="-1" strike="noStrike">
+                <a:solidFill>
+                  <a:srgbClr val="039a44"/>
+                </a:solidFill>
+                <a:latin typeface="Arial"/>
+              </a:rPr>
+              <a:t>1</a:t>
+            </a:fld>
+            <a:endParaRPr b="0" lang="en-US" sz="2400" spc="-1" strike="noStrike">
+              <a:latin typeface="Times New Roman"/>
+            </a:endParaRPr>
+          </a:p>
+        </p:txBody>
+      </p:sp>
+      <p:sp>
+        <p:nvSpPr>
+          <p:cNvPr id="377" name="Slide Subhead 6"/>
+          <p:cNvSpPr/>
+          <p:nvPr/>
+        </p:nvSpPr>
+        <p:spPr>
+          <a:xfrm>
+            <a:off x="691560" y="2020680"/>
+            <a:ext cx="7760520" cy="364680"/>
+          </a:xfrm>
+          <a:prstGeom prst="rect">
+            <a:avLst/>
+          </a:prstGeom>
+          <a:noFill/>
+          <a:ln w="0">
+            <a:noFill/>
+          </a:ln>
+        </p:spPr>
+        <p:style>
+          <a:lnRef idx="0"/>
+          <a:fillRef idx="0"/>
+          <a:effectRef idx="0"/>
+          <a:fontRef idx="minor"/>
+        </p:style>
+        <p:txBody>
+          <a:bodyPr lIns="0" rIns="0" tIns="0" bIns="0" anchor="b">
+            <a:noAutofit/>
+          </a:bodyPr>
+          <a:p>
+            <a:pPr>
+              <a:lnSpc>
+                <a:spcPct val="150000"/>
+              </a:lnSpc>
+              <a:spcBef>
+                <a:spcPts val="751"/>
+              </a:spcBef>
+              <a:buNone/>
+              <a:tabLst>
+                <a:tab algn="l" pos="0"/>
+              </a:tabLst>
+            </a:pPr>
+            <a:r>
               <a:rPr b="1" lang="en-US" sz="2600" spc="-1" strike="noStrike">
                 <a:solidFill>
                   <a:srgbClr val="000000"/>
@@ -23007,7 +23303,7 @@
       </p:sp>
       <p:pic>
         <p:nvPicPr>
-          <p:cNvPr id="376" name="" descr=""/>
+          <p:cNvPr id="378" name="" descr=""/>
           <p:cNvPicPr/>
           <p:nvPr/>
         </p:nvPicPr>
@@ -23017,8 +23313,8 @@
         </p:blipFill>
         <p:spPr>
           <a:xfrm>
-            <a:off x="685800" y="2514600"/>
-            <a:ext cx="3656880" cy="2742480"/>
+            <a:off x="325080" y="2971800"/>
+            <a:ext cx="3002040" cy="2971800"/>
           </a:xfrm>
           <a:prstGeom prst="rect">
             <a:avLst/>
@@ -23030,7 +23326,7 @@
       </p:pic>
       <p:pic>
         <p:nvPicPr>
-          <p:cNvPr id="377" name="" descr=""/>
+          <p:cNvPr id="379" name="" descr=""/>
           <p:cNvPicPr/>
           <p:nvPr/>
         </p:nvPicPr>
@@ -23040,7 +23336,230 @@
         </p:blipFill>
         <p:spPr>
           <a:xfrm>
-            <a:off x="5029200" y="2514600"/>
+            <a:off x="3494520" y="2743200"/>
+            <a:ext cx="5669640" cy="3401640"/>
+          </a:xfrm>
+          <a:prstGeom prst="rect">
+            <a:avLst/>
+          </a:prstGeom>
+          <a:ln w="0">
+            <a:noFill/>
+          </a:ln>
+        </p:spPr>
+      </p:pic>
+    </p:spTree>
+  </p:cSld>
+  <mc:AlternateContent>
+    <mc:Choice Requires="p14">
+      <p:transition spd="slow" p14:dur="2000"/>
+    </mc:Choice>
+    <mc:Fallback>
+      <p:transition spd="slow"/>
+    </mc:Fallback>
+  </mc:AlternateContent>
+</p:sld>
+</file>
+
+<file path=ppt/slides/slide25.xml><?xml version="1.0" encoding="utf-8"?>
+<p:sld xmlns:a="http://schemas.openxmlformats.org/drawingml/2006/main" xmlns:p="http://schemas.openxmlformats.org/presentationml/2006/main" xmlns:r="http://schemas.openxmlformats.org/officeDocument/2006/relationships" xmlns:p14="http://schemas.microsoft.com/office/powerpoint/2010/main" xmlns:p15="http://schemas.microsoft.com/office/powerpoint/2012/main" xmlns:mc="http://schemas.openxmlformats.org/markup-compatibility/2006">
+  <p:cSld>
+    <p:spTree>
+      <p:nvGrpSpPr>
+        <p:cNvPr id="1" name=""/>
+        <p:cNvGrpSpPr/>
+        <p:nvPr/>
+      </p:nvGrpSpPr>
+      <p:grpSpPr>
+        <a:xfrm>
+          <a:off x="0" y="0"/>
+          <a:ext cx="0" cy="0"/>
+          <a:chOff x="0" y="0"/>
+          <a:chExt cx="0" cy="0"/>
+        </a:xfrm>
+      </p:grpSpPr>
+      <p:sp>
+        <p:nvSpPr>
+          <p:cNvPr id="380" name="PlaceHolder 1"/>
+          <p:cNvSpPr>
+            <a:spLocks noGrp="1"/>
+          </p:cNvSpPr>
+          <p:nvPr>
+            <p:ph type="title"/>
+          </p:nvPr>
+        </p:nvSpPr>
+        <p:spPr>
+          <a:xfrm>
+            <a:off x="462960" y="1377720"/>
+            <a:ext cx="8228520" cy="537840"/>
+          </a:xfrm>
+          <a:prstGeom prst="rect">
+            <a:avLst/>
+          </a:prstGeom>
+          <a:noFill/>
+          <a:ln w="0">
+            <a:noFill/>
+          </a:ln>
+        </p:spPr>
+        <p:txBody>
+          <a:bodyPr lIns="0" rIns="0" tIns="45000" bIns="45000" anchor="t">
+            <a:noAutofit/>
+          </a:bodyPr>
+          <a:p>
+            <a:pPr>
+              <a:lnSpc>
+                <a:spcPct val="90000"/>
+              </a:lnSpc>
+              <a:buNone/>
+            </a:pPr>
+            <a:r>
+              <a:rPr b="1" lang="en-US" sz="3600" spc="-1" strike="noStrike">
+                <a:solidFill>
+                  <a:srgbClr val="009a44"/>
+                </a:solidFill>
+                <a:latin typeface="Arial"/>
+              </a:rPr>
+              <a:t>Results 1 Stats</a:t>
+            </a:r>
+            <a:endParaRPr b="0" lang="en-US" sz="3600" spc="-1" strike="noStrike">
+              <a:latin typeface="Arial"/>
+            </a:endParaRPr>
+          </a:p>
+        </p:txBody>
+      </p:sp>
+      <p:sp>
+        <p:nvSpPr>
+          <p:cNvPr id="381" name="PlaceHolder 2"/>
+          <p:cNvSpPr>
+            <a:spLocks noGrp="1"/>
+          </p:cNvSpPr>
+          <p:nvPr>
+            <p:ph type="sldNum" idx="22"/>
+          </p:nvPr>
+        </p:nvSpPr>
+        <p:spPr>
+          <a:xfrm>
+            <a:off x="8458200" y="6183360"/>
+            <a:ext cx="684720" cy="681480"/>
+          </a:xfrm>
+          <a:prstGeom prst="rect">
+            <a:avLst/>
+          </a:prstGeom>
+          <a:noFill/>
+          <a:ln w="0">
+            <a:noFill/>
+          </a:ln>
+        </p:spPr>
+        <p:txBody>
+          <a:bodyPr lIns="90000" rIns="90000" tIns="45000" bIns="45000" anchor="ctr">
+            <a:noAutofit/>
+          </a:bodyPr>
+          <a:lstStyle>
+            <a:lvl1pPr algn="ctr">
+              <a:lnSpc>
+                <a:spcPct val="100000"/>
+              </a:lnSpc>
+              <a:buNone/>
+              <a:defRPr b="1" lang="en-US" sz="2400" spc="-1" strike="noStrike">
+                <a:solidFill>
+                  <a:srgbClr val="039a44"/>
+                </a:solidFill>
+                <a:latin typeface="Arial"/>
+              </a:defRPr>
+            </a:lvl1pPr>
+          </a:lstStyle>
+          <a:p>
+            <a:pPr algn="ctr">
+              <a:lnSpc>
+                <a:spcPct val="100000"/>
+              </a:lnSpc>
+              <a:buNone/>
+            </a:pPr>
+            <a:fld id="{D539ABE1-9BAD-43E9-9456-80C96E9C83C2}" type="slidenum">
+              <a:rPr b="1" lang="en-US" sz="2400" spc="-1" strike="noStrike">
+                <a:solidFill>
+                  <a:srgbClr val="039a44"/>
+                </a:solidFill>
+                <a:latin typeface="Arial"/>
+              </a:rPr>
+              <a:t>1</a:t>
+            </a:fld>
+            <a:endParaRPr b="0" lang="en-US" sz="2400" spc="-1" strike="noStrike">
+              <a:latin typeface="Times New Roman"/>
+            </a:endParaRPr>
+          </a:p>
+        </p:txBody>
+      </p:sp>
+      <p:sp>
+        <p:nvSpPr>
+          <p:cNvPr id="382" name="Slide Subhead 13"/>
+          <p:cNvSpPr/>
+          <p:nvPr/>
+        </p:nvSpPr>
+        <p:spPr>
+          <a:xfrm>
+            <a:off x="691560" y="2020680"/>
+            <a:ext cx="7760520" cy="364680"/>
+          </a:xfrm>
+          <a:prstGeom prst="rect">
+            <a:avLst/>
+          </a:prstGeom>
+          <a:noFill/>
+          <a:ln w="0">
+            <a:noFill/>
+          </a:ln>
+        </p:spPr>
+        <p:style>
+          <a:lnRef idx="0"/>
+          <a:fillRef idx="0"/>
+          <a:effectRef idx="0"/>
+          <a:fontRef idx="minor"/>
+        </p:style>
+        <p:txBody>
+          <a:bodyPr lIns="0" rIns="0" tIns="0" bIns="0" anchor="b">
+            <a:noAutofit/>
+          </a:bodyPr>
+          <a:p>
+            <a:pPr>
+              <a:lnSpc>
+                <a:spcPct val="150000"/>
+              </a:lnSpc>
+              <a:spcBef>
+                <a:spcPts val="751"/>
+              </a:spcBef>
+              <a:buNone/>
+              <a:tabLst>
+                <a:tab algn="l" pos="0"/>
+              </a:tabLst>
+            </a:pPr>
+            <a:r>
+              <a:rPr b="1" lang="en-US" sz="2600" spc="-1" strike="noStrike">
+                <a:solidFill>
+                  <a:srgbClr val="000000"/>
+                </a:solidFill>
+                <a:latin typeface="Georgia"/>
+                <a:ea typeface="DejaVu Sans"/>
+              </a:rPr>
+              <a:t>Targeting Bismark, ND </a:t>
+            </a:r>
+            <a:endParaRPr b="0" lang="en-US" sz="2600" spc="-1" strike="noStrike">
+              <a:latin typeface="Arial"/>
+            </a:endParaRPr>
+          </a:p>
+        </p:txBody>
+      </p:sp>
+      <p:pic>
+        <p:nvPicPr>
+          <p:cNvPr id="383" name="" descr=""/>
+          <p:cNvPicPr/>
+          <p:nvPr/>
+        </p:nvPicPr>
+        <p:blipFill>
+          <a:blip r:embed="rId1"/>
+          <a:stretch/>
+        </p:blipFill>
+        <p:spPr>
+          <a:xfrm>
+            <a:off x="685800" y="2514600"/>
             <a:ext cx="3656880" cy="2742480"/>
           </a:xfrm>
           <a:prstGeom prst="rect">
@@ -23053,7 +23572,30 @@
       </p:pic>
       <p:pic>
         <p:nvPicPr>
-          <p:cNvPr id="378" name="" descr=""/>
+          <p:cNvPr id="384" name="" descr=""/>
+          <p:cNvPicPr/>
+          <p:nvPr/>
+        </p:nvPicPr>
+        <p:blipFill>
+          <a:blip r:embed="rId2"/>
+          <a:stretch/>
+        </p:blipFill>
+        <p:spPr>
+          <a:xfrm>
+            <a:off x="5029200" y="2514600"/>
+            <a:ext cx="3656880" cy="2742480"/>
+          </a:xfrm>
+          <a:prstGeom prst="rect">
+            <a:avLst/>
+          </a:prstGeom>
+          <a:ln w="0">
+            <a:noFill/>
+          </a:ln>
+        </p:spPr>
+      </p:pic>
+      <p:pic>
+        <p:nvPicPr>
+          <p:cNvPr id="385" name="" descr=""/>
           <p:cNvPicPr/>
           <p:nvPr/>
         </p:nvPicPr>
@@ -23118,7 +23660,7 @@
                                           </p:stCondLst>
                                         </p:cTn>
                                         <p:tgtEl>
-                                          <p:spTgt spid="378"/>
+                                          <p:spTgt spid="385"/>
                                         </p:tgtEl>
                                         <p:attrNameLst>
                                           <p:attrName>style.visibility</p:attrName>
@@ -23162,7 +23704,7 @@
 </p:sld>
 </file>
 
-<file path=ppt/slides/slide23.xml><?xml version="1.0" encoding="utf-8"?>
+<file path=ppt/slides/slide26.xml><?xml version="1.0" encoding="utf-8"?>
 <p:sld xmlns:a="http://schemas.openxmlformats.org/drawingml/2006/main" xmlns:p="http://schemas.openxmlformats.org/presentationml/2006/main" xmlns:r="http://schemas.openxmlformats.org/officeDocument/2006/relationships" xmlns:p14="http://schemas.microsoft.com/office/powerpoint/2010/main" xmlns:p15="http://schemas.microsoft.com/office/powerpoint/2012/main" xmlns:mc="http://schemas.openxmlformats.org/markup-compatibility/2006">
   <p:cSld>
     <p:spTree>
@@ -23181,7 +23723,7 @@
       </p:grpSpPr>
       <p:sp>
         <p:nvSpPr>
-          <p:cNvPr id="379" name="PlaceHolder 1"/>
+          <p:cNvPr id="386" name="PlaceHolder 1"/>
           <p:cNvSpPr>
             <a:spLocks noGrp="1"/>
           </p:cNvSpPr>
@@ -23230,7 +23772,7 @@
       </p:sp>
       <p:sp>
         <p:nvSpPr>
-          <p:cNvPr id="380" name="PlaceHolder 2"/>
+          <p:cNvPr id="387" name="PlaceHolder 2"/>
           <p:cNvSpPr>
             <a:spLocks noGrp="1"/>
           </p:cNvSpPr>
@@ -23276,7 +23818,7 @@
               </a:lnSpc>
               <a:buNone/>
             </a:pPr>
-            <a:fld id="{87C10EB1-B092-4FFB-B700-F14BB20BE279}" type="slidenum">
+            <a:fld id="{3224F0B4-C26E-4536-92EC-0E30659F6F94}" type="slidenum">
               <a:rPr b="1" lang="en-US" sz="2400" spc="-1" strike="noStrike">
                 <a:solidFill>
                   <a:srgbClr val="039a44"/>
@@ -23293,7 +23835,7 @@
       </p:sp>
       <p:sp>
         <p:nvSpPr>
-          <p:cNvPr id="381" name="Slide Subhead 7"/>
+          <p:cNvPr id="388" name="Slide Subhead 7"/>
           <p:cNvSpPr/>
           <p:nvPr/>
         </p:nvSpPr>
@@ -23351,7 +23893,7 @@
       </p:sp>
       <p:pic>
         <p:nvPicPr>
-          <p:cNvPr id="382" name="" descr=""/>
+          <p:cNvPr id="389" name="" descr=""/>
           <p:cNvPicPr/>
           <p:nvPr/>
         </p:nvPicPr>
@@ -23374,7 +23916,7 @@
       </p:pic>
       <p:pic>
         <p:nvPicPr>
-          <p:cNvPr id="383" name="" descr=""/>
+          <p:cNvPr id="390" name="" descr=""/>
           <p:cNvPicPr/>
           <p:nvPr/>
         </p:nvPicPr>
@@ -23408,7 +23950,7 @@
 </p:sld>
 </file>
 
-<file path=ppt/slides/slide24.xml><?xml version="1.0" encoding="utf-8"?>
+<file path=ppt/slides/slide27.xml><?xml version="1.0" encoding="utf-8"?>
 <p:sld xmlns:a="http://schemas.openxmlformats.org/drawingml/2006/main" xmlns:p="http://schemas.openxmlformats.org/presentationml/2006/main" xmlns:r="http://schemas.openxmlformats.org/officeDocument/2006/relationships" xmlns:p14="http://schemas.microsoft.com/office/powerpoint/2010/main" xmlns:p15="http://schemas.microsoft.com/office/powerpoint/2012/main" xmlns:mc="http://schemas.openxmlformats.org/markup-compatibility/2006">
   <p:cSld>
     <p:spTree>
@@ -23427,7 +23969,7 @@
       </p:grpSpPr>
       <p:sp>
         <p:nvSpPr>
-          <p:cNvPr id="384" name="PlaceHolder 1"/>
+          <p:cNvPr id="391" name="PlaceHolder 1"/>
           <p:cNvSpPr>
             <a:spLocks noGrp="1"/>
           </p:cNvSpPr>
@@ -23476,7 +24018,7 @@
       </p:sp>
       <p:sp>
         <p:nvSpPr>
-          <p:cNvPr id="385" name="PlaceHolder 2"/>
+          <p:cNvPr id="392" name="PlaceHolder 2"/>
           <p:cNvSpPr>
             <a:spLocks noGrp="1"/>
           </p:cNvSpPr>
@@ -23522,7 +24064,7 @@
               </a:lnSpc>
               <a:buNone/>
             </a:pPr>
-            <a:fld id="{0D235C91-4633-4235-AE3F-AFA5375CDEBE}" type="slidenum">
+            <a:fld id="{717BB3B9-EE8D-45E6-8CA4-DC19537C0DFA}" type="slidenum">
               <a:rPr b="1" lang="en-US" sz="2400" spc="-1" strike="noStrike">
                 <a:solidFill>
                   <a:srgbClr val="039a44"/>
@@ -23539,7 +24081,7 @@
       </p:sp>
       <p:sp>
         <p:nvSpPr>
-          <p:cNvPr id="386" name="Slide Subhead 14"/>
+          <p:cNvPr id="393" name="Slide Subhead 14"/>
           <p:cNvSpPr/>
           <p:nvPr/>
         </p:nvSpPr>
@@ -23597,7 +24139,7 @@
       </p:sp>
       <p:pic>
         <p:nvPicPr>
-          <p:cNvPr id="387" name="" descr=""/>
+          <p:cNvPr id="394" name="" descr=""/>
           <p:cNvPicPr/>
           <p:nvPr/>
         </p:nvPicPr>
@@ -23620,7 +24162,7 @@
       </p:pic>
       <p:pic>
         <p:nvPicPr>
-          <p:cNvPr id="388" name="" descr=""/>
+          <p:cNvPr id="395" name="" descr=""/>
           <p:cNvPicPr/>
           <p:nvPr/>
         </p:nvPicPr>
@@ -23643,7 +24185,7 @@
       </p:pic>
       <p:pic>
         <p:nvPicPr>
-          <p:cNvPr id="389" name="" descr=""/>
+          <p:cNvPr id="396" name="" descr=""/>
           <p:cNvPicPr/>
           <p:nvPr/>
         </p:nvPicPr>
@@ -23708,7 +24250,7 @@
                                           </p:stCondLst>
                                         </p:cTn>
                                         <p:tgtEl>
-                                          <p:spTgt spid="389"/>
+                                          <p:spTgt spid="396"/>
                                         </p:tgtEl>
                                         <p:attrNameLst>
                                           <p:attrName>style.visibility</p:attrName>
@@ -23752,7 +24294,7 @@
 </p:sld>
 </file>
 
-<file path=ppt/slides/slide25.xml><?xml version="1.0" encoding="utf-8"?>
+<file path=ppt/slides/slide28.xml><?xml version="1.0" encoding="utf-8"?>
 <p:sld xmlns:a="http://schemas.openxmlformats.org/drawingml/2006/main" xmlns:p="http://schemas.openxmlformats.org/presentationml/2006/main" xmlns:r="http://schemas.openxmlformats.org/officeDocument/2006/relationships" xmlns:p14="http://schemas.microsoft.com/office/powerpoint/2010/main" xmlns:p15="http://schemas.microsoft.com/office/powerpoint/2012/main" xmlns:mc="http://schemas.openxmlformats.org/markup-compatibility/2006">
   <p:cSld>
     <p:spTree>
@@ -23771,7 +24313,7 @@
       </p:grpSpPr>
       <p:sp>
         <p:nvSpPr>
-          <p:cNvPr id="390" name="PlaceHolder 1"/>
+          <p:cNvPr id="397" name="PlaceHolder 1"/>
           <p:cNvSpPr>
             <a:spLocks noGrp="1"/>
           </p:cNvSpPr>
@@ -23820,7 +24362,7 @@
       </p:sp>
       <p:sp>
         <p:nvSpPr>
-          <p:cNvPr id="391" name="PlaceHolder 2"/>
+          <p:cNvPr id="398" name="PlaceHolder 2"/>
           <p:cNvSpPr>
             <a:spLocks noGrp="1"/>
           </p:cNvSpPr>
@@ -23866,7 +24408,7 @@
               </a:lnSpc>
               <a:buNone/>
             </a:pPr>
-            <a:fld id="{BF8A9480-7B39-4626-9F4C-451503F60C1A}" type="slidenum">
+            <a:fld id="{619DC34D-BE41-4064-97E0-06E2B5E904C0}" type="slidenum">
               <a:rPr b="1" lang="en-US" sz="2400" spc="-1" strike="noStrike">
                 <a:solidFill>
                   <a:srgbClr val="039a44"/>
@@ -23883,7 +24425,7 @@
       </p:sp>
       <p:sp>
         <p:nvSpPr>
-          <p:cNvPr id="392" name="Slide Subhead 8"/>
+          <p:cNvPr id="399" name="Slide Subhead 8"/>
           <p:cNvSpPr/>
           <p:nvPr/>
         </p:nvSpPr>
@@ -23941,7 +24483,7 @@
       </p:sp>
       <p:pic>
         <p:nvPicPr>
-          <p:cNvPr id="393" name="" descr=""/>
+          <p:cNvPr id="400" name="" descr=""/>
           <p:cNvPicPr/>
           <p:nvPr/>
         </p:nvPicPr>
@@ -23964,7 +24506,7 @@
       </p:pic>
       <p:pic>
         <p:nvPicPr>
-          <p:cNvPr id="394" name="" descr=""/>
+          <p:cNvPr id="401" name="" descr=""/>
           <p:cNvPicPr/>
           <p:nvPr/>
         </p:nvPicPr>
@@ -23998,7 +24540,7 @@
 </p:sld>
 </file>
 
-<file path=ppt/slides/slide26.xml><?xml version="1.0" encoding="utf-8"?>
+<file path=ppt/slides/slide29.xml><?xml version="1.0" encoding="utf-8"?>
 <p:sld xmlns:a="http://schemas.openxmlformats.org/drawingml/2006/main" xmlns:p="http://schemas.openxmlformats.org/presentationml/2006/main" xmlns:r="http://schemas.openxmlformats.org/officeDocument/2006/relationships" xmlns:p14="http://schemas.microsoft.com/office/powerpoint/2010/main" xmlns:p15="http://schemas.microsoft.com/office/powerpoint/2012/main" xmlns:mc="http://schemas.openxmlformats.org/markup-compatibility/2006">
   <p:cSld>
     <p:spTree>
@@ -24017,7 +24559,7 @@
       </p:grpSpPr>
       <p:sp>
         <p:nvSpPr>
-          <p:cNvPr id="395" name="PlaceHolder 1"/>
+          <p:cNvPr id="402" name="PlaceHolder 1"/>
           <p:cNvSpPr>
             <a:spLocks noGrp="1"/>
           </p:cNvSpPr>
@@ -24066,7 +24608,7 @@
       </p:sp>
       <p:sp>
         <p:nvSpPr>
-          <p:cNvPr id="396" name="PlaceHolder 2"/>
+          <p:cNvPr id="403" name="PlaceHolder 2"/>
           <p:cNvSpPr>
             <a:spLocks noGrp="1"/>
           </p:cNvSpPr>
@@ -24112,7 +24654,7 @@
               </a:lnSpc>
               <a:buNone/>
             </a:pPr>
-            <a:fld id="{1056583F-046E-41CD-9772-60DBFD814B0A}" type="slidenum">
+            <a:fld id="{A10381A8-2C6B-4804-AECD-3FE044FFB0C5}" type="slidenum">
               <a:rPr b="1" lang="en-US" sz="2400" spc="-1" strike="noStrike">
                 <a:solidFill>
                   <a:srgbClr val="039a44"/>
@@ -24129,7 +24671,7 @@
       </p:sp>
       <p:sp>
         <p:nvSpPr>
-          <p:cNvPr id="397" name="Slide Subhead 15"/>
+          <p:cNvPr id="404" name="Slide Subhead 15"/>
           <p:cNvSpPr/>
           <p:nvPr/>
         </p:nvSpPr>
@@ -24187,7 +24729,7 @@
       </p:sp>
       <p:pic>
         <p:nvPicPr>
-          <p:cNvPr id="398" name="" descr=""/>
+          <p:cNvPr id="405" name="" descr=""/>
           <p:cNvPicPr/>
           <p:nvPr/>
         </p:nvPicPr>
@@ -24210,7 +24752,7 @@
       </p:pic>
       <p:pic>
         <p:nvPicPr>
-          <p:cNvPr id="399" name="" descr=""/>
+          <p:cNvPr id="406" name="" descr=""/>
           <p:cNvPicPr/>
           <p:nvPr/>
         </p:nvPicPr>
@@ -24233,7 +24775,7 @@
       </p:pic>
       <p:pic>
         <p:nvPicPr>
-          <p:cNvPr id="400" name="" descr=""/>
+          <p:cNvPr id="407" name="" descr=""/>
           <p:cNvPicPr/>
           <p:nvPr/>
         </p:nvPicPr>
@@ -24298,7 +24840,7 @@
                                           </p:stCondLst>
                                         </p:cTn>
                                         <p:tgtEl>
-                                          <p:spTgt spid="400"/>
+                                          <p:spTgt spid="407"/>
                                         </p:tgtEl>
                                         <p:attrNameLst>
                                           <p:attrName>style.visibility</p:attrName>
@@ -24342,7 +24884,7 @@
 </p:sld>
 </file>
 
-<file path=ppt/slides/slide27.xml><?xml version="1.0" encoding="utf-8"?>
+<file path=ppt/slides/slide3.xml><?xml version="1.0" encoding="utf-8"?>
 <p:sld xmlns:a="http://schemas.openxmlformats.org/drawingml/2006/main" xmlns:p="http://schemas.openxmlformats.org/presentationml/2006/main" xmlns:r="http://schemas.openxmlformats.org/officeDocument/2006/relationships" xmlns:p14="http://schemas.microsoft.com/office/powerpoint/2010/main" xmlns:p15="http://schemas.microsoft.com/office/powerpoint/2012/main" xmlns:mc="http://schemas.openxmlformats.org/markup-compatibility/2006">
   <p:cSld>
     <p:spTree>
@@ -24361,7 +24903,7 @@
       </p:grpSpPr>
       <p:sp>
         <p:nvSpPr>
-          <p:cNvPr id="401" name="PlaceHolder 1"/>
+          <p:cNvPr id="307" name="PlaceHolder 1"/>
           <p:cNvSpPr>
             <a:spLocks noGrp="1"/>
           </p:cNvSpPr>
@@ -24371,19 +24913,19 @@
         </p:nvSpPr>
         <p:spPr>
           <a:xfrm>
-            <a:off x="462960" y="1377720"/>
-            <a:ext cx="8228520" cy="537840"/>
-          </a:xfrm>
-          <a:prstGeom prst="rect">
-            <a:avLst/>
-          </a:prstGeom>
-          <a:noFill/>
-          <a:ln w="0">
-            <a:noFill/>
-          </a:ln>
-        </p:spPr>
-        <p:txBody>
-          <a:bodyPr lIns="0" rIns="0" tIns="45000" bIns="45000" anchor="t">
+            <a:off x="457200" y="1379520"/>
+            <a:ext cx="8225280" cy="589680"/>
+          </a:xfrm>
+          <a:prstGeom prst="rect">
+            <a:avLst/>
+          </a:prstGeom>
+          <a:noFill/>
+          <a:ln w="0">
+            <a:noFill/>
+          </a:ln>
+        </p:spPr>
+        <p:txBody>
+          <a:bodyPr lIns="0" rIns="0" tIns="45000" bIns="45000" anchor="ctr">
             <a:noAutofit/>
           </a:bodyPr>
           <a:p>
@@ -24400,7 +24942,7 @@
                 </a:solidFill>
                 <a:latin typeface="Arial"/>
               </a:rPr>
-              <a:t>Results 4</a:t>
+              <a:t>Assumed Variables and Conditions</a:t>
             </a:r>
             <a:endParaRPr b="0" lang="en-US" sz="3600" spc="-1" strike="noStrike">
               <a:latin typeface="Arial"/>
@@ -24410,18 +24952,149 @@
       </p:sp>
       <p:sp>
         <p:nvSpPr>
-          <p:cNvPr id="402" name="PlaceHolder 2"/>
-          <p:cNvSpPr>
-            <a:spLocks noGrp="1"/>
-          </p:cNvSpPr>
-          <p:nvPr>
-            <p:ph type="sldNum" idx="27"/>
-          </p:nvPr>
-        </p:nvSpPr>
-        <p:spPr>
-          <a:xfrm>
-            <a:off x="8458200" y="6183360"/>
-            <a:ext cx="684720" cy="681480"/>
+          <p:cNvPr id="308" name="PlaceHolder 2"/>
+          <p:cNvSpPr>
+            <a:spLocks noGrp="1"/>
+          </p:cNvSpPr>
+          <p:nvPr>
+            <p:ph/>
+          </p:nvPr>
+        </p:nvSpPr>
+        <p:spPr>
+          <a:xfrm>
+            <a:off x="921600" y="1985760"/>
+            <a:ext cx="7309080" cy="4413960"/>
+          </a:xfrm>
+          <a:prstGeom prst="rect">
+            <a:avLst/>
+          </a:prstGeom>
+          <a:noFill/>
+          <a:ln w="0">
+            <a:noFill/>
+          </a:ln>
+        </p:spPr>
+        <p:txBody>
+          <a:bodyPr numCol="1" spcCol="457200" lIns="0" rIns="0" tIns="91440" bIns="91440" anchor="t">
+            <a:noAutofit/>
+          </a:bodyPr>
+          <a:p>
+            <a:pPr marL="432000" indent="-324000">
+              <a:lnSpc>
+                <a:spcPts val="3379"/>
+              </a:lnSpc>
+              <a:spcBef>
+                <a:spcPts val="751"/>
+              </a:spcBef>
+              <a:spcAft>
+                <a:spcPts val="601"/>
+              </a:spcAft>
+              <a:buClr>
+                <a:srgbClr val="000000"/>
+              </a:buClr>
+              <a:buSzPct val="45000"/>
+              <a:buFont typeface="Wingdings" charset="2"/>
+              <a:buChar char=""/>
+              <a:tabLst>
+                <a:tab algn="l" pos="0"/>
+              </a:tabLst>
+            </a:pPr>
+            <a:r>
+              <a:rPr b="0" lang="en-US" sz="2400" spc="-1" strike="noStrike">
+                <a:solidFill>
+                  <a:srgbClr val="000000"/>
+                </a:solidFill>
+                <a:latin typeface="Arial"/>
+              </a:rPr>
+              <a:t>We have a camera that can track onto the sun or we have the ability to gather object height and shadow lengths</a:t>
+            </a:r>
+            <a:endParaRPr b="0" lang="en-US" sz="2400" spc="-1" strike="noStrike">
+              <a:latin typeface="Arial"/>
+            </a:endParaRPr>
+          </a:p>
+          <a:p>
+            <a:pPr marL="432000" indent="-324000">
+              <a:lnSpc>
+                <a:spcPts val="3379"/>
+              </a:lnSpc>
+              <a:spcBef>
+                <a:spcPts val="751"/>
+              </a:spcBef>
+              <a:spcAft>
+                <a:spcPts val="601"/>
+              </a:spcAft>
+              <a:buClr>
+                <a:srgbClr val="000000"/>
+              </a:buClr>
+              <a:buSzPct val="45000"/>
+              <a:buFont typeface="Wingdings" charset="2"/>
+              <a:buChar char=""/>
+              <a:tabLst>
+                <a:tab algn="l" pos="0"/>
+              </a:tabLst>
+            </a:pPr>
+            <a:r>
+              <a:rPr b="1" lang="en-US" sz="2400" spc="-1" strike="noStrike">
+                <a:solidFill>
+                  <a:srgbClr val="000000"/>
+                </a:solidFill>
+                <a:latin typeface="Arial"/>
+              </a:rPr>
+              <a:t>We have the ability to know true north</a:t>
+            </a:r>
+            <a:endParaRPr b="0" lang="en-US" sz="2400" spc="-1" strike="noStrike">
+              <a:latin typeface="Arial"/>
+            </a:endParaRPr>
+          </a:p>
+          <a:p>
+            <a:pPr marL="432000" indent="-324000">
+              <a:lnSpc>
+                <a:spcPts val="3379"/>
+              </a:lnSpc>
+              <a:spcBef>
+                <a:spcPts val="751"/>
+              </a:spcBef>
+              <a:spcAft>
+                <a:spcPts val="601"/>
+              </a:spcAft>
+              <a:buClr>
+                <a:srgbClr val="000000"/>
+              </a:buClr>
+              <a:buSzPct val="45000"/>
+              <a:buFont typeface="Wingdings" charset="2"/>
+              <a:buChar char=""/>
+              <a:tabLst>
+                <a:tab algn="l" pos="0"/>
+              </a:tabLst>
+            </a:pPr>
+            <a:r>
+              <a:rPr b="0" lang="en-US" sz="2400" spc="-1" strike="noStrike">
+                <a:solidFill>
+                  <a:srgbClr val="000000"/>
+                </a:solidFill>
+                <a:latin typeface="Arial"/>
+              </a:rPr>
+              <a:t>We have the current time and date in Coordinated Universal Time (UTC)</a:t>
+            </a:r>
+            <a:endParaRPr b="0" lang="en-US" sz="2400" spc="-1" strike="noStrike">
+              <a:latin typeface="Arial"/>
+            </a:endParaRPr>
+          </a:p>
+        </p:txBody>
+      </p:sp>
+      <p:sp>
+        <p:nvSpPr>
+          <p:cNvPr id="309" name="PlaceHolder 3"/>
+          <p:cNvSpPr>
+            <a:spLocks noGrp="1"/>
+          </p:cNvSpPr>
+          <p:nvPr>
+            <p:ph type="sldNum" idx="5"/>
+          </p:nvPr>
+        </p:nvSpPr>
+        <p:spPr>
+          <a:xfrm>
+            <a:off x="8458200" y="6180120"/>
+            <a:ext cx="684720" cy="684720"/>
           </a:xfrm>
           <a:prstGeom prst="rect">
             <a:avLst/>
@@ -24456,7 +25129,7 @@
               </a:lnSpc>
               <a:buNone/>
             </a:pPr>
-            <a:fld id="{47BBD7FE-0C1A-4BD2-A1A9-7F063D340A0A}" type="slidenum">
+            <a:fld id="{74160F9E-AAAB-4C92-8311-53AFBC6D230B}" type="slidenum">
               <a:rPr b="1" lang="en-US" sz="2400" spc="-1" strike="noStrike">
                 <a:solidFill>
                   <a:srgbClr val="039a44"/>
@@ -24471,110 +25144,6 @@
           </a:p>
         </p:txBody>
       </p:sp>
-      <p:sp>
-        <p:nvSpPr>
-          <p:cNvPr id="403" name="Slide Subhead 9"/>
-          <p:cNvSpPr/>
-          <p:nvPr/>
-        </p:nvSpPr>
-        <p:spPr>
-          <a:xfrm>
-            <a:off x="691920" y="2024640"/>
-            <a:ext cx="7760520" cy="364680"/>
-          </a:xfrm>
-          <a:prstGeom prst="rect">
-            <a:avLst/>
-          </a:prstGeom>
-          <a:noFill/>
-          <a:ln w="0">
-            <a:noFill/>
-          </a:ln>
-        </p:spPr>
-        <p:style>
-          <a:lnRef idx="0"/>
-          <a:fillRef idx="0"/>
-          <a:effectRef idx="0"/>
-          <a:fontRef idx="minor"/>
-        </p:style>
-        <p:txBody>
-          <a:bodyPr lIns="0" rIns="0" tIns="0" bIns="0" anchor="b">
-            <a:noAutofit/>
-          </a:bodyPr>
-          <a:p>
-            <a:pPr>
-              <a:lnSpc>
-                <a:spcPct val="150000"/>
-              </a:lnSpc>
-              <a:spcBef>
-                <a:spcPts val="751"/>
-              </a:spcBef>
-              <a:buNone/>
-              <a:tabLst>
-                <a:tab algn="l" pos="0"/>
-              </a:tabLst>
-            </a:pPr>
-            <a:r>
-              <a:rPr b="1" lang="en-US" sz="2600" spc="-1" strike="noStrike">
-                <a:solidFill>
-                  <a:srgbClr val="000000"/>
-                </a:solidFill>
-                <a:latin typeface="Georgia"/>
-                <a:ea typeface="DejaVu Sans"/>
-              </a:rPr>
-              <a:t>Targeting Lima, Peru</a:t>
-            </a:r>
-            <a:endParaRPr b="0" lang="en-US" sz="2600" spc="-1" strike="noStrike">
-              <a:latin typeface="Arial"/>
-            </a:endParaRPr>
-          </a:p>
-        </p:txBody>
-      </p:sp>
-      <p:pic>
-        <p:nvPicPr>
-          <p:cNvPr id="404" name="" descr=""/>
-          <p:cNvPicPr/>
-          <p:nvPr/>
-        </p:nvPicPr>
-        <p:blipFill>
-          <a:blip r:embed="rId1"/>
-          <a:stretch/>
-        </p:blipFill>
-        <p:spPr>
-          <a:xfrm>
-            <a:off x="437400" y="2971800"/>
-            <a:ext cx="2991600" cy="2882160"/>
-          </a:xfrm>
-          <a:prstGeom prst="rect">
-            <a:avLst/>
-          </a:prstGeom>
-          <a:ln w="0">
-            <a:noFill/>
-          </a:ln>
-        </p:spPr>
-      </p:pic>
-      <p:pic>
-        <p:nvPicPr>
-          <p:cNvPr id="405" name="" descr=""/>
-          <p:cNvPicPr/>
-          <p:nvPr/>
-        </p:nvPicPr>
-        <p:blipFill>
-          <a:blip r:embed="rId2"/>
-          <a:stretch/>
-        </p:blipFill>
-        <p:spPr>
-          <a:xfrm>
-            <a:off x="3657600" y="2971800"/>
-            <a:ext cx="4800600" cy="2880360"/>
-          </a:xfrm>
-          <a:prstGeom prst="rect">
-            <a:avLst/>
-          </a:prstGeom>
-          <a:ln w="0">
-            <a:noFill/>
-          </a:ln>
-        </p:spPr>
-      </p:pic>
     </p:spTree>
   </p:cSld>
   <mc:AlternateContent>
@@ -24588,7 +25157,7 @@
 </p:sld>
 </file>
 
-<file path=ppt/slides/slide28.xml><?xml version="1.0" encoding="utf-8"?>
+<file path=ppt/slides/slide30.xml><?xml version="1.0" encoding="utf-8"?>
 <p:sld xmlns:a="http://schemas.openxmlformats.org/drawingml/2006/main" xmlns:p="http://schemas.openxmlformats.org/presentationml/2006/main" xmlns:r="http://schemas.openxmlformats.org/officeDocument/2006/relationships" xmlns:p14="http://schemas.microsoft.com/office/powerpoint/2010/main" xmlns:p15="http://schemas.microsoft.com/office/powerpoint/2012/main" xmlns:mc="http://schemas.openxmlformats.org/markup-compatibility/2006">
   <p:cSld>
     <p:spTree>
@@ -24607,7 +25176,7 @@
       </p:grpSpPr>
       <p:sp>
         <p:nvSpPr>
-          <p:cNvPr id="406" name="PlaceHolder 1"/>
+          <p:cNvPr id="408" name="PlaceHolder 1"/>
           <p:cNvSpPr>
             <a:spLocks noGrp="1"/>
           </p:cNvSpPr>
@@ -24646,7 +25215,7 @@
                 </a:solidFill>
                 <a:latin typeface="Arial"/>
               </a:rPr>
-              <a:t>Results 1 Stats</a:t>
+              <a:t>Results 4</a:t>
             </a:r>
             <a:endParaRPr b="0" lang="en-US" sz="3600" spc="-1" strike="noStrike">
               <a:latin typeface="Arial"/>
@@ -24656,12 +25225,12 @@
       </p:sp>
       <p:sp>
         <p:nvSpPr>
-          <p:cNvPr id="407" name="PlaceHolder 2"/>
-          <p:cNvSpPr>
-            <a:spLocks noGrp="1"/>
-          </p:cNvSpPr>
-          <p:nvPr>
-            <p:ph type="sldNum" idx="28"/>
+          <p:cNvPr id="409" name="PlaceHolder 2"/>
+          <p:cNvSpPr>
+            <a:spLocks noGrp="1"/>
+          </p:cNvSpPr>
+          <p:nvPr>
+            <p:ph type="sldNum" idx="27"/>
           </p:nvPr>
         </p:nvSpPr>
         <p:spPr>
@@ -24702,7 +25271,7 @@
               </a:lnSpc>
               <a:buNone/>
             </a:pPr>
-            <a:fld id="{593F4FC9-6871-4793-9956-B8712EBF5C97}" type="slidenum">
+            <a:fld id="{A7F29456-AD76-4413-A648-325C081978BA}" type="slidenum">
               <a:rPr b="1" lang="en-US" sz="2400" spc="-1" strike="noStrike">
                 <a:solidFill>
                   <a:srgbClr val="039a44"/>
@@ -24719,13 +25288,13 @@
       </p:sp>
       <p:sp>
         <p:nvSpPr>
-          <p:cNvPr id="408" name="Slide Subhead 16"/>
+          <p:cNvPr id="410" name="Slide Subhead 9"/>
           <p:cNvSpPr/>
           <p:nvPr/>
         </p:nvSpPr>
         <p:spPr>
           <a:xfrm>
-            <a:off x="691560" y="2020680"/>
+            <a:off x="691920" y="2024640"/>
             <a:ext cx="7760520" cy="364680"/>
           </a:xfrm>
           <a:prstGeom prst="rect">
@@ -24777,7 +25346,7 @@
       </p:sp>
       <p:pic>
         <p:nvPicPr>
-          <p:cNvPr id="409" name="" descr=""/>
+          <p:cNvPr id="411" name="" descr=""/>
           <p:cNvPicPr/>
           <p:nvPr/>
         </p:nvPicPr>
@@ -24787,8 +25356,8 @@
         </p:blipFill>
         <p:spPr>
           <a:xfrm>
-            <a:off x="685800" y="2514600"/>
-            <a:ext cx="3656880" cy="2742480"/>
+            <a:off x="437400" y="2971800"/>
+            <a:ext cx="2991600" cy="2882160"/>
           </a:xfrm>
           <a:prstGeom prst="rect">
             <a:avLst/>
@@ -24800,7 +25369,7 @@
       </p:pic>
       <p:pic>
         <p:nvPicPr>
-          <p:cNvPr id="410" name="" descr=""/>
+          <p:cNvPr id="412" name="" descr=""/>
           <p:cNvPicPr/>
           <p:nvPr/>
         </p:nvPicPr>
@@ -24810,7 +25379,230 @@
         </p:blipFill>
         <p:spPr>
           <a:xfrm>
-            <a:off x="4800600" y="2514600"/>
+            <a:off x="3657600" y="2971800"/>
+            <a:ext cx="4800600" cy="2880360"/>
+          </a:xfrm>
+          <a:prstGeom prst="rect">
+            <a:avLst/>
+          </a:prstGeom>
+          <a:ln w="0">
+            <a:noFill/>
+          </a:ln>
+        </p:spPr>
+      </p:pic>
+    </p:spTree>
+  </p:cSld>
+  <mc:AlternateContent>
+    <mc:Choice Requires="p14">
+      <p:transition spd="slow" p14:dur="2000"/>
+    </mc:Choice>
+    <mc:Fallback>
+      <p:transition spd="slow"/>
+    </mc:Fallback>
+  </mc:AlternateContent>
+</p:sld>
+</file>
+
+<file path=ppt/slides/slide31.xml><?xml version="1.0" encoding="utf-8"?>
+<p:sld xmlns:a="http://schemas.openxmlformats.org/drawingml/2006/main" xmlns:p="http://schemas.openxmlformats.org/presentationml/2006/main" xmlns:r="http://schemas.openxmlformats.org/officeDocument/2006/relationships" xmlns:p14="http://schemas.microsoft.com/office/powerpoint/2010/main" xmlns:p15="http://schemas.microsoft.com/office/powerpoint/2012/main" xmlns:mc="http://schemas.openxmlformats.org/markup-compatibility/2006">
+  <p:cSld>
+    <p:spTree>
+      <p:nvGrpSpPr>
+        <p:cNvPr id="1" name=""/>
+        <p:cNvGrpSpPr/>
+        <p:nvPr/>
+      </p:nvGrpSpPr>
+      <p:grpSpPr>
+        <a:xfrm>
+          <a:off x="0" y="0"/>
+          <a:ext cx="0" cy="0"/>
+          <a:chOff x="0" y="0"/>
+          <a:chExt cx="0" cy="0"/>
+        </a:xfrm>
+      </p:grpSpPr>
+      <p:sp>
+        <p:nvSpPr>
+          <p:cNvPr id="413" name="PlaceHolder 1"/>
+          <p:cNvSpPr>
+            <a:spLocks noGrp="1"/>
+          </p:cNvSpPr>
+          <p:nvPr>
+            <p:ph type="title"/>
+          </p:nvPr>
+        </p:nvSpPr>
+        <p:spPr>
+          <a:xfrm>
+            <a:off x="462960" y="1377720"/>
+            <a:ext cx="8228520" cy="537840"/>
+          </a:xfrm>
+          <a:prstGeom prst="rect">
+            <a:avLst/>
+          </a:prstGeom>
+          <a:noFill/>
+          <a:ln w="0">
+            <a:noFill/>
+          </a:ln>
+        </p:spPr>
+        <p:txBody>
+          <a:bodyPr lIns="0" rIns="0" tIns="45000" bIns="45000" anchor="t">
+            <a:noAutofit/>
+          </a:bodyPr>
+          <a:p>
+            <a:pPr>
+              <a:lnSpc>
+                <a:spcPct val="90000"/>
+              </a:lnSpc>
+              <a:buNone/>
+            </a:pPr>
+            <a:r>
+              <a:rPr b="1" lang="en-US" sz="3600" spc="-1" strike="noStrike">
+                <a:solidFill>
+                  <a:srgbClr val="009a44"/>
+                </a:solidFill>
+                <a:latin typeface="Arial"/>
+              </a:rPr>
+              <a:t>Results 1 Stats</a:t>
+            </a:r>
+            <a:endParaRPr b="0" lang="en-US" sz="3600" spc="-1" strike="noStrike">
+              <a:latin typeface="Arial"/>
+            </a:endParaRPr>
+          </a:p>
+        </p:txBody>
+      </p:sp>
+      <p:sp>
+        <p:nvSpPr>
+          <p:cNvPr id="414" name="PlaceHolder 2"/>
+          <p:cNvSpPr>
+            <a:spLocks noGrp="1"/>
+          </p:cNvSpPr>
+          <p:nvPr>
+            <p:ph type="sldNum" idx="28"/>
+          </p:nvPr>
+        </p:nvSpPr>
+        <p:spPr>
+          <a:xfrm>
+            <a:off x="8458200" y="6183360"/>
+            <a:ext cx="684720" cy="681480"/>
+          </a:xfrm>
+          <a:prstGeom prst="rect">
+            <a:avLst/>
+          </a:prstGeom>
+          <a:noFill/>
+          <a:ln w="0">
+            <a:noFill/>
+          </a:ln>
+        </p:spPr>
+        <p:txBody>
+          <a:bodyPr lIns="90000" rIns="90000" tIns="45000" bIns="45000" anchor="ctr">
+            <a:noAutofit/>
+          </a:bodyPr>
+          <a:lstStyle>
+            <a:lvl1pPr algn="ctr">
+              <a:lnSpc>
+                <a:spcPct val="100000"/>
+              </a:lnSpc>
+              <a:buNone/>
+              <a:defRPr b="1" lang="en-US" sz="2400" spc="-1" strike="noStrike">
+                <a:solidFill>
+                  <a:srgbClr val="039a44"/>
+                </a:solidFill>
+                <a:latin typeface="Arial"/>
+              </a:defRPr>
+            </a:lvl1pPr>
+          </a:lstStyle>
+          <a:p>
+            <a:pPr algn="ctr">
+              <a:lnSpc>
+                <a:spcPct val="100000"/>
+              </a:lnSpc>
+              <a:buNone/>
+            </a:pPr>
+            <a:fld id="{95BB2C65-513D-4118-B361-F1BBE55528D4}" type="slidenum">
+              <a:rPr b="1" lang="en-US" sz="2400" spc="-1" strike="noStrike">
+                <a:solidFill>
+                  <a:srgbClr val="039a44"/>
+                </a:solidFill>
+                <a:latin typeface="Arial"/>
+              </a:rPr>
+              <a:t>1</a:t>
+            </a:fld>
+            <a:endParaRPr b="0" lang="en-US" sz="2400" spc="-1" strike="noStrike">
+              <a:latin typeface="Times New Roman"/>
+            </a:endParaRPr>
+          </a:p>
+        </p:txBody>
+      </p:sp>
+      <p:sp>
+        <p:nvSpPr>
+          <p:cNvPr id="415" name="Slide Subhead 16"/>
+          <p:cNvSpPr/>
+          <p:nvPr/>
+        </p:nvSpPr>
+        <p:spPr>
+          <a:xfrm>
+            <a:off x="691560" y="2020680"/>
+            <a:ext cx="7760520" cy="364680"/>
+          </a:xfrm>
+          <a:prstGeom prst="rect">
+            <a:avLst/>
+          </a:prstGeom>
+          <a:noFill/>
+          <a:ln w="0">
+            <a:noFill/>
+          </a:ln>
+        </p:spPr>
+        <p:style>
+          <a:lnRef idx="0"/>
+          <a:fillRef idx="0"/>
+          <a:effectRef idx="0"/>
+          <a:fontRef idx="minor"/>
+        </p:style>
+        <p:txBody>
+          <a:bodyPr lIns="0" rIns="0" tIns="0" bIns="0" anchor="b">
+            <a:noAutofit/>
+          </a:bodyPr>
+          <a:p>
+            <a:pPr>
+              <a:lnSpc>
+                <a:spcPct val="150000"/>
+              </a:lnSpc>
+              <a:spcBef>
+                <a:spcPts val="751"/>
+              </a:spcBef>
+              <a:buNone/>
+              <a:tabLst>
+                <a:tab algn="l" pos="0"/>
+              </a:tabLst>
+            </a:pPr>
+            <a:r>
+              <a:rPr b="1" lang="en-US" sz="2600" spc="-1" strike="noStrike">
+                <a:solidFill>
+                  <a:srgbClr val="000000"/>
+                </a:solidFill>
+                <a:latin typeface="Georgia"/>
+                <a:ea typeface="DejaVu Sans"/>
+              </a:rPr>
+              <a:t>Targeting Lima, Peru</a:t>
+            </a:r>
+            <a:endParaRPr b="0" lang="en-US" sz="2600" spc="-1" strike="noStrike">
+              <a:latin typeface="Arial"/>
+            </a:endParaRPr>
+          </a:p>
+        </p:txBody>
+      </p:sp>
+      <p:pic>
+        <p:nvPicPr>
+          <p:cNvPr id="416" name="" descr=""/>
+          <p:cNvPicPr/>
+          <p:nvPr/>
+        </p:nvPicPr>
+        <p:blipFill>
+          <a:blip r:embed="rId1"/>
+          <a:stretch/>
+        </p:blipFill>
+        <p:spPr>
+          <a:xfrm>
+            <a:off x="685800" y="2514600"/>
             <a:ext cx="3656880" cy="2742480"/>
           </a:xfrm>
           <a:prstGeom prst="rect">
@@ -24823,7 +25615,30 @@
       </p:pic>
       <p:pic>
         <p:nvPicPr>
-          <p:cNvPr id="411" name="" descr=""/>
+          <p:cNvPr id="417" name="" descr=""/>
+          <p:cNvPicPr/>
+          <p:nvPr/>
+        </p:nvPicPr>
+        <p:blipFill>
+          <a:blip r:embed="rId2"/>
+          <a:stretch/>
+        </p:blipFill>
+        <p:spPr>
+          <a:xfrm>
+            <a:off x="4800600" y="2514600"/>
+            <a:ext cx="3656880" cy="2742480"/>
+          </a:xfrm>
+          <a:prstGeom prst="rect">
+            <a:avLst/>
+          </a:prstGeom>
+          <a:ln w="0">
+            <a:noFill/>
+          </a:ln>
+        </p:spPr>
+      </p:pic>
+      <p:pic>
+        <p:nvPicPr>
+          <p:cNvPr id="418" name="" descr=""/>
           <p:cNvPicPr/>
           <p:nvPr/>
         </p:nvPicPr>
@@ -24888,7 +25703,7 @@
                                           </p:stCondLst>
                                         </p:cTn>
                                         <p:tgtEl>
-                                          <p:spTgt spid="411"/>
+                                          <p:spTgt spid="418"/>
                                         </p:tgtEl>
                                         <p:attrNameLst>
                                           <p:attrName>style.visibility</p:attrName>
@@ -24933,7 +25748,7 @@
                                           </p:stCondLst>
                                         </p:cTn>
                                         <p:tgtEl>
-                                          <p:spTgt spid="411"/>
+                                          <p:spTgt spid="418"/>
                                         </p:tgtEl>
                                         <p:attrNameLst>
                                           <p:attrName>style.visibility</p:attrName>
@@ -24977,7 +25792,7 @@
 </p:sld>
 </file>
 
-<file path=ppt/slides/slide29.xml><?xml version="1.0" encoding="utf-8"?>
+<file path=ppt/slides/slide32.xml><?xml version="1.0" encoding="utf-8"?>
 <p:sld xmlns:a="http://schemas.openxmlformats.org/drawingml/2006/main" xmlns:p="http://schemas.openxmlformats.org/presentationml/2006/main" xmlns:r="http://schemas.openxmlformats.org/officeDocument/2006/relationships" xmlns:p14="http://schemas.microsoft.com/office/powerpoint/2010/main" xmlns:p15="http://schemas.microsoft.com/office/powerpoint/2012/main" xmlns:mc="http://schemas.openxmlformats.org/markup-compatibility/2006">
   <p:cSld>
     <p:spTree>
@@ -24996,7 +25811,7 @@
       </p:grpSpPr>
       <p:sp>
         <p:nvSpPr>
-          <p:cNvPr id="412" name="PlaceHolder 1"/>
+          <p:cNvPr id="419" name="PlaceHolder 1"/>
           <p:cNvSpPr>
             <a:spLocks noGrp="1"/>
           </p:cNvSpPr>
@@ -25045,7 +25860,7 @@
       </p:sp>
       <p:sp>
         <p:nvSpPr>
-          <p:cNvPr id="413" name="PlaceHolder 2"/>
+          <p:cNvPr id="420" name="PlaceHolder 2"/>
           <p:cNvSpPr>
             <a:spLocks noGrp="1"/>
           </p:cNvSpPr>
@@ -25091,7 +25906,7 @@
               </a:lnSpc>
               <a:buNone/>
             </a:pPr>
-            <a:fld id="{9A352BF0-8E20-4546-8DB9-D18CF2207B71}" type="slidenum">
+            <a:fld id="{10051A2D-4ED7-45CA-A370-09F81CF1E1A1}" type="slidenum">
               <a:rPr b="1" lang="en-US" sz="2400" spc="-1" strike="noStrike">
                 <a:solidFill>
                   <a:srgbClr val="039a44"/>
@@ -25108,7 +25923,7 @@
       </p:sp>
       <p:sp>
         <p:nvSpPr>
-          <p:cNvPr id="414" name="Slide Subhead 10"/>
+          <p:cNvPr id="421" name="Slide Subhead 10"/>
           <p:cNvSpPr/>
           <p:nvPr/>
         </p:nvSpPr>
@@ -25166,7 +25981,7 @@
       </p:sp>
       <p:pic>
         <p:nvPicPr>
-          <p:cNvPr id="415" name="" descr=""/>
+          <p:cNvPr id="422" name="" descr=""/>
           <p:cNvPicPr/>
           <p:nvPr/>
         </p:nvPicPr>
@@ -25189,7 +26004,7 @@
       </p:pic>
       <p:pic>
         <p:nvPicPr>
-          <p:cNvPr id="416" name="" descr=""/>
+          <p:cNvPr id="423" name="" descr=""/>
           <p:cNvPicPr/>
           <p:nvPr/>
         </p:nvPicPr>
@@ -25223,7 +26038,7 @@
 </p:sld>
 </file>
 
-<file path=ppt/slides/slide3.xml><?xml version="1.0" encoding="utf-8"?>
+<file path=ppt/slides/slide33.xml><?xml version="1.0" encoding="utf-8"?>
 <p:sld xmlns:a="http://schemas.openxmlformats.org/drawingml/2006/main" xmlns:p="http://schemas.openxmlformats.org/presentationml/2006/main" xmlns:r="http://schemas.openxmlformats.org/officeDocument/2006/relationships" xmlns:p14="http://schemas.microsoft.com/office/powerpoint/2010/main" xmlns:p15="http://schemas.microsoft.com/office/powerpoint/2012/main" xmlns:mc="http://schemas.openxmlformats.org/markup-compatibility/2006">
   <p:cSld>
     <p:spTree>
@@ -25242,7 +26057,7 @@
       </p:grpSpPr>
       <p:sp>
         <p:nvSpPr>
-          <p:cNvPr id="307" name="PlaceHolder 1"/>
+          <p:cNvPr id="424" name="PlaceHolder 1"/>
           <p:cNvSpPr>
             <a:spLocks noGrp="1"/>
           </p:cNvSpPr>
@@ -25252,19 +26067,19 @@
         </p:nvSpPr>
         <p:spPr>
           <a:xfrm>
-            <a:off x="457200" y="1379520"/>
-            <a:ext cx="8225280" cy="589680"/>
-          </a:xfrm>
-          <a:prstGeom prst="rect">
-            <a:avLst/>
-          </a:prstGeom>
-          <a:noFill/>
-          <a:ln w="0">
-            <a:noFill/>
-          </a:ln>
-        </p:spPr>
-        <p:txBody>
-          <a:bodyPr lIns="0" rIns="0" tIns="45000" bIns="45000" anchor="ctr">
+            <a:off x="462960" y="1377720"/>
+            <a:ext cx="8228520" cy="537840"/>
+          </a:xfrm>
+          <a:prstGeom prst="rect">
+            <a:avLst/>
+          </a:prstGeom>
+          <a:noFill/>
+          <a:ln w="0">
+            <a:noFill/>
+          </a:ln>
+        </p:spPr>
+        <p:txBody>
+          <a:bodyPr lIns="0" rIns="0" tIns="45000" bIns="45000" anchor="t">
             <a:noAutofit/>
           </a:bodyPr>
           <a:p>
@@ -25281,7 +26096,7 @@
                 </a:solidFill>
                 <a:latin typeface="Arial"/>
               </a:rPr>
-              <a:t>Assumed Variables and Conditions</a:t>
+              <a:t>Results 1 Stats</a:t>
             </a:r>
             <a:endParaRPr b="0" lang="en-US" sz="3600" spc="-1" strike="noStrike">
               <a:latin typeface="Arial"/>
@@ -25291,212 +26106,18 @@
       </p:sp>
       <p:sp>
         <p:nvSpPr>
-          <p:cNvPr id="308" name="PlaceHolder 2"/>
-          <p:cNvSpPr>
-            <a:spLocks noGrp="1"/>
-          </p:cNvSpPr>
-          <p:nvPr>
-            <p:ph/>
-          </p:nvPr>
-        </p:nvSpPr>
-        <p:spPr>
-          <a:xfrm>
-            <a:off x="921600" y="1985760"/>
-            <a:ext cx="7309080" cy="4413960"/>
-          </a:xfrm>
-          <a:prstGeom prst="rect">
-            <a:avLst/>
-          </a:prstGeom>
-          <a:noFill/>
-          <a:ln w="0">
-            <a:noFill/>
-          </a:ln>
-        </p:spPr>
-        <p:txBody>
-          <a:bodyPr numCol="1" spcCol="457200" lIns="0" rIns="0" tIns="91440" bIns="91440" anchor="t">
-            <a:noAutofit/>
-          </a:bodyPr>
-          <a:p>
-            <a:pPr marL="432000" indent="-324000">
-              <a:lnSpc>
-                <a:spcPts val="3379"/>
-              </a:lnSpc>
-              <a:spcBef>
-                <a:spcPts val="751"/>
-              </a:spcBef>
-              <a:spcAft>
-                <a:spcPts val="601"/>
-              </a:spcAft>
-              <a:buClr>
-                <a:srgbClr val="000000"/>
-              </a:buClr>
-              <a:buSzPct val="45000"/>
-              <a:buFont typeface="Wingdings" charset="2"/>
-              <a:buChar char=""/>
-              <a:tabLst>
-                <a:tab algn="l" pos="0"/>
-              </a:tabLst>
-            </a:pPr>
-            <a:r>
-              <a:rPr b="0" lang="en-US" sz="2400" spc="-1" strike="noStrike">
-                <a:solidFill>
-                  <a:srgbClr val="000000"/>
-                </a:solidFill>
-                <a:latin typeface="Arial"/>
-              </a:rPr>
-              <a:t>We have a camera that can </a:t>
-            </a:r>
-            <a:r>
-              <a:rPr b="0" lang="en-US" sz="2400" spc="-1" strike="noStrike">
-                <a:solidFill>
-                  <a:srgbClr val="000000"/>
-                </a:solidFill>
-                <a:latin typeface="Arial"/>
-              </a:rPr>
-              <a:t>track onto the sun or we </a:t>
-            </a:r>
-            <a:r>
-              <a:rPr b="0" lang="en-US" sz="2400" spc="-1" strike="noStrike">
-                <a:solidFill>
-                  <a:srgbClr val="000000"/>
-                </a:solidFill>
-                <a:latin typeface="Arial"/>
-              </a:rPr>
-              <a:t>have the ability to gather </a:t>
-            </a:r>
-            <a:r>
-              <a:rPr b="0" lang="en-US" sz="2400" spc="-1" strike="noStrike">
-                <a:solidFill>
-                  <a:srgbClr val="000000"/>
-                </a:solidFill>
-                <a:latin typeface="Arial"/>
-              </a:rPr>
-              <a:t>object height and shadow </a:t>
-            </a:r>
-            <a:r>
-              <a:rPr b="0" lang="en-US" sz="2400" spc="-1" strike="noStrike">
-                <a:solidFill>
-                  <a:srgbClr val="000000"/>
-                </a:solidFill>
-                <a:latin typeface="Arial"/>
-              </a:rPr>
-              <a:t>lengths</a:t>
-            </a:r>
-            <a:endParaRPr b="0" lang="en-US" sz="2400" spc="-1" strike="noStrike">
-              <a:latin typeface="Arial"/>
-            </a:endParaRPr>
-          </a:p>
-          <a:p>
-            <a:pPr marL="432000" indent="-324000">
-              <a:lnSpc>
-                <a:spcPts val="3379"/>
-              </a:lnSpc>
-              <a:spcBef>
-                <a:spcPts val="751"/>
-              </a:spcBef>
-              <a:spcAft>
-                <a:spcPts val="601"/>
-              </a:spcAft>
-              <a:buClr>
-                <a:srgbClr val="000000"/>
-              </a:buClr>
-              <a:buSzPct val="45000"/>
-              <a:buFont typeface="Wingdings" charset="2"/>
-              <a:buChar char=""/>
-              <a:tabLst>
-                <a:tab algn="l" pos="0"/>
-              </a:tabLst>
-            </a:pPr>
-            <a:r>
-              <a:rPr b="1" lang="en-US" sz="2400" spc="-1" strike="noStrike">
-                <a:solidFill>
-                  <a:srgbClr val="000000"/>
-                </a:solidFill>
-                <a:latin typeface="Arial"/>
-              </a:rPr>
-              <a:t>We have the ability to </a:t>
-            </a:r>
-            <a:r>
-              <a:rPr b="1" lang="en-US" sz="2400" spc="-1" strike="noStrike">
-                <a:solidFill>
-                  <a:srgbClr val="000000"/>
-                </a:solidFill>
-                <a:latin typeface="Arial"/>
-              </a:rPr>
-              <a:t>know true north</a:t>
-            </a:r>
-            <a:endParaRPr b="0" lang="en-US" sz="2400" spc="-1" strike="noStrike">
-              <a:latin typeface="Arial"/>
-            </a:endParaRPr>
-          </a:p>
-          <a:p>
-            <a:pPr marL="432000" indent="-324000">
-              <a:lnSpc>
-                <a:spcPts val="3379"/>
-              </a:lnSpc>
-              <a:spcBef>
-                <a:spcPts val="751"/>
-              </a:spcBef>
-              <a:spcAft>
-                <a:spcPts val="601"/>
-              </a:spcAft>
-              <a:buClr>
-                <a:srgbClr val="000000"/>
-              </a:buClr>
-              <a:buSzPct val="45000"/>
-              <a:buFont typeface="Wingdings" charset="2"/>
-              <a:buChar char=""/>
-              <a:tabLst>
-                <a:tab algn="l" pos="0"/>
-              </a:tabLst>
-            </a:pPr>
-            <a:r>
-              <a:rPr b="0" lang="en-US" sz="2400" spc="-1" strike="noStrike">
-                <a:solidFill>
-                  <a:srgbClr val="000000"/>
-                </a:solidFill>
-                <a:latin typeface="Arial"/>
-              </a:rPr>
-              <a:t>We have the current time </a:t>
-            </a:r>
-            <a:r>
-              <a:rPr b="0" lang="en-US" sz="2400" spc="-1" strike="noStrike">
-                <a:solidFill>
-                  <a:srgbClr val="000000"/>
-                </a:solidFill>
-                <a:latin typeface="Arial"/>
-              </a:rPr>
-              <a:t>and date in Coordinated </a:t>
-            </a:r>
-            <a:r>
-              <a:rPr b="0" lang="en-US" sz="2400" spc="-1" strike="noStrike">
-                <a:solidFill>
-                  <a:srgbClr val="000000"/>
-                </a:solidFill>
-                <a:latin typeface="Arial"/>
-              </a:rPr>
-              <a:t>Universal Time (UTC)</a:t>
-            </a:r>
-            <a:endParaRPr b="0" lang="en-US" sz="2400" spc="-1" strike="noStrike">
-              <a:latin typeface="Arial"/>
-            </a:endParaRPr>
-          </a:p>
-        </p:txBody>
-      </p:sp>
-      <p:sp>
-        <p:nvSpPr>
-          <p:cNvPr id="309" name="PlaceHolder 3"/>
-          <p:cNvSpPr>
-            <a:spLocks noGrp="1"/>
-          </p:cNvSpPr>
-          <p:nvPr>
-            <p:ph type="sldNum" idx="5"/>
-          </p:nvPr>
-        </p:nvSpPr>
-        <p:spPr>
-          <a:xfrm>
-            <a:off x="8458200" y="6180120"/>
-            <a:ext cx="684720" cy="684720"/>
+          <p:cNvPr id="425" name="PlaceHolder 2"/>
+          <p:cNvSpPr>
+            <a:spLocks noGrp="1"/>
+          </p:cNvSpPr>
+          <p:nvPr>
+            <p:ph type="sldNum" idx="30"/>
+          </p:nvPr>
+        </p:nvSpPr>
+        <p:spPr>
+          <a:xfrm>
+            <a:off x="8458200" y="6183360"/>
+            <a:ext cx="684720" cy="681480"/>
           </a:xfrm>
           <a:prstGeom prst="rect">
             <a:avLst/>
@@ -25531,7 +26152,7 @@
               </a:lnSpc>
               <a:buNone/>
             </a:pPr>
-            <a:fld id="{26FEFBE6-D946-46E3-9E75-173801251796}" type="slidenum">
+            <a:fld id="{8FB7740E-4704-45DB-B1E7-F1C7DA91A274}" type="slidenum">
               <a:rPr b="1" lang="en-US" sz="2400" spc="-1" strike="noStrike">
                 <a:solidFill>
                   <a:srgbClr val="039a44"/>
@@ -25546,151 +26167,9 @@
           </a:p>
         </p:txBody>
       </p:sp>
-    </p:spTree>
-  </p:cSld>
-  <mc:AlternateContent>
-    <mc:Choice Requires="p14">
-      <p:transition spd="slow" p14:dur="2000"/>
-    </mc:Choice>
-    <mc:Fallback>
-      <p:transition spd="slow"/>
-    </mc:Fallback>
-  </mc:AlternateContent>
-</p:sld>
-</file>
-
-<file path=ppt/slides/slide30.xml><?xml version="1.0" encoding="utf-8"?>
-<p:sld xmlns:a="http://schemas.openxmlformats.org/drawingml/2006/main" xmlns:p="http://schemas.openxmlformats.org/presentationml/2006/main" xmlns:r="http://schemas.openxmlformats.org/officeDocument/2006/relationships" xmlns:p14="http://schemas.microsoft.com/office/powerpoint/2010/main" xmlns:p15="http://schemas.microsoft.com/office/powerpoint/2012/main" xmlns:mc="http://schemas.openxmlformats.org/markup-compatibility/2006">
-  <p:cSld>
-    <p:spTree>
-      <p:nvGrpSpPr>
-        <p:cNvPr id="1" name=""/>
-        <p:cNvGrpSpPr/>
-        <p:nvPr/>
-      </p:nvGrpSpPr>
-      <p:grpSpPr>
-        <a:xfrm>
-          <a:off x="0" y="0"/>
-          <a:ext cx="0" cy="0"/>
-          <a:chOff x="0" y="0"/>
-          <a:chExt cx="0" cy="0"/>
-        </a:xfrm>
-      </p:grpSpPr>
-      <p:sp>
-        <p:nvSpPr>
-          <p:cNvPr id="417" name="PlaceHolder 1"/>
-          <p:cNvSpPr>
-            <a:spLocks noGrp="1"/>
-          </p:cNvSpPr>
-          <p:nvPr>
-            <p:ph type="title"/>
-          </p:nvPr>
-        </p:nvSpPr>
-        <p:spPr>
-          <a:xfrm>
-            <a:off x="462960" y="1377720"/>
-            <a:ext cx="8228520" cy="537840"/>
-          </a:xfrm>
-          <a:prstGeom prst="rect">
-            <a:avLst/>
-          </a:prstGeom>
-          <a:noFill/>
-          <a:ln w="0">
-            <a:noFill/>
-          </a:ln>
-        </p:spPr>
-        <p:txBody>
-          <a:bodyPr lIns="0" rIns="0" tIns="45000" bIns="45000" anchor="t">
-            <a:noAutofit/>
-          </a:bodyPr>
-          <a:p>
-            <a:pPr>
-              <a:lnSpc>
-                <a:spcPct val="90000"/>
-              </a:lnSpc>
-              <a:buNone/>
-            </a:pPr>
-            <a:r>
-              <a:rPr b="1" lang="en-US" sz="3600" spc="-1" strike="noStrike">
-                <a:solidFill>
-                  <a:srgbClr val="009a44"/>
-                </a:solidFill>
-                <a:latin typeface="Arial"/>
-              </a:rPr>
-              <a:t>Results 1 Stats</a:t>
-            </a:r>
-            <a:endParaRPr b="0" lang="en-US" sz="3600" spc="-1" strike="noStrike">
-              <a:latin typeface="Arial"/>
-            </a:endParaRPr>
-          </a:p>
-        </p:txBody>
-      </p:sp>
-      <p:sp>
-        <p:nvSpPr>
-          <p:cNvPr id="418" name="PlaceHolder 2"/>
-          <p:cNvSpPr>
-            <a:spLocks noGrp="1"/>
-          </p:cNvSpPr>
-          <p:nvPr>
-            <p:ph type="sldNum" idx="30"/>
-          </p:nvPr>
-        </p:nvSpPr>
-        <p:spPr>
-          <a:xfrm>
-            <a:off x="8458200" y="6183360"/>
-            <a:ext cx="684720" cy="681480"/>
-          </a:xfrm>
-          <a:prstGeom prst="rect">
-            <a:avLst/>
-          </a:prstGeom>
-          <a:noFill/>
-          <a:ln w="0">
-            <a:noFill/>
-          </a:ln>
-        </p:spPr>
-        <p:txBody>
-          <a:bodyPr lIns="90000" rIns="90000" tIns="45000" bIns="45000" anchor="ctr">
-            <a:noAutofit/>
-          </a:bodyPr>
-          <a:lstStyle>
-            <a:lvl1pPr algn="ctr">
-              <a:lnSpc>
-                <a:spcPct val="100000"/>
-              </a:lnSpc>
-              <a:buNone/>
-              <a:defRPr b="1" lang="en-US" sz="2400" spc="-1" strike="noStrike">
-                <a:solidFill>
-                  <a:srgbClr val="039a44"/>
-                </a:solidFill>
-                <a:latin typeface="Arial"/>
-              </a:defRPr>
-            </a:lvl1pPr>
-          </a:lstStyle>
-          <a:p>
-            <a:pPr algn="ctr">
-              <a:lnSpc>
-                <a:spcPct val="100000"/>
-              </a:lnSpc>
-              <a:buNone/>
-            </a:pPr>
-            <a:fld id="{8421A489-B16D-48E8-8302-129D8822B828}" type="slidenum">
-              <a:rPr b="1" lang="en-US" sz="2400" spc="-1" strike="noStrike">
-                <a:solidFill>
-                  <a:srgbClr val="039a44"/>
-                </a:solidFill>
-                <a:latin typeface="Arial"/>
-              </a:rPr>
-              <a:t>1</a:t>
-            </a:fld>
-            <a:endParaRPr b="0" lang="en-US" sz="2400" spc="-1" strike="noStrike">
-              <a:latin typeface="Times New Roman"/>
-            </a:endParaRPr>
-          </a:p>
-        </p:txBody>
-      </p:sp>
-      <p:sp>
-        <p:nvSpPr>
-          <p:cNvPr id="419" name="Slide Subhead 17"/>
+      <p:sp>
+        <p:nvSpPr>
+          <p:cNvPr id="426" name="Slide Subhead 17"/>
           <p:cNvSpPr/>
           <p:nvPr/>
         </p:nvSpPr>
@@ -25748,7 +26227,7 @@
       </p:sp>
       <p:pic>
         <p:nvPicPr>
-          <p:cNvPr id="420" name="" descr=""/>
+          <p:cNvPr id="427" name="" descr=""/>
           <p:cNvPicPr/>
           <p:nvPr/>
         </p:nvPicPr>
@@ -25771,7 +26250,7 @@
       </p:pic>
       <p:pic>
         <p:nvPicPr>
-          <p:cNvPr id="421" name="" descr=""/>
+          <p:cNvPr id="428" name="" descr=""/>
           <p:cNvPicPr/>
           <p:nvPr/>
         </p:nvPicPr>
@@ -25794,7 +26273,7 @@
       </p:pic>
       <p:pic>
         <p:nvPicPr>
-          <p:cNvPr id="422" name="" descr=""/>
+          <p:cNvPr id="429" name="" descr=""/>
           <p:cNvPicPr/>
           <p:nvPr/>
         </p:nvPicPr>
@@ -25859,7 +26338,7 @@
                                           </p:stCondLst>
                                         </p:cTn>
                                         <p:tgtEl>
-                                          <p:spTgt spid="422"/>
+                                          <p:spTgt spid="429"/>
                                         </p:tgtEl>
                                         <p:attrNameLst>
                                           <p:attrName>style.visibility</p:attrName>
@@ -25903,165 +26382,6 @@
 </p:sld>
 </file>
 
-<file path=ppt/slides/slide31.xml><?xml version="1.0" encoding="utf-8"?>
-<p:sld xmlns:a="http://schemas.openxmlformats.org/drawingml/2006/main" xmlns:p="http://schemas.openxmlformats.org/presentationml/2006/main" xmlns:r="http://schemas.openxmlformats.org/officeDocument/2006/relationships" xmlns:p14="http://schemas.microsoft.com/office/powerpoint/2010/main" xmlns:p15="http://schemas.microsoft.com/office/powerpoint/2012/main" xmlns:mc="http://schemas.openxmlformats.org/markup-compatibility/2006">
-  <p:cSld>
-    <p:spTree>
-      <p:nvGrpSpPr>
-        <p:cNvPr id="1" name=""/>
-        <p:cNvGrpSpPr/>
-        <p:nvPr/>
-      </p:nvGrpSpPr>
-      <p:grpSpPr>
-        <a:xfrm>
-          <a:off x="0" y="0"/>
-          <a:ext cx="0" cy="0"/>
-          <a:chOff x="0" y="0"/>
-          <a:chExt cx="0" cy="0"/>
-        </a:xfrm>
-      </p:grpSpPr>
-      <p:pic>
-        <p:nvPicPr>
-          <p:cNvPr id="423" name="" descr=""/>
-          <p:cNvPicPr/>
-          <p:nvPr/>
-        </p:nvPicPr>
-        <p:blipFill>
-          <a:blip r:embed="rId1"/>
-          <a:stretch/>
-        </p:blipFill>
-        <p:spPr>
-          <a:xfrm>
-            <a:off x="360" y="1372320"/>
-            <a:ext cx="9143280" cy="5485680"/>
-          </a:xfrm>
-          <a:prstGeom prst="rect">
-            <a:avLst/>
-          </a:prstGeom>
-          <a:ln w="0">
-            <a:noFill/>
-          </a:ln>
-        </p:spPr>
-      </p:pic>
-    </p:spTree>
-  </p:cSld>
-  <mc:AlternateContent>
-    <mc:Choice Requires="p14">
-      <p:transition spd="slow" p14:dur="2000"/>
-    </mc:Choice>
-    <mc:Fallback>
-      <p:transition spd="slow"/>
-    </mc:Fallback>
-  </mc:AlternateContent>
-</p:sld>
-</file>
-
-<file path=ppt/slides/slide32.xml><?xml version="1.0" encoding="utf-8"?>
-<p:sld xmlns:a="http://schemas.openxmlformats.org/drawingml/2006/main" xmlns:p="http://schemas.openxmlformats.org/presentationml/2006/main" xmlns:r="http://schemas.openxmlformats.org/officeDocument/2006/relationships" xmlns:p14="http://schemas.microsoft.com/office/powerpoint/2010/main" xmlns:p15="http://schemas.microsoft.com/office/powerpoint/2012/main" xmlns:mc="http://schemas.openxmlformats.org/markup-compatibility/2006">
-  <p:cSld>
-    <p:spTree>
-      <p:nvGrpSpPr>
-        <p:cNvPr id="1" name=""/>
-        <p:cNvGrpSpPr/>
-        <p:nvPr/>
-      </p:nvGrpSpPr>
-      <p:grpSpPr>
-        <a:xfrm>
-          <a:off x="0" y="0"/>
-          <a:ext cx="0" cy="0"/>
-          <a:chOff x="0" y="0"/>
-          <a:chExt cx="0" cy="0"/>
-        </a:xfrm>
-      </p:grpSpPr>
-      <p:pic>
-        <p:nvPicPr>
-          <p:cNvPr id="424" name="" descr=""/>
-          <p:cNvPicPr/>
-          <p:nvPr/>
-        </p:nvPicPr>
-        <p:blipFill>
-          <a:blip r:embed="rId1"/>
-          <a:stretch/>
-        </p:blipFill>
-        <p:spPr>
-          <a:xfrm>
-            <a:off x="360" y="1371960"/>
-            <a:ext cx="9143280" cy="5485680"/>
-          </a:xfrm>
-          <a:prstGeom prst="rect">
-            <a:avLst/>
-          </a:prstGeom>
-          <a:ln w="0">
-            <a:noFill/>
-          </a:ln>
-        </p:spPr>
-      </p:pic>
-    </p:spTree>
-  </p:cSld>
-  <mc:AlternateContent>
-    <mc:Choice Requires="p14">
-      <p:transition spd="slow" p14:dur="2000"/>
-    </mc:Choice>
-    <mc:Fallback>
-      <p:transition spd="slow"/>
-    </mc:Fallback>
-  </mc:AlternateContent>
-</p:sld>
-</file>
-
-<file path=ppt/slides/slide33.xml><?xml version="1.0" encoding="utf-8"?>
-<p:sld xmlns:a="http://schemas.openxmlformats.org/drawingml/2006/main" xmlns:p="http://schemas.openxmlformats.org/presentationml/2006/main" xmlns:r="http://schemas.openxmlformats.org/officeDocument/2006/relationships" xmlns:p14="http://schemas.microsoft.com/office/powerpoint/2010/main" xmlns:p15="http://schemas.microsoft.com/office/powerpoint/2012/main" xmlns:mc="http://schemas.openxmlformats.org/markup-compatibility/2006">
-  <p:cSld>
-    <p:spTree>
-      <p:nvGrpSpPr>
-        <p:cNvPr id="1" name=""/>
-        <p:cNvGrpSpPr/>
-        <p:nvPr/>
-      </p:nvGrpSpPr>
-      <p:grpSpPr>
-        <a:xfrm>
-          <a:off x="0" y="0"/>
-          <a:ext cx="0" cy="0"/>
-          <a:chOff x="0" y="0"/>
-          <a:chExt cx="0" cy="0"/>
-        </a:xfrm>
-      </p:grpSpPr>
-      <p:pic>
-        <p:nvPicPr>
-          <p:cNvPr id="425" name="" descr=""/>
-          <p:cNvPicPr/>
-          <p:nvPr/>
-        </p:nvPicPr>
-        <p:blipFill>
-          <a:blip r:embed="rId1"/>
-          <a:stretch/>
-        </p:blipFill>
-        <p:spPr>
-          <a:xfrm>
-            <a:off x="360" y="1371600"/>
-            <a:ext cx="9143280" cy="5485680"/>
-          </a:xfrm>
-          <a:prstGeom prst="rect">
-            <a:avLst/>
-          </a:prstGeom>
-          <a:ln w="0">
-            <a:noFill/>
-          </a:ln>
-        </p:spPr>
-      </p:pic>
-    </p:spTree>
-  </p:cSld>
-  <mc:AlternateContent>
-    <mc:Choice Requires="p14">
-      <p:transition spd="slow" p14:dur="2000"/>
-    </mc:Choice>
-    <mc:Fallback>
-      <p:transition spd="slow"/>
-    </mc:Fallback>
-  </mc:AlternateContent>
-</p:sld>
-</file>
-
 <file path=ppt/slides/slide34.xml><?xml version="1.0" encoding="utf-8"?>
 <p:sld xmlns:a="http://schemas.openxmlformats.org/drawingml/2006/main" xmlns:p="http://schemas.openxmlformats.org/presentationml/2006/main" xmlns:r="http://schemas.openxmlformats.org/officeDocument/2006/relationships" xmlns:p14="http://schemas.microsoft.com/office/powerpoint/2010/main" xmlns:p15="http://schemas.microsoft.com/office/powerpoint/2012/main" xmlns:mc="http://schemas.openxmlformats.org/markup-compatibility/2006">
   <p:cSld>
@@ -26081,7 +26401,7 @@
       </p:grpSpPr>
       <p:pic>
         <p:nvPicPr>
-          <p:cNvPr id="426" name="" descr=""/>
+          <p:cNvPr id="430" name="" descr=""/>
           <p:cNvPicPr/>
           <p:nvPr/>
         </p:nvPicPr>
@@ -26091,8 +26411,220 @@
         </p:blipFill>
         <p:spPr>
           <a:xfrm>
-            <a:off x="0" y="1371960"/>
-            <a:ext cx="9143280" cy="5485680"/>
+            <a:off x="472680" y="1104840"/>
+            <a:ext cx="8214120" cy="5524560"/>
+          </a:xfrm>
+          <a:prstGeom prst="rect">
+            <a:avLst/>
+          </a:prstGeom>
+          <a:ln w="0">
+            <a:noFill/>
+          </a:ln>
+        </p:spPr>
+      </p:pic>
+    </p:spTree>
+  </p:cSld>
+  <mc:AlternateContent>
+    <mc:Choice Requires="p14">
+      <p:transition spd="slow" p14:dur="2000"/>
+    </mc:Choice>
+    <mc:Fallback>
+      <p:transition spd="slow"/>
+    </mc:Fallback>
+  </mc:AlternateContent>
+</p:sld>
+</file>
+
+<file path=ppt/slides/slide35.xml><?xml version="1.0" encoding="utf-8"?>
+<p:sld xmlns:a="http://schemas.openxmlformats.org/drawingml/2006/main" xmlns:p="http://schemas.openxmlformats.org/presentationml/2006/main" xmlns:r="http://schemas.openxmlformats.org/officeDocument/2006/relationships" xmlns:p14="http://schemas.microsoft.com/office/powerpoint/2010/main" xmlns:p15="http://schemas.microsoft.com/office/powerpoint/2012/main" xmlns:mc="http://schemas.openxmlformats.org/markup-compatibility/2006">
+  <p:cSld>
+    <p:spTree>
+      <p:nvGrpSpPr>
+        <p:cNvPr id="1" name=""/>
+        <p:cNvGrpSpPr/>
+        <p:nvPr/>
+      </p:nvGrpSpPr>
+      <p:grpSpPr>
+        <a:xfrm>
+          <a:off x="0" y="0"/>
+          <a:ext cx="0" cy="0"/>
+          <a:chOff x="0" y="0"/>
+          <a:chExt cx="0" cy="0"/>
+        </a:xfrm>
+      </p:grpSpPr>
+      <p:pic>
+        <p:nvPicPr>
+          <p:cNvPr id="431" name="" descr=""/>
+          <p:cNvPicPr/>
+          <p:nvPr/>
+        </p:nvPicPr>
+        <p:blipFill>
+          <a:blip r:embed="rId1"/>
+          <a:stretch/>
+        </p:blipFill>
+        <p:spPr>
+          <a:xfrm>
+            <a:off x="333720" y="914400"/>
+            <a:ext cx="8581680" cy="5771880"/>
+          </a:xfrm>
+          <a:prstGeom prst="rect">
+            <a:avLst/>
+          </a:prstGeom>
+          <a:ln w="0">
+            <a:noFill/>
+          </a:ln>
+        </p:spPr>
+      </p:pic>
+    </p:spTree>
+  </p:cSld>
+  <mc:AlternateContent>
+    <mc:Choice Requires="p14">
+      <p:transition spd="slow" p14:dur="2000"/>
+    </mc:Choice>
+    <mc:Fallback>
+      <p:transition spd="slow"/>
+    </mc:Fallback>
+  </mc:AlternateContent>
+</p:sld>
+</file>
+
+<file path=ppt/slides/slide36.xml><?xml version="1.0" encoding="utf-8"?>
+<p:sld xmlns:a="http://schemas.openxmlformats.org/drawingml/2006/main" xmlns:p="http://schemas.openxmlformats.org/presentationml/2006/main" xmlns:r="http://schemas.openxmlformats.org/officeDocument/2006/relationships" xmlns:p14="http://schemas.microsoft.com/office/powerpoint/2010/main" xmlns:p15="http://schemas.microsoft.com/office/powerpoint/2012/main" xmlns:mc="http://schemas.openxmlformats.org/markup-compatibility/2006">
+  <p:cSld>
+    <p:spTree>
+      <p:nvGrpSpPr>
+        <p:cNvPr id="1" name=""/>
+        <p:cNvGrpSpPr/>
+        <p:nvPr/>
+      </p:nvGrpSpPr>
+      <p:grpSpPr>
+        <a:xfrm>
+          <a:off x="0" y="0"/>
+          <a:ext cx="0" cy="0"/>
+          <a:chOff x="0" y="0"/>
+          <a:chExt cx="0" cy="0"/>
+        </a:xfrm>
+      </p:grpSpPr>
+      <p:pic>
+        <p:nvPicPr>
+          <p:cNvPr id="432" name="" descr=""/>
+          <p:cNvPicPr/>
+          <p:nvPr/>
+        </p:nvPicPr>
+        <p:blipFill>
+          <a:blip r:embed="rId1"/>
+          <a:stretch/>
+        </p:blipFill>
+        <p:spPr>
+          <a:xfrm>
+            <a:off x="685800" y="1183680"/>
+            <a:ext cx="7756920" cy="5217120"/>
+          </a:xfrm>
+          <a:prstGeom prst="rect">
+            <a:avLst/>
+          </a:prstGeom>
+          <a:ln w="0">
+            <a:noFill/>
+          </a:ln>
+        </p:spPr>
+      </p:pic>
+    </p:spTree>
+  </p:cSld>
+  <mc:AlternateContent>
+    <mc:Choice Requires="p14">
+      <p:transition spd="slow" p14:dur="2000"/>
+    </mc:Choice>
+    <mc:Fallback>
+      <p:transition spd="slow"/>
+    </mc:Fallback>
+  </mc:AlternateContent>
+</p:sld>
+</file>
+
+<file path=ppt/slides/slide37.xml><?xml version="1.0" encoding="utf-8"?>
+<p:sld xmlns:a="http://schemas.openxmlformats.org/drawingml/2006/main" xmlns:p="http://schemas.openxmlformats.org/presentationml/2006/main" xmlns:r="http://schemas.openxmlformats.org/officeDocument/2006/relationships" xmlns:p14="http://schemas.microsoft.com/office/powerpoint/2010/main" xmlns:p15="http://schemas.microsoft.com/office/powerpoint/2012/main" xmlns:mc="http://schemas.openxmlformats.org/markup-compatibility/2006">
+  <p:cSld>
+    <p:spTree>
+      <p:nvGrpSpPr>
+        <p:cNvPr id="1" name=""/>
+        <p:cNvGrpSpPr/>
+        <p:nvPr/>
+      </p:nvGrpSpPr>
+      <p:grpSpPr>
+        <a:xfrm>
+          <a:off x="0" y="0"/>
+          <a:ext cx="0" cy="0"/>
+          <a:chOff x="0" y="0"/>
+          <a:chExt cx="0" cy="0"/>
+        </a:xfrm>
+      </p:grpSpPr>
+      <p:pic>
+        <p:nvPicPr>
+          <p:cNvPr id="433" name="" descr=""/>
+          <p:cNvPicPr/>
+          <p:nvPr/>
+        </p:nvPicPr>
+        <p:blipFill>
+          <a:blip r:embed="rId1"/>
+          <a:stretch/>
+        </p:blipFill>
+        <p:spPr>
+          <a:xfrm>
+            <a:off x="457200" y="1143000"/>
+            <a:ext cx="7985520" cy="5370840"/>
+          </a:xfrm>
+          <a:prstGeom prst="rect">
+            <a:avLst/>
+          </a:prstGeom>
+          <a:ln w="0">
+            <a:noFill/>
+          </a:ln>
+        </p:spPr>
+      </p:pic>
+    </p:spTree>
+  </p:cSld>
+  <mc:AlternateContent>
+    <mc:Choice Requires="p14">
+      <p:transition spd="slow" p14:dur="2000"/>
+    </mc:Choice>
+    <mc:Fallback>
+      <p:transition spd="slow"/>
+    </mc:Fallback>
+  </mc:AlternateContent>
+</p:sld>
+</file>
+
+<file path=ppt/slides/slide38.xml><?xml version="1.0" encoding="utf-8"?>
+<p:sld xmlns:a="http://schemas.openxmlformats.org/drawingml/2006/main" xmlns:p="http://schemas.openxmlformats.org/presentationml/2006/main" xmlns:r="http://schemas.openxmlformats.org/officeDocument/2006/relationships" xmlns:p14="http://schemas.microsoft.com/office/powerpoint/2010/main" xmlns:p15="http://schemas.microsoft.com/office/powerpoint/2012/main" xmlns:mc="http://schemas.openxmlformats.org/markup-compatibility/2006">
+  <p:cSld>
+    <p:spTree>
+      <p:nvGrpSpPr>
+        <p:cNvPr id="1" name=""/>
+        <p:cNvGrpSpPr/>
+        <p:nvPr/>
+      </p:nvGrpSpPr>
+      <p:grpSpPr>
+        <a:xfrm>
+          <a:off x="0" y="0"/>
+          <a:ext cx="0" cy="0"/>
+          <a:chOff x="0" y="0"/>
+          <a:chExt cx="0" cy="0"/>
+        </a:xfrm>
+      </p:grpSpPr>
+      <p:pic>
+        <p:nvPicPr>
+          <p:cNvPr id="434" name="" descr=""/>
+          <p:cNvPicPr/>
+          <p:nvPr/>
+        </p:nvPicPr>
+        <p:blipFill>
+          <a:blip r:embed="rId1"/>
+          <a:stretch/>
+        </p:blipFill>
+        <p:spPr>
+          <a:xfrm>
+            <a:off x="1184760" y="1895400"/>
+            <a:ext cx="6359040" cy="4276800"/>
           </a:xfrm>
           <a:prstGeom prst="rect">
             <a:avLst/>
@@ -26360,7 +26892,7 @@
               </a:lnSpc>
               <a:buNone/>
             </a:pPr>
-            <a:fld id="{7DB7C48B-92A2-4670-8BBE-D4533905765C}" type="slidenum">
+            <a:fld id="{E0EDD6FC-F8D7-4B22-B2BC-85E56C999F8C}" type="slidenum">
               <a:rPr b="1" lang="en-US" sz="2400" spc="-1" strike="noStrike">
                 <a:solidFill>
                   <a:srgbClr val="039a44"/>
@@ -26501,7 +27033,16 @@
                 </a:solidFill>
                 <a:latin typeface="Georgia"/>
               </a:rPr>
-              <a:t>Solar Azimuth and Elevation with Camera</a:t>
+              <a:t>Solar Azimuth and </a:t>
+            </a:r>
+            <a:r>
+              <a:rPr b="1" lang="en-US" sz="2600" spc="-1" strike="noStrike">
+                <a:solidFill>
+                  <a:srgbClr val="000000"/>
+                </a:solidFill>
+                <a:latin typeface="Georgia"/>
+              </a:rPr>
+              <a:t>Elevation with Camera</a:t>
             </a:r>
             <a:endParaRPr b="0" lang="en-US" sz="2600" spc="-1" strike="noStrike">
               <a:latin typeface="Arial"/>
@@ -26720,7 +27261,7 @@
               </a:lnSpc>
               <a:buNone/>
             </a:pPr>
-            <a:fld id="{393A75F3-3C80-479A-8044-5F9736B020CA}" type="slidenum">
+            <a:fld id="{2C7D82C4-087B-4FD8-A8C7-D27425072DE4}" type="slidenum">
               <a:rPr b="1" lang="en-US" sz="2400" spc="-1" strike="noStrike">
                 <a:solidFill>
                   <a:srgbClr val="039a44"/>
@@ -26861,7 +27402,34 @@
                 </a:solidFill>
                 <a:latin typeface="Georgia"/>
               </a:rPr>
-              <a:t>Solar Azimuth with Shadow</a:t>
+              <a:t>Solar </a:t>
+            </a:r>
+            <a:r>
+              <a:rPr b="1" lang="en-US" sz="2600" spc="-1" strike="noStrike">
+                <a:solidFill>
+                  <a:srgbClr val="000000"/>
+                </a:solidFill>
+                <a:latin typeface="Georgia"/>
+              </a:rPr>
+              <a:t>Azimuth </a:t>
+            </a:r>
+            <a:r>
+              <a:rPr b="1" lang="en-US" sz="2600" spc="-1" strike="noStrike">
+                <a:solidFill>
+                  <a:srgbClr val="000000"/>
+                </a:solidFill>
+                <a:latin typeface="Georgia"/>
+              </a:rPr>
+              <a:t>with </a:t>
+            </a:r>
+            <a:r>
+              <a:rPr b="1" lang="en-US" sz="2600" spc="-1" strike="noStrike">
+                <a:solidFill>
+                  <a:srgbClr val="000000"/>
+                </a:solidFill>
+                <a:latin typeface="Georgia"/>
+              </a:rPr>
+              <a:t>Shadow</a:t>
             </a:r>
             <a:endParaRPr b="0" lang="en-US" sz="2600" spc="-1" strike="noStrike">
               <a:latin typeface="Arial"/>
@@ -26919,25 +27487,7 @@
                 </a:solidFill>
                 <a:latin typeface="Arial"/>
               </a:rPr>
-              <a:t>If all we have is a shadow and </a:t>
-            </a:r>
-            <a:r>
-              <a:rPr b="0" lang="en-US" sz="2400" spc="-1" strike="noStrike">
-                <a:solidFill>
-                  <a:srgbClr val="000000"/>
-                </a:solidFill>
-                <a:latin typeface="Arial"/>
-              </a:rPr>
-              <a:t>object we can still find what we </a:t>
-            </a:r>
-            <a:r>
-              <a:rPr b="0" lang="en-US" sz="2400" spc="-1" strike="noStrike">
-                <a:solidFill>
-                  <a:srgbClr val="000000"/>
-                </a:solidFill>
-                <a:latin typeface="Arial"/>
-              </a:rPr>
-              <a:t>need.</a:t>
+              <a:t>If all we have is a shadow and object we can still find what we need.</a:t>
             </a:r>
             <a:endParaRPr b="0" lang="en-US" sz="2400" spc="-1" strike="noStrike">
               <a:latin typeface="Arial"/>
@@ -26966,52 +27516,7 @@
                 </a:solidFill>
                 <a:latin typeface="Arial"/>
               </a:rPr>
-              <a:t>The solar azimuth can be </a:t>
-            </a:r>
-            <a:r>
-              <a:rPr b="0" lang="en-US" sz="2400" spc="-1" strike="noStrike">
-                <a:solidFill>
-                  <a:srgbClr val="000000"/>
-                </a:solidFill>
-                <a:latin typeface="Arial"/>
-              </a:rPr>
-              <a:t>calculated by measuring the </a:t>
-            </a:r>
-            <a:r>
-              <a:rPr b="0" lang="en-US" sz="2400" spc="-1" strike="noStrike">
-                <a:solidFill>
-                  <a:srgbClr val="000000"/>
-                </a:solidFill>
-                <a:latin typeface="Arial"/>
-              </a:rPr>
-              <a:t>angle clockwise from north that </a:t>
-            </a:r>
-            <a:r>
-              <a:rPr b="0" lang="en-US" sz="2400" spc="-1" strike="noStrike">
-                <a:solidFill>
-                  <a:srgbClr val="000000"/>
-                </a:solidFill>
-                <a:latin typeface="Arial"/>
-              </a:rPr>
-              <a:t>a shadow takes from a top </a:t>
-            </a:r>
-            <a:r>
-              <a:rPr b="0" lang="en-US" sz="2400" spc="-1" strike="noStrike">
-                <a:solidFill>
-                  <a:srgbClr val="000000"/>
-                </a:solidFill>
-                <a:latin typeface="Arial"/>
-              </a:rPr>
-              <a:t>down view of the casting </a:t>
-            </a:r>
-            <a:r>
-              <a:rPr b="0" lang="en-US" sz="2400" spc="-1" strike="noStrike">
-                <a:solidFill>
-                  <a:srgbClr val="000000"/>
-                </a:solidFill>
-                <a:latin typeface="Arial"/>
-              </a:rPr>
-              <a:t>object. </a:t>
+              <a:t>The solar azimuth can be calculated by measuring the angle clockwise from north that a shadow takes from a top down view of the casting object. </a:t>
             </a:r>
             <a:endParaRPr b="0" lang="en-US" sz="2400" spc="-1" strike="noStrike">
               <a:latin typeface="Arial"/>
@@ -27067,7 +27572,7 @@
               </a:lnSpc>
               <a:buNone/>
             </a:pPr>
-            <a:fld id="{9BA863EB-3CBF-4D51-8CF2-B3378FFFD9A1}" type="slidenum">
+            <a:fld id="{4EA7AD2D-4D82-4571-BC0C-813BF932D8C7}" type="slidenum">
               <a:rPr b="1" lang="en-US" sz="2400" spc="-1" strike="noStrike">
                 <a:solidFill>
                   <a:srgbClr val="039a44"/>
@@ -27231,16 +27736,7 @@
                 </a:solidFill>
                 <a:latin typeface="Georgia"/>
               </a:rPr>
-              <a:t>Solar Elevation </a:t>
-            </a:r>
-            <a:r>
-              <a:rPr b="1" lang="en-US" sz="2600" spc="-1" strike="noStrike">
-                <a:solidFill>
-                  <a:srgbClr val="000000"/>
-                </a:solidFill>
-                <a:latin typeface="Georgia"/>
-              </a:rPr>
-              <a:t>with Shadow</a:t>
+              <a:t>Solar Elevation with Shadow</a:t>
             </a:r>
             <a:endParaRPr b="0" lang="en-US" sz="2600" spc="-1" strike="noStrike">
               <a:latin typeface="Arial"/>
@@ -27298,25 +27794,7 @@
                 </a:solidFill>
                 <a:latin typeface="Arial"/>
               </a:rPr>
-              <a:t>If all we have is a shadow </a:t>
-            </a:r>
-            <a:r>
-              <a:rPr b="0" lang="en-US" sz="2400" spc="-1" strike="noStrike">
-                <a:solidFill>
-                  <a:srgbClr val="000000"/>
-                </a:solidFill>
-                <a:latin typeface="Arial"/>
-              </a:rPr>
-              <a:t>and object we can still find </a:t>
-            </a:r>
-            <a:r>
-              <a:rPr b="0" lang="en-US" sz="2400" spc="-1" strike="noStrike">
-                <a:solidFill>
-                  <a:srgbClr val="000000"/>
-                </a:solidFill>
-                <a:latin typeface="Arial"/>
-              </a:rPr>
-              <a:t>what we need.</a:t>
+              <a:t>If all we have is a shadow and object we can still find what we need.</a:t>
             </a:r>
             <a:endParaRPr b="0" lang="en-US" sz="2400" spc="-1" strike="noStrike">
               <a:latin typeface="Arial"/>
@@ -27345,43 +27823,7 @@
                 </a:solidFill>
                 <a:latin typeface="Arial"/>
               </a:rPr>
-              <a:t>The solar elevation can be </a:t>
-            </a:r>
-            <a:r>
-              <a:rPr b="0" lang="en-US" sz="2400" spc="-1" strike="noStrike">
-                <a:solidFill>
-                  <a:srgbClr val="000000"/>
-                </a:solidFill>
-                <a:latin typeface="Arial"/>
-              </a:rPr>
-              <a:t>found using the tangent </a:t>
-            </a:r>
-            <a:r>
-              <a:rPr b="0" lang="en-US" sz="2400" spc="-1" strike="noStrike">
-                <a:solidFill>
-                  <a:srgbClr val="000000"/>
-                </a:solidFill>
-                <a:latin typeface="Arial"/>
-              </a:rPr>
-              <a:t>between the height of an </a:t>
-            </a:r>
-            <a:r>
-              <a:rPr b="0" lang="en-US" sz="2400" spc="-1" strike="noStrike">
-                <a:solidFill>
-                  <a:srgbClr val="000000"/>
-                </a:solidFill>
-                <a:latin typeface="Arial"/>
-              </a:rPr>
-              <a:t>object and its </a:t>
-            </a:r>
-            <a:r>
-              <a:rPr b="0" lang="en-US" sz="2400" spc="-1" strike="noStrike">
-                <a:solidFill>
-                  <a:srgbClr val="000000"/>
-                </a:solidFill>
-                <a:latin typeface="Arial"/>
-              </a:rPr>
-              <a:t>corresponding shadow</a:t>
+              <a:t>The solar elevation can be found using the tangent between the height of an object and its corresponding shadow</a:t>
             </a:r>
             <a:endParaRPr b="0" lang="en-US" sz="2400" spc="-1" strike="noStrike">
               <a:latin typeface="Arial"/>
@@ -27437,7 +27879,7 @@
               </a:lnSpc>
               <a:buNone/>
             </a:pPr>
-            <a:fld id="{12743F69-8D09-4C07-B95A-82BD81562E82}" type="slidenum">
+            <a:fld id="{F226D600-CFB7-4CF6-B353-3AB4D8E03719}" type="slidenum">
               <a:rPr b="1" lang="en-US" sz="2400" spc="-1" strike="noStrike">
                 <a:solidFill>
                   <a:srgbClr val="039a44"/>
@@ -27604,7 +28046,52 @@
                 </a:solidFill>
                 <a:latin typeface="Arial"/>
               </a:rPr>
-              <a:t>Once a local azimuth and altitude have been found, we can use that along with our UTC time to begin testing for our current latitude and longitude</a:t>
+              <a:t>Once a local azimuth and </a:t>
+            </a:r>
+            <a:r>
+              <a:rPr b="0" lang="en-US" sz="2400" spc="-1" strike="noStrike">
+                <a:solidFill>
+                  <a:srgbClr val="000000"/>
+                </a:solidFill>
+                <a:latin typeface="Arial"/>
+              </a:rPr>
+              <a:t>altitude have been found, </a:t>
+            </a:r>
+            <a:r>
+              <a:rPr b="0" lang="en-US" sz="2400" spc="-1" strike="noStrike">
+                <a:solidFill>
+                  <a:srgbClr val="000000"/>
+                </a:solidFill>
+                <a:latin typeface="Arial"/>
+              </a:rPr>
+              <a:t>we can use that along with </a:t>
+            </a:r>
+            <a:r>
+              <a:rPr b="0" lang="en-US" sz="2400" spc="-1" strike="noStrike">
+                <a:solidFill>
+                  <a:srgbClr val="000000"/>
+                </a:solidFill>
+                <a:latin typeface="Arial"/>
+              </a:rPr>
+              <a:t>our UTC time to begin </a:t>
+            </a:r>
+            <a:r>
+              <a:rPr b="0" lang="en-US" sz="2400" spc="-1" strike="noStrike">
+                <a:solidFill>
+                  <a:srgbClr val="000000"/>
+                </a:solidFill>
+                <a:latin typeface="Arial"/>
+              </a:rPr>
+              <a:t>testing for our current </a:t>
+            </a:r>
+            <a:r>
+              <a:rPr b="0" lang="en-US" sz="2400" spc="-1" strike="noStrike">
+                <a:solidFill>
+                  <a:srgbClr val="000000"/>
+                </a:solidFill>
+                <a:latin typeface="Arial"/>
+              </a:rPr>
+              <a:t>latitude and longitude</a:t>
             </a:r>
             <a:endParaRPr b="0" lang="en-US" sz="2400" spc="-1" strike="noStrike">
               <a:latin typeface="Arial"/>
@@ -27660,7 +28147,7 @@
               </a:lnSpc>
               <a:buNone/>
             </a:pPr>
-            <a:fld id="{AC9C0392-3A99-426C-987A-8F9B50B9854A}" type="slidenum">
+            <a:fld id="{2A232F46-B0B9-46E5-A7B5-6E9F48B2C7CF}" type="slidenum">
               <a:rPr b="1" lang="en-US" sz="2400" spc="-1" strike="noStrike">
                 <a:solidFill>
                   <a:srgbClr val="039a44"/>
@@ -27938,7 +28425,7 @@
               </a:lnSpc>
               <a:buNone/>
             </a:pPr>
-            <a:fld id="{CC18E76C-714B-40AD-8B96-ACB141893F9C}" type="slidenum">
+            <a:fld id="{FE838EF4-FEF6-4366-AF75-978B5A8598C9}" type="slidenum">
               <a:rPr b="1" lang="en-US" sz="2400" spc="-1" strike="noStrike">
                 <a:solidFill>
                   <a:srgbClr val="039a44"/>

--- a/Sun_check_algorithm/sun_based_loacalization.pptx
+++ b/Sun_check_algorithm/sun_based_loacalization.pptx
@@ -335,7 +335,7 @@
             <a:pPr algn="r">
               <a:buNone/>
             </a:pPr>
-            <a:fld id="{641A9707-A6C0-4C5D-991F-B5EE31033351}" type="slidenum">
+            <a:fld id="{E2E7389F-FCDF-4BEE-B1CA-DF6282EC4FA4}" type="slidenum">
               <a:rPr b="0" lang="en-US" sz="1400" spc="-1" strike="noStrike">
                 <a:latin typeface="Times New Roman"/>
               </a:rPr>
@@ -472,7 +472,7 @@
               </a:lnSpc>
               <a:buNone/>
             </a:pPr>
-            <a:fld id="{D3AC9F5E-1700-4D9F-8C4B-0EC393495617}" type="slidenum">
+            <a:fld id="{3E677619-976A-463E-86DC-4237BE957FD8}" type="slidenum">
               <a:rPr b="0" lang="en-US" sz="1200" spc="-1" strike="noStrike">
                 <a:latin typeface="Times New Roman"/>
               </a:rPr>
@@ -608,7 +608,7 @@
               </a:lnSpc>
               <a:buNone/>
             </a:pPr>
-            <a:fld id="{C25F6245-208B-404B-A457-175CC214C3B4}" type="slidenum">
+            <a:fld id="{6288FE1B-53A1-436A-96AA-E51D19285AE8}" type="slidenum">
               <a:rPr b="0" lang="en-US" sz="1200" spc="-1" strike="noStrike">
                 <a:latin typeface="Times New Roman"/>
               </a:rPr>
@@ -744,7 +744,7 @@
               </a:lnSpc>
               <a:buNone/>
             </a:pPr>
-            <a:fld id="{D8CDF935-1539-4FB6-9FB6-48787EAA7600}" type="slidenum">
+            <a:fld id="{B4BCCD44-893D-4791-9B36-0972752EE364}" type="slidenum">
               <a:rPr b="0" lang="en-US" sz="1200" spc="-1" strike="noStrike">
                 <a:latin typeface="Times New Roman"/>
               </a:rPr>
@@ -905,7 +905,7 @@
               </a:lnSpc>
               <a:buNone/>
             </a:pPr>
-            <a:fld id="{D3E9489B-69EB-4901-B265-5DB259132D9C}" type="slidenum">
+            <a:fld id="{60ECB929-610A-4AB9-8516-BA58763EE8B2}" type="slidenum">
               <a:rPr b="0" lang="en-US" sz="1200" spc="-1" strike="noStrike">
                 <a:latin typeface="Times New Roman"/>
               </a:rPr>
@@ -1041,7 +1041,7 @@
               </a:lnSpc>
               <a:buNone/>
             </a:pPr>
-            <a:fld id="{F7B12EED-813B-4103-AAAB-43A960015569}" type="slidenum">
+            <a:fld id="{4D50F70F-04DF-4A37-BF2B-20DB1AF27059}" type="slidenum">
               <a:rPr b="0" lang="en-US" sz="1200" spc="-1" strike="noStrike">
                 <a:latin typeface="Times New Roman"/>
               </a:rPr>
@@ -1177,7 +1177,7 @@
               </a:lnSpc>
               <a:buNone/>
             </a:pPr>
-            <a:fld id="{F3957106-70A4-44B2-903D-69BDD0EFA390}" type="slidenum">
+            <a:fld id="{1EDFEDCC-A5FD-4199-BF97-5B1D54D97BE3}" type="slidenum">
               <a:rPr b="0" lang="en-US" sz="1200" spc="-1" strike="noStrike">
                 <a:latin typeface="Times New Roman"/>
               </a:rPr>
@@ -1785,7 +1785,7 @@
               </a:lnSpc>
               <a:buNone/>
             </a:pPr>
-            <a:fld id="{C7547054-CE88-4C59-8D8C-D3BF077E9430}" type="slidenum">
+            <a:fld id="{8A79717E-35C5-4407-A713-7C370638D1A6}" type="slidenum">
               <a:rPr b="0" lang="en-US" sz="1200" spc="-1" strike="noStrike">
                 <a:latin typeface="Times New Roman"/>
               </a:rPr>
@@ -1921,7 +1921,7 @@
               </a:lnSpc>
               <a:buNone/>
             </a:pPr>
-            <a:fld id="{8A6F9486-DD27-4883-966D-E4145EB9B36A}" type="slidenum">
+            <a:fld id="{13503109-AC95-480B-9185-48DD3BC1E7B3}" type="slidenum">
               <a:rPr b="0" lang="en-US" sz="1200" spc="-1" strike="noStrike">
                 <a:latin typeface="Times New Roman"/>
               </a:rPr>
@@ -2057,7 +2057,7 @@
               </a:lnSpc>
               <a:buNone/>
             </a:pPr>
-            <a:fld id="{2B8F2684-061D-43D6-9332-AA338540BCBE}" type="slidenum">
+            <a:fld id="{04392C5B-82F8-4A29-AB8A-8D99B5BA17A0}" type="slidenum">
               <a:rPr b="0" lang="en-US" sz="1200" spc="-1" strike="noStrike">
                 <a:latin typeface="Times New Roman"/>
               </a:rPr>
@@ -2193,7 +2193,7 @@
               </a:lnSpc>
               <a:buNone/>
             </a:pPr>
-            <a:fld id="{2D907FB3-1EA6-4F2E-B5B0-29DBB0A57663}" type="slidenum">
+            <a:fld id="{5429C22B-CC47-4CF8-BC74-84EC76F579D6}" type="slidenum">
               <a:rPr b="0" lang="en-US" sz="1200" spc="-1" strike="noStrike">
                 <a:latin typeface="Times New Roman"/>
               </a:rPr>
@@ -2329,7 +2329,7 @@
               </a:lnSpc>
               <a:buNone/>
             </a:pPr>
-            <a:fld id="{C68513F2-94F5-4374-979A-BF4BC194FDAB}" type="slidenum">
+            <a:fld id="{FC642E72-2CBA-40DE-9E95-DF60B169429C}" type="slidenum">
               <a:rPr b="0" lang="en-US" sz="1200" spc="-1" strike="noStrike">
                 <a:latin typeface="Times New Roman"/>
               </a:rPr>
@@ -2465,7 +2465,7 @@
               </a:lnSpc>
               <a:buNone/>
             </a:pPr>
-            <a:fld id="{590B7259-B81C-4E8A-AE02-A304B8308BC9}" type="slidenum">
+            <a:fld id="{E813E06F-E517-424A-86B4-FBEDD7346F5D}" type="slidenum">
               <a:rPr b="0" lang="en-US" sz="1200" spc="-1" strike="noStrike">
                 <a:latin typeface="Times New Roman"/>
               </a:rPr>
@@ -2601,7 +2601,7 @@
               </a:lnSpc>
               <a:buNone/>
             </a:pPr>
-            <a:fld id="{9DCFEFB5-C436-4B86-A400-9460694BBF69}" type="slidenum">
+            <a:fld id="{1DF6436D-C761-40CC-96B6-7AE060D528BB}" type="slidenum">
               <a:rPr b="0" lang="en-US" sz="1200" spc="-1" strike="noStrike">
                 <a:latin typeface="Times New Roman"/>
               </a:rPr>
@@ -2737,7 +2737,7 @@
               </a:lnSpc>
               <a:buNone/>
             </a:pPr>
-            <a:fld id="{22122547-8ADC-44EF-A87A-9036673391E7}" type="slidenum">
+            <a:fld id="{7F5E08BF-E2B6-42C9-8910-42F5A559255B}" type="slidenum">
               <a:rPr b="0" lang="en-US" sz="1200" spc="-1" strike="noStrike">
                 <a:latin typeface="Times New Roman"/>
               </a:rPr>
@@ -2873,7 +2873,7 @@
               </a:lnSpc>
               <a:buNone/>
             </a:pPr>
-            <a:fld id="{417362C7-88CB-494E-899D-384C71DE55B4}" type="slidenum">
+            <a:fld id="{80E0D1DC-9EAE-47BC-B322-14DF940E1A71}" type="slidenum">
               <a:rPr b="0" lang="en-US" sz="1200" spc="-1" strike="noStrike">
                 <a:latin typeface="Times New Roman"/>
               </a:rPr>
@@ -3009,7 +3009,7 @@
               </a:lnSpc>
               <a:buNone/>
             </a:pPr>
-            <a:fld id="{F6E51A73-4494-4BCB-8B08-0229BF839DF9}" type="slidenum">
+            <a:fld id="{55B8FF12-06D3-4FE9-86B3-CA2BF9265D1B}" type="slidenum">
               <a:rPr b="0" lang="en-US" sz="1200" spc="-1" strike="noStrike">
                 <a:latin typeface="Times New Roman"/>
               </a:rPr>
@@ -3145,7 +3145,7 @@
               </a:lnSpc>
               <a:buNone/>
             </a:pPr>
-            <a:fld id="{ED683E94-800E-4A5E-9906-F9A669717831}" type="slidenum">
+            <a:fld id="{0080FEAA-3AD6-490E-8101-5D7DD11C2573}" type="slidenum">
               <a:rPr b="0" lang="en-US" sz="1200" spc="-1" strike="noStrike">
                 <a:latin typeface="Times New Roman"/>
               </a:rPr>
@@ -3281,7 +3281,7 @@
               </a:lnSpc>
               <a:buNone/>
             </a:pPr>
-            <a:fld id="{0169925D-D355-4662-8EC3-0EAEA2AEF680}" type="slidenum">
+            <a:fld id="{D4F98405-BD75-4C8A-8370-0334126398D7}" type="slidenum">
               <a:rPr b="0" lang="en-US" sz="1200" spc="-1" strike="noStrike">
                 <a:latin typeface="Times New Roman"/>
               </a:rPr>
@@ -3417,7 +3417,7 @@
               </a:lnSpc>
               <a:buNone/>
             </a:pPr>
-            <a:fld id="{B3684CA9-CF4A-4026-9DAA-E112FF5C47BE}" type="slidenum">
+            <a:fld id="{7A2CA556-EDCA-486B-939C-297ADE313337}" type="slidenum">
               <a:rPr b="0" lang="en-US" sz="1200" spc="-1" strike="noStrike">
                 <a:latin typeface="Times New Roman"/>
               </a:rPr>
@@ -3553,7 +3553,7 @@
               </a:lnSpc>
               <a:buNone/>
             </a:pPr>
-            <a:fld id="{60459721-81E3-4FBE-AFEC-E4F9287254FC}" type="slidenum">
+            <a:fld id="{F8A1E939-56BC-48B0-9C0A-1321F68ED105}" type="slidenum">
               <a:rPr b="0" lang="en-US" sz="1200" spc="-1" strike="noStrike">
                 <a:latin typeface="Times New Roman"/>
               </a:rPr>
@@ -3689,7 +3689,7 @@
               </a:lnSpc>
               <a:buNone/>
             </a:pPr>
-            <a:fld id="{5CCA1197-91D6-4111-9DEA-AD95FCFA8DE4}" type="slidenum">
+            <a:fld id="{E511F98D-D427-40B8-9BDD-BA7965F90BF9}" type="slidenum">
               <a:rPr b="0" lang="en-US" sz="1200" spc="-1" strike="noStrike">
                 <a:latin typeface="Times New Roman"/>
               </a:rPr>
@@ -3825,7 +3825,7 @@
               </a:lnSpc>
               <a:buNone/>
             </a:pPr>
-            <a:fld id="{2B148E13-3F21-4F22-8274-3ADA7B8ED13E}" type="slidenum">
+            <a:fld id="{156F1A9E-C2CF-4CDA-903A-A24C7FBD11C7}" type="slidenum">
               <a:rPr b="0" lang="en-US" sz="1200" spc="-1" strike="noStrike">
                 <a:latin typeface="Times New Roman"/>
               </a:rPr>
@@ -3961,7 +3961,7 @@
               </a:lnSpc>
               <a:buNone/>
             </a:pPr>
-            <a:fld id="{05242E37-CFB4-4F58-9028-08BB9E3F55FB}" type="slidenum">
+            <a:fld id="{85D9C27C-1B49-4746-8370-F89ABE1BE7FD}" type="slidenum">
               <a:rPr b="0" lang="en-US" sz="1200" spc="-1" strike="noStrike">
                 <a:latin typeface="Times New Roman"/>
               </a:rPr>
@@ -4097,7 +4097,7 @@
               </a:lnSpc>
               <a:buNone/>
             </a:pPr>
-            <a:fld id="{0A188FF1-CEF4-49B3-A8B8-AF084D56C77D}" type="slidenum">
+            <a:fld id="{ED526BA8-DCAC-4684-99C0-656081D4EC09}" type="slidenum">
               <a:rPr b="0" lang="en-US" sz="1200" spc="-1" strike="noStrike">
                 <a:latin typeface="Times New Roman"/>
               </a:rPr>
@@ -4233,7 +4233,7 @@
               </a:lnSpc>
               <a:buNone/>
             </a:pPr>
-            <a:fld id="{298B8127-3A72-4DA2-8E73-F287A6349404}" type="slidenum">
+            <a:fld id="{6CDD305C-AD2C-4C68-92FD-463ABDAC3E60}" type="slidenum">
               <a:rPr b="0" lang="en-US" sz="1200" spc="-1" strike="noStrike">
                 <a:latin typeface="Times New Roman"/>
               </a:rPr>
@@ -4369,7 +4369,7 @@
               </a:lnSpc>
               <a:buNone/>
             </a:pPr>
-            <a:fld id="{559C1054-977A-432A-81B2-C885C4BD1206}" type="slidenum">
+            <a:fld id="{FBCF60F5-B6FA-462A-865F-B35F6AF33B00}" type="slidenum">
               <a:rPr b="0" lang="en-US" sz="1200" spc="-1" strike="noStrike">
                 <a:latin typeface="Times New Roman"/>
               </a:rPr>
@@ -4505,7 +4505,7 @@
               </a:lnSpc>
               <a:buNone/>
             </a:pPr>
-            <a:fld id="{496A505D-6A01-4F97-A3AD-98D4619C8B71}" type="slidenum">
+            <a:fld id="{E1E6F888-5279-49A3-8FB2-CA009F2B95F0}" type="slidenum">
               <a:rPr b="0" lang="en-US" sz="1200" spc="-1" strike="noStrike">
                 <a:latin typeface="Times New Roman"/>
               </a:rPr>
@@ -4641,7 +4641,7 @@
               </a:lnSpc>
               <a:buNone/>
             </a:pPr>
-            <a:fld id="{AA203E4A-DA0A-44AF-9EB0-59DD914BC30F}" type="slidenum">
+            <a:fld id="{C155B5E6-C666-4CB1-A3DE-2AE3BD91E60A}" type="slidenum">
               <a:rPr b="0" lang="en-US" sz="1200" spc="-1" strike="noStrike">
                 <a:latin typeface="Times New Roman"/>
               </a:rPr>
@@ -15862,109 +15862,7 @@
               <a:rPr b="0" lang="en-US" sz="4400" spc="-1" strike="noStrike">
                 <a:latin typeface="Arial"/>
               </a:rPr>
-              <a:t>C</a:t>
-            </a:r>
-            <a:r>
-              <a:rPr b="0" lang="en-US" sz="4400" spc="-1" strike="noStrike">
-                <a:latin typeface="Arial"/>
-              </a:rPr>
-              <a:t>li</a:t>
-            </a:r>
-            <a:r>
-              <a:rPr b="0" lang="en-US" sz="4400" spc="-1" strike="noStrike">
-                <a:latin typeface="Arial"/>
-              </a:rPr>
-              <a:t>c</a:t>
-            </a:r>
-            <a:r>
-              <a:rPr b="0" lang="en-US" sz="4400" spc="-1" strike="noStrike">
-                <a:latin typeface="Arial"/>
-              </a:rPr>
-              <a:t>k </a:t>
-            </a:r>
-            <a:r>
-              <a:rPr b="0" lang="en-US" sz="4400" spc="-1" strike="noStrike">
-                <a:latin typeface="Arial"/>
-              </a:rPr>
-              <a:t>to </a:t>
-            </a:r>
-            <a:r>
-              <a:rPr b="0" lang="en-US" sz="4400" spc="-1" strike="noStrike">
-                <a:latin typeface="Arial"/>
-              </a:rPr>
-              <a:t>e</a:t>
-            </a:r>
-            <a:r>
-              <a:rPr b="0" lang="en-US" sz="4400" spc="-1" strike="noStrike">
-                <a:latin typeface="Arial"/>
-              </a:rPr>
-              <a:t>di</a:t>
-            </a:r>
-            <a:r>
-              <a:rPr b="0" lang="en-US" sz="4400" spc="-1" strike="noStrike">
-                <a:latin typeface="Arial"/>
-              </a:rPr>
-              <a:t>t </a:t>
-            </a:r>
-            <a:r>
-              <a:rPr b="0" lang="en-US" sz="4400" spc="-1" strike="noStrike">
-                <a:latin typeface="Arial"/>
-              </a:rPr>
-              <a:t>th</a:t>
-            </a:r>
-            <a:r>
-              <a:rPr b="0" lang="en-US" sz="4400" spc="-1" strike="noStrike">
-                <a:latin typeface="Arial"/>
-              </a:rPr>
-              <a:t>e </a:t>
-            </a:r>
-            <a:r>
-              <a:rPr b="0" lang="en-US" sz="4400" spc="-1" strike="noStrike">
-                <a:latin typeface="Arial"/>
-              </a:rPr>
-              <a:t>tit</a:t>
-            </a:r>
-            <a:r>
-              <a:rPr b="0" lang="en-US" sz="4400" spc="-1" strike="noStrike">
-                <a:latin typeface="Arial"/>
-              </a:rPr>
-              <a:t>le </a:t>
-            </a:r>
-            <a:r>
-              <a:rPr b="0" lang="en-US" sz="4400" spc="-1" strike="noStrike">
-                <a:latin typeface="Arial"/>
-              </a:rPr>
-              <a:t>te</a:t>
-            </a:r>
-            <a:r>
-              <a:rPr b="0" lang="en-US" sz="4400" spc="-1" strike="noStrike">
-                <a:latin typeface="Arial"/>
-              </a:rPr>
-              <a:t>xt </a:t>
-            </a:r>
-            <a:r>
-              <a:rPr b="0" lang="en-US" sz="4400" spc="-1" strike="noStrike">
-                <a:latin typeface="Arial"/>
-              </a:rPr>
-              <a:t>fo</a:t>
-            </a:r>
-            <a:r>
-              <a:rPr b="0" lang="en-US" sz="4400" spc="-1" strike="noStrike">
-                <a:latin typeface="Arial"/>
-              </a:rPr>
-              <a:t>r</a:t>
-            </a:r>
-            <a:r>
-              <a:rPr b="0" lang="en-US" sz="4400" spc="-1" strike="noStrike">
-                <a:latin typeface="Arial"/>
-              </a:rPr>
-              <a:t>m</a:t>
-            </a:r>
-            <a:r>
-              <a:rPr b="0" lang="en-US" sz="4400" spc="-1" strike="noStrike">
-                <a:latin typeface="Arial"/>
-              </a:rPr>
-              <a:t>at</a:t>
+              <a:t>Click to edit the title text format</a:t>
             </a:r>
             <a:endParaRPr b="0" lang="en-US" sz="4400" spc="-1" strike="noStrike">
               <a:latin typeface="Arial"/>
@@ -16015,13 +15913,7 @@
               <a:rPr b="0" lang="en-US" sz="3200" spc="-1" strike="noStrike">
                 <a:latin typeface="Arial"/>
               </a:rPr>
-              <a:t>Click to edit the </a:t>
-            </a:r>
-            <a:r>
-              <a:rPr b="0" lang="en-US" sz="3200" spc="-1" strike="noStrike">
-                <a:latin typeface="Arial"/>
-              </a:rPr>
-              <a:t>outline text format</a:t>
+              <a:t>Click to edit the outline text format</a:t>
             </a:r>
             <a:endParaRPr b="0" lang="en-US" sz="3200" spc="-1" strike="noStrike">
               <a:latin typeface="Arial"/>
@@ -16043,13 +15935,7 @@
               <a:rPr b="0" lang="en-US" sz="2800" spc="-1" strike="noStrike">
                 <a:latin typeface="Arial"/>
               </a:rPr>
-              <a:t>Second Outline </a:t>
-            </a:r>
-            <a:r>
-              <a:rPr b="0" lang="en-US" sz="2800" spc="-1" strike="noStrike">
-                <a:latin typeface="Arial"/>
-              </a:rPr>
-              <a:t>Level</a:t>
+              <a:t>Second Outline Level</a:t>
             </a:r>
             <a:endParaRPr b="0" lang="en-US" sz="2800" spc="-1" strike="noStrike">
               <a:latin typeface="Arial"/>
@@ -16115,13 +16001,7 @@
               <a:rPr b="0" lang="en-US" sz="2000" spc="-1" strike="noStrike">
                 <a:latin typeface="Arial"/>
               </a:rPr>
-              <a:t>Fifth Outline </a:t>
-            </a:r>
-            <a:r>
-              <a:rPr b="0" lang="en-US" sz="2000" spc="-1" strike="noStrike">
-                <a:latin typeface="Arial"/>
-              </a:rPr>
-              <a:t>Level</a:t>
+              <a:t>Fifth Outline Level</a:t>
             </a:r>
             <a:endParaRPr b="0" lang="en-US" sz="2000" spc="-1" strike="noStrike">
               <a:latin typeface="Arial"/>
@@ -16143,13 +16023,7 @@
               <a:rPr b="0" lang="en-US" sz="2000" spc="-1" strike="noStrike">
                 <a:latin typeface="Arial"/>
               </a:rPr>
-              <a:t>Sixth Outline </a:t>
-            </a:r>
-            <a:r>
-              <a:rPr b="0" lang="en-US" sz="2000" spc="-1" strike="noStrike">
-                <a:latin typeface="Arial"/>
-              </a:rPr>
-              <a:t>Level</a:t>
+              <a:t>Sixth Outline Level</a:t>
             </a:r>
             <a:endParaRPr b="0" lang="en-US" sz="2000" spc="-1" strike="noStrike">
               <a:latin typeface="Arial"/>
@@ -16171,19 +16045,7 @@
               <a:rPr b="0" lang="en-US" sz="2000" spc="-1" strike="noStrike">
                 <a:latin typeface="Arial"/>
               </a:rPr>
-              <a:t>Seventh </a:t>
-            </a:r>
-            <a:r>
-              <a:rPr b="0" lang="en-US" sz="2000" spc="-1" strike="noStrike">
-                <a:latin typeface="Arial"/>
-              </a:rPr>
-              <a:t>Outline </a:t>
-            </a:r>
-            <a:r>
-              <a:rPr b="0" lang="en-US" sz="2000" spc="-1" strike="noStrike">
-                <a:latin typeface="Arial"/>
-              </a:rPr>
-              <a:t>Level</a:t>
+              <a:t>Seventh Outline Level</a:t>
             </a:r>
             <a:endParaRPr b="0" lang="en-US" sz="2000" spc="-1" strike="noStrike">
               <a:latin typeface="Arial"/>
@@ -16750,109 +16612,7 @@
               <a:rPr b="0" lang="en-US" sz="4400" spc="-1" strike="noStrike">
                 <a:latin typeface="Arial"/>
               </a:rPr>
-              <a:t>C</a:t>
-            </a:r>
-            <a:r>
-              <a:rPr b="0" lang="en-US" sz="4400" spc="-1" strike="noStrike">
-                <a:latin typeface="Arial"/>
-              </a:rPr>
-              <a:t>li</a:t>
-            </a:r>
-            <a:r>
-              <a:rPr b="0" lang="en-US" sz="4400" spc="-1" strike="noStrike">
-                <a:latin typeface="Arial"/>
-              </a:rPr>
-              <a:t>c</a:t>
-            </a:r>
-            <a:r>
-              <a:rPr b="0" lang="en-US" sz="4400" spc="-1" strike="noStrike">
-                <a:latin typeface="Arial"/>
-              </a:rPr>
-              <a:t>k </a:t>
-            </a:r>
-            <a:r>
-              <a:rPr b="0" lang="en-US" sz="4400" spc="-1" strike="noStrike">
-                <a:latin typeface="Arial"/>
-              </a:rPr>
-              <a:t>to </a:t>
-            </a:r>
-            <a:r>
-              <a:rPr b="0" lang="en-US" sz="4400" spc="-1" strike="noStrike">
-                <a:latin typeface="Arial"/>
-              </a:rPr>
-              <a:t>e</a:t>
-            </a:r>
-            <a:r>
-              <a:rPr b="0" lang="en-US" sz="4400" spc="-1" strike="noStrike">
-                <a:latin typeface="Arial"/>
-              </a:rPr>
-              <a:t>di</a:t>
-            </a:r>
-            <a:r>
-              <a:rPr b="0" lang="en-US" sz="4400" spc="-1" strike="noStrike">
-                <a:latin typeface="Arial"/>
-              </a:rPr>
-              <a:t>t </a:t>
-            </a:r>
-            <a:r>
-              <a:rPr b="0" lang="en-US" sz="4400" spc="-1" strike="noStrike">
-                <a:latin typeface="Arial"/>
-              </a:rPr>
-              <a:t>th</a:t>
-            </a:r>
-            <a:r>
-              <a:rPr b="0" lang="en-US" sz="4400" spc="-1" strike="noStrike">
-                <a:latin typeface="Arial"/>
-              </a:rPr>
-              <a:t>e </a:t>
-            </a:r>
-            <a:r>
-              <a:rPr b="0" lang="en-US" sz="4400" spc="-1" strike="noStrike">
-                <a:latin typeface="Arial"/>
-              </a:rPr>
-              <a:t>tit</a:t>
-            </a:r>
-            <a:r>
-              <a:rPr b="0" lang="en-US" sz="4400" spc="-1" strike="noStrike">
-                <a:latin typeface="Arial"/>
-              </a:rPr>
-              <a:t>le </a:t>
-            </a:r>
-            <a:r>
-              <a:rPr b="0" lang="en-US" sz="4400" spc="-1" strike="noStrike">
-                <a:latin typeface="Arial"/>
-              </a:rPr>
-              <a:t>te</a:t>
-            </a:r>
-            <a:r>
-              <a:rPr b="0" lang="en-US" sz="4400" spc="-1" strike="noStrike">
-                <a:latin typeface="Arial"/>
-              </a:rPr>
-              <a:t>xt </a:t>
-            </a:r>
-            <a:r>
-              <a:rPr b="0" lang="en-US" sz="4400" spc="-1" strike="noStrike">
-                <a:latin typeface="Arial"/>
-              </a:rPr>
-              <a:t>fo</a:t>
-            </a:r>
-            <a:r>
-              <a:rPr b="0" lang="en-US" sz="4400" spc="-1" strike="noStrike">
-                <a:latin typeface="Arial"/>
-              </a:rPr>
-              <a:t>r</a:t>
-            </a:r>
-            <a:r>
-              <a:rPr b="0" lang="en-US" sz="4400" spc="-1" strike="noStrike">
-                <a:latin typeface="Arial"/>
-              </a:rPr>
-              <a:t>m</a:t>
-            </a:r>
-            <a:r>
-              <a:rPr b="0" lang="en-US" sz="4400" spc="-1" strike="noStrike">
-                <a:latin typeface="Arial"/>
-              </a:rPr>
-              <a:t>at</a:t>
+              <a:t>Click to edit the title text format</a:t>
             </a:r>
             <a:endParaRPr b="0" lang="en-US" sz="4400" spc="-1" strike="noStrike">
               <a:latin typeface="Arial"/>
@@ -17385,7 +17145,13 @@
               <a:rPr b="0" lang="en-US" sz="1800" spc="-1" strike="noStrike">
                 <a:latin typeface="Arial"/>
               </a:rPr>
-              <a:t>Sixth Outline Level</a:t>
+              <a:t>Sixth Outline </a:t>
+            </a:r>
+            <a:r>
+              <a:rPr b="0" lang="en-US" sz="1800" spc="-1" strike="noStrike">
+                <a:latin typeface="Arial"/>
+              </a:rPr>
+              <a:t>Level</a:t>
             </a:r>
             <a:endParaRPr b="0" lang="en-US" sz="1800" spc="-1" strike="noStrike">
               <a:latin typeface="Arial"/>
@@ -17407,7 +17173,13 @@
               <a:rPr b="0" lang="en-US" sz="1800" spc="-1" strike="noStrike">
                 <a:latin typeface="Arial"/>
               </a:rPr>
-              <a:t>Seventh Outline Level</a:t>
+              <a:t>Seventh </a:t>
+            </a:r>
+            <a:r>
+              <a:rPr b="0" lang="en-US" sz="1800" spc="-1" strike="noStrike">
+                <a:latin typeface="Arial"/>
+              </a:rPr>
+              <a:t>Outline Level</a:t>
             </a:r>
             <a:endParaRPr b="0" lang="en-US" sz="1800" spc="-1" strike="noStrike">
               <a:latin typeface="Arial"/>
@@ -17568,13 +17340,7 @@
               <a:rPr b="0" lang="en-US" sz="1800" spc="-1" strike="noStrike">
                 <a:latin typeface="Arial"/>
               </a:rPr>
-              <a:t>Sixth Outline </a:t>
-            </a:r>
-            <a:r>
-              <a:rPr b="0" lang="en-US" sz="1800" spc="-1" strike="noStrike">
-                <a:latin typeface="Arial"/>
-              </a:rPr>
-              <a:t>Level</a:t>
+              <a:t>Sixth Outline Level</a:t>
             </a:r>
             <a:endParaRPr b="0" lang="en-US" sz="1800" spc="-1" strike="noStrike">
               <a:latin typeface="Arial"/>
@@ -17596,13 +17362,7 @@
               <a:rPr b="0" lang="en-US" sz="1800" spc="-1" strike="noStrike">
                 <a:latin typeface="Arial"/>
               </a:rPr>
-              <a:t>Seventh </a:t>
-            </a:r>
-            <a:r>
-              <a:rPr b="0" lang="en-US" sz="1800" spc="-1" strike="noStrike">
-                <a:latin typeface="Arial"/>
-              </a:rPr>
-              <a:t>Outline Level</a:t>
+              <a:t>Seventh Outline Level</a:t>
             </a:r>
             <a:endParaRPr b="0" lang="en-US" sz="1800" spc="-1" strike="noStrike">
               <a:latin typeface="Arial"/>
@@ -18217,7 +17977,13 @@
               <a:rPr b="0" lang="en-US" sz="1800" spc="-1" strike="noStrike">
                 <a:latin typeface="Arial"/>
               </a:rPr>
-              <a:t>Click to edit the outline text format</a:t>
+              <a:t>Click to edit the outline text </a:t>
+            </a:r>
+            <a:r>
+              <a:rPr b="0" lang="en-US" sz="1800" spc="-1" strike="noStrike">
+                <a:latin typeface="Arial"/>
+              </a:rPr>
+              <a:t>format</a:t>
             </a:r>
             <a:endParaRPr b="0" lang="en-US" sz="1800" spc="-1" strike="noStrike">
               <a:latin typeface="Arial"/>
@@ -18283,7 +18049,13 @@
               <a:rPr b="0" lang="en-US" sz="1800" spc="-1" strike="noStrike">
                 <a:latin typeface="Arial"/>
               </a:rPr>
-              <a:t>Fourth Outline Level</a:t>
+              <a:t>Fourth Outline </a:t>
+            </a:r>
+            <a:r>
+              <a:rPr b="0" lang="en-US" sz="1800" spc="-1" strike="noStrike">
+                <a:latin typeface="Arial"/>
+              </a:rPr>
+              <a:t>Level</a:t>
             </a:r>
             <a:endParaRPr b="0" lang="en-US" sz="1800" spc="-1" strike="noStrike">
               <a:latin typeface="Arial"/>
@@ -18305,7 +18077,13 @@
               <a:rPr b="0" lang="en-US" sz="1800" spc="-1" strike="noStrike">
                 <a:latin typeface="Arial"/>
               </a:rPr>
-              <a:t>Fifth Outline Level</a:t>
+              <a:t>Fifth Outline </a:t>
+            </a:r>
+            <a:r>
+              <a:rPr b="0" lang="en-US" sz="1800" spc="-1" strike="noStrike">
+                <a:latin typeface="Arial"/>
+              </a:rPr>
+              <a:t>Level</a:t>
             </a:r>
             <a:endParaRPr b="0" lang="en-US" sz="1800" spc="-1" strike="noStrike">
               <a:latin typeface="Arial"/>
@@ -18327,7 +18105,19 @@
               <a:rPr b="0" lang="en-US" sz="1800" spc="-1" strike="noStrike">
                 <a:latin typeface="Arial"/>
               </a:rPr>
-              <a:t>Sixth Outline Level</a:t>
+              <a:t>Sixth </a:t>
+            </a:r>
+            <a:r>
+              <a:rPr b="0" lang="en-US" sz="1800" spc="-1" strike="noStrike">
+                <a:latin typeface="Arial"/>
+              </a:rPr>
+              <a:t>Outline </a:t>
+            </a:r>
+            <a:r>
+              <a:rPr b="0" lang="en-US" sz="1800" spc="-1" strike="noStrike">
+                <a:latin typeface="Arial"/>
+              </a:rPr>
+              <a:t>Level</a:t>
             </a:r>
             <a:endParaRPr b="0" lang="en-US" sz="1800" spc="-1" strike="noStrike">
               <a:latin typeface="Arial"/>
@@ -18349,7 +18139,31 @@
               <a:rPr b="0" lang="en-US" sz="1800" spc="-1" strike="noStrike">
                 <a:latin typeface="Arial"/>
               </a:rPr>
-              <a:t>Seventh Outline Level</a:t>
+              <a:t>Seve</a:t>
+            </a:r>
+            <a:r>
+              <a:rPr b="0" lang="en-US" sz="1800" spc="-1" strike="noStrike">
+                <a:latin typeface="Arial"/>
+              </a:rPr>
+              <a:t>nth </a:t>
+            </a:r>
+            <a:r>
+              <a:rPr b="0" lang="en-US" sz="1800" spc="-1" strike="noStrike">
+                <a:latin typeface="Arial"/>
+              </a:rPr>
+              <a:t>Outlin</a:t>
+            </a:r>
+            <a:r>
+              <a:rPr b="0" lang="en-US" sz="1800" spc="-1" strike="noStrike">
+                <a:latin typeface="Arial"/>
+              </a:rPr>
+              <a:t>e </a:t>
+            </a:r>
+            <a:r>
+              <a:rPr b="0" lang="en-US" sz="1800" spc="-1" strike="noStrike">
+                <a:latin typeface="Arial"/>
+              </a:rPr>
+              <a:t>Level</a:t>
             </a:r>
             <a:endParaRPr b="0" lang="en-US" sz="1800" spc="-1" strike="noStrike">
               <a:latin typeface="Arial"/>
@@ -18510,7 +18324,13 @@
               <a:rPr b="0" lang="en-US" sz="1800" spc="-1" strike="noStrike">
                 <a:latin typeface="Arial"/>
               </a:rPr>
-              <a:t>Sixth Outline Level</a:t>
+              <a:t>Sixth Outline </a:t>
+            </a:r>
+            <a:r>
+              <a:rPr b="0" lang="en-US" sz="1800" spc="-1" strike="noStrike">
+                <a:latin typeface="Arial"/>
+              </a:rPr>
+              <a:t>Level</a:t>
             </a:r>
             <a:endParaRPr b="0" lang="en-US" sz="1800" spc="-1" strike="noStrike">
               <a:latin typeface="Arial"/>
@@ -18532,7 +18352,19 @@
               <a:rPr b="0" lang="en-US" sz="1800" spc="-1" strike="noStrike">
                 <a:latin typeface="Arial"/>
               </a:rPr>
-              <a:t>Seventh Outline Level</a:t>
+              <a:t>Seventh </a:t>
+            </a:r>
+            <a:r>
+              <a:rPr b="0" lang="en-US" sz="1800" spc="-1" strike="noStrike">
+                <a:latin typeface="Arial"/>
+              </a:rPr>
+              <a:t>Outline </a:t>
+            </a:r>
+            <a:r>
+              <a:rPr b="0" lang="en-US" sz="1800" spc="-1" strike="noStrike">
+                <a:latin typeface="Arial"/>
+              </a:rPr>
+              <a:t>Level</a:t>
             </a:r>
             <a:endParaRPr b="0" lang="en-US" sz="1800" spc="-1" strike="noStrike">
               <a:latin typeface="Arial"/>
@@ -18789,7 +18621,16 @@
                 </a:solidFill>
                 <a:latin typeface="Arial"/>
               </a:rPr>
-              <a:t>To Calculate the solar position we will need</a:t>
+              <a:t>To Calculate the solar position </a:t>
+            </a:r>
+            <a:r>
+              <a:rPr b="0" lang="en-US" sz="2400" spc="-1" strike="noStrike">
+                <a:solidFill>
+                  <a:srgbClr val="000000"/>
+                </a:solidFill>
+                <a:latin typeface="Arial"/>
+              </a:rPr>
+              <a:t>we will need</a:t>
             </a:r>
             <a:endParaRPr b="0" lang="en-US" sz="2400" spc="-1" strike="noStrike">
               <a:latin typeface="Arial"/>
@@ -18818,7 +18659,16 @@
                 </a:solidFill>
                 <a:latin typeface="Arial"/>
               </a:rPr>
-              <a:t>- Latitude and Longitude (Iterative)</a:t>
+              <a:t>- Latitude and Longitude </a:t>
+            </a:r>
+            <a:r>
+              <a:rPr b="0" lang="en-US" sz="2400" spc="-1" strike="noStrike">
+                <a:solidFill>
+                  <a:srgbClr val="000000"/>
+                </a:solidFill>
+                <a:latin typeface="Arial"/>
+              </a:rPr>
+              <a:t>(Iterative)</a:t>
             </a:r>
             <a:endParaRPr b="0" lang="en-US" sz="2400" spc="-1" strike="noStrike">
               <a:latin typeface="Arial"/>
@@ -18847,7 +18697,16 @@
                 </a:solidFill>
                 <a:latin typeface="Arial"/>
               </a:rPr>
-              <a:t>- Current Date and UTC Time at Location</a:t>
+              <a:t>- Current Date and UTC Time </a:t>
+            </a:r>
+            <a:r>
+              <a:rPr b="0" lang="en-US" sz="2400" spc="-1" strike="noStrike">
+                <a:solidFill>
+                  <a:srgbClr val="000000"/>
+                </a:solidFill>
+                <a:latin typeface="Arial"/>
+              </a:rPr>
+              <a:t>at Location</a:t>
             </a:r>
             <a:endParaRPr b="0" lang="en-US" sz="2400" spc="-1" strike="noStrike">
               <a:latin typeface="Arial"/>
@@ -18876,7 +18735,25 @@
                 </a:solidFill>
                 <a:latin typeface="Arial"/>
               </a:rPr>
-              <a:t>- Elapsed Julian Days (calculated by subtracting current date from January 1</a:t>
+              <a:t>- Elapsed Julian Days </a:t>
+            </a:r>
+            <a:r>
+              <a:rPr b="0" lang="en-US" sz="2400" spc="-1" strike="noStrike">
+                <a:solidFill>
+                  <a:srgbClr val="000000"/>
+                </a:solidFill>
+                <a:latin typeface="Arial"/>
+              </a:rPr>
+              <a:t>(calculated by subtracting </a:t>
+            </a:r>
+            <a:r>
+              <a:rPr b="0" lang="en-US" sz="2400" spc="-1" strike="noStrike">
+                <a:solidFill>
+                  <a:srgbClr val="000000"/>
+                </a:solidFill>
+                <a:latin typeface="Arial"/>
+              </a:rPr>
+              <a:t>current date from January 1</a:t>
             </a:r>
             <a:r>
               <a:rPr b="0" lang="en-US" sz="2400" spc="-1" strike="noStrike" baseline="33000">
@@ -18894,7 +18771,16 @@
                 </a:solidFill>
                 <a:latin typeface="Arial"/>
               </a:rPr>
-              <a:t>, 2000)</a:t>
+              <a:t>, </a:t>
+            </a:r>
+            <a:r>
+              <a:rPr b="0" lang="en-US" sz="2400" spc="-1" strike="noStrike">
+                <a:solidFill>
+                  <a:srgbClr val="000000"/>
+                </a:solidFill>
+                <a:latin typeface="Arial"/>
+              </a:rPr>
+              <a:t>2000)</a:t>
             </a:r>
             <a:endParaRPr b="0" lang="en-US" sz="2400" spc="-1" strike="noStrike">
               <a:latin typeface="Arial"/>
@@ -19008,7 +18894,7 @@
               </a:lnSpc>
               <a:buNone/>
             </a:pPr>
-            <a:fld id="{2E12FA32-EC65-4106-8CC4-2F2E8241A823}" type="slidenum">
+            <a:fld id="{65816BE3-C3BE-45E4-A15C-469954173052}" type="slidenum">
               <a:rPr b="1" lang="en-US" sz="2400" spc="-1" strike="noStrike">
                 <a:solidFill>
                   <a:srgbClr val="039a44"/>
@@ -19150,7 +19036,7 @@
               </a:lnSpc>
               <a:buNone/>
             </a:pPr>
-            <a:fld id="{5B4B434A-AED3-420E-8075-0F828BD737E3}" type="slidenum">
+            <a:fld id="{6F6FEAA5-218E-48D6-B402-25D8D0E98C70}" type="slidenum">
               <a:rPr b="1" lang="en-US" sz="2400" spc="-1" strike="noStrike">
                 <a:solidFill>
                   <a:srgbClr val="039a44"/>
@@ -19505,7 +19391,7 @@
               </a:lnSpc>
               <a:buNone/>
             </a:pPr>
-            <a:fld id="{78E0EC67-F2AD-49CF-92CE-1E79E2E7D317}" type="slidenum">
+            <a:fld id="{02426103-2B83-45C2-B3B9-7C2474EB7B11}" type="slidenum">
               <a:rPr b="1" lang="en-US" sz="2400" spc="-1" strike="noStrike">
                 <a:solidFill>
                   <a:srgbClr val="039a44"/>
@@ -19576,7 +19462,7 @@
                 </a:solidFill>
                 <a:latin typeface="Arial"/>
               </a:rPr>
-              <a:t>NOAA data was used for </a:t>
+              <a:t>NOAA data </a:t>
             </a:r>
             <a:r>
               <a:rPr b="0" lang="en-US" sz="2400" spc="-1" strike="noStrike">
@@ -19585,7 +19471,25 @@
                 </a:solidFill>
                 <a:latin typeface="Arial"/>
               </a:rPr>
-              <a:t>small scale tests</a:t>
+              <a:t>was used for </a:t>
+            </a:r>
+            <a:r>
+              <a:rPr b="0" lang="en-US" sz="2400" spc="-1" strike="noStrike">
+                <a:solidFill>
+                  <a:srgbClr val="000000"/>
+                </a:solidFill>
+                <a:latin typeface="Arial"/>
+              </a:rPr>
+              <a:t>small scale </a:t>
+            </a:r>
+            <a:r>
+              <a:rPr b="0" lang="en-US" sz="2400" spc="-1" strike="noStrike">
+                <a:solidFill>
+                  <a:srgbClr val="000000"/>
+                </a:solidFill>
+                <a:latin typeface="Arial"/>
+              </a:rPr>
+              <a:t>tests</a:t>
             </a:r>
             <a:endParaRPr b="0" lang="en-US" sz="2400" spc="-1" strike="noStrike">
               <a:latin typeface="Arial"/>
@@ -19614,7 +19518,7 @@
                 </a:solidFill>
                 <a:latin typeface="Arial"/>
               </a:rPr>
-              <a:t>The website provided </a:t>
+              <a:t>The website </a:t>
             </a:r>
             <a:r>
               <a:rPr b="0" lang="en-US" sz="2400" spc="-1" strike="noStrike">
@@ -19623,7 +19527,7 @@
                 </a:solidFill>
                 <a:latin typeface="Arial"/>
               </a:rPr>
-              <a:t>azimuths and altitudes for </a:t>
+              <a:t>provided </a:t>
             </a:r>
             <a:r>
               <a:rPr b="0" lang="en-US" sz="2400" spc="-1" strike="noStrike">
@@ -19632,7 +19536,34 @@
                 </a:solidFill>
                 <a:latin typeface="Arial"/>
               </a:rPr>
-              <a:t>specific locations and </a:t>
+              <a:t>azimuths and </a:t>
+            </a:r>
+            <a:r>
+              <a:rPr b="0" lang="en-US" sz="2400" spc="-1" strike="noStrike">
+                <a:solidFill>
+                  <a:srgbClr val="000000"/>
+                </a:solidFill>
+                <a:latin typeface="Arial"/>
+              </a:rPr>
+              <a:t>altitudes for </a:t>
+            </a:r>
+            <a:r>
+              <a:rPr b="0" lang="en-US" sz="2400" spc="-1" strike="noStrike">
+                <a:solidFill>
+                  <a:srgbClr val="000000"/>
+                </a:solidFill>
+                <a:latin typeface="Arial"/>
+              </a:rPr>
+              <a:t>specific </a:t>
+            </a:r>
+            <a:r>
+              <a:rPr b="0" lang="en-US" sz="2400" spc="-1" strike="noStrike">
+                <a:solidFill>
+                  <a:srgbClr val="000000"/>
+                </a:solidFill>
+                <a:latin typeface="Arial"/>
+              </a:rPr>
+              <a:t>locations and </a:t>
             </a:r>
             <a:r>
               <a:rPr b="0" lang="en-US" sz="2400" spc="-1" strike="noStrike">
@@ -19670,7 +19601,7 @@
                 </a:solidFill>
                 <a:latin typeface="Arial"/>
               </a:rPr>
-              <a:t>Allowed for testing on </a:t>
+              <a:t>Allowed for </a:t>
             </a:r>
             <a:r>
               <a:rPr b="0" lang="en-US" sz="2400" spc="-1" strike="noStrike">
@@ -19679,7 +19610,25 @@
                 </a:solidFill>
                 <a:latin typeface="Arial"/>
               </a:rPr>
-              <a:t>several cities around the </a:t>
+              <a:t>testing on </a:t>
+            </a:r>
+            <a:r>
+              <a:rPr b="0" lang="en-US" sz="2400" spc="-1" strike="noStrike">
+                <a:solidFill>
+                  <a:srgbClr val="000000"/>
+                </a:solidFill>
+                <a:latin typeface="Arial"/>
+              </a:rPr>
+              <a:t>several cities </a:t>
+            </a:r>
+            <a:r>
+              <a:rPr b="0" lang="en-US" sz="2400" spc="-1" strike="noStrike">
+                <a:solidFill>
+                  <a:srgbClr val="000000"/>
+                </a:solidFill>
+                <a:latin typeface="Arial"/>
+              </a:rPr>
+              <a:t>around the </a:t>
             </a:r>
             <a:r>
               <a:rPr b="0" lang="en-US" sz="2400" spc="-1" strike="noStrike">
@@ -19823,7 +19772,7 @@
               </a:lnSpc>
               <a:buNone/>
             </a:pPr>
-            <a:fld id="{8F4BC350-13A2-4AEE-8EE8-721D7B54662C}" type="slidenum">
+            <a:fld id="{497059A8-13C3-4686-BE63-D3BA2A31F3C9}" type="slidenum">
               <a:rPr b="1" lang="en-US" sz="2400" spc="-1" strike="noStrike">
                 <a:solidFill>
                   <a:srgbClr val="039a44"/>
@@ -20069,7 +20018,7 @@
               </a:lnSpc>
               <a:buNone/>
             </a:pPr>
-            <a:fld id="{4C70BD84-A858-4256-AF69-0FC1808C5AF3}" type="slidenum">
+            <a:fld id="{8AF8C40A-0208-4C7D-8255-CEF92C6DDE9F}" type="slidenum">
               <a:rPr b="1" lang="en-US" sz="2400" spc="-1" strike="noStrike">
                 <a:solidFill>
                   <a:srgbClr val="039a44"/>
@@ -21156,7 +21105,7 @@
               </a:lnSpc>
               <a:buNone/>
             </a:pPr>
-            <a:fld id="{6ECAC5F4-E8CC-494F-A826-F68FB35C74E5}" type="slidenum">
+            <a:fld id="{C4815DDB-69BF-4877-8AE2-F81AA1DA2D4D}" type="slidenum">
               <a:rPr b="1" lang="en-US" sz="2400" spc="-1" strike="noStrike">
                 <a:solidFill>
                   <a:srgbClr val="039a44"/>
@@ -21479,7 +21428,7 @@
               </a:lnSpc>
               <a:buNone/>
             </a:pPr>
-            <a:fld id="{9008D172-A4B1-40B5-859E-DFB5C92526CE}" type="slidenum">
+            <a:fld id="{FAF9A252-EC68-4ABD-8361-E0A1D653F1C1}" type="slidenum">
               <a:rPr b="1" lang="en-US" sz="2400" spc="-1" strike="noStrike">
                 <a:solidFill>
                   <a:srgbClr val="039a44"/>
@@ -21621,7 +21570,7 @@
               </a:lnSpc>
               <a:buNone/>
             </a:pPr>
-            <a:fld id="{6847BB76-500E-45E7-900A-FC7B82FA38C2}" type="slidenum">
+            <a:fld id="{8A01E9F4-0729-4A0C-A44E-2B4C61FA74B3}" type="slidenum">
               <a:rPr b="1" lang="en-US" sz="2400" spc="-1" strike="noStrike">
                 <a:solidFill>
                   <a:srgbClr val="039a44"/>
@@ -22122,7 +22071,7 @@
               </a:lnSpc>
               <a:buNone/>
             </a:pPr>
-            <a:fld id="{57EE290F-66DF-42AC-903F-0153C95BC4AA}" type="slidenum">
+            <a:fld id="{604C62A6-BA36-4FF9-BE17-2DF3BB13593A}" type="slidenum">
               <a:rPr b="1" lang="en-US" sz="2400" spc="-1" strike="noStrike">
                 <a:solidFill>
                   <a:srgbClr val="039a44"/>
@@ -22684,7 +22633,7 @@
               </a:lnSpc>
               <a:buNone/>
             </a:pPr>
-            <a:fld id="{18C55055-DB1C-4C3A-B3FA-DF4A71EE2C9B}" type="slidenum">
+            <a:fld id="{8FB843E7-6B5A-4158-A576-8D8DA057FA49}" type="slidenum">
               <a:rPr b="1" lang="en-US" sz="2400" spc="-1" strike="noStrike">
                 <a:solidFill>
                   <a:srgbClr val="039a44"/>
@@ -23228,7 +23177,7 @@
               </a:lnSpc>
               <a:buNone/>
             </a:pPr>
-            <a:fld id="{275087B7-2773-4A25-BBAA-053D1BCD3729}" type="slidenum">
+            <a:fld id="{842E485D-E5D3-415A-ADE5-216C95322A21}" type="slidenum">
               <a:rPr b="1" lang="en-US" sz="2400" spc="-1" strike="noStrike">
                 <a:solidFill>
                   <a:srgbClr val="039a44"/>
@@ -23474,7 +23423,7 @@
               </a:lnSpc>
               <a:buNone/>
             </a:pPr>
-            <a:fld id="{D539ABE1-9BAD-43E9-9456-80C96E9C83C2}" type="slidenum">
+            <a:fld id="{001E145B-A5F9-44CC-AF48-0D04684E5985}" type="slidenum">
               <a:rPr b="1" lang="en-US" sz="2400" spc="-1" strike="noStrike">
                 <a:solidFill>
                   <a:srgbClr val="039a44"/>
@@ -23818,7 +23767,7 @@
               </a:lnSpc>
               <a:buNone/>
             </a:pPr>
-            <a:fld id="{3224F0B4-C26E-4536-92EC-0E30659F6F94}" type="slidenum">
+            <a:fld id="{B670D7CF-1788-4440-9E04-E0EF2E469A92}" type="slidenum">
               <a:rPr b="1" lang="en-US" sz="2400" spc="-1" strike="noStrike">
                 <a:solidFill>
                   <a:srgbClr val="039a44"/>
@@ -24064,7 +24013,7 @@
               </a:lnSpc>
               <a:buNone/>
             </a:pPr>
-            <a:fld id="{717BB3B9-EE8D-45E6-8CA4-DC19537C0DFA}" type="slidenum">
+            <a:fld id="{20E98C12-47A3-43EE-9945-F129E75BB6B1}" type="slidenum">
               <a:rPr b="1" lang="en-US" sz="2400" spc="-1" strike="noStrike">
                 <a:solidFill>
                   <a:srgbClr val="039a44"/>
@@ -24408,7 +24357,7 @@
               </a:lnSpc>
               <a:buNone/>
             </a:pPr>
-            <a:fld id="{619DC34D-BE41-4064-97E0-06E2B5E904C0}" type="slidenum">
+            <a:fld id="{39FB964B-10BA-4941-A7A1-95456277E0EF}" type="slidenum">
               <a:rPr b="1" lang="en-US" sz="2400" spc="-1" strike="noStrike">
                 <a:solidFill>
                   <a:srgbClr val="039a44"/>
@@ -24654,7 +24603,7 @@
               </a:lnSpc>
               <a:buNone/>
             </a:pPr>
-            <a:fld id="{A10381A8-2C6B-4804-AECD-3FE044FFB0C5}" type="slidenum">
+            <a:fld id="{FD06797E-D185-46AB-B925-BC6A2DF9026F}" type="slidenum">
               <a:rPr b="1" lang="en-US" sz="2400" spc="-1" strike="noStrike">
                 <a:solidFill>
                   <a:srgbClr val="039a44"/>
@@ -25005,7 +24954,43 @@
                 </a:solidFill>
                 <a:latin typeface="Arial"/>
               </a:rPr>
-              <a:t>We have a camera that can track onto the sun or we have the ability to gather object height and shadow lengths</a:t>
+              <a:t>We have a camera that </a:t>
+            </a:r>
+            <a:r>
+              <a:rPr b="0" lang="en-US" sz="2400" spc="-1" strike="noStrike">
+                <a:solidFill>
+                  <a:srgbClr val="000000"/>
+                </a:solidFill>
+                <a:latin typeface="Arial"/>
+              </a:rPr>
+              <a:t>can track onto the sun </a:t>
+            </a:r>
+            <a:r>
+              <a:rPr b="0" lang="en-US" sz="2400" spc="-1" strike="noStrike">
+                <a:solidFill>
+                  <a:srgbClr val="000000"/>
+                </a:solidFill>
+                <a:latin typeface="Arial"/>
+              </a:rPr>
+              <a:t>or we have the ability </a:t>
+            </a:r>
+            <a:r>
+              <a:rPr b="0" lang="en-US" sz="2400" spc="-1" strike="noStrike">
+                <a:solidFill>
+                  <a:srgbClr val="000000"/>
+                </a:solidFill>
+                <a:latin typeface="Arial"/>
+              </a:rPr>
+              <a:t>to gather object height </a:t>
+            </a:r>
+            <a:r>
+              <a:rPr b="0" lang="en-US" sz="2400" spc="-1" strike="noStrike">
+                <a:solidFill>
+                  <a:srgbClr val="000000"/>
+                </a:solidFill>
+                <a:latin typeface="Arial"/>
+              </a:rPr>
+              <a:t>and shadow lengths</a:t>
             </a:r>
             <a:endParaRPr b="0" lang="en-US" sz="2400" spc="-1" strike="noStrike">
               <a:latin typeface="Arial"/>
@@ -25039,7 +25024,16 @@
                 </a:solidFill>
                 <a:latin typeface="Arial"/>
               </a:rPr>
-              <a:t>We have the ability to know true north</a:t>
+              <a:t>We have the ability to </a:t>
+            </a:r>
+            <a:r>
+              <a:rPr b="1" lang="en-US" sz="2400" spc="-1" strike="noStrike">
+                <a:solidFill>
+                  <a:srgbClr val="000000"/>
+                </a:solidFill>
+                <a:latin typeface="Arial"/>
+              </a:rPr>
+              <a:t>know true north</a:t>
             </a:r>
             <a:endParaRPr b="0" lang="en-US" sz="2400" spc="-1" strike="noStrike">
               <a:latin typeface="Arial"/>
@@ -25073,7 +25067,34 @@
                 </a:solidFill>
                 <a:latin typeface="Arial"/>
               </a:rPr>
-              <a:t>We have the current time and date in Coordinated Universal Time (UTC)</a:t>
+              <a:t>We have the current </a:t>
+            </a:r>
+            <a:r>
+              <a:rPr b="0" lang="en-US" sz="2400" spc="-1" strike="noStrike">
+                <a:solidFill>
+                  <a:srgbClr val="000000"/>
+                </a:solidFill>
+                <a:latin typeface="Arial"/>
+              </a:rPr>
+              <a:t>time and date in </a:t>
+            </a:r>
+            <a:r>
+              <a:rPr b="0" lang="en-US" sz="2400" spc="-1" strike="noStrike">
+                <a:solidFill>
+                  <a:srgbClr val="000000"/>
+                </a:solidFill>
+                <a:latin typeface="Arial"/>
+              </a:rPr>
+              <a:t>Coordinated Universal </a:t>
+            </a:r>
+            <a:r>
+              <a:rPr b="0" lang="en-US" sz="2400" spc="-1" strike="noStrike">
+                <a:solidFill>
+                  <a:srgbClr val="000000"/>
+                </a:solidFill>
+                <a:latin typeface="Arial"/>
+              </a:rPr>
+              <a:t>Time (UTC)</a:t>
             </a:r>
             <a:endParaRPr b="0" lang="en-US" sz="2400" spc="-1" strike="noStrike">
               <a:latin typeface="Arial"/>
@@ -25129,7 +25150,7 @@
               </a:lnSpc>
               <a:buNone/>
             </a:pPr>
-            <a:fld id="{74160F9E-AAAB-4C92-8311-53AFBC6D230B}" type="slidenum">
+            <a:fld id="{46F81D27-FFAE-45DB-8789-1D47B7710F4D}" type="slidenum">
               <a:rPr b="1" lang="en-US" sz="2400" spc="-1" strike="noStrike">
                 <a:solidFill>
                   <a:srgbClr val="039a44"/>
@@ -25271,7 +25292,7 @@
               </a:lnSpc>
               <a:buNone/>
             </a:pPr>
-            <a:fld id="{A7F29456-AD76-4413-A648-325C081978BA}" type="slidenum">
+            <a:fld id="{ABE64EC2-15FC-428C-8101-CAF900A6CA91}" type="slidenum">
               <a:rPr b="1" lang="en-US" sz="2400" spc="-1" strike="noStrike">
                 <a:solidFill>
                   <a:srgbClr val="039a44"/>
@@ -25517,7 +25538,7 @@
               </a:lnSpc>
               <a:buNone/>
             </a:pPr>
-            <a:fld id="{95BB2C65-513D-4118-B361-F1BBE55528D4}" type="slidenum">
+            <a:fld id="{0BE12375-E251-4B78-B331-B92807DD0BA4}" type="slidenum">
               <a:rPr b="1" lang="en-US" sz="2400" spc="-1" strike="noStrike">
                 <a:solidFill>
                   <a:srgbClr val="039a44"/>
@@ -25906,7 +25927,7 @@
               </a:lnSpc>
               <a:buNone/>
             </a:pPr>
-            <a:fld id="{10051A2D-4ED7-45CA-A370-09F81CF1E1A1}" type="slidenum">
+            <a:fld id="{27C37623-3950-4CE1-BEC9-2A1EFD84D6A6}" type="slidenum">
               <a:rPr b="1" lang="en-US" sz="2400" spc="-1" strike="noStrike">
                 <a:solidFill>
                   <a:srgbClr val="039a44"/>
@@ -26152,7 +26173,7 @@
               </a:lnSpc>
               <a:buNone/>
             </a:pPr>
-            <a:fld id="{8FB7740E-4704-45DB-B1E7-F1C7DA91A274}" type="slidenum">
+            <a:fld id="{CF327707-F98A-4471-B493-8C46E05550E8}" type="slidenum">
               <a:rPr b="1" lang="en-US" sz="2400" spc="-1" strike="noStrike">
                 <a:solidFill>
                   <a:srgbClr val="039a44"/>
@@ -26892,7 +26913,7 @@
               </a:lnSpc>
               <a:buNone/>
             </a:pPr>
-            <a:fld id="{E0EDD6FC-F8D7-4B22-B2BC-85E56C999F8C}" type="slidenum">
+            <a:fld id="{0A067394-F081-4F78-A6F1-A03982FDCA3D}" type="slidenum">
               <a:rPr b="1" lang="en-US" sz="2400" spc="-1" strike="noStrike">
                 <a:solidFill>
                   <a:srgbClr val="039a44"/>
@@ -27033,16 +27054,7 @@
                 </a:solidFill>
                 <a:latin typeface="Georgia"/>
               </a:rPr>
-              <a:t>Solar Azimuth and </a:t>
-            </a:r>
-            <a:r>
-              <a:rPr b="1" lang="en-US" sz="2600" spc="-1" strike="noStrike">
-                <a:solidFill>
-                  <a:srgbClr val="000000"/>
-                </a:solidFill>
-                <a:latin typeface="Georgia"/>
-              </a:rPr>
-              <a:t>Elevation with Camera</a:t>
+              <a:t>Solar Azimuth and Elevation with Camera</a:t>
             </a:r>
             <a:endParaRPr b="0" lang="en-US" sz="2600" spc="-1" strike="noStrike">
               <a:latin typeface="Arial"/>
@@ -27261,7 +27273,7 @@
               </a:lnSpc>
               <a:buNone/>
             </a:pPr>
-            <a:fld id="{2C7D82C4-087B-4FD8-A8C7-D27425072DE4}" type="slidenum">
+            <a:fld id="{676189D8-4468-4ACB-9A34-D3D2B310F90D}" type="slidenum">
               <a:rPr b="1" lang="en-US" sz="2400" spc="-1" strike="noStrike">
                 <a:solidFill>
                   <a:srgbClr val="039a44"/>
@@ -27402,34 +27414,7 @@
                 </a:solidFill>
                 <a:latin typeface="Georgia"/>
               </a:rPr>
-              <a:t>Solar </a:t>
-            </a:r>
-            <a:r>
-              <a:rPr b="1" lang="en-US" sz="2600" spc="-1" strike="noStrike">
-                <a:solidFill>
-                  <a:srgbClr val="000000"/>
-                </a:solidFill>
-                <a:latin typeface="Georgia"/>
-              </a:rPr>
-              <a:t>Azimuth </a:t>
-            </a:r>
-            <a:r>
-              <a:rPr b="1" lang="en-US" sz="2600" spc="-1" strike="noStrike">
-                <a:solidFill>
-                  <a:srgbClr val="000000"/>
-                </a:solidFill>
-                <a:latin typeface="Georgia"/>
-              </a:rPr>
-              <a:t>with </a:t>
-            </a:r>
-            <a:r>
-              <a:rPr b="1" lang="en-US" sz="2600" spc="-1" strike="noStrike">
-                <a:solidFill>
-                  <a:srgbClr val="000000"/>
-                </a:solidFill>
-                <a:latin typeface="Georgia"/>
-              </a:rPr>
-              <a:t>Shadow</a:t>
+              <a:t>Solar Azimuth with Shadow</a:t>
             </a:r>
             <a:endParaRPr b="0" lang="en-US" sz="2600" spc="-1" strike="noStrike">
               <a:latin typeface="Arial"/>
@@ -27572,7 +27557,7 @@
               </a:lnSpc>
               <a:buNone/>
             </a:pPr>
-            <a:fld id="{4EA7AD2D-4D82-4571-BC0C-813BF932D8C7}" type="slidenum">
+            <a:fld id="{885D431B-0915-4030-BC8F-0C12CC56440A}" type="slidenum">
               <a:rPr b="1" lang="en-US" sz="2400" spc="-1" strike="noStrike">
                 <a:solidFill>
                   <a:srgbClr val="039a44"/>
@@ -27879,7 +27864,7 @@
               </a:lnSpc>
               <a:buNone/>
             </a:pPr>
-            <a:fld id="{F226D600-CFB7-4CF6-B353-3AB4D8E03719}" type="slidenum">
+            <a:fld id="{B375BC07-1D90-4576-8105-6AC62F1A626E}" type="slidenum">
               <a:rPr b="1" lang="en-US" sz="2400" spc="-1" strike="noStrike">
                 <a:solidFill>
                   <a:srgbClr val="039a44"/>
@@ -28046,52 +28031,7 @@
                 </a:solidFill>
                 <a:latin typeface="Arial"/>
               </a:rPr>
-              <a:t>Once a local azimuth and </a:t>
-            </a:r>
-            <a:r>
-              <a:rPr b="0" lang="en-US" sz="2400" spc="-1" strike="noStrike">
-                <a:solidFill>
-                  <a:srgbClr val="000000"/>
-                </a:solidFill>
-                <a:latin typeface="Arial"/>
-              </a:rPr>
-              <a:t>altitude have been found, </a:t>
-            </a:r>
-            <a:r>
-              <a:rPr b="0" lang="en-US" sz="2400" spc="-1" strike="noStrike">
-                <a:solidFill>
-                  <a:srgbClr val="000000"/>
-                </a:solidFill>
-                <a:latin typeface="Arial"/>
-              </a:rPr>
-              <a:t>we can use that along with </a:t>
-            </a:r>
-            <a:r>
-              <a:rPr b="0" lang="en-US" sz="2400" spc="-1" strike="noStrike">
-                <a:solidFill>
-                  <a:srgbClr val="000000"/>
-                </a:solidFill>
-                <a:latin typeface="Arial"/>
-              </a:rPr>
-              <a:t>our UTC time to begin </a:t>
-            </a:r>
-            <a:r>
-              <a:rPr b="0" lang="en-US" sz="2400" spc="-1" strike="noStrike">
-                <a:solidFill>
-                  <a:srgbClr val="000000"/>
-                </a:solidFill>
-                <a:latin typeface="Arial"/>
-              </a:rPr>
-              <a:t>testing for our current </a:t>
-            </a:r>
-            <a:r>
-              <a:rPr b="0" lang="en-US" sz="2400" spc="-1" strike="noStrike">
-                <a:solidFill>
-                  <a:srgbClr val="000000"/>
-                </a:solidFill>
-                <a:latin typeface="Arial"/>
-              </a:rPr>
-              <a:t>latitude and longitude</a:t>
+              <a:t>Once a local azimuth and altitude have been found, we can use that along with our UTC time to begin testing for our current latitude and longitude</a:t>
             </a:r>
             <a:endParaRPr b="0" lang="en-US" sz="2400" spc="-1" strike="noStrike">
               <a:latin typeface="Arial"/>
@@ -28147,7 +28087,7 @@
               </a:lnSpc>
               <a:buNone/>
             </a:pPr>
-            <a:fld id="{2A232F46-B0B9-46E5-A7B5-6E9F48B2C7CF}" type="slidenum">
+            <a:fld id="{10BD6203-C1F6-47DB-8B26-E29B6B961432}" type="slidenum">
               <a:rPr b="1" lang="en-US" sz="2400" spc="-1" strike="noStrike">
                 <a:solidFill>
                   <a:srgbClr val="039a44"/>
@@ -28425,7 +28365,7 @@
               </a:lnSpc>
               <a:buNone/>
             </a:pPr>
-            <a:fld id="{FE838EF4-FEF6-4366-AF75-978B5A8598C9}" type="slidenum">
+            <a:fld id="{FFBBE530-FC1D-4A7C-AB01-FB9A015C4D6E}" type="slidenum">
               <a:rPr b="1" lang="en-US" sz="2400" spc="-1" strike="noStrike">
                 <a:solidFill>
                   <a:srgbClr val="039a44"/>
